--- a/shell/presentations/0_editors.pptx
+++ b/shell/presentations/0_editors.pptx
@@ -292,7 +292,7 @@
           <a:p>
             <a:fld id="{D119BB77-888A-BF43-BE39-D421BFDFAD7D}" type="datetimeFigureOut">
               <a:rPr lang="en-US" smtClean="0"/>
-              <a:t>20/03/15</a:t>
+              <a:t>22/02/17</a:t>
             </a:fld>
             <a:endParaRPr lang="en-US"/>
           </a:p>
@@ -462,7 +462,7 @@
           <a:p>
             <a:fld id="{D119BB77-888A-BF43-BE39-D421BFDFAD7D}" type="datetimeFigureOut">
               <a:rPr lang="en-US" smtClean="0"/>
-              <a:t>20/03/15</a:t>
+              <a:t>22/02/17</a:t>
             </a:fld>
             <a:endParaRPr lang="en-US"/>
           </a:p>
@@ -642,7 +642,7 @@
           <a:p>
             <a:fld id="{D119BB77-888A-BF43-BE39-D421BFDFAD7D}" type="datetimeFigureOut">
               <a:rPr lang="en-US" smtClean="0"/>
-              <a:t>20/03/15</a:t>
+              <a:t>22/02/17</a:t>
             </a:fld>
             <a:endParaRPr lang="en-US"/>
           </a:p>
@@ -812,7 +812,7 @@
           <a:p>
             <a:fld id="{D119BB77-888A-BF43-BE39-D421BFDFAD7D}" type="datetimeFigureOut">
               <a:rPr lang="en-US" smtClean="0"/>
-              <a:t>20/03/15</a:t>
+              <a:t>22/02/17</a:t>
             </a:fld>
             <a:endParaRPr lang="en-US"/>
           </a:p>
@@ -1058,7 +1058,7 @@
           <a:p>
             <a:fld id="{D119BB77-888A-BF43-BE39-D421BFDFAD7D}" type="datetimeFigureOut">
               <a:rPr lang="en-US" smtClean="0"/>
-              <a:t>20/03/15</a:t>
+              <a:t>22/02/17</a:t>
             </a:fld>
             <a:endParaRPr lang="en-US"/>
           </a:p>
@@ -1346,7 +1346,7 @@
           <a:p>
             <a:fld id="{D119BB77-888A-BF43-BE39-D421BFDFAD7D}" type="datetimeFigureOut">
               <a:rPr lang="en-US" smtClean="0"/>
-              <a:t>20/03/15</a:t>
+              <a:t>22/02/17</a:t>
             </a:fld>
             <a:endParaRPr lang="en-US"/>
           </a:p>
@@ -1768,7 +1768,7 @@
           <a:p>
             <a:fld id="{D119BB77-888A-BF43-BE39-D421BFDFAD7D}" type="datetimeFigureOut">
               <a:rPr lang="en-US" smtClean="0"/>
-              <a:t>20/03/15</a:t>
+              <a:t>22/02/17</a:t>
             </a:fld>
             <a:endParaRPr lang="en-US"/>
           </a:p>
@@ -1886,7 +1886,7 @@
           <a:p>
             <a:fld id="{D119BB77-888A-BF43-BE39-D421BFDFAD7D}" type="datetimeFigureOut">
               <a:rPr lang="en-US" smtClean="0"/>
-              <a:t>20/03/15</a:t>
+              <a:t>22/02/17</a:t>
             </a:fld>
             <a:endParaRPr lang="en-US"/>
           </a:p>
@@ -1981,7 +1981,7 @@
           <a:p>
             <a:fld id="{D119BB77-888A-BF43-BE39-D421BFDFAD7D}" type="datetimeFigureOut">
               <a:rPr lang="en-US" smtClean="0"/>
-              <a:t>20/03/15</a:t>
+              <a:t>22/02/17</a:t>
             </a:fld>
             <a:endParaRPr lang="en-US"/>
           </a:p>
@@ -2258,7 +2258,7 @@
           <a:p>
             <a:fld id="{D119BB77-888A-BF43-BE39-D421BFDFAD7D}" type="datetimeFigureOut">
               <a:rPr lang="en-US" smtClean="0"/>
-              <a:t>20/03/15</a:t>
+              <a:t>22/02/17</a:t>
             </a:fld>
             <a:endParaRPr lang="en-US"/>
           </a:p>
@@ -2511,7 +2511,7 @@
           <a:p>
             <a:fld id="{D119BB77-888A-BF43-BE39-D421BFDFAD7D}" type="datetimeFigureOut">
               <a:rPr lang="en-US" smtClean="0"/>
-              <a:t>20/03/15</a:t>
+              <a:t>22/02/17</a:t>
             </a:fld>
             <a:endParaRPr lang="en-US"/>
           </a:p>
@@ -2724,7 +2724,7 @@
           <a:p>
             <a:fld id="{D119BB77-888A-BF43-BE39-D421BFDFAD7D}" type="datetimeFigureOut">
               <a:rPr lang="en-US" smtClean="0"/>
-              <a:t>20/03/15</a:t>
+              <a:t>22/02/17</a:t>
             </a:fld>
             <a:endParaRPr lang="en-US"/>
           </a:p>
@@ -3456,7 +3456,11 @@
           <a:p>
             <a:r>
               <a:rPr lang="en-US" dirty="0" smtClean="0"/>
-              <a:t>Today we will be using term</a:t>
+              <a:t>Today we will be using </a:t>
+            </a:r>
+            <a:r>
+              <a:rPr lang="en-US" dirty="0" smtClean="0"/>
+              <a:t>term</a:t>
             </a:r>
             <a:endParaRPr lang="en-US" dirty="0"/>
           </a:p>

--- a/shell/presentations/0_editors.pptx
+++ b/shell/presentations/0_editors.pptx
@@ -108,6 +108,22 @@
       </a:defRPr>
     </a:lvl9pPr>
   </p:defaultTextStyle>
+  <p:extLst>
+    <p:ext uri="{EFAFB233-063F-42B5-8137-9DF3F51BA10A}">
+      <p15:sldGuideLst xmlns:p15="http://schemas.microsoft.com/office/powerpoint/2012/main">
+        <p15:guide id="1" orient="horz" pos="2160">
+          <p15:clr>
+            <a:srgbClr val="A4A3A4"/>
+          </p15:clr>
+        </p15:guide>
+        <p15:guide id="2" pos="2880">
+          <p15:clr>
+            <a:srgbClr val="A4A3A4"/>
+          </p15:clr>
+        </p15:guide>
+      </p15:sldGuideLst>
+    </p:ext>
+  </p:extLst>
 </p:presentation>
 </file>
 
@@ -292,7 +308,7 @@
           <a:p>
             <a:fld id="{D119BB77-888A-BF43-BE39-D421BFDFAD7D}" type="datetimeFigureOut">
               <a:rPr lang="en-US" smtClean="0"/>
-              <a:t>22/02/17</a:t>
+              <a:t>11/7/17</a:t>
             </a:fld>
             <a:endParaRPr lang="en-US"/>
           </a:p>
@@ -462,7 +478,7 @@
           <a:p>
             <a:fld id="{D119BB77-888A-BF43-BE39-D421BFDFAD7D}" type="datetimeFigureOut">
               <a:rPr lang="en-US" smtClean="0"/>
-              <a:t>22/02/17</a:t>
+              <a:t>11/7/17</a:t>
             </a:fld>
             <a:endParaRPr lang="en-US"/>
           </a:p>
@@ -642,7 +658,7 @@
           <a:p>
             <a:fld id="{D119BB77-888A-BF43-BE39-D421BFDFAD7D}" type="datetimeFigureOut">
               <a:rPr lang="en-US" smtClean="0"/>
-              <a:t>22/02/17</a:t>
+              <a:t>11/7/17</a:t>
             </a:fld>
             <a:endParaRPr lang="en-US"/>
           </a:p>
@@ -812,7 +828,7 @@
           <a:p>
             <a:fld id="{D119BB77-888A-BF43-BE39-D421BFDFAD7D}" type="datetimeFigureOut">
               <a:rPr lang="en-US" smtClean="0"/>
-              <a:t>22/02/17</a:t>
+              <a:t>11/7/17</a:t>
             </a:fld>
             <a:endParaRPr lang="en-US"/>
           </a:p>
@@ -1058,7 +1074,7 @@
           <a:p>
             <a:fld id="{D119BB77-888A-BF43-BE39-D421BFDFAD7D}" type="datetimeFigureOut">
               <a:rPr lang="en-US" smtClean="0"/>
-              <a:t>22/02/17</a:t>
+              <a:t>11/7/17</a:t>
             </a:fld>
             <a:endParaRPr lang="en-US"/>
           </a:p>
@@ -1346,7 +1362,7 @@
           <a:p>
             <a:fld id="{D119BB77-888A-BF43-BE39-D421BFDFAD7D}" type="datetimeFigureOut">
               <a:rPr lang="en-US" smtClean="0"/>
-              <a:t>22/02/17</a:t>
+              <a:t>11/7/17</a:t>
             </a:fld>
             <a:endParaRPr lang="en-US"/>
           </a:p>
@@ -1768,7 +1784,7 @@
           <a:p>
             <a:fld id="{D119BB77-888A-BF43-BE39-D421BFDFAD7D}" type="datetimeFigureOut">
               <a:rPr lang="en-US" smtClean="0"/>
-              <a:t>22/02/17</a:t>
+              <a:t>11/7/17</a:t>
             </a:fld>
             <a:endParaRPr lang="en-US"/>
           </a:p>
@@ -1886,7 +1902,7 @@
           <a:p>
             <a:fld id="{D119BB77-888A-BF43-BE39-D421BFDFAD7D}" type="datetimeFigureOut">
               <a:rPr lang="en-US" smtClean="0"/>
-              <a:t>22/02/17</a:t>
+              <a:t>11/7/17</a:t>
             </a:fld>
             <a:endParaRPr lang="en-US"/>
           </a:p>
@@ -1981,7 +1997,7 @@
           <a:p>
             <a:fld id="{D119BB77-888A-BF43-BE39-D421BFDFAD7D}" type="datetimeFigureOut">
               <a:rPr lang="en-US" smtClean="0"/>
-              <a:t>22/02/17</a:t>
+              <a:t>11/7/17</a:t>
             </a:fld>
             <a:endParaRPr lang="en-US"/>
           </a:p>
@@ -2258,7 +2274,7 @@
           <a:p>
             <a:fld id="{D119BB77-888A-BF43-BE39-D421BFDFAD7D}" type="datetimeFigureOut">
               <a:rPr lang="en-US" smtClean="0"/>
-              <a:t>22/02/17</a:t>
+              <a:t>11/7/17</a:t>
             </a:fld>
             <a:endParaRPr lang="en-US"/>
           </a:p>
@@ -2511,7 +2527,7 @@
           <a:p>
             <a:fld id="{D119BB77-888A-BF43-BE39-D421BFDFAD7D}" type="datetimeFigureOut">
               <a:rPr lang="en-US" smtClean="0"/>
-              <a:t>22/02/17</a:t>
+              <a:t>11/7/17</a:t>
             </a:fld>
             <a:endParaRPr lang="en-US"/>
           </a:p>
@@ -2724,7 +2740,7 @@
           <a:p>
             <a:fld id="{D119BB77-888A-BF43-BE39-D421BFDFAD7D}" type="datetimeFigureOut">
               <a:rPr lang="en-US" smtClean="0"/>
-              <a:t>22/02/17</a:t>
+              <a:t>11/7/17</a:t>
             </a:fld>
             <a:endParaRPr lang="en-US"/>
           </a:p>
@@ -3223,7 +3239,15 @@
           <a:p>
             <a:r>
               <a:rPr lang="en-US" dirty="0" smtClean="0"/>
-              <a:t>Some editors are use a window – </a:t>
+              <a:t>Some </a:t>
+            </a:r>
+            <a:r>
+              <a:rPr lang="en-US" dirty="0" smtClean="0"/>
+              <a:t>editors </a:t>
+            </a:r>
+            <a:r>
+              <a:rPr lang="en-US" dirty="0" smtClean="0"/>
+              <a:t>use a window – </a:t>
             </a:r>
             <a:r>
               <a:rPr lang="en-US" dirty="0" err="1" smtClean="0"/>
@@ -3456,11 +3480,7 @@
           <a:p>
             <a:r>
               <a:rPr lang="en-US" dirty="0" smtClean="0"/>
-              <a:t>Today we will be using </a:t>
-            </a:r>
-            <a:r>
-              <a:rPr lang="en-US" dirty="0" smtClean="0"/>
-              <a:t>term</a:t>
+              <a:t>Today we will be using term</a:t>
             </a:r>
             <a:endParaRPr lang="en-US" dirty="0"/>
           </a:p>

--- a/shell/presentations/0_editors.pptx
+++ b/shell/presentations/0_editors.pptx
@@ -10,6 +10,9 @@
     <p:sldId id="258" r:id="rId4"/>
     <p:sldId id="259" r:id="rId5"/>
     <p:sldId id="260" r:id="rId6"/>
+    <p:sldId id="261" r:id="rId7"/>
+    <p:sldId id="262" r:id="rId8"/>
+    <p:sldId id="263" r:id="rId9"/>
   </p:sldIdLst>
   <p:sldSz cx="9144000" cy="6858000" type="screen4x3"/>
   <p:notesSz cx="6858000" cy="9144000"/>
@@ -3239,15 +3242,7 @@
           <a:p>
             <a:r>
               <a:rPr lang="en-US" dirty="0" smtClean="0"/>
-              <a:t>Some </a:t>
-            </a:r>
-            <a:r>
-              <a:rPr lang="en-US" dirty="0" smtClean="0"/>
-              <a:t>editors </a:t>
-            </a:r>
-            <a:r>
-              <a:rPr lang="en-US" dirty="0" smtClean="0"/>
-              <a:t>use a window – </a:t>
+              <a:t>Some editors use a window – </a:t>
             </a:r>
             <a:r>
               <a:rPr lang="en-US" dirty="0" err="1" smtClean="0"/>
@@ -3518,6 +3513,5309 @@
     <p:extLst>
       <p:ext uri="{BB962C8B-B14F-4D97-AF65-F5344CB8AC3E}">
         <p14:creationId xmlns:p14="http://schemas.microsoft.com/office/powerpoint/2010/main" val="3803444931"/>
+      </p:ext>
+    </p:extLst>
+  </p:cSld>
+  <p:clrMapOvr>
+    <a:masterClrMapping/>
+  </p:clrMapOvr>
+</p:sld>
+</file>
+
+<file path=ppt/slides/slide6.xml><?xml version="1.0" encoding="utf-8"?>
+<p:sld xmlns:a="http://schemas.openxmlformats.org/drawingml/2006/main" xmlns:r="http://schemas.openxmlformats.org/officeDocument/2006/relationships" xmlns:p="http://schemas.openxmlformats.org/presentationml/2006/main">
+  <p:cSld>
+    <p:spTree>
+      <p:nvGrpSpPr>
+        <p:cNvPr id="1" name=""/>
+        <p:cNvGrpSpPr/>
+        <p:nvPr/>
+      </p:nvGrpSpPr>
+      <p:grpSpPr>
+        <a:xfrm>
+          <a:off x="0" y="0"/>
+          <a:ext cx="0" cy="0"/>
+          <a:chOff x="0" y="0"/>
+          <a:chExt cx="0" cy="0"/>
+        </a:xfrm>
+      </p:grpSpPr>
+      <p:sp>
+        <p:nvSpPr>
+          <p:cNvPr id="2" name="Title 1"/>
+          <p:cNvSpPr>
+            <a:spLocks noGrp="1"/>
+          </p:cNvSpPr>
+          <p:nvPr>
+            <p:ph type="title"/>
+          </p:nvPr>
+        </p:nvSpPr>
+        <p:spPr/>
+        <p:txBody>
+          <a:bodyPr/>
+          <a:lstStyle/>
+          <a:p>
+            <a:r>
+              <a:rPr lang="en-US" dirty="0" smtClean="0"/>
+              <a:t>Web browser</a:t>
+            </a:r>
+            <a:endParaRPr lang="en-US" dirty="0"/>
+          </a:p>
+        </p:txBody>
+      </p:sp>
+      <p:sp>
+        <p:nvSpPr>
+          <p:cNvPr id="3" name="Content Placeholder 2"/>
+          <p:cNvSpPr>
+            <a:spLocks noGrp="1"/>
+          </p:cNvSpPr>
+          <p:nvPr>
+            <p:ph idx="1"/>
+          </p:nvPr>
+        </p:nvSpPr>
+        <p:spPr/>
+        <p:txBody>
+          <a:bodyPr/>
+          <a:lstStyle/>
+          <a:p>
+            <a:r>
+              <a:rPr lang="en-US" dirty="0" smtClean="0"/>
+              <a:t>Does not matter which one.</a:t>
+            </a:r>
+          </a:p>
+          <a:p>
+            <a:endParaRPr lang="en-US" dirty="0"/>
+          </a:p>
+        </p:txBody>
+      </p:sp>
+      <p:pic>
+        <p:nvPicPr>
+          <p:cNvPr id="4" name="Picture 3"/>
+          <p:cNvPicPr>
+            <a:picLocks noChangeAspect="1"/>
+          </p:cNvPicPr>
+          <p:nvPr/>
+        </p:nvPicPr>
+        <p:blipFill>
+          <a:blip r:embed="rId2">
+            <a:extLst>
+              <a:ext uri="{28A0092B-C50C-407E-A947-70E740481C1C}">
+                <a14:useLocalDpi xmlns:a14="http://schemas.microsoft.com/office/drawing/2010/main" val="0"/>
+              </a:ext>
+            </a:extLst>
+          </a:blip>
+          <a:stretch>
+            <a:fillRect/>
+          </a:stretch>
+        </p:blipFill>
+        <p:spPr>
+          <a:xfrm>
+            <a:off x="1816274" y="2588844"/>
+            <a:ext cx="6300592" cy="3719881"/>
+          </a:xfrm>
+          <a:prstGeom prst="rect">
+            <a:avLst/>
+          </a:prstGeom>
+        </p:spPr>
+      </p:pic>
+    </p:spTree>
+    <p:extLst>
+      <p:ext uri="{BB962C8B-B14F-4D97-AF65-F5344CB8AC3E}">
+        <p14:creationId xmlns:p14="http://schemas.microsoft.com/office/powerpoint/2010/main" val="1422521905"/>
+      </p:ext>
+    </p:extLst>
+  </p:cSld>
+  <p:clrMapOvr>
+    <a:masterClrMapping/>
+  </p:clrMapOvr>
+</p:sld>
+</file>
+
+<file path=ppt/slides/slide7.xml><?xml version="1.0" encoding="utf-8"?>
+<p:sld xmlns:a="http://schemas.openxmlformats.org/drawingml/2006/main" xmlns:r="http://schemas.openxmlformats.org/officeDocument/2006/relationships" xmlns:p="http://schemas.openxmlformats.org/presentationml/2006/main">
+  <p:cSld>
+    <p:spTree>
+      <p:nvGrpSpPr>
+        <p:cNvPr id="1" name=""/>
+        <p:cNvGrpSpPr/>
+        <p:nvPr/>
+      </p:nvGrpSpPr>
+      <p:grpSpPr>
+        <a:xfrm>
+          <a:off x="0" y="0"/>
+          <a:ext cx="0" cy="0"/>
+          <a:chOff x="0" y="0"/>
+          <a:chExt cx="0" cy="0"/>
+        </a:xfrm>
+      </p:grpSpPr>
+      <p:sp>
+        <p:nvSpPr>
+          <p:cNvPr id="2" name="Title 1"/>
+          <p:cNvSpPr>
+            <a:spLocks noGrp="1"/>
+          </p:cNvSpPr>
+          <p:nvPr>
+            <p:ph type="title"/>
+          </p:nvPr>
+        </p:nvSpPr>
+        <p:spPr/>
+        <p:txBody>
+          <a:bodyPr/>
+          <a:lstStyle/>
+          <a:p>
+            <a:r>
+              <a:rPr lang="en-US" dirty="0" smtClean="0"/>
+              <a:t>Shell Day 1</a:t>
+            </a:r>
+            <a:endParaRPr lang="en-US" dirty="0"/>
+          </a:p>
+        </p:txBody>
+      </p:sp>
+      <p:graphicFrame>
+        <p:nvGraphicFramePr>
+          <p:cNvPr id="4" name="Content Placeholder 3"/>
+          <p:cNvGraphicFramePr>
+            <a:graphicFrameLocks noGrp="1"/>
+          </p:cNvGraphicFramePr>
+          <p:nvPr>
+            <p:ph idx="1"/>
+            <p:extLst>
+              <p:ext uri="{D42A27DB-BD31-4B8C-83A1-F6EECF244321}">
+                <p14:modId xmlns:p14="http://schemas.microsoft.com/office/powerpoint/2010/main" val="1933555247"/>
+              </p:ext>
+            </p:extLst>
+          </p:nvPr>
+        </p:nvGraphicFramePr>
+        <p:xfrm>
+          <a:off x="-1" y="1240077"/>
+          <a:ext cx="9144002" cy="5617922"/>
+        </p:xfrm>
+        <a:graphic>
+          <a:graphicData uri="http://schemas.openxmlformats.org/drawingml/2006/table">
+            <a:tbl>
+              <a:tblPr/>
+              <a:tblGrid>
+                <a:gridCol w="2000876"/>
+                <a:gridCol w="5142250"/>
+                <a:gridCol w="2000876"/>
+              </a:tblGrid>
+              <a:tr h="363878">
+                <a:tc>
+                  <a:txBody>
+                    <a:bodyPr/>
+                    <a:lstStyle/>
+                    <a:p>
+                      <a:pPr algn="r" rtl="0" fontAlgn="b"/>
+                      <a:r>
+                        <a:rPr lang="is-IS" sz="1800" b="0">
+                          <a:solidFill>
+                            <a:srgbClr val="000000"/>
+                          </a:solidFill>
+                          <a:effectLst/>
+                          <a:latin typeface="Calibri" charset="0"/>
+                        </a:rPr>
+                        <a:t>00:05</a:t>
+                      </a:r>
+                    </a:p>
+                  </a:txBody>
+                  <a:tcPr marL="19050" marR="19050" marT="12700" marB="12700" anchor="b">
+                    <a:lnL w="6350" cap="flat" cmpd="sng" algn="ctr">
+                      <a:solidFill>
+                        <a:srgbClr val="CCCCCC"/>
+                      </a:solidFill>
+                      <a:prstDash val="solid"/>
+                      <a:round/>
+                      <a:headEnd type="none" w="med" len="med"/>
+                      <a:tailEnd type="none" w="med" len="med"/>
+                    </a:lnL>
+                    <a:lnR w="6350" cap="flat" cmpd="sng" algn="ctr">
+                      <a:solidFill>
+                        <a:srgbClr val="CCCCCC"/>
+                      </a:solidFill>
+                      <a:prstDash val="solid"/>
+                      <a:round/>
+                      <a:headEnd type="none" w="med" len="med"/>
+                      <a:tailEnd type="none" w="med" len="med"/>
+                    </a:lnR>
+                    <a:lnT w="6350" cap="flat" cmpd="sng" algn="ctr">
+                      <a:solidFill>
+                        <a:srgbClr val="CCCCCC"/>
+                      </a:solidFill>
+                      <a:prstDash val="solid"/>
+                      <a:round/>
+                      <a:headEnd type="none" w="med" len="med"/>
+                      <a:tailEnd type="none" w="med" len="med"/>
+                    </a:lnT>
+                    <a:lnB w="6350" cap="flat" cmpd="sng" algn="ctr">
+                      <a:solidFill>
+                        <a:srgbClr val="CCCCCC"/>
+                      </a:solidFill>
+                      <a:prstDash val="solid"/>
+                      <a:round/>
+                      <a:headEnd type="none" w="med" len="med"/>
+                      <a:tailEnd type="none" w="med" len="med"/>
+                    </a:lnB>
+                    <a:solidFill>
+                      <a:srgbClr val="FFF2CC"/>
+                    </a:solidFill>
+                  </a:tcPr>
+                </a:tc>
+                <a:tc>
+                  <a:txBody>
+                    <a:bodyPr/>
+                    <a:lstStyle/>
+                    <a:p>
+                      <a:pPr rtl="0" fontAlgn="b"/>
+                      <a:r>
+                        <a:rPr lang="en-US" sz="1800" b="0">
+                          <a:solidFill>
+                            <a:srgbClr val="000000"/>
+                          </a:solidFill>
+                          <a:effectLst/>
+                          <a:latin typeface="Calibri" charset="0"/>
+                        </a:rPr>
+                        <a:t>editors and the terminal</a:t>
+                      </a:r>
+                    </a:p>
+                  </a:txBody>
+                  <a:tcPr marL="19050" marR="19050" marT="12700" marB="12700" anchor="b">
+                    <a:lnL w="6350" cap="flat" cmpd="sng" algn="ctr">
+                      <a:solidFill>
+                        <a:srgbClr val="CCCCCC"/>
+                      </a:solidFill>
+                      <a:prstDash val="solid"/>
+                      <a:round/>
+                      <a:headEnd type="none" w="med" len="med"/>
+                      <a:tailEnd type="none" w="med" len="med"/>
+                    </a:lnL>
+                    <a:lnR w="6350" cap="flat" cmpd="sng" algn="ctr">
+                      <a:solidFill>
+                        <a:srgbClr val="CCCCCC"/>
+                      </a:solidFill>
+                      <a:prstDash val="solid"/>
+                      <a:round/>
+                      <a:headEnd type="none" w="med" len="med"/>
+                      <a:tailEnd type="none" w="med" len="med"/>
+                    </a:lnR>
+                    <a:lnT w="6350" cap="flat" cmpd="sng" algn="ctr">
+                      <a:solidFill>
+                        <a:srgbClr val="CCCCCC"/>
+                      </a:solidFill>
+                      <a:prstDash val="solid"/>
+                      <a:round/>
+                      <a:headEnd type="none" w="med" len="med"/>
+                      <a:tailEnd type="none" w="med" len="med"/>
+                    </a:lnT>
+                    <a:lnB w="6350" cap="flat" cmpd="sng" algn="ctr">
+                      <a:solidFill>
+                        <a:srgbClr val="CCCCCC"/>
+                      </a:solidFill>
+                      <a:prstDash val="solid"/>
+                      <a:round/>
+                      <a:headEnd type="none" w="med" len="med"/>
+                      <a:tailEnd type="none" w="med" len="med"/>
+                    </a:lnB>
+                    <a:solidFill>
+                      <a:srgbClr val="FFF2CC"/>
+                    </a:solidFill>
+                  </a:tcPr>
+                </a:tc>
+                <a:tc>
+                  <a:txBody>
+                    <a:bodyPr/>
+                    <a:lstStyle/>
+                    <a:p>
+                      <a:pPr rtl="0" fontAlgn="b"/>
+                      <a:r>
+                        <a:rPr lang="en-US" sz="1800" b="0">
+                          <a:solidFill>
+                            <a:srgbClr val="000000"/>
+                          </a:solidFill>
+                          <a:effectLst/>
+                          <a:latin typeface="Calibri" charset="0"/>
+                        </a:rPr>
+                        <a:t>presentation</a:t>
+                      </a:r>
+                    </a:p>
+                  </a:txBody>
+                  <a:tcPr marL="19050" marR="19050" marT="12700" marB="12700" anchor="b">
+                    <a:lnL w="6350" cap="flat" cmpd="sng" algn="ctr">
+                      <a:solidFill>
+                        <a:srgbClr val="CCCCCC"/>
+                      </a:solidFill>
+                      <a:prstDash val="solid"/>
+                      <a:round/>
+                      <a:headEnd type="none" w="med" len="med"/>
+                      <a:tailEnd type="none" w="med" len="med"/>
+                    </a:lnL>
+                    <a:lnR w="6350" cap="flat" cmpd="sng" algn="ctr">
+                      <a:solidFill>
+                        <a:srgbClr val="CCCCCC"/>
+                      </a:solidFill>
+                      <a:prstDash val="solid"/>
+                      <a:round/>
+                      <a:headEnd type="none" w="med" len="med"/>
+                      <a:tailEnd type="none" w="med" len="med"/>
+                    </a:lnR>
+                    <a:lnT w="6350" cap="flat" cmpd="sng" algn="ctr">
+                      <a:solidFill>
+                        <a:srgbClr val="CCCCCC"/>
+                      </a:solidFill>
+                      <a:prstDash val="solid"/>
+                      <a:round/>
+                      <a:headEnd type="none" w="med" len="med"/>
+                      <a:tailEnd type="none" w="med" len="med"/>
+                    </a:lnT>
+                    <a:lnB w="6350" cap="flat" cmpd="sng" algn="ctr">
+                      <a:solidFill>
+                        <a:srgbClr val="CCCCCC"/>
+                      </a:solidFill>
+                      <a:prstDash val="solid"/>
+                      <a:round/>
+                      <a:headEnd type="none" w="med" len="med"/>
+                      <a:tailEnd type="none" w="med" len="med"/>
+                    </a:lnB>
+                    <a:solidFill>
+                      <a:srgbClr val="FFF2CC"/>
+                    </a:solidFill>
+                  </a:tcPr>
+                </a:tc>
+              </a:tr>
+              <a:tr h="363878">
+                <a:tc>
+                  <a:txBody>
+                    <a:bodyPr/>
+                    <a:lstStyle/>
+                    <a:p>
+                      <a:pPr algn="r" rtl="0" fontAlgn="b"/>
+                      <a:r>
+                        <a:rPr lang="is-IS" sz="1800" b="0">
+                          <a:solidFill>
+                            <a:srgbClr val="000000"/>
+                          </a:solidFill>
+                          <a:effectLst/>
+                          <a:latin typeface="Calibri" charset="0"/>
+                        </a:rPr>
+                        <a:t>00:05</a:t>
+                      </a:r>
+                    </a:p>
+                  </a:txBody>
+                  <a:tcPr marL="19050" marR="19050" marT="12700" marB="12700" anchor="b">
+                    <a:lnL w="6350" cap="flat" cmpd="sng" algn="ctr">
+                      <a:solidFill>
+                        <a:srgbClr val="CCCCCC"/>
+                      </a:solidFill>
+                      <a:prstDash val="solid"/>
+                      <a:round/>
+                      <a:headEnd type="none" w="med" len="med"/>
+                      <a:tailEnd type="none" w="med" len="med"/>
+                    </a:lnL>
+                    <a:lnR w="6350" cap="flat" cmpd="sng" algn="ctr">
+                      <a:solidFill>
+                        <a:srgbClr val="CCCCCC"/>
+                      </a:solidFill>
+                      <a:prstDash val="solid"/>
+                      <a:round/>
+                      <a:headEnd type="none" w="med" len="med"/>
+                      <a:tailEnd type="none" w="med" len="med"/>
+                    </a:lnR>
+                    <a:lnT w="6350" cap="flat" cmpd="sng" algn="ctr">
+                      <a:solidFill>
+                        <a:srgbClr val="CCCCCC"/>
+                      </a:solidFill>
+                      <a:prstDash val="solid"/>
+                      <a:round/>
+                      <a:headEnd type="none" w="med" len="med"/>
+                      <a:tailEnd type="none" w="med" len="med"/>
+                    </a:lnT>
+                    <a:lnB w="6350" cap="flat" cmpd="sng" algn="ctr">
+                      <a:solidFill>
+                        <a:srgbClr val="CCCCCC"/>
+                      </a:solidFill>
+                      <a:prstDash val="solid"/>
+                      <a:round/>
+                      <a:headEnd type="none" w="med" len="med"/>
+                      <a:tailEnd type="none" w="med" len="med"/>
+                    </a:lnB>
+                    <a:solidFill>
+                      <a:srgbClr val="CFE2F3"/>
+                    </a:solidFill>
+                  </a:tcPr>
+                </a:tc>
+                <a:tc>
+                  <a:txBody>
+                    <a:bodyPr/>
+                    <a:lstStyle/>
+                    <a:p>
+                      <a:pPr rtl="0" fontAlgn="b"/>
+                      <a:r>
+                        <a:rPr lang="en-US" sz="1800" b="0" dirty="0">
+                          <a:solidFill>
+                            <a:srgbClr val="000000"/>
+                          </a:solidFill>
+                          <a:effectLst/>
+                          <a:latin typeface="Calibri" charset="0"/>
+                        </a:rPr>
+                        <a:t>Make sure everyone is happy</a:t>
+                      </a:r>
+                    </a:p>
+                  </a:txBody>
+                  <a:tcPr marL="19050" marR="19050" marT="12700" marB="12700" anchor="b">
+                    <a:lnL w="6350" cap="flat" cmpd="sng" algn="ctr">
+                      <a:solidFill>
+                        <a:srgbClr val="CCCCCC"/>
+                      </a:solidFill>
+                      <a:prstDash val="solid"/>
+                      <a:round/>
+                      <a:headEnd type="none" w="med" len="med"/>
+                      <a:tailEnd type="none" w="med" len="med"/>
+                    </a:lnL>
+                    <a:lnR w="6350" cap="flat" cmpd="sng" algn="ctr">
+                      <a:solidFill>
+                        <a:srgbClr val="CCCCCC"/>
+                      </a:solidFill>
+                      <a:prstDash val="solid"/>
+                      <a:round/>
+                      <a:headEnd type="none" w="med" len="med"/>
+                      <a:tailEnd type="none" w="med" len="med"/>
+                    </a:lnR>
+                    <a:lnT w="6350" cap="flat" cmpd="sng" algn="ctr">
+                      <a:solidFill>
+                        <a:srgbClr val="CCCCCC"/>
+                      </a:solidFill>
+                      <a:prstDash val="solid"/>
+                      <a:round/>
+                      <a:headEnd type="none" w="med" len="med"/>
+                      <a:tailEnd type="none" w="med" len="med"/>
+                    </a:lnT>
+                    <a:lnB w="6350" cap="flat" cmpd="sng" algn="ctr">
+                      <a:solidFill>
+                        <a:srgbClr val="CCCCCC"/>
+                      </a:solidFill>
+                      <a:prstDash val="solid"/>
+                      <a:round/>
+                      <a:headEnd type="none" w="med" len="med"/>
+                      <a:tailEnd type="none" w="med" len="med"/>
+                    </a:lnB>
+                    <a:solidFill>
+                      <a:srgbClr val="CFE2F3"/>
+                    </a:solidFill>
+                  </a:tcPr>
+                </a:tc>
+                <a:tc>
+                  <a:txBody>
+                    <a:bodyPr/>
+                    <a:lstStyle/>
+                    <a:p>
+                      <a:pPr rtl="0" fontAlgn="b"/>
+                      <a:r>
+                        <a:rPr lang="en-US" sz="1800" b="0">
+                          <a:solidFill>
+                            <a:srgbClr val="000000"/>
+                          </a:solidFill>
+                          <a:effectLst/>
+                          <a:latin typeface="Calibri" charset="0"/>
+                        </a:rPr>
+                        <a:t>setup</a:t>
+                      </a:r>
+                    </a:p>
+                  </a:txBody>
+                  <a:tcPr marL="19050" marR="19050" marT="12700" marB="12700" anchor="b">
+                    <a:lnL w="6350" cap="flat" cmpd="sng" algn="ctr">
+                      <a:solidFill>
+                        <a:srgbClr val="CCCCCC"/>
+                      </a:solidFill>
+                      <a:prstDash val="solid"/>
+                      <a:round/>
+                      <a:headEnd type="none" w="med" len="med"/>
+                      <a:tailEnd type="none" w="med" len="med"/>
+                    </a:lnL>
+                    <a:lnR w="6350" cap="flat" cmpd="sng" algn="ctr">
+                      <a:solidFill>
+                        <a:srgbClr val="CCCCCC"/>
+                      </a:solidFill>
+                      <a:prstDash val="solid"/>
+                      <a:round/>
+                      <a:headEnd type="none" w="med" len="med"/>
+                      <a:tailEnd type="none" w="med" len="med"/>
+                    </a:lnR>
+                    <a:lnT w="6350" cap="flat" cmpd="sng" algn="ctr">
+                      <a:solidFill>
+                        <a:srgbClr val="CCCCCC"/>
+                      </a:solidFill>
+                      <a:prstDash val="solid"/>
+                      <a:round/>
+                      <a:headEnd type="none" w="med" len="med"/>
+                      <a:tailEnd type="none" w="med" len="med"/>
+                    </a:lnT>
+                    <a:lnB w="6350" cap="flat" cmpd="sng" algn="ctr">
+                      <a:solidFill>
+                        <a:srgbClr val="CCCCCC"/>
+                      </a:solidFill>
+                      <a:prstDash val="solid"/>
+                      <a:round/>
+                      <a:headEnd type="none" w="med" len="med"/>
+                      <a:tailEnd type="none" w="med" len="med"/>
+                    </a:lnB>
+                    <a:solidFill>
+                      <a:srgbClr val="CFE2F3"/>
+                    </a:solidFill>
+                  </a:tcPr>
+                </a:tc>
+              </a:tr>
+              <a:tr h="363878">
+                <a:tc>
+                  <a:txBody>
+                    <a:bodyPr/>
+                    <a:lstStyle/>
+                    <a:p>
+                      <a:pPr algn="r" rtl="0" fontAlgn="b"/>
+                      <a:r>
+                        <a:rPr lang="is-IS" sz="1800" b="0">
+                          <a:solidFill>
+                            <a:srgbClr val="000000"/>
+                          </a:solidFill>
+                          <a:effectLst/>
+                          <a:latin typeface="Calibri" charset="0"/>
+                        </a:rPr>
+                        <a:t>00:05</a:t>
+                      </a:r>
+                    </a:p>
+                  </a:txBody>
+                  <a:tcPr marL="19050" marR="19050" marT="12700" marB="12700" anchor="b">
+                    <a:lnL w="6350" cap="flat" cmpd="sng" algn="ctr">
+                      <a:solidFill>
+                        <a:srgbClr val="CCCCCC"/>
+                      </a:solidFill>
+                      <a:prstDash val="solid"/>
+                      <a:round/>
+                      <a:headEnd type="none" w="med" len="med"/>
+                      <a:tailEnd type="none" w="med" len="med"/>
+                    </a:lnL>
+                    <a:lnR w="6350" cap="flat" cmpd="sng" algn="ctr">
+                      <a:solidFill>
+                        <a:srgbClr val="CCCCCC"/>
+                      </a:solidFill>
+                      <a:prstDash val="solid"/>
+                      <a:round/>
+                      <a:headEnd type="none" w="med" len="med"/>
+                      <a:tailEnd type="none" w="med" len="med"/>
+                    </a:lnR>
+                    <a:lnT w="6350" cap="flat" cmpd="sng" algn="ctr">
+                      <a:solidFill>
+                        <a:srgbClr val="CCCCCC"/>
+                      </a:solidFill>
+                      <a:prstDash val="solid"/>
+                      <a:round/>
+                      <a:headEnd type="none" w="med" len="med"/>
+                      <a:tailEnd type="none" w="med" len="med"/>
+                    </a:lnT>
+                    <a:lnB w="6350" cap="flat" cmpd="sng" algn="ctr">
+                      <a:solidFill>
+                        <a:srgbClr val="CCCCCC"/>
+                      </a:solidFill>
+                      <a:prstDash val="solid"/>
+                      <a:round/>
+                      <a:headEnd type="none" w="med" len="med"/>
+                      <a:tailEnd type="none" w="med" len="med"/>
+                    </a:lnB>
+                    <a:solidFill>
+                      <a:srgbClr val="FFF2CC"/>
+                    </a:solidFill>
+                  </a:tcPr>
+                </a:tc>
+                <a:tc>
+                  <a:txBody>
+                    <a:bodyPr/>
+                    <a:lstStyle/>
+                    <a:p>
+                      <a:pPr rtl="0" fontAlgn="b"/>
+                      <a:r>
+                        <a:rPr lang="en-US" sz="1800" b="0">
+                          <a:solidFill>
+                            <a:srgbClr val="000000"/>
+                          </a:solidFill>
+                          <a:effectLst/>
+                          <a:latin typeface="Calibri" charset="0"/>
+                        </a:rPr>
+                        <a:t>intro to git</a:t>
+                      </a:r>
+                    </a:p>
+                  </a:txBody>
+                  <a:tcPr marL="19050" marR="19050" marT="12700" marB="12700" anchor="b">
+                    <a:lnL w="6350" cap="flat" cmpd="sng" algn="ctr">
+                      <a:solidFill>
+                        <a:srgbClr val="CCCCCC"/>
+                      </a:solidFill>
+                      <a:prstDash val="solid"/>
+                      <a:round/>
+                      <a:headEnd type="none" w="med" len="med"/>
+                      <a:tailEnd type="none" w="med" len="med"/>
+                    </a:lnL>
+                    <a:lnR w="6350" cap="flat" cmpd="sng" algn="ctr">
+                      <a:solidFill>
+                        <a:srgbClr val="CCCCCC"/>
+                      </a:solidFill>
+                      <a:prstDash val="solid"/>
+                      <a:round/>
+                      <a:headEnd type="none" w="med" len="med"/>
+                      <a:tailEnd type="none" w="med" len="med"/>
+                    </a:lnR>
+                    <a:lnT w="6350" cap="flat" cmpd="sng" algn="ctr">
+                      <a:solidFill>
+                        <a:srgbClr val="CCCCCC"/>
+                      </a:solidFill>
+                      <a:prstDash val="solid"/>
+                      <a:round/>
+                      <a:headEnd type="none" w="med" len="med"/>
+                      <a:tailEnd type="none" w="med" len="med"/>
+                    </a:lnT>
+                    <a:lnB w="6350" cap="flat" cmpd="sng" algn="ctr">
+                      <a:solidFill>
+                        <a:srgbClr val="CCCCCC"/>
+                      </a:solidFill>
+                      <a:prstDash val="solid"/>
+                      <a:round/>
+                      <a:headEnd type="none" w="med" len="med"/>
+                      <a:tailEnd type="none" w="med" len="med"/>
+                    </a:lnB>
+                    <a:solidFill>
+                      <a:srgbClr val="FFF2CC"/>
+                    </a:solidFill>
+                  </a:tcPr>
+                </a:tc>
+                <a:tc>
+                  <a:txBody>
+                    <a:bodyPr/>
+                    <a:lstStyle/>
+                    <a:p>
+                      <a:pPr rtl="0" fontAlgn="b"/>
+                      <a:r>
+                        <a:rPr lang="en-US" sz="1800" b="0">
+                          <a:solidFill>
+                            <a:srgbClr val="000000"/>
+                          </a:solidFill>
+                          <a:effectLst/>
+                          <a:latin typeface="Calibri" charset="0"/>
+                        </a:rPr>
+                        <a:t>presentation</a:t>
+                      </a:r>
+                    </a:p>
+                  </a:txBody>
+                  <a:tcPr marL="19050" marR="19050" marT="12700" marB="12700" anchor="b">
+                    <a:lnL w="6350" cap="flat" cmpd="sng" algn="ctr">
+                      <a:solidFill>
+                        <a:srgbClr val="CCCCCC"/>
+                      </a:solidFill>
+                      <a:prstDash val="solid"/>
+                      <a:round/>
+                      <a:headEnd type="none" w="med" len="med"/>
+                      <a:tailEnd type="none" w="med" len="med"/>
+                    </a:lnL>
+                    <a:lnR w="6350" cap="flat" cmpd="sng" algn="ctr">
+                      <a:solidFill>
+                        <a:srgbClr val="CCCCCC"/>
+                      </a:solidFill>
+                      <a:prstDash val="solid"/>
+                      <a:round/>
+                      <a:headEnd type="none" w="med" len="med"/>
+                      <a:tailEnd type="none" w="med" len="med"/>
+                    </a:lnR>
+                    <a:lnT w="6350" cap="flat" cmpd="sng" algn="ctr">
+                      <a:solidFill>
+                        <a:srgbClr val="CCCCCC"/>
+                      </a:solidFill>
+                      <a:prstDash val="solid"/>
+                      <a:round/>
+                      <a:headEnd type="none" w="med" len="med"/>
+                      <a:tailEnd type="none" w="med" len="med"/>
+                    </a:lnT>
+                    <a:lnB w="6350" cap="flat" cmpd="sng" algn="ctr">
+                      <a:solidFill>
+                        <a:srgbClr val="CCCCCC"/>
+                      </a:solidFill>
+                      <a:prstDash val="solid"/>
+                      <a:round/>
+                      <a:headEnd type="none" w="med" len="med"/>
+                      <a:tailEnd type="none" w="med" len="med"/>
+                    </a:lnB>
+                    <a:solidFill>
+                      <a:srgbClr val="FFF2CC"/>
+                    </a:solidFill>
+                  </a:tcPr>
+                </a:tc>
+              </a:tr>
+              <a:tr h="363878">
+                <a:tc>
+                  <a:txBody>
+                    <a:bodyPr/>
+                    <a:lstStyle/>
+                    <a:p>
+                      <a:pPr algn="r" rtl="0" fontAlgn="b"/>
+                      <a:r>
+                        <a:rPr lang="is-IS" sz="1800" b="0">
+                          <a:solidFill>
+                            <a:srgbClr val="000000"/>
+                          </a:solidFill>
+                          <a:effectLst/>
+                          <a:latin typeface="Calibri" charset="0"/>
+                        </a:rPr>
+                        <a:t>00:10</a:t>
+                      </a:r>
+                    </a:p>
+                  </a:txBody>
+                  <a:tcPr marL="19050" marR="19050" marT="12700" marB="12700" anchor="b">
+                    <a:lnL w="6350" cap="flat" cmpd="sng" algn="ctr">
+                      <a:solidFill>
+                        <a:srgbClr val="CCCCCC"/>
+                      </a:solidFill>
+                      <a:prstDash val="solid"/>
+                      <a:round/>
+                      <a:headEnd type="none" w="med" len="med"/>
+                      <a:tailEnd type="none" w="med" len="med"/>
+                    </a:lnL>
+                    <a:lnR w="6350" cap="flat" cmpd="sng" algn="ctr">
+                      <a:solidFill>
+                        <a:srgbClr val="CCCCCC"/>
+                      </a:solidFill>
+                      <a:prstDash val="solid"/>
+                      <a:round/>
+                      <a:headEnd type="none" w="med" len="med"/>
+                      <a:tailEnd type="none" w="med" len="med"/>
+                    </a:lnR>
+                    <a:lnT w="6350" cap="flat" cmpd="sng" algn="ctr">
+                      <a:solidFill>
+                        <a:srgbClr val="CCCCCC"/>
+                      </a:solidFill>
+                      <a:prstDash val="solid"/>
+                      <a:round/>
+                      <a:headEnd type="none" w="med" len="med"/>
+                      <a:tailEnd type="none" w="med" len="med"/>
+                    </a:lnT>
+                    <a:lnB w="6350" cap="flat" cmpd="sng" algn="ctr">
+                      <a:solidFill>
+                        <a:srgbClr val="CCCCCC"/>
+                      </a:solidFill>
+                      <a:prstDash val="solid"/>
+                      <a:round/>
+                      <a:headEnd type="none" w="med" len="med"/>
+                      <a:tailEnd type="none" w="med" len="med"/>
+                    </a:lnB>
+                    <a:solidFill>
+                      <a:srgbClr val="CFE2F3"/>
+                    </a:solidFill>
+                  </a:tcPr>
+                </a:tc>
+                <a:tc>
+                  <a:txBody>
+                    <a:bodyPr/>
+                    <a:lstStyle/>
+                    <a:p>
+                      <a:pPr rtl="0" fontAlgn="b"/>
+                      <a:r>
+                        <a:rPr lang="en-US" sz="1800" b="0">
+                          <a:solidFill>
+                            <a:srgbClr val="000000"/>
+                          </a:solidFill>
+                          <a:effectLst/>
+                          <a:latin typeface="Calibri" charset="0"/>
+                        </a:rPr>
+                        <a:t>Github sign up</a:t>
+                      </a:r>
+                    </a:p>
+                  </a:txBody>
+                  <a:tcPr marL="19050" marR="19050" marT="12700" marB="12700" anchor="b">
+                    <a:lnL w="6350" cap="flat" cmpd="sng" algn="ctr">
+                      <a:solidFill>
+                        <a:srgbClr val="CCCCCC"/>
+                      </a:solidFill>
+                      <a:prstDash val="solid"/>
+                      <a:round/>
+                      <a:headEnd type="none" w="med" len="med"/>
+                      <a:tailEnd type="none" w="med" len="med"/>
+                    </a:lnL>
+                    <a:lnR w="6350" cap="flat" cmpd="sng" algn="ctr">
+                      <a:solidFill>
+                        <a:srgbClr val="CCCCCC"/>
+                      </a:solidFill>
+                      <a:prstDash val="solid"/>
+                      <a:round/>
+                      <a:headEnd type="none" w="med" len="med"/>
+                      <a:tailEnd type="none" w="med" len="med"/>
+                    </a:lnR>
+                    <a:lnT w="6350" cap="flat" cmpd="sng" algn="ctr">
+                      <a:solidFill>
+                        <a:srgbClr val="CCCCCC"/>
+                      </a:solidFill>
+                      <a:prstDash val="solid"/>
+                      <a:round/>
+                      <a:headEnd type="none" w="med" len="med"/>
+                      <a:tailEnd type="none" w="med" len="med"/>
+                    </a:lnT>
+                    <a:lnB w="6350" cap="flat" cmpd="sng" algn="ctr">
+                      <a:solidFill>
+                        <a:srgbClr val="CCCCCC"/>
+                      </a:solidFill>
+                      <a:prstDash val="solid"/>
+                      <a:round/>
+                      <a:headEnd type="none" w="med" len="med"/>
+                      <a:tailEnd type="none" w="med" len="med"/>
+                    </a:lnB>
+                    <a:solidFill>
+                      <a:srgbClr val="CFE2F3"/>
+                    </a:solidFill>
+                  </a:tcPr>
+                </a:tc>
+                <a:tc>
+                  <a:txBody>
+                    <a:bodyPr/>
+                    <a:lstStyle/>
+                    <a:p>
+                      <a:pPr rtl="0" fontAlgn="b"/>
+                      <a:r>
+                        <a:rPr lang="en-US" sz="1800" b="0">
+                          <a:solidFill>
+                            <a:srgbClr val="000000"/>
+                          </a:solidFill>
+                          <a:effectLst/>
+                          <a:latin typeface="Calibri" charset="0"/>
+                        </a:rPr>
+                        <a:t>setup</a:t>
+                      </a:r>
+                    </a:p>
+                  </a:txBody>
+                  <a:tcPr marL="19050" marR="19050" marT="12700" marB="12700" anchor="b">
+                    <a:lnL w="6350" cap="flat" cmpd="sng" algn="ctr">
+                      <a:solidFill>
+                        <a:srgbClr val="CCCCCC"/>
+                      </a:solidFill>
+                      <a:prstDash val="solid"/>
+                      <a:round/>
+                      <a:headEnd type="none" w="med" len="med"/>
+                      <a:tailEnd type="none" w="med" len="med"/>
+                    </a:lnL>
+                    <a:lnR w="6350" cap="flat" cmpd="sng" algn="ctr">
+                      <a:solidFill>
+                        <a:srgbClr val="CCCCCC"/>
+                      </a:solidFill>
+                      <a:prstDash val="solid"/>
+                      <a:round/>
+                      <a:headEnd type="none" w="med" len="med"/>
+                      <a:tailEnd type="none" w="med" len="med"/>
+                    </a:lnR>
+                    <a:lnT w="6350" cap="flat" cmpd="sng" algn="ctr">
+                      <a:solidFill>
+                        <a:srgbClr val="CCCCCC"/>
+                      </a:solidFill>
+                      <a:prstDash val="solid"/>
+                      <a:round/>
+                      <a:headEnd type="none" w="med" len="med"/>
+                      <a:tailEnd type="none" w="med" len="med"/>
+                    </a:lnT>
+                    <a:lnB w="6350" cap="flat" cmpd="sng" algn="ctr">
+                      <a:solidFill>
+                        <a:srgbClr val="CCCCCC"/>
+                      </a:solidFill>
+                      <a:prstDash val="solid"/>
+                      <a:round/>
+                      <a:headEnd type="none" w="med" len="med"/>
+                      <a:tailEnd type="none" w="med" len="med"/>
+                    </a:lnB>
+                    <a:solidFill>
+                      <a:srgbClr val="CFE2F3"/>
+                    </a:solidFill>
+                  </a:tcPr>
+                </a:tc>
+              </a:tr>
+              <a:tr h="363878">
+                <a:tc>
+                  <a:txBody>
+                    <a:bodyPr/>
+                    <a:lstStyle/>
+                    <a:p>
+                      <a:pPr algn="r" rtl="0" fontAlgn="b"/>
+                      <a:r>
+                        <a:rPr lang="is-IS" sz="1800" b="0">
+                          <a:solidFill>
+                            <a:srgbClr val="000000"/>
+                          </a:solidFill>
+                          <a:effectLst/>
+                          <a:latin typeface="Calibri" charset="0"/>
+                        </a:rPr>
+                        <a:t>00:30</a:t>
+                      </a:r>
+                    </a:p>
+                  </a:txBody>
+                  <a:tcPr marL="19050" marR="19050" marT="12700" marB="12700" anchor="b">
+                    <a:lnL w="6350" cap="flat" cmpd="sng" algn="ctr">
+                      <a:solidFill>
+                        <a:srgbClr val="CCCCCC"/>
+                      </a:solidFill>
+                      <a:prstDash val="solid"/>
+                      <a:round/>
+                      <a:headEnd type="none" w="med" len="med"/>
+                      <a:tailEnd type="none" w="med" len="med"/>
+                    </a:lnL>
+                    <a:lnR w="6350" cap="flat" cmpd="sng" algn="ctr">
+                      <a:solidFill>
+                        <a:srgbClr val="CCCCCC"/>
+                      </a:solidFill>
+                      <a:prstDash val="solid"/>
+                      <a:round/>
+                      <a:headEnd type="none" w="med" len="med"/>
+                      <a:tailEnd type="none" w="med" len="med"/>
+                    </a:lnR>
+                    <a:lnT w="6350" cap="flat" cmpd="sng" algn="ctr">
+                      <a:solidFill>
+                        <a:srgbClr val="CCCCCC"/>
+                      </a:solidFill>
+                      <a:prstDash val="solid"/>
+                      <a:round/>
+                      <a:headEnd type="none" w="med" len="med"/>
+                      <a:tailEnd type="none" w="med" len="med"/>
+                    </a:lnT>
+                    <a:lnB w="6350" cap="flat" cmpd="sng" algn="ctr">
+                      <a:solidFill>
+                        <a:srgbClr val="CCCCCC"/>
+                      </a:solidFill>
+                      <a:prstDash val="solid"/>
+                      <a:round/>
+                      <a:headEnd type="none" w="med" len="med"/>
+                      <a:tailEnd type="none" w="med" len="med"/>
+                    </a:lnB>
+                    <a:solidFill>
+                      <a:srgbClr val="FFF2CC"/>
+                    </a:solidFill>
+                  </a:tcPr>
+                </a:tc>
+                <a:tc>
+                  <a:txBody>
+                    <a:bodyPr/>
+                    <a:lstStyle/>
+                    <a:p>
+                      <a:pPr rtl="0" fontAlgn="b"/>
+                      <a:r>
+                        <a:rPr lang="en-US" sz="1800" b="0">
+                          <a:solidFill>
+                            <a:srgbClr val="000000"/>
+                          </a:solidFill>
+                          <a:effectLst/>
+                          <a:latin typeface="Calibri" charset="0"/>
+                        </a:rPr>
+                        <a:t>Unix shell intro, Files and directories</a:t>
+                      </a:r>
+                    </a:p>
+                  </a:txBody>
+                  <a:tcPr marL="19050" marR="19050" marT="12700" marB="12700" anchor="b">
+                    <a:lnL w="6350" cap="flat" cmpd="sng" algn="ctr">
+                      <a:solidFill>
+                        <a:srgbClr val="CCCCCC"/>
+                      </a:solidFill>
+                      <a:prstDash val="solid"/>
+                      <a:round/>
+                      <a:headEnd type="none" w="med" len="med"/>
+                      <a:tailEnd type="none" w="med" len="med"/>
+                    </a:lnL>
+                    <a:lnR w="6350" cap="flat" cmpd="sng" algn="ctr">
+                      <a:solidFill>
+                        <a:srgbClr val="CCCCCC"/>
+                      </a:solidFill>
+                      <a:prstDash val="solid"/>
+                      <a:round/>
+                      <a:headEnd type="none" w="med" len="med"/>
+                      <a:tailEnd type="none" w="med" len="med"/>
+                    </a:lnR>
+                    <a:lnT w="6350" cap="flat" cmpd="sng" algn="ctr">
+                      <a:solidFill>
+                        <a:srgbClr val="CCCCCC"/>
+                      </a:solidFill>
+                      <a:prstDash val="solid"/>
+                      <a:round/>
+                      <a:headEnd type="none" w="med" len="med"/>
+                      <a:tailEnd type="none" w="med" len="med"/>
+                    </a:lnT>
+                    <a:lnB w="6350" cap="flat" cmpd="sng" algn="ctr">
+                      <a:solidFill>
+                        <a:srgbClr val="CCCCCC"/>
+                      </a:solidFill>
+                      <a:prstDash val="solid"/>
+                      <a:round/>
+                      <a:headEnd type="none" w="med" len="med"/>
+                      <a:tailEnd type="none" w="med" len="med"/>
+                    </a:lnB>
+                    <a:solidFill>
+                      <a:srgbClr val="FFF2CC"/>
+                    </a:solidFill>
+                  </a:tcPr>
+                </a:tc>
+                <a:tc>
+                  <a:txBody>
+                    <a:bodyPr/>
+                    <a:lstStyle/>
+                    <a:p>
+                      <a:pPr rtl="0" fontAlgn="b"/>
+                      <a:r>
+                        <a:rPr lang="en-US" sz="1800" b="0">
+                          <a:solidFill>
+                            <a:srgbClr val="000000"/>
+                          </a:solidFill>
+                          <a:effectLst/>
+                          <a:latin typeface="Calibri" charset="0"/>
+                        </a:rPr>
+                        <a:t>presentation</a:t>
+                      </a:r>
+                    </a:p>
+                  </a:txBody>
+                  <a:tcPr marL="19050" marR="19050" marT="12700" marB="12700" anchor="b">
+                    <a:lnL w="6350" cap="flat" cmpd="sng" algn="ctr">
+                      <a:solidFill>
+                        <a:srgbClr val="CCCCCC"/>
+                      </a:solidFill>
+                      <a:prstDash val="solid"/>
+                      <a:round/>
+                      <a:headEnd type="none" w="med" len="med"/>
+                      <a:tailEnd type="none" w="med" len="med"/>
+                    </a:lnL>
+                    <a:lnR w="6350" cap="flat" cmpd="sng" algn="ctr">
+                      <a:solidFill>
+                        <a:srgbClr val="CCCCCC"/>
+                      </a:solidFill>
+                      <a:prstDash val="solid"/>
+                      <a:round/>
+                      <a:headEnd type="none" w="med" len="med"/>
+                      <a:tailEnd type="none" w="med" len="med"/>
+                    </a:lnR>
+                    <a:lnT w="6350" cap="flat" cmpd="sng" algn="ctr">
+                      <a:solidFill>
+                        <a:srgbClr val="CCCCCC"/>
+                      </a:solidFill>
+                      <a:prstDash val="solid"/>
+                      <a:round/>
+                      <a:headEnd type="none" w="med" len="med"/>
+                      <a:tailEnd type="none" w="med" len="med"/>
+                    </a:lnT>
+                    <a:lnB w="6350" cap="flat" cmpd="sng" algn="ctr">
+                      <a:solidFill>
+                        <a:srgbClr val="CCCCCC"/>
+                      </a:solidFill>
+                      <a:prstDash val="solid"/>
+                      <a:round/>
+                      <a:headEnd type="none" w="med" len="med"/>
+                      <a:tailEnd type="none" w="med" len="med"/>
+                    </a:lnB>
+                    <a:solidFill>
+                      <a:srgbClr val="FFF2CC"/>
+                    </a:solidFill>
+                  </a:tcPr>
+                </a:tc>
+              </a:tr>
+              <a:tr h="363878">
+                <a:tc>
+                  <a:txBody>
+                    <a:bodyPr/>
+                    <a:lstStyle/>
+                    <a:p>
+                      <a:pPr algn="r" rtl="0" fontAlgn="b"/>
+                      <a:r>
+                        <a:rPr lang="is-IS" sz="1800" b="0">
+                          <a:solidFill>
+                            <a:srgbClr val="000000"/>
+                          </a:solidFill>
+                          <a:effectLst/>
+                          <a:latin typeface="Calibri" charset="0"/>
+                        </a:rPr>
+                        <a:t>00:20</a:t>
+                      </a:r>
+                    </a:p>
+                  </a:txBody>
+                  <a:tcPr marL="19050" marR="19050" marT="12700" marB="12700" anchor="b">
+                    <a:lnL w="6350" cap="flat" cmpd="sng" algn="ctr">
+                      <a:solidFill>
+                        <a:srgbClr val="CCCCCC"/>
+                      </a:solidFill>
+                      <a:prstDash val="solid"/>
+                      <a:round/>
+                      <a:headEnd type="none" w="med" len="med"/>
+                      <a:tailEnd type="none" w="med" len="med"/>
+                    </a:lnL>
+                    <a:lnR w="6350" cap="flat" cmpd="sng" algn="ctr">
+                      <a:solidFill>
+                        <a:srgbClr val="CCCCCC"/>
+                      </a:solidFill>
+                      <a:prstDash val="solid"/>
+                      <a:round/>
+                      <a:headEnd type="none" w="med" len="med"/>
+                      <a:tailEnd type="none" w="med" len="med"/>
+                    </a:lnR>
+                    <a:lnT w="6350" cap="flat" cmpd="sng" algn="ctr">
+                      <a:solidFill>
+                        <a:srgbClr val="CCCCCC"/>
+                      </a:solidFill>
+                      <a:prstDash val="solid"/>
+                      <a:round/>
+                      <a:headEnd type="none" w="med" len="med"/>
+                      <a:tailEnd type="none" w="med" len="med"/>
+                    </a:lnT>
+                    <a:lnB w="6350" cap="flat" cmpd="sng" algn="ctr">
+                      <a:solidFill>
+                        <a:srgbClr val="CCCCCC"/>
+                      </a:solidFill>
+                      <a:prstDash val="solid"/>
+                      <a:round/>
+                      <a:headEnd type="none" w="med" len="med"/>
+                      <a:tailEnd type="none" w="med" len="med"/>
+                    </a:lnB>
+                    <a:solidFill>
+                      <a:srgbClr val="CFE2F3"/>
+                    </a:solidFill>
+                  </a:tcPr>
+                </a:tc>
+                <a:tc>
+                  <a:txBody>
+                    <a:bodyPr/>
+                    <a:lstStyle/>
+                    <a:p>
+                      <a:pPr rtl="0" fontAlgn="b"/>
+                      <a:r>
+                        <a:rPr lang="en-US" sz="1800" b="0">
+                          <a:solidFill>
+                            <a:srgbClr val="000000"/>
+                          </a:solidFill>
+                          <a:effectLst/>
+                          <a:latin typeface="Calibri" charset="0"/>
+                        </a:rPr>
+                        <a:t>Exploring the file system</a:t>
+                      </a:r>
+                    </a:p>
+                  </a:txBody>
+                  <a:tcPr marL="19050" marR="19050" marT="12700" marB="12700" anchor="b">
+                    <a:lnL w="6350" cap="flat" cmpd="sng" algn="ctr">
+                      <a:solidFill>
+                        <a:srgbClr val="CCCCCC"/>
+                      </a:solidFill>
+                      <a:prstDash val="solid"/>
+                      <a:round/>
+                      <a:headEnd type="none" w="med" len="med"/>
+                      <a:tailEnd type="none" w="med" len="med"/>
+                    </a:lnL>
+                    <a:lnR w="6350" cap="flat" cmpd="sng" algn="ctr">
+                      <a:solidFill>
+                        <a:srgbClr val="CCCCCC"/>
+                      </a:solidFill>
+                      <a:prstDash val="solid"/>
+                      <a:round/>
+                      <a:headEnd type="none" w="med" len="med"/>
+                      <a:tailEnd type="none" w="med" len="med"/>
+                    </a:lnR>
+                    <a:lnT w="6350" cap="flat" cmpd="sng" algn="ctr">
+                      <a:solidFill>
+                        <a:srgbClr val="CCCCCC"/>
+                      </a:solidFill>
+                      <a:prstDash val="solid"/>
+                      <a:round/>
+                      <a:headEnd type="none" w="med" len="med"/>
+                      <a:tailEnd type="none" w="med" len="med"/>
+                    </a:lnT>
+                    <a:lnB w="6350" cap="flat" cmpd="sng" algn="ctr">
+                      <a:solidFill>
+                        <a:srgbClr val="CCCCCC"/>
+                      </a:solidFill>
+                      <a:prstDash val="solid"/>
+                      <a:round/>
+                      <a:headEnd type="none" w="med" len="med"/>
+                      <a:tailEnd type="none" w="med" len="med"/>
+                    </a:lnB>
+                    <a:solidFill>
+                      <a:srgbClr val="CFE2F3"/>
+                    </a:solidFill>
+                  </a:tcPr>
+                </a:tc>
+                <a:tc>
+                  <a:txBody>
+                    <a:bodyPr/>
+                    <a:lstStyle/>
+                    <a:p>
+                      <a:pPr rtl="0" fontAlgn="b"/>
+                      <a:r>
+                        <a:rPr lang="en-US" sz="1800" b="0">
+                          <a:solidFill>
+                            <a:srgbClr val="000000"/>
+                          </a:solidFill>
+                          <a:effectLst/>
+                          <a:latin typeface="Calibri" charset="0"/>
+                        </a:rPr>
+                        <a:t>exercise</a:t>
+                      </a:r>
+                    </a:p>
+                  </a:txBody>
+                  <a:tcPr marL="19050" marR="19050" marT="12700" marB="12700" anchor="b">
+                    <a:lnL w="6350" cap="flat" cmpd="sng" algn="ctr">
+                      <a:solidFill>
+                        <a:srgbClr val="CCCCCC"/>
+                      </a:solidFill>
+                      <a:prstDash val="solid"/>
+                      <a:round/>
+                      <a:headEnd type="none" w="med" len="med"/>
+                      <a:tailEnd type="none" w="med" len="med"/>
+                    </a:lnL>
+                    <a:lnR w="6350" cap="flat" cmpd="sng" algn="ctr">
+                      <a:solidFill>
+                        <a:srgbClr val="CCCCCC"/>
+                      </a:solidFill>
+                      <a:prstDash val="solid"/>
+                      <a:round/>
+                      <a:headEnd type="none" w="med" len="med"/>
+                      <a:tailEnd type="none" w="med" len="med"/>
+                    </a:lnR>
+                    <a:lnT w="6350" cap="flat" cmpd="sng" algn="ctr">
+                      <a:solidFill>
+                        <a:srgbClr val="CCCCCC"/>
+                      </a:solidFill>
+                      <a:prstDash val="solid"/>
+                      <a:round/>
+                      <a:headEnd type="none" w="med" len="med"/>
+                      <a:tailEnd type="none" w="med" len="med"/>
+                    </a:lnT>
+                    <a:lnB w="6350" cap="flat" cmpd="sng" algn="ctr">
+                      <a:solidFill>
+                        <a:srgbClr val="CCCCCC"/>
+                      </a:solidFill>
+                      <a:prstDash val="solid"/>
+                      <a:round/>
+                      <a:headEnd type="none" w="med" len="med"/>
+                      <a:tailEnd type="none" w="med" len="med"/>
+                    </a:lnB>
+                    <a:solidFill>
+                      <a:srgbClr val="CFE2F3"/>
+                    </a:solidFill>
+                  </a:tcPr>
+                </a:tc>
+              </a:tr>
+              <a:tr h="363878">
+                <a:tc>
+                  <a:txBody>
+                    <a:bodyPr/>
+                    <a:lstStyle/>
+                    <a:p>
+                      <a:pPr algn="r" rtl="0" fontAlgn="b"/>
+                      <a:r>
+                        <a:rPr lang="is-IS" sz="1800" b="0">
+                          <a:solidFill>
+                            <a:srgbClr val="000000"/>
+                          </a:solidFill>
+                          <a:effectLst/>
+                          <a:latin typeface="Calibri" charset="0"/>
+                        </a:rPr>
+                        <a:t>00:15</a:t>
+                      </a:r>
+                    </a:p>
+                  </a:txBody>
+                  <a:tcPr marL="19050" marR="19050" marT="12700" marB="12700" anchor="b">
+                    <a:lnL w="6350" cap="flat" cmpd="sng" algn="ctr">
+                      <a:solidFill>
+                        <a:srgbClr val="CCCCCC"/>
+                      </a:solidFill>
+                      <a:prstDash val="solid"/>
+                      <a:round/>
+                      <a:headEnd type="none" w="med" len="med"/>
+                      <a:tailEnd type="none" w="med" len="med"/>
+                    </a:lnL>
+                    <a:lnR w="6350" cap="flat" cmpd="sng" algn="ctr">
+                      <a:solidFill>
+                        <a:srgbClr val="CCCCCC"/>
+                      </a:solidFill>
+                      <a:prstDash val="solid"/>
+                      <a:round/>
+                      <a:headEnd type="none" w="med" len="med"/>
+                      <a:tailEnd type="none" w="med" len="med"/>
+                    </a:lnR>
+                    <a:lnT w="6350" cap="flat" cmpd="sng" algn="ctr">
+                      <a:solidFill>
+                        <a:srgbClr val="CCCCCC"/>
+                      </a:solidFill>
+                      <a:prstDash val="solid"/>
+                      <a:round/>
+                      <a:headEnd type="none" w="med" len="med"/>
+                      <a:tailEnd type="none" w="med" len="med"/>
+                    </a:lnT>
+                    <a:lnB w="6350" cap="flat" cmpd="sng" algn="ctr">
+                      <a:solidFill>
+                        <a:srgbClr val="CCCCCC"/>
+                      </a:solidFill>
+                      <a:prstDash val="solid"/>
+                      <a:round/>
+                      <a:headEnd type="none" w="med" len="med"/>
+                      <a:tailEnd type="none" w="med" len="med"/>
+                    </a:lnB>
+                    <a:solidFill>
+                      <a:srgbClr val="FFF2CC"/>
+                    </a:solidFill>
+                  </a:tcPr>
+                </a:tc>
+                <a:tc>
+                  <a:txBody>
+                    <a:bodyPr/>
+                    <a:lstStyle/>
+                    <a:p>
+                      <a:pPr rtl="0" fontAlgn="b"/>
+                      <a:r>
+                        <a:rPr lang="en-US" sz="1800" b="0">
+                          <a:solidFill>
+                            <a:srgbClr val="000000"/>
+                          </a:solidFill>
+                          <a:effectLst/>
+                          <a:latin typeface="Calibri" charset="0"/>
+                        </a:rPr>
+                        <a:t>Pipes and filters</a:t>
+                      </a:r>
+                    </a:p>
+                  </a:txBody>
+                  <a:tcPr marL="19050" marR="19050" marT="12700" marB="12700" anchor="b">
+                    <a:lnL w="6350" cap="flat" cmpd="sng" algn="ctr">
+                      <a:solidFill>
+                        <a:srgbClr val="CCCCCC"/>
+                      </a:solidFill>
+                      <a:prstDash val="solid"/>
+                      <a:round/>
+                      <a:headEnd type="none" w="med" len="med"/>
+                      <a:tailEnd type="none" w="med" len="med"/>
+                    </a:lnL>
+                    <a:lnR w="6350" cap="flat" cmpd="sng" algn="ctr">
+                      <a:solidFill>
+                        <a:srgbClr val="CCCCCC"/>
+                      </a:solidFill>
+                      <a:prstDash val="solid"/>
+                      <a:round/>
+                      <a:headEnd type="none" w="med" len="med"/>
+                      <a:tailEnd type="none" w="med" len="med"/>
+                    </a:lnR>
+                    <a:lnT w="6350" cap="flat" cmpd="sng" algn="ctr">
+                      <a:solidFill>
+                        <a:srgbClr val="CCCCCC"/>
+                      </a:solidFill>
+                      <a:prstDash val="solid"/>
+                      <a:round/>
+                      <a:headEnd type="none" w="med" len="med"/>
+                      <a:tailEnd type="none" w="med" len="med"/>
+                    </a:lnT>
+                    <a:lnB w="6350" cap="flat" cmpd="sng" algn="ctr">
+                      <a:solidFill>
+                        <a:srgbClr val="CCCCCC"/>
+                      </a:solidFill>
+                      <a:prstDash val="solid"/>
+                      <a:round/>
+                      <a:headEnd type="none" w="med" len="med"/>
+                      <a:tailEnd type="none" w="med" len="med"/>
+                    </a:lnB>
+                    <a:solidFill>
+                      <a:srgbClr val="FFF2CC"/>
+                    </a:solidFill>
+                  </a:tcPr>
+                </a:tc>
+                <a:tc>
+                  <a:txBody>
+                    <a:bodyPr/>
+                    <a:lstStyle/>
+                    <a:p>
+                      <a:pPr rtl="0" fontAlgn="b"/>
+                      <a:r>
+                        <a:rPr lang="en-US" sz="1800" b="0">
+                          <a:solidFill>
+                            <a:srgbClr val="000000"/>
+                          </a:solidFill>
+                          <a:effectLst/>
+                          <a:latin typeface="Calibri" charset="0"/>
+                        </a:rPr>
+                        <a:t>presentation</a:t>
+                      </a:r>
+                    </a:p>
+                  </a:txBody>
+                  <a:tcPr marL="19050" marR="19050" marT="12700" marB="12700" anchor="b">
+                    <a:lnL w="6350" cap="flat" cmpd="sng" algn="ctr">
+                      <a:solidFill>
+                        <a:srgbClr val="CCCCCC"/>
+                      </a:solidFill>
+                      <a:prstDash val="solid"/>
+                      <a:round/>
+                      <a:headEnd type="none" w="med" len="med"/>
+                      <a:tailEnd type="none" w="med" len="med"/>
+                    </a:lnL>
+                    <a:lnR w="6350" cap="flat" cmpd="sng" algn="ctr">
+                      <a:solidFill>
+                        <a:srgbClr val="CCCCCC"/>
+                      </a:solidFill>
+                      <a:prstDash val="solid"/>
+                      <a:round/>
+                      <a:headEnd type="none" w="med" len="med"/>
+                      <a:tailEnd type="none" w="med" len="med"/>
+                    </a:lnR>
+                    <a:lnT w="6350" cap="flat" cmpd="sng" algn="ctr">
+                      <a:solidFill>
+                        <a:srgbClr val="CCCCCC"/>
+                      </a:solidFill>
+                      <a:prstDash val="solid"/>
+                      <a:round/>
+                      <a:headEnd type="none" w="med" len="med"/>
+                      <a:tailEnd type="none" w="med" len="med"/>
+                    </a:lnT>
+                    <a:lnB w="6350" cap="flat" cmpd="sng" algn="ctr">
+                      <a:solidFill>
+                        <a:srgbClr val="CCCCCC"/>
+                      </a:solidFill>
+                      <a:prstDash val="solid"/>
+                      <a:round/>
+                      <a:headEnd type="none" w="med" len="med"/>
+                      <a:tailEnd type="none" w="med" len="med"/>
+                    </a:lnB>
+                    <a:solidFill>
+                      <a:srgbClr val="FFF2CC"/>
+                    </a:solidFill>
+                  </a:tcPr>
+                </a:tc>
+              </a:tr>
+              <a:tr h="363878">
+                <a:tc>
+                  <a:txBody>
+                    <a:bodyPr/>
+                    <a:lstStyle/>
+                    <a:p>
+                      <a:pPr algn="r" rtl="0" fontAlgn="b"/>
+                      <a:r>
+                        <a:rPr lang="is-IS" sz="1800" b="0">
+                          <a:solidFill>
+                            <a:srgbClr val="000000"/>
+                          </a:solidFill>
+                          <a:effectLst/>
+                          <a:latin typeface="Calibri" charset="0"/>
+                        </a:rPr>
+                        <a:t>00:20</a:t>
+                      </a:r>
+                    </a:p>
+                  </a:txBody>
+                  <a:tcPr marL="19050" marR="19050" marT="12700" marB="12700" anchor="b">
+                    <a:lnL w="6350" cap="flat" cmpd="sng" algn="ctr">
+                      <a:solidFill>
+                        <a:srgbClr val="CCCCCC"/>
+                      </a:solidFill>
+                      <a:prstDash val="solid"/>
+                      <a:round/>
+                      <a:headEnd type="none" w="med" len="med"/>
+                      <a:tailEnd type="none" w="med" len="med"/>
+                    </a:lnL>
+                    <a:lnR w="6350" cap="flat" cmpd="sng" algn="ctr">
+                      <a:solidFill>
+                        <a:srgbClr val="CCCCCC"/>
+                      </a:solidFill>
+                      <a:prstDash val="solid"/>
+                      <a:round/>
+                      <a:headEnd type="none" w="med" len="med"/>
+                      <a:tailEnd type="none" w="med" len="med"/>
+                    </a:lnR>
+                    <a:lnT w="6350" cap="flat" cmpd="sng" algn="ctr">
+                      <a:solidFill>
+                        <a:srgbClr val="CCCCCC"/>
+                      </a:solidFill>
+                      <a:prstDash val="solid"/>
+                      <a:round/>
+                      <a:headEnd type="none" w="med" len="med"/>
+                      <a:tailEnd type="none" w="med" len="med"/>
+                    </a:lnT>
+                    <a:lnB w="6350" cap="flat" cmpd="sng" algn="ctr">
+                      <a:solidFill>
+                        <a:srgbClr val="CCCCCC"/>
+                      </a:solidFill>
+                      <a:prstDash val="solid"/>
+                      <a:round/>
+                      <a:headEnd type="none" w="med" len="med"/>
+                      <a:tailEnd type="none" w="med" len="med"/>
+                    </a:lnB>
+                    <a:solidFill>
+                      <a:srgbClr val="CFE2F3"/>
+                    </a:solidFill>
+                  </a:tcPr>
+                </a:tc>
+                <a:tc>
+                  <a:txBody>
+                    <a:bodyPr/>
+                    <a:lstStyle/>
+                    <a:p>
+                      <a:pPr rtl="0" fontAlgn="b"/>
+                      <a:r>
+                        <a:rPr lang="en-US" sz="1800" b="0">
+                          <a:solidFill>
+                            <a:srgbClr val="000000"/>
+                          </a:solidFill>
+                          <a:effectLst/>
+                          <a:latin typeface="Calibri" charset="0"/>
+                        </a:rPr>
+                        <a:t>Pipes and filters exercise</a:t>
+                      </a:r>
+                    </a:p>
+                  </a:txBody>
+                  <a:tcPr marL="19050" marR="19050" marT="12700" marB="12700" anchor="b">
+                    <a:lnL w="6350" cap="flat" cmpd="sng" algn="ctr">
+                      <a:solidFill>
+                        <a:srgbClr val="CCCCCC"/>
+                      </a:solidFill>
+                      <a:prstDash val="solid"/>
+                      <a:round/>
+                      <a:headEnd type="none" w="med" len="med"/>
+                      <a:tailEnd type="none" w="med" len="med"/>
+                    </a:lnL>
+                    <a:lnR w="6350" cap="flat" cmpd="sng" algn="ctr">
+                      <a:solidFill>
+                        <a:srgbClr val="CCCCCC"/>
+                      </a:solidFill>
+                      <a:prstDash val="solid"/>
+                      <a:round/>
+                      <a:headEnd type="none" w="med" len="med"/>
+                      <a:tailEnd type="none" w="med" len="med"/>
+                    </a:lnR>
+                    <a:lnT w="6350" cap="flat" cmpd="sng" algn="ctr">
+                      <a:solidFill>
+                        <a:srgbClr val="CCCCCC"/>
+                      </a:solidFill>
+                      <a:prstDash val="solid"/>
+                      <a:round/>
+                      <a:headEnd type="none" w="med" len="med"/>
+                      <a:tailEnd type="none" w="med" len="med"/>
+                    </a:lnT>
+                    <a:lnB w="6350" cap="flat" cmpd="sng" algn="ctr">
+                      <a:solidFill>
+                        <a:srgbClr val="CCCCCC"/>
+                      </a:solidFill>
+                      <a:prstDash val="solid"/>
+                      <a:round/>
+                      <a:headEnd type="none" w="med" len="med"/>
+                      <a:tailEnd type="none" w="med" len="med"/>
+                    </a:lnB>
+                    <a:solidFill>
+                      <a:srgbClr val="CFE2F3"/>
+                    </a:solidFill>
+                  </a:tcPr>
+                </a:tc>
+                <a:tc>
+                  <a:txBody>
+                    <a:bodyPr/>
+                    <a:lstStyle/>
+                    <a:p>
+                      <a:pPr rtl="0" fontAlgn="b"/>
+                      <a:r>
+                        <a:rPr lang="en-US" sz="1800" b="0">
+                          <a:solidFill>
+                            <a:srgbClr val="000000"/>
+                          </a:solidFill>
+                          <a:effectLst/>
+                          <a:latin typeface="Calibri" charset="0"/>
+                        </a:rPr>
+                        <a:t>exercise</a:t>
+                      </a:r>
+                    </a:p>
+                  </a:txBody>
+                  <a:tcPr marL="19050" marR="19050" marT="12700" marB="12700" anchor="b">
+                    <a:lnL w="6350" cap="flat" cmpd="sng" algn="ctr">
+                      <a:solidFill>
+                        <a:srgbClr val="CCCCCC"/>
+                      </a:solidFill>
+                      <a:prstDash val="solid"/>
+                      <a:round/>
+                      <a:headEnd type="none" w="med" len="med"/>
+                      <a:tailEnd type="none" w="med" len="med"/>
+                    </a:lnL>
+                    <a:lnR w="6350" cap="flat" cmpd="sng" algn="ctr">
+                      <a:solidFill>
+                        <a:srgbClr val="CCCCCC"/>
+                      </a:solidFill>
+                      <a:prstDash val="solid"/>
+                      <a:round/>
+                      <a:headEnd type="none" w="med" len="med"/>
+                      <a:tailEnd type="none" w="med" len="med"/>
+                    </a:lnR>
+                    <a:lnT w="6350" cap="flat" cmpd="sng" algn="ctr">
+                      <a:solidFill>
+                        <a:srgbClr val="CCCCCC"/>
+                      </a:solidFill>
+                      <a:prstDash val="solid"/>
+                      <a:round/>
+                      <a:headEnd type="none" w="med" len="med"/>
+                      <a:tailEnd type="none" w="med" len="med"/>
+                    </a:lnT>
+                    <a:lnB w="6350" cap="flat" cmpd="sng" algn="ctr">
+                      <a:solidFill>
+                        <a:srgbClr val="CCCCCC"/>
+                      </a:solidFill>
+                      <a:prstDash val="solid"/>
+                      <a:round/>
+                      <a:headEnd type="none" w="med" len="med"/>
+                      <a:tailEnd type="none" w="med" len="med"/>
+                    </a:lnB>
+                    <a:solidFill>
+                      <a:srgbClr val="CFE2F3"/>
+                    </a:solidFill>
+                  </a:tcPr>
+                </a:tc>
+              </a:tr>
+              <a:tr h="363878">
+                <a:tc>
+                  <a:txBody>
+                    <a:bodyPr/>
+                    <a:lstStyle/>
+                    <a:p>
+                      <a:pPr algn="r" rtl="0" fontAlgn="b"/>
+                      <a:r>
+                        <a:rPr lang="is-IS" sz="1800" b="0">
+                          <a:solidFill>
+                            <a:srgbClr val="000000"/>
+                          </a:solidFill>
+                          <a:effectLst/>
+                          <a:latin typeface="Calibri" charset="0"/>
+                        </a:rPr>
+                        <a:t>00:15</a:t>
+                      </a:r>
+                    </a:p>
+                  </a:txBody>
+                  <a:tcPr marL="19050" marR="19050" marT="12700" marB="12700" anchor="b">
+                    <a:lnL w="6350" cap="flat" cmpd="sng" algn="ctr">
+                      <a:solidFill>
+                        <a:srgbClr val="CCCCCC"/>
+                      </a:solidFill>
+                      <a:prstDash val="solid"/>
+                      <a:round/>
+                      <a:headEnd type="none" w="med" len="med"/>
+                      <a:tailEnd type="none" w="med" len="med"/>
+                    </a:lnL>
+                    <a:lnR w="6350" cap="flat" cmpd="sng" algn="ctr">
+                      <a:solidFill>
+                        <a:srgbClr val="CCCCCC"/>
+                      </a:solidFill>
+                      <a:prstDash val="solid"/>
+                      <a:round/>
+                      <a:headEnd type="none" w="med" len="med"/>
+                      <a:tailEnd type="none" w="med" len="med"/>
+                    </a:lnR>
+                    <a:lnT w="6350" cap="flat" cmpd="sng" algn="ctr">
+                      <a:solidFill>
+                        <a:srgbClr val="CCCCCC"/>
+                      </a:solidFill>
+                      <a:prstDash val="solid"/>
+                      <a:round/>
+                      <a:headEnd type="none" w="med" len="med"/>
+                      <a:tailEnd type="none" w="med" len="med"/>
+                    </a:lnT>
+                    <a:lnB w="6350" cap="flat" cmpd="sng" algn="ctr">
+                      <a:solidFill>
+                        <a:srgbClr val="CCCCCC"/>
+                      </a:solidFill>
+                      <a:prstDash val="solid"/>
+                      <a:round/>
+                      <a:headEnd type="none" w="med" len="med"/>
+                      <a:tailEnd type="none" w="med" len="med"/>
+                    </a:lnB>
+                    <a:solidFill>
+                      <a:srgbClr val="FFF2CC"/>
+                    </a:solidFill>
+                  </a:tcPr>
+                </a:tc>
+                <a:tc>
+                  <a:txBody>
+                    <a:bodyPr/>
+                    <a:lstStyle/>
+                    <a:p>
+                      <a:pPr rtl="0" fontAlgn="b"/>
+                      <a:r>
+                        <a:rPr lang="en-US" sz="1800" b="0">
+                          <a:solidFill>
+                            <a:srgbClr val="000000"/>
+                          </a:solidFill>
+                          <a:effectLst/>
+                          <a:latin typeface="Calibri" charset="0"/>
+                        </a:rPr>
+                        <a:t>permissions</a:t>
+                      </a:r>
+                    </a:p>
+                  </a:txBody>
+                  <a:tcPr marL="19050" marR="19050" marT="12700" marB="12700" anchor="b">
+                    <a:lnL w="6350" cap="flat" cmpd="sng" algn="ctr">
+                      <a:solidFill>
+                        <a:srgbClr val="CCCCCC"/>
+                      </a:solidFill>
+                      <a:prstDash val="solid"/>
+                      <a:round/>
+                      <a:headEnd type="none" w="med" len="med"/>
+                      <a:tailEnd type="none" w="med" len="med"/>
+                    </a:lnL>
+                    <a:lnR w="6350" cap="flat" cmpd="sng" algn="ctr">
+                      <a:solidFill>
+                        <a:srgbClr val="CCCCCC"/>
+                      </a:solidFill>
+                      <a:prstDash val="solid"/>
+                      <a:round/>
+                      <a:headEnd type="none" w="med" len="med"/>
+                      <a:tailEnd type="none" w="med" len="med"/>
+                    </a:lnR>
+                    <a:lnT w="6350" cap="flat" cmpd="sng" algn="ctr">
+                      <a:solidFill>
+                        <a:srgbClr val="CCCCCC"/>
+                      </a:solidFill>
+                      <a:prstDash val="solid"/>
+                      <a:round/>
+                      <a:headEnd type="none" w="med" len="med"/>
+                      <a:tailEnd type="none" w="med" len="med"/>
+                    </a:lnT>
+                    <a:lnB w="6350" cap="flat" cmpd="sng" algn="ctr">
+                      <a:solidFill>
+                        <a:srgbClr val="CCCCCC"/>
+                      </a:solidFill>
+                      <a:prstDash val="solid"/>
+                      <a:round/>
+                      <a:headEnd type="none" w="med" len="med"/>
+                      <a:tailEnd type="none" w="med" len="med"/>
+                    </a:lnB>
+                    <a:solidFill>
+                      <a:srgbClr val="FFF2CC"/>
+                    </a:solidFill>
+                  </a:tcPr>
+                </a:tc>
+                <a:tc>
+                  <a:txBody>
+                    <a:bodyPr/>
+                    <a:lstStyle/>
+                    <a:p>
+                      <a:pPr rtl="0" fontAlgn="b"/>
+                      <a:r>
+                        <a:rPr lang="en-US" sz="1800" b="0">
+                          <a:solidFill>
+                            <a:srgbClr val="000000"/>
+                          </a:solidFill>
+                          <a:effectLst/>
+                          <a:latin typeface="Calibri" charset="0"/>
+                        </a:rPr>
+                        <a:t>presentation</a:t>
+                      </a:r>
+                    </a:p>
+                  </a:txBody>
+                  <a:tcPr marL="19050" marR="19050" marT="12700" marB="12700" anchor="b">
+                    <a:lnL w="6350" cap="flat" cmpd="sng" algn="ctr">
+                      <a:solidFill>
+                        <a:srgbClr val="CCCCCC"/>
+                      </a:solidFill>
+                      <a:prstDash val="solid"/>
+                      <a:round/>
+                      <a:headEnd type="none" w="med" len="med"/>
+                      <a:tailEnd type="none" w="med" len="med"/>
+                    </a:lnL>
+                    <a:lnR w="6350" cap="flat" cmpd="sng" algn="ctr">
+                      <a:solidFill>
+                        <a:srgbClr val="CCCCCC"/>
+                      </a:solidFill>
+                      <a:prstDash val="solid"/>
+                      <a:round/>
+                      <a:headEnd type="none" w="med" len="med"/>
+                      <a:tailEnd type="none" w="med" len="med"/>
+                    </a:lnR>
+                    <a:lnT w="6350" cap="flat" cmpd="sng" algn="ctr">
+                      <a:solidFill>
+                        <a:srgbClr val="CCCCCC"/>
+                      </a:solidFill>
+                      <a:prstDash val="solid"/>
+                      <a:round/>
+                      <a:headEnd type="none" w="med" len="med"/>
+                      <a:tailEnd type="none" w="med" len="med"/>
+                    </a:lnT>
+                    <a:lnB w="6350" cap="flat" cmpd="sng" algn="ctr">
+                      <a:solidFill>
+                        <a:srgbClr val="CCCCCC"/>
+                      </a:solidFill>
+                      <a:prstDash val="solid"/>
+                      <a:round/>
+                      <a:headEnd type="none" w="med" len="med"/>
+                      <a:tailEnd type="none" w="med" len="med"/>
+                    </a:lnB>
+                    <a:solidFill>
+                      <a:srgbClr val="FFF2CC"/>
+                    </a:solidFill>
+                  </a:tcPr>
+                </a:tc>
+              </a:tr>
+              <a:tr h="363878">
+                <a:tc>
+                  <a:txBody>
+                    <a:bodyPr/>
+                    <a:lstStyle/>
+                    <a:p>
+                      <a:pPr algn="r" rtl="0" fontAlgn="b"/>
+                      <a:r>
+                        <a:rPr lang="is-IS" sz="1800" b="0">
+                          <a:solidFill>
+                            <a:srgbClr val="000000"/>
+                          </a:solidFill>
+                          <a:effectLst/>
+                          <a:latin typeface="Calibri" charset="0"/>
+                        </a:rPr>
+                        <a:t>00:15</a:t>
+                      </a:r>
+                    </a:p>
+                  </a:txBody>
+                  <a:tcPr marL="19050" marR="19050" marT="12700" marB="12700" anchor="b">
+                    <a:lnL w="6350" cap="flat" cmpd="sng" algn="ctr">
+                      <a:solidFill>
+                        <a:srgbClr val="CCCCCC"/>
+                      </a:solidFill>
+                      <a:prstDash val="solid"/>
+                      <a:round/>
+                      <a:headEnd type="none" w="med" len="med"/>
+                      <a:tailEnd type="none" w="med" len="med"/>
+                    </a:lnL>
+                    <a:lnR w="6350" cap="flat" cmpd="sng" algn="ctr">
+                      <a:solidFill>
+                        <a:srgbClr val="CCCCCC"/>
+                      </a:solidFill>
+                      <a:prstDash val="solid"/>
+                      <a:round/>
+                      <a:headEnd type="none" w="med" len="med"/>
+                      <a:tailEnd type="none" w="med" len="med"/>
+                    </a:lnR>
+                    <a:lnT w="6350" cap="flat" cmpd="sng" algn="ctr">
+                      <a:solidFill>
+                        <a:srgbClr val="CCCCCC"/>
+                      </a:solidFill>
+                      <a:prstDash val="solid"/>
+                      <a:round/>
+                      <a:headEnd type="none" w="med" len="med"/>
+                      <a:tailEnd type="none" w="med" len="med"/>
+                    </a:lnT>
+                    <a:lnB w="6350" cap="flat" cmpd="sng" algn="ctr">
+                      <a:solidFill>
+                        <a:srgbClr val="CCCCCC"/>
+                      </a:solidFill>
+                      <a:prstDash val="solid"/>
+                      <a:round/>
+                      <a:headEnd type="none" w="med" len="med"/>
+                      <a:tailEnd type="none" w="med" len="med"/>
+                    </a:lnB>
+                    <a:solidFill>
+                      <a:srgbClr val="CFE2F3"/>
+                    </a:solidFill>
+                  </a:tcPr>
+                </a:tc>
+                <a:tc>
+                  <a:txBody>
+                    <a:bodyPr/>
+                    <a:lstStyle/>
+                    <a:p>
+                      <a:pPr rtl="0" fontAlgn="b"/>
+                      <a:r>
+                        <a:rPr lang="en-US" sz="1800" b="0">
+                          <a:solidFill>
+                            <a:srgbClr val="000000"/>
+                          </a:solidFill>
+                          <a:effectLst/>
+                          <a:latin typeface="Calibri" charset="0"/>
+                        </a:rPr>
+                        <a:t>Permission exercise</a:t>
+                      </a:r>
+                    </a:p>
+                  </a:txBody>
+                  <a:tcPr marL="19050" marR="19050" marT="12700" marB="12700" anchor="b">
+                    <a:lnL w="6350" cap="flat" cmpd="sng" algn="ctr">
+                      <a:solidFill>
+                        <a:srgbClr val="CCCCCC"/>
+                      </a:solidFill>
+                      <a:prstDash val="solid"/>
+                      <a:round/>
+                      <a:headEnd type="none" w="med" len="med"/>
+                      <a:tailEnd type="none" w="med" len="med"/>
+                    </a:lnL>
+                    <a:lnR w="6350" cap="flat" cmpd="sng" algn="ctr">
+                      <a:solidFill>
+                        <a:srgbClr val="CCCCCC"/>
+                      </a:solidFill>
+                      <a:prstDash val="solid"/>
+                      <a:round/>
+                      <a:headEnd type="none" w="med" len="med"/>
+                      <a:tailEnd type="none" w="med" len="med"/>
+                    </a:lnR>
+                    <a:lnT w="6350" cap="flat" cmpd="sng" algn="ctr">
+                      <a:solidFill>
+                        <a:srgbClr val="CCCCCC"/>
+                      </a:solidFill>
+                      <a:prstDash val="solid"/>
+                      <a:round/>
+                      <a:headEnd type="none" w="med" len="med"/>
+                      <a:tailEnd type="none" w="med" len="med"/>
+                    </a:lnT>
+                    <a:lnB w="6350" cap="flat" cmpd="sng" algn="ctr">
+                      <a:solidFill>
+                        <a:srgbClr val="CCCCCC"/>
+                      </a:solidFill>
+                      <a:prstDash val="solid"/>
+                      <a:round/>
+                      <a:headEnd type="none" w="med" len="med"/>
+                      <a:tailEnd type="none" w="med" len="med"/>
+                    </a:lnB>
+                    <a:solidFill>
+                      <a:srgbClr val="CFE2F3"/>
+                    </a:solidFill>
+                  </a:tcPr>
+                </a:tc>
+                <a:tc>
+                  <a:txBody>
+                    <a:bodyPr/>
+                    <a:lstStyle/>
+                    <a:p>
+                      <a:pPr rtl="0" fontAlgn="b"/>
+                      <a:r>
+                        <a:rPr lang="en-US" sz="1800" b="0">
+                          <a:solidFill>
+                            <a:srgbClr val="000000"/>
+                          </a:solidFill>
+                          <a:effectLst/>
+                          <a:latin typeface="Calibri" charset="0"/>
+                        </a:rPr>
+                        <a:t>exercise</a:t>
+                      </a:r>
+                    </a:p>
+                  </a:txBody>
+                  <a:tcPr marL="19050" marR="19050" marT="12700" marB="12700" anchor="b">
+                    <a:lnL w="6350" cap="flat" cmpd="sng" algn="ctr">
+                      <a:solidFill>
+                        <a:srgbClr val="CCCCCC"/>
+                      </a:solidFill>
+                      <a:prstDash val="solid"/>
+                      <a:round/>
+                      <a:headEnd type="none" w="med" len="med"/>
+                      <a:tailEnd type="none" w="med" len="med"/>
+                    </a:lnL>
+                    <a:lnR w="6350" cap="flat" cmpd="sng" algn="ctr">
+                      <a:solidFill>
+                        <a:srgbClr val="CCCCCC"/>
+                      </a:solidFill>
+                      <a:prstDash val="solid"/>
+                      <a:round/>
+                      <a:headEnd type="none" w="med" len="med"/>
+                      <a:tailEnd type="none" w="med" len="med"/>
+                    </a:lnR>
+                    <a:lnT w="6350" cap="flat" cmpd="sng" algn="ctr">
+                      <a:solidFill>
+                        <a:srgbClr val="CCCCCC"/>
+                      </a:solidFill>
+                      <a:prstDash val="solid"/>
+                      <a:round/>
+                      <a:headEnd type="none" w="med" len="med"/>
+                      <a:tailEnd type="none" w="med" len="med"/>
+                    </a:lnT>
+                    <a:lnB w="6350" cap="flat" cmpd="sng" algn="ctr">
+                      <a:solidFill>
+                        <a:srgbClr val="CCCCCC"/>
+                      </a:solidFill>
+                      <a:prstDash val="solid"/>
+                      <a:round/>
+                      <a:headEnd type="none" w="med" len="med"/>
+                      <a:tailEnd type="none" w="med" len="med"/>
+                    </a:lnB>
+                    <a:solidFill>
+                      <a:srgbClr val="CFE2F3"/>
+                    </a:solidFill>
+                  </a:tcPr>
+                </a:tc>
+              </a:tr>
+              <a:tr h="523630">
+                <a:tc>
+                  <a:txBody>
+                    <a:bodyPr/>
+                    <a:lstStyle/>
+                    <a:p>
+                      <a:pPr algn="r" rtl="0" fontAlgn="b"/>
+                      <a:r>
+                        <a:rPr lang="is-IS" sz="1800" b="0">
+                          <a:solidFill>
+                            <a:srgbClr val="000000"/>
+                          </a:solidFill>
+                          <a:effectLst/>
+                          <a:latin typeface="Calibri" charset="0"/>
+                        </a:rPr>
+                        <a:t>00:20</a:t>
+                      </a:r>
+                    </a:p>
+                  </a:txBody>
+                  <a:tcPr marL="19050" marR="19050" marT="12700" marB="12700" anchor="b">
+                    <a:lnL w="6350" cap="flat" cmpd="sng" algn="ctr">
+                      <a:solidFill>
+                        <a:srgbClr val="CCCCCC"/>
+                      </a:solidFill>
+                      <a:prstDash val="solid"/>
+                      <a:round/>
+                      <a:headEnd type="none" w="med" len="med"/>
+                      <a:tailEnd type="none" w="med" len="med"/>
+                    </a:lnL>
+                    <a:lnR w="6350" cap="flat" cmpd="sng" algn="ctr">
+                      <a:solidFill>
+                        <a:srgbClr val="CCCCCC"/>
+                      </a:solidFill>
+                      <a:prstDash val="solid"/>
+                      <a:round/>
+                      <a:headEnd type="none" w="med" len="med"/>
+                      <a:tailEnd type="none" w="med" len="med"/>
+                    </a:lnR>
+                    <a:lnT w="6350" cap="flat" cmpd="sng" algn="ctr">
+                      <a:solidFill>
+                        <a:srgbClr val="CCCCCC"/>
+                      </a:solidFill>
+                      <a:prstDash val="solid"/>
+                      <a:round/>
+                      <a:headEnd type="none" w="med" len="med"/>
+                      <a:tailEnd type="none" w="med" len="med"/>
+                    </a:lnT>
+                    <a:lnB w="6350" cap="flat" cmpd="sng" algn="ctr">
+                      <a:solidFill>
+                        <a:srgbClr val="CCCCCC"/>
+                      </a:solidFill>
+                      <a:prstDash val="solid"/>
+                      <a:round/>
+                      <a:headEnd type="none" w="med" len="med"/>
+                      <a:tailEnd type="none" w="med" len="med"/>
+                    </a:lnB>
+                    <a:solidFill>
+                      <a:srgbClr val="F4CCCC"/>
+                    </a:solidFill>
+                  </a:tcPr>
+                </a:tc>
+                <a:tc>
+                  <a:txBody>
+                    <a:bodyPr/>
+                    <a:lstStyle/>
+                    <a:p>
+                      <a:pPr rtl="0" fontAlgn="b"/>
+                      <a:r>
+                        <a:rPr lang="en-US" sz="1800" b="0">
+                          <a:solidFill>
+                            <a:srgbClr val="000000"/>
+                          </a:solidFill>
+                          <a:effectLst/>
+                          <a:latin typeface="Calibri" charset="0"/>
+                        </a:rPr>
+                        <a:t>COFFEE</a:t>
+                      </a:r>
+                    </a:p>
+                  </a:txBody>
+                  <a:tcPr marL="19050" marR="19050" marT="12700" marB="12700" anchor="b">
+                    <a:lnL w="6350" cap="flat" cmpd="sng" algn="ctr">
+                      <a:solidFill>
+                        <a:srgbClr val="CCCCCC"/>
+                      </a:solidFill>
+                      <a:prstDash val="solid"/>
+                      <a:round/>
+                      <a:headEnd type="none" w="med" len="med"/>
+                      <a:tailEnd type="none" w="med" len="med"/>
+                    </a:lnL>
+                    <a:lnR w="6350" cap="flat" cmpd="sng" algn="ctr">
+                      <a:solidFill>
+                        <a:srgbClr val="CCCCCC"/>
+                      </a:solidFill>
+                      <a:prstDash val="solid"/>
+                      <a:round/>
+                      <a:headEnd type="none" w="med" len="med"/>
+                      <a:tailEnd type="none" w="med" len="med"/>
+                    </a:lnR>
+                    <a:lnT w="6350" cap="flat" cmpd="sng" algn="ctr">
+                      <a:solidFill>
+                        <a:srgbClr val="CCCCCC"/>
+                      </a:solidFill>
+                      <a:prstDash val="solid"/>
+                      <a:round/>
+                      <a:headEnd type="none" w="med" len="med"/>
+                      <a:tailEnd type="none" w="med" len="med"/>
+                    </a:lnT>
+                    <a:lnB w="6350" cap="flat" cmpd="sng" algn="ctr">
+                      <a:solidFill>
+                        <a:srgbClr val="CCCCCC"/>
+                      </a:solidFill>
+                      <a:prstDash val="solid"/>
+                      <a:round/>
+                      <a:headEnd type="none" w="med" len="med"/>
+                      <a:tailEnd type="none" w="med" len="med"/>
+                    </a:lnB>
+                    <a:solidFill>
+                      <a:srgbClr val="F4CCCC"/>
+                    </a:solidFill>
+                  </a:tcPr>
+                </a:tc>
+                <a:tc>
+                  <a:txBody>
+                    <a:bodyPr/>
+                    <a:lstStyle/>
+                    <a:p>
+                      <a:pPr rtl="0" fontAlgn="b"/>
+                      <a:endParaRPr lang="en-US" sz="2800">
+                        <a:effectLst/>
+                      </a:endParaRPr>
+                    </a:p>
+                  </a:txBody>
+                  <a:tcPr marL="19050" marR="19050" marT="12700" marB="12700" anchor="b">
+                    <a:lnL w="6350" cap="flat" cmpd="sng" algn="ctr">
+                      <a:solidFill>
+                        <a:srgbClr val="CCCCCC"/>
+                      </a:solidFill>
+                      <a:prstDash val="solid"/>
+                      <a:round/>
+                      <a:headEnd type="none" w="med" len="med"/>
+                      <a:tailEnd type="none" w="med" len="med"/>
+                    </a:lnL>
+                    <a:lnR w="6350" cap="flat" cmpd="sng" algn="ctr">
+                      <a:solidFill>
+                        <a:srgbClr val="CCCCCC"/>
+                      </a:solidFill>
+                      <a:prstDash val="solid"/>
+                      <a:round/>
+                      <a:headEnd type="none" w="med" len="med"/>
+                      <a:tailEnd type="none" w="med" len="med"/>
+                    </a:lnR>
+                    <a:lnT w="6350" cap="flat" cmpd="sng" algn="ctr">
+                      <a:solidFill>
+                        <a:srgbClr val="CCCCCC"/>
+                      </a:solidFill>
+                      <a:prstDash val="solid"/>
+                      <a:round/>
+                      <a:headEnd type="none" w="med" len="med"/>
+                      <a:tailEnd type="none" w="med" len="med"/>
+                    </a:lnT>
+                    <a:lnB w="6350" cap="flat" cmpd="sng" algn="ctr">
+                      <a:solidFill>
+                        <a:srgbClr val="CCCCCC"/>
+                      </a:solidFill>
+                      <a:prstDash val="solid"/>
+                      <a:round/>
+                      <a:headEnd type="none" w="med" len="med"/>
+                      <a:tailEnd type="none" w="med" len="med"/>
+                    </a:lnB>
+                    <a:solidFill>
+                      <a:srgbClr val="F4CCCC"/>
+                    </a:solidFill>
+                  </a:tcPr>
+                </a:tc>
+              </a:tr>
+              <a:tr h="363878">
+                <a:tc>
+                  <a:txBody>
+                    <a:bodyPr/>
+                    <a:lstStyle/>
+                    <a:p>
+                      <a:pPr algn="r" rtl="0" fontAlgn="b"/>
+                      <a:r>
+                        <a:rPr lang="is-IS" sz="1800" b="0">
+                          <a:solidFill>
+                            <a:srgbClr val="000000"/>
+                          </a:solidFill>
+                          <a:effectLst/>
+                          <a:latin typeface="Calibri" charset="0"/>
+                        </a:rPr>
+                        <a:t>00:15</a:t>
+                      </a:r>
+                    </a:p>
+                  </a:txBody>
+                  <a:tcPr marL="19050" marR="19050" marT="12700" marB="12700" anchor="b">
+                    <a:lnL w="6350" cap="flat" cmpd="sng" algn="ctr">
+                      <a:solidFill>
+                        <a:srgbClr val="CCCCCC"/>
+                      </a:solidFill>
+                      <a:prstDash val="solid"/>
+                      <a:round/>
+                      <a:headEnd type="none" w="med" len="med"/>
+                      <a:tailEnd type="none" w="med" len="med"/>
+                    </a:lnL>
+                    <a:lnR w="6350" cap="flat" cmpd="sng" algn="ctr">
+                      <a:solidFill>
+                        <a:srgbClr val="CCCCCC"/>
+                      </a:solidFill>
+                      <a:prstDash val="solid"/>
+                      <a:round/>
+                      <a:headEnd type="none" w="med" len="med"/>
+                      <a:tailEnd type="none" w="med" len="med"/>
+                    </a:lnR>
+                    <a:lnT w="6350" cap="flat" cmpd="sng" algn="ctr">
+                      <a:solidFill>
+                        <a:srgbClr val="CCCCCC"/>
+                      </a:solidFill>
+                      <a:prstDash val="solid"/>
+                      <a:round/>
+                      <a:headEnd type="none" w="med" len="med"/>
+                      <a:tailEnd type="none" w="med" len="med"/>
+                    </a:lnT>
+                    <a:lnB w="6350" cap="flat" cmpd="sng" algn="ctr">
+                      <a:solidFill>
+                        <a:srgbClr val="CCCCCC"/>
+                      </a:solidFill>
+                      <a:prstDash val="solid"/>
+                      <a:round/>
+                      <a:headEnd type="none" w="med" len="med"/>
+                      <a:tailEnd type="none" w="med" len="med"/>
+                    </a:lnB>
+                    <a:solidFill>
+                      <a:srgbClr val="FFF2CC"/>
+                    </a:solidFill>
+                  </a:tcPr>
+                </a:tc>
+                <a:tc>
+                  <a:txBody>
+                    <a:bodyPr/>
+                    <a:lstStyle/>
+                    <a:p>
+                      <a:pPr rtl="0" fontAlgn="b"/>
+                      <a:r>
+                        <a:rPr lang="en-US" sz="1800" b="0">
+                          <a:solidFill>
+                            <a:srgbClr val="000000"/>
+                          </a:solidFill>
+                          <a:effectLst/>
+                          <a:latin typeface="Calibri" charset="0"/>
+                        </a:rPr>
+                        <a:t>Finding stuff</a:t>
+                      </a:r>
+                    </a:p>
+                  </a:txBody>
+                  <a:tcPr marL="19050" marR="19050" marT="12700" marB="12700" anchor="b">
+                    <a:lnL w="6350" cap="flat" cmpd="sng" algn="ctr">
+                      <a:solidFill>
+                        <a:srgbClr val="CCCCCC"/>
+                      </a:solidFill>
+                      <a:prstDash val="solid"/>
+                      <a:round/>
+                      <a:headEnd type="none" w="med" len="med"/>
+                      <a:tailEnd type="none" w="med" len="med"/>
+                    </a:lnL>
+                    <a:lnR w="6350" cap="flat" cmpd="sng" algn="ctr">
+                      <a:solidFill>
+                        <a:srgbClr val="CCCCCC"/>
+                      </a:solidFill>
+                      <a:prstDash val="solid"/>
+                      <a:round/>
+                      <a:headEnd type="none" w="med" len="med"/>
+                      <a:tailEnd type="none" w="med" len="med"/>
+                    </a:lnR>
+                    <a:lnT w="6350" cap="flat" cmpd="sng" algn="ctr">
+                      <a:solidFill>
+                        <a:srgbClr val="CCCCCC"/>
+                      </a:solidFill>
+                      <a:prstDash val="solid"/>
+                      <a:round/>
+                      <a:headEnd type="none" w="med" len="med"/>
+                      <a:tailEnd type="none" w="med" len="med"/>
+                    </a:lnT>
+                    <a:lnB w="6350" cap="flat" cmpd="sng" algn="ctr">
+                      <a:solidFill>
+                        <a:srgbClr val="CCCCCC"/>
+                      </a:solidFill>
+                      <a:prstDash val="solid"/>
+                      <a:round/>
+                      <a:headEnd type="none" w="med" len="med"/>
+                      <a:tailEnd type="none" w="med" len="med"/>
+                    </a:lnB>
+                    <a:solidFill>
+                      <a:srgbClr val="FFF2CC"/>
+                    </a:solidFill>
+                  </a:tcPr>
+                </a:tc>
+                <a:tc>
+                  <a:txBody>
+                    <a:bodyPr/>
+                    <a:lstStyle/>
+                    <a:p>
+                      <a:pPr rtl="0" fontAlgn="b"/>
+                      <a:r>
+                        <a:rPr lang="en-US" sz="1800" b="0">
+                          <a:solidFill>
+                            <a:srgbClr val="000000"/>
+                          </a:solidFill>
+                          <a:effectLst/>
+                          <a:latin typeface="Calibri" charset="0"/>
+                        </a:rPr>
+                        <a:t>presentation</a:t>
+                      </a:r>
+                    </a:p>
+                  </a:txBody>
+                  <a:tcPr marL="19050" marR="19050" marT="12700" marB="12700" anchor="b">
+                    <a:lnL w="6350" cap="flat" cmpd="sng" algn="ctr">
+                      <a:solidFill>
+                        <a:srgbClr val="CCCCCC"/>
+                      </a:solidFill>
+                      <a:prstDash val="solid"/>
+                      <a:round/>
+                      <a:headEnd type="none" w="med" len="med"/>
+                      <a:tailEnd type="none" w="med" len="med"/>
+                    </a:lnL>
+                    <a:lnR w="6350" cap="flat" cmpd="sng" algn="ctr">
+                      <a:solidFill>
+                        <a:srgbClr val="CCCCCC"/>
+                      </a:solidFill>
+                      <a:prstDash val="solid"/>
+                      <a:round/>
+                      <a:headEnd type="none" w="med" len="med"/>
+                      <a:tailEnd type="none" w="med" len="med"/>
+                    </a:lnR>
+                    <a:lnT w="6350" cap="flat" cmpd="sng" algn="ctr">
+                      <a:solidFill>
+                        <a:srgbClr val="CCCCCC"/>
+                      </a:solidFill>
+                      <a:prstDash val="solid"/>
+                      <a:round/>
+                      <a:headEnd type="none" w="med" len="med"/>
+                      <a:tailEnd type="none" w="med" len="med"/>
+                    </a:lnT>
+                    <a:lnB w="6350" cap="flat" cmpd="sng" algn="ctr">
+                      <a:solidFill>
+                        <a:srgbClr val="CCCCCC"/>
+                      </a:solidFill>
+                      <a:prstDash val="solid"/>
+                      <a:round/>
+                      <a:headEnd type="none" w="med" len="med"/>
+                      <a:tailEnd type="none" w="med" len="med"/>
+                    </a:lnB>
+                    <a:solidFill>
+                      <a:srgbClr val="FFF2CC"/>
+                    </a:solidFill>
+                  </a:tcPr>
+                </a:tc>
+              </a:tr>
+              <a:tr h="363878">
+                <a:tc>
+                  <a:txBody>
+                    <a:bodyPr/>
+                    <a:lstStyle/>
+                    <a:p>
+                      <a:pPr algn="r" rtl="0" fontAlgn="b"/>
+                      <a:r>
+                        <a:rPr lang="is-IS" sz="1800" b="0">
+                          <a:solidFill>
+                            <a:srgbClr val="000000"/>
+                          </a:solidFill>
+                          <a:effectLst/>
+                          <a:latin typeface="Calibri" charset="0"/>
+                        </a:rPr>
+                        <a:t>00:20</a:t>
+                      </a:r>
+                    </a:p>
+                  </a:txBody>
+                  <a:tcPr marL="19050" marR="19050" marT="12700" marB="12700" anchor="b">
+                    <a:lnL w="6350" cap="flat" cmpd="sng" algn="ctr">
+                      <a:solidFill>
+                        <a:srgbClr val="CCCCCC"/>
+                      </a:solidFill>
+                      <a:prstDash val="solid"/>
+                      <a:round/>
+                      <a:headEnd type="none" w="med" len="med"/>
+                      <a:tailEnd type="none" w="med" len="med"/>
+                    </a:lnL>
+                    <a:lnR w="6350" cap="flat" cmpd="sng" algn="ctr">
+                      <a:solidFill>
+                        <a:srgbClr val="CCCCCC"/>
+                      </a:solidFill>
+                      <a:prstDash val="solid"/>
+                      <a:round/>
+                      <a:headEnd type="none" w="med" len="med"/>
+                      <a:tailEnd type="none" w="med" len="med"/>
+                    </a:lnR>
+                    <a:lnT w="6350" cap="flat" cmpd="sng" algn="ctr">
+                      <a:solidFill>
+                        <a:srgbClr val="CCCCCC"/>
+                      </a:solidFill>
+                      <a:prstDash val="solid"/>
+                      <a:round/>
+                      <a:headEnd type="none" w="med" len="med"/>
+                      <a:tailEnd type="none" w="med" len="med"/>
+                    </a:lnT>
+                    <a:lnB w="6350" cap="flat" cmpd="sng" algn="ctr">
+                      <a:solidFill>
+                        <a:srgbClr val="CCCCCC"/>
+                      </a:solidFill>
+                      <a:prstDash val="solid"/>
+                      <a:round/>
+                      <a:headEnd type="none" w="med" len="med"/>
+                      <a:tailEnd type="none" w="med" len="med"/>
+                    </a:lnB>
+                    <a:solidFill>
+                      <a:srgbClr val="CFE2F3"/>
+                    </a:solidFill>
+                  </a:tcPr>
+                </a:tc>
+                <a:tc>
+                  <a:txBody>
+                    <a:bodyPr/>
+                    <a:lstStyle/>
+                    <a:p>
+                      <a:pPr rtl="0" fontAlgn="b"/>
+                      <a:r>
+                        <a:rPr lang="en-US" sz="1800" b="0">
+                          <a:solidFill>
+                            <a:srgbClr val="000000"/>
+                          </a:solidFill>
+                          <a:effectLst/>
+                          <a:latin typeface="Calibri" charset="0"/>
+                        </a:rPr>
+                        <a:t>Needle in haystack</a:t>
+                      </a:r>
+                    </a:p>
+                  </a:txBody>
+                  <a:tcPr marL="19050" marR="19050" marT="12700" marB="12700" anchor="b">
+                    <a:lnL w="6350" cap="flat" cmpd="sng" algn="ctr">
+                      <a:solidFill>
+                        <a:srgbClr val="CCCCCC"/>
+                      </a:solidFill>
+                      <a:prstDash val="solid"/>
+                      <a:round/>
+                      <a:headEnd type="none" w="med" len="med"/>
+                      <a:tailEnd type="none" w="med" len="med"/>
+                    </a:lnL>
+                    <a:lnR w="6350" cap="flat" cmpd="sng" algn="ctr">
+                      <a:solidFill>
+                        <a:srgbClr val="CCCCCC"/>
+                      </a:solidFill>
+                      <a:prstDash val="solid"/>
+                      <a:round/>
+                      <a:headEnd type="none" w="med" len="med"/>
+                      <a:tailEnd type="none" w="med" len="med"/>
+                    </a:lnR>
+                    <a:lnT w="6350" cap="flat" cmpd="sng" algn="ctr">
+                      <a:solidFill>
+                        <a:srgbClr val="CCCCCC"/>
+                      </a:solidFill>
+                      <a:prstDash val="solid"/>
+                      <a:round/>
+                      <a:headEnd type="none" w="med" len="med"/>
+                      <a:tailEnd type="none" w="med" len="med"/>
+                    </a:lnT>
+                    <a:lnB w="6350" cap="flat" cmpd="sng" algn="ctr">
+                      <a:solidFill>
+                        <a:srgbClr val="CCCCCC"/>
+                      </a:solidFill>
+                      <a:prstDash val="solid"/>
+                      <a:round/>
+                      <a:headEnd type="none" w="med" len="med"/>
+                      <a:tailEnd type="none" w="med" len="med"/>
+                    </a:lnB>
+                    <a:solidFill>
+                      <a:srgbClr val="CFE2F3"/>
+                    </a:solidFill>
+                  </a:tcPr>
+                </a:tc>
+                <a:tc>
+                  <a:txBody>
+                    <a:bodyPr/>
+                    <a:lstStyle/>
+                    <a:p>
+                      <a:pPr rtl="0" fontAlgn="b"/>
+                      <a:r>
+                        <a:rPr lang="en-US" sz="1800" b="0">
+                          <a:solidFill>
+                            <a:srgbClr val="000000"/>
+                          </a:solidFill>
+                          <a:effectLst/>
+                          <a:latin typeface="Calibri" charset="0"/>
+                        </a:rPr>
+                        <a:t>exercise</a:t>
+                      </a:r>
+                    </a:p>
+                  </a:txBody>
+                  <a:tcPr marL="19050" marR="19050" marT="12700" marB="12700" anchor="b">
+                    <a:lnL w="6350" cap="flat" cmpd="sng" algn="ctr">
+                      <a:solidFill>
+                        <a:srgbClr val="CCCCCC"/>
+                      </a:solidFill>
+                      <a:prstDash val="solid"/>
+                      <a:round/>
+                      <a:headEnd type="none" w="med" len="med"/>
+                      <a:tailEnd type="none" w="med" len="med"/>
+                    </a:lnL>
+                    <a:lnR w="6350" cap="flat" cmpd="sng" algn="ctr">
+                      <a:solidFill>
+                        <a:srgbClr val="CCCCCC"/>
+                      </a:solidFill>
+                      <a:prstDash val="solid"/>
+                      <a:round/>
+                      <a:headEnd type="none" w="med" len="med"/>
+                      <a:tailEnd type="none" w="med" len="med"/>
+                    </a:lnR>
+                    <a:lnT w="6350" cap="flat" cmpd="sng" algn="ctr">
+                      <a:solidFill>
+                        <a:srgbClr val="CCCCCC"/>
+                      </a:solidFill>
+                      <a:prstDash val="solid"/>
+                      <a:round/>
+                      <a:headEnd type="none" w="med" len="med"/>
+                      <a:tailEnd type="none" w="med" len="med"/>
+                    </a:lnT>
+                    <a:lnB w="6350" cap="flat" cmpd="sng" algn="ctr">
+                      <a:solidFill>
+                        <a:srgbClr val="CCCCCC"/>
+                      </a:solidFill>
+                      <a:prstDash val="solid"/>
+                      <a:round/>
+                      <a:headEnd type="none" w="med" len="med"/>
+                      <a:tailEnd type="none" w="med" len="med"/>
+                    </a:lnB>
+                    <a:solidFill>
+                      <a:srgbClr val="CFE2F3"/>
+                    </a:solidFill>
+                  </a:tcPr>
+                </a:tc>
+              </a:tr>
+              <a:tr h="363878">
+                <a:tc>
+                  <a:txBody>
+                    <a:bodyPr/>
+                    <a:lstStyle/>
+                    <a:p>
+                      <a:pPr algn="r" rtl="0" fontAlgn="b"/>
+                      <a:r>
+                        <a:rPr lang="is-IS" sz="1800" b="0">
+                          <a:solidFill>
+                            <a:srgbClr val="000000"/>
+                          </a:solidFill>
+                          <a:effectLst/>
+                          <a:latin typeface="Calibri" charset="0"/>
+                        </a:rPr>
+                        <a:t>00:20</a:t>
+                      </a:r>
+                    </a:p>
+                  </a:txBody>
+                  <a:tcPr marL="19050" marR="19050" marT="12700" marB="12700" anchor="b">
+                    <a:lnL w="6350" cap="flat" cmpd="sng" algn="ctr">
+                      <a:solidFill>
+                        <a:srgbClr val="CCCCCC"/>
+                      </a:solidFill>
+                      <a:prstDash val="solid"/>
+                      <a:round/>
+                      <a:headEnd type="none" w="med" len="med"/>
+                      <a:tailEnd type="none" w="med" len="med"/>
+                    </a:lnL>
+                    <a:lnR w="6350" cap="flat" cmpd="sng" algn="ctr">
+                      <a:solidFill>
+                        <a:srgbClr val="CCCCCC"/>
+                      </a:solidFill>
+                      <a:prstDash val="solid"/>
+                      <a:round/>
+                      <a:headEnd type="none" w="med" len="med"/>
+                      <a:tailEnd type="none" w="med" len="med"/>
+                    </a:lnR>
+                    <a:lnT w="6350" cap="flat" cmpd="sng" algn="ctr">
+                      <a:solidFill>
+                        <a:srgbClr val="CCCCCC"/>
+                      </a:solidFill>
+                      <a:prstDash val="solid"/>
+                      <a:round/>
+                      <a:headEnd type="none" w="med" len="med"/>
+                      <a:tailEnd type="none" w="med" len="med"/>
+                    </a:lnT>
+                    <a:lnB w="6350" cap="flat" cmpd="sng" algn="ctr">
+                      <a:solidFill>
+                        <a:srgbClr val="CCCCCC"/>
+                      </a:solidFill>
+                      <a:prstDash val="solid"/>
+                      <a:round/>
+                      <a:headEnd type="none" w="med" len="med"/>
+                      <a:tailEnd type="none" w="med" len="med"/>
+                    </a:lnB>
+                    <a:solidFill>
+                      <a:srgbClr val="FFF2CC"/>
+                    </a:solidFill>
+                  </a:tcPr>
+                </a:tc>
+                <a:tc>
+                  <a:txBody>
+                    <a:bodyPr/>
+                    <a:lstStyle/>
+                    <a:p>
+                      <a:pPr rtl="0" fontAlgn="b"/>
+                      <a:r>
+                        <a:rPr lang="en-US" sz="1800" b="0">
+                          <a:solidFill>
+                            <a:srgbClr val="000000"/>
+                          </a:solidFill>
+                          <a:effectLst/>
+                          <a:latin typeface="Calibri" charset="0"/>
+                        </a:rPr>
+                        <a:t>Job control and variables</a:t>
+                      </a:r>
+                    </a:p>
+                  </a:txBody>
+                  <a:tcPr marL="19050" marR="19050" marT="12700" marB="12700" anchor="b">
+                    <a:lnL w="6350" cap="flat" cmpd="sng" algn="ctr">
+                      <a:solidFill>
+                        <a:srgbClr val="CCCCCC"/>
+                      </a:solidFill>
+                      <a:prstDash val="solid"/>
+                      <a:round/>
+                      <a:headEnd type="none" w="med" len="med"/>
+                      <a:tailEnd type="none" w="med" len="med"/>
+                    </a:lnL>
+                    <a:lnR w="6350" cap="flat" cmpd="sng" algn="ctr">
+                      <a:solidFill>
+                        <a:srgbClr val="CCCCCC"/>
+                      </a:solidFill>
+                      <a:prstDash val="solid"/>
+                      <a:round/>
+                      <a:headEnd type="none" w="med" len="med"/>
+                      <a:tailEnd type="none" w="med" len="med"/>
+                    </a:lnR>
+                    <a:lnT w="6350" cap="flat" cmpd="sng" algn="ctr">
+                      <a:solidFill>
+                        <a:srgbClr val="CCCCCC"/>
+                      </a:solidFill>
+                      <a:prstDash val="solid"/>
+                      <a:round/>
+                      <a:headEnd type="none" w="med" len="med"/>
+                      <a:tailEnd type="none" w="med" len="med"/>
+                    </a:lnT>
+                    <a:lnB w="6350" cap="flat" cmpd="sng" algn="ctr">
+                      <a:solidFill>
+                        <a:srgbClr val="CCCCCC"/>
+                      </a:solidFill>
+                      <a:prstDash val="solid"/>
+                      <a:round/>
+                      <a:headEnd type="none" w="med" len="med"/>
+                      <a:tailEnd type="none" w="med" len="med"/>
+                    </a:lnB>
+                    <a:solidFill>
+                      <a:srgbClr val="FFF2CC"/>
+                    </a:solidFill>
+                  </a:tcPr>
+                </a:tc>
+                <a:tc>
+                  <a:txBody>
+                    <a:bodyPr/>
+                    <a:lstStyle/>
+                    <a:p>
+                      <a:pPr rtl="0" fontAlgn="b"/>
+                      <a:r>
+                        <a:rPr lang="en-US" sz="1800" b="0">
+                          <a:solidFill>
+                            <a:srgbClr val="000000"/>
+                          </a:solidFill>
+                          <a:effectLst/>
+                          <a:latin typeface="Calibri" charset="0"/>
+                        </a:rPr>
+                        <a:t>presentation</a:t>
+                      </a:r>
+                    </a:p>
+                  </a:txBody>
+                  <a:tcPr marL="19050" marR="19050" marT="12700" marB="12700" anchor="b">
+                    <a:lnL w="6350" cap="flat" cmpd="sng" algn="ctr">
+                      <a:solidFill>
+                        <a:srgbClr val="CCCCCC"/>
+                      </a:solidFill>
+                      <a:prstDash val="solid"/>
+                      <a:round/>
+                      <a:headEnd type="none" w="med" len="med"/>
+                      <a:tailEnd type="none" w="med" len="med"/>
+                    </a:lnL>
+                    <a:lnR w="6350" cap="flat" cmpd="sng" algn="ctr">
+                      <a:solidFill>
+                        <a:srgbClr val="CCCCCC"/>
+                      </a:solidFill>
+                      <a:prstDash val="solid"/>
+                      <a:round/>
+                      <a:headEnd type="none" w="med" len="med"/>
+                      <a:tailEnd type="none" w="med" len="med"/>
+                    </a:lnR>
+                    <a:lnT w="6350" cap="flat" cmpd="sng" algn="ctr">
+                      <a:solidFill>
+                        <a:srgbClr val="CCCCCC"/>
+                      </a:solidFill>
+                      <a:prstDash val="solid"/>
+                      <a:round/>
+                      <a:headEnd type="none" w="med" len="med"/>
+                      <a:tailEnd type="none" w="med" len="med"/>
+                    </a:lnT>
+                    <a:lnB w="6350" cap="flat" cmpd="sng" algn="ctr">
+                      <a:solidFill>
+                        <a:srgbClr val="CCCCCC"/>
+                      </a:solidFill>
+                      <a:prstDash val="solid"/>
+                      <a:round/>
+                      <a:headEnd type="none" w="med" len="med"/>
+                      <a:tailEnd type="none" w="med" len="med"/>
+                    </a:lnB>
+                    <a:solidFill>
+                      <a:srgbClr val="FFF2CC"/>
+                    </a:solidFill>
+                  </a:tcPr>
+                </a:tc>
+              </a:tr>
+              <a:tr h="363878">
+                <a:tc>
+                  <a:txBody>
+                    <a:bodyPr/>
+                    <a:lstStyle/>
+                    <a:p>
+                      <a:pPr algn="r" rtl="0" fontAlgn="b"/>
+                      <a:r>
+                        <a:rPr lang="is-IS" sz="1800" b="0">
+                          <a:solidFill>
+                            <a:srgbClr val="000000"/>
+                          </a:solidFill>
+                          <a:effectLst/>
+                          <a:latin typeface="Calibri" charset="0"/>
+                        </a:rPr>
+                        <a:t>00:20</a:t>
+                      </a:r>
+                    </a:p>
+                  </a:txBody>
+                  <a:tcPr marL="19050" marR="19050" marT="12700" marB="12700" anchor="b">
+                    <a:lnL w="6350" cap="flat" cmpd="sng" algn="ctr">
+                      <a:solidFill>
+                        <a:srgbClr val="CCCCCC"/>
+                      </a:solidFill>
+                      <a:prstDash val="solid"/>
+                      <a:round/>
+                      <a:headEnd type="none" w="med" len="med"/>
+                      <a:tailEnd type="none" w="med" len="med"/>
+                    </a:lnL>
+                    <a:lnR w="6350" cap="flat" cmpd="sng" algn="ctr">
+                      <a:solidFill>
+                        <a:srgbClr val="CCCCCC"/>
+                      </a:solidFill>
+                      <a:prstDash val="solid"/>
+                      <a:round/>
+                      <a:headEnd type="none" w="med" len="med"/>
+                      <a:tailEnd type="none" w="med" len="med"/>
+                    </a:lnR>
+                    <a:lnT w="6350" cap="flat" cmpd="sng" algn="ctr">
+                      <a:solidFill>
+                        <a:srgbClr val="CCCCCC"/>
+                      </a:solidFill>
+                      <a:prstDash val="solid"/>
+                      <a:round/>
+                      <a:headEnd type="none" w="med" len="med"/>
+                      <a:tailEnd type="none" w="med" len="med"/>
+                    </a:lnT>
+                    <a:lnB w="6350" cap="flat" cmpd="sng" algn="ctr">
+                      <a:solidFill>
+                        <a:srgbClr val="CCCCCC"/>
+                      </a:solidFill>
+                      <a:prstDash val="solid"/>
+                      <a:round/>
+                      <a:headEnd type="none" w="med" len="med"/>
+                      <a:tailEnd type="none" w="med" len="med"/>
+                    </a:lnB>
+                    <a:solidFill>
+                      <a:srgbClr val="CFE2F3"/>
+                    </a:solidFill>
+                  </a:tcPr>
+                </a:tc>
+                <a:tc>
+                  <a:txBody>
+                    <a:bodyPr/>
+                    <a:lstStyle/>
+                    <a:p>
+                      <a:pPr rtl="0" fontAlgn="b"/>
+                      <a:r>
+                        <a:rPr lang="en-US" sz="1800" b="0">
+                          <a:solidFill>
+                            <a:srgbClr val="000000"/>
+                          </a:solidFill>
+                          <a:effectLst/>
+                          <a:latin typeface="Calibri" charset="0"/>
+                        </a:rPr>
+                        <a:t>Controlling jobs exercise</a:t>
+                      </a:r>
+                    </a:p>
+                  </a:txBody>
+                  <a:tcPr marL="19050" marR="19050" marT="12700" marB="12700" anchor="b">
+                    <a:lnL w="6350" cap="flat" cmpd="sng" algn="ctr">
+                      <a:solidFill>
+                        <a:srgbClr val="CCCCCC"/>
+                      </a:solidFill>
+                      <a:prstDash val="solid"/>
+                      <a:round/>
+                      <a:headEnd type="none" w="med" len="med"/>
+                      <a:tailEnd type="none" w="med" len="med"/>
+                    </a:lnL>
+                    <a:lnR w="6350" cap="flat" cmpd="sng" algn="ctr">
+                      <a:solidFill>
+                        <a:srgbClr val="CCCCCC"/>
+                      </a:solidFill>
+                      <a:prstDash val="solid"/>
+                      <a:round/>
+                      <a:headEnd type="none" w="med" len="med"/>
+                      <a:tailEnd type="none" w="med" len="med"/>
+                    </a:lnR>
+                    <a:lnT w="6350" cap="flat" cmpd="sng" algn="ctr">
+                      <a:solidFill>
+                        <a:srgbClr val="CCCCCC"/>
+                      </a:solidFill>
+                      <a:prstDash val="solid"/>
+                      <a:round/>
+                      <a:headEnd type="none" w="med" len="med"/>
+                      <a:tailEnd type="none" w="med" len="med"/>
+                    </a:lnT>
+                    <a:lnB w="6350" cap="flat" cmpd="sng" algn="ctr">
+                      <a:solidFill>
+                        <a:srgbClr val="CCCCCC"/>
+                      </a:solidFill>
+                      <a:prstDash val="solid"/>
+                      <a:round/>
+                      <a:headEnd type="none" w="med" len="med"/>
+                      <a:tailEnd type="none" w="med" len="med"/>
+                    </a:lnB>
+                    <a:solidFill>
+                      <a:srgbClr val="CFE2F3"/>
+                    </a:solidFill>
+                  </a:tcPr>
+                </a:tc>
+                <a:tc>
+                  <a:txBody>
+                    <a:bodyPr/>
+                    <a:lstStyle/>
+                    <a:p>
+                      <a:pPr rtl="0" fontAlgn="b"/>
+                      <a:r>
+                        <a:rPr lang="en-US" sz="1800" b="0" dirty="0">
+                          <a:solidFill>
+                            <a:srgbClr val="000000"/>
+                          </a:solidFill>
+                          <a:effectLst/>
+                          <a:latin typeface="Calibri" charset="0"/>
+                        </a:rPr>
+                        <a:t>exercise</a:t>
+                      </a:r>
+                    </a:p>
+                  </a:txBody>
+                  <a:tcPr marL="19050" marR="19050" marT="12700" marB="12700" anchor="b">
+                    <a:lnL w="6350" cap="flat" cmpd="sng" algn="ctr">
+                      <a:solidFill>
+                        <a:srgbClr val="CCCCCC"/>
+                      </a:solidFill>
+                      <a:prstDash val="solid"/>
+                      <a:round/>
+                      <a:headEnd type="none" w="med" len="med"/>
+                      <a:tailEnd type="none" w="med" len="med"/>
+                    </a:lnL>
+                    <a:lnR w="6350" cap="flat" cmpd="sng" algn="ctr">
+                      <a:solidFill>
+                        <a:srgbClr val="CCCCCC"/>
+                      </a:solidFill>
+                      <a:prstDash val="solid"/>
+                      <a:round/>
+                      <a:headEnd type="none" w="med" len="med"/>
+                      <a:tailEnd type="none" w="med" len="med"/>
+                    </a:lnR>
+                    <a:lnT w="6350" cap="flat" cmpd="sng" algn="ctr">
+                      <a:solidFill>
+                        <a:srgbClr val="CCCCCC"/>
+                      </a:solidFill>
+                      <a:prstDash val="solid"/>
+                      <a:round/>
+                      <a:headEnd type="none" w="med" len="med"/>
+                      <a:tailEnd type="none" w="med" len="med"/>
+                    </a:lnT>
+                    <a:lnB w="6350" cap="flat" cmpd="sng" algn="ctr">
+                      <a:solidFill>
+                        <a:srgbClr val="CCCCCC"/>
+                      </a:solidFill>
+                      <a:prstDash val="solid"/>
+                      <a:round/>
+                      <a:headEnd type="none" w="med" len="med"/>
+                      <a:tailEnd type="none" w="med" len="med"/>
+                    </a:lnB>
+                    <a:solidFill>
+                      <a:srgbClr val="CFE2F3"/>
+                    </a:solidFill>
+                  </a:tcPr>
+                </a:tc>
+              </a:tr>
+            </a:tbl>
+          </a:graphicData>
+        </a:graphic>
+      </p:graphicFrame>
+    </p:spTree>
+    <p:extLst>
+      <p:ext uri="{BB962C8B-B14F-4D97-AF65-F5344CB8AC3E}">
+        <p14:creationId xmlns:p14="http://schemas.microsoft.com/office/powerpoint/2010/main" val="474200769"/>
+      </p:ext>
+    </p:extLst>
+  </p:cSld>
+  <p:clrMapOvr>
+    <a:masterClrMapping/>
+  </p:clrMapOvr>
+</p:sld>
+</file>
+
+<file path=ppt/slides/slide8.xml><?xml version="1.0" encoding="utf-8"?>
+<p:sld xmlns:a="http://schemas.openxmlformats.org/drawingml/2006/main" xmlns:r="http://schemas.openxmlformats.org/officeDocument/2006/relationships" xmlns:p="http://schemas.openxmlformats.org/presentationml/2006/main">
+  <p:cSld>
+    <p:spTree>
+      <p:nvGrpSpPr>
+        <p:cNvPr id="1" name=""/>
+        <p:cNvGrpSpPr/>
+        <p:nvPr/>
+      </p:nvGrpSpPr>
+      <p:grpSpPr>
+        <a:xfrm>
+          <a:off x="0" y="0"/>
+          <a:ext cx="0" cy="0"/>
+          <a:chOff x="0" y="0"/>
+          <a:chExt cx="0" cy="0"/>
+        </a:xfrm>
+      </p:grpSpPr>
+      <p:sp>
+        <p:nvSpPr>
+          <p:cNvPr id="2" name="Title 1"/>
+          <p:cNvSpPr>
+            <a:spLocks noGrp="1"/>
+          </p:cNvSpPr>
+          <p:nvPr>
+            <p:ph type="title"/>
+          </p:nvPr>
+        </p:nvSpPr>
+        <p:spPr/>
+        <p:txBody>
+          <a:bodyPr/>
+          <a:lstStyle/>
+          <a:p>
+            <a:r>
+              <a:rPr lang="en-US" dirty="0" smtClean="0"/>
+              <a:t>Shell Day 2</a:t>
+            </a:r>
+            <a:endParaRPr lang="en-US" dirty="0"/>
+          </a:p>
+        </p:txBody>
+      </p:sp>
+      <p:graphicFrame>
+        <p:nvGraphicFramePr>
+          <p:cNvPr id="4" name="Content Placeholder 3"/>
+          <p:cNvGraphicFramePr>
+            <a:graphicFrameLocks noGrp="1"/>
+          </p:cNvGraphicFramePr>
+          <p:nvPr>
+            <p:ph idx="1"/>
+            <p:extLst>
+              <p:ext uri="{D42A27DB-BD31-4B8C-83A1-F6EECF244321}">
+                <p14:modId xmlns:p14="http://schemas.microsoft.com/office/powerpoint/2010/main" val="161564291"/>
+              </p:ext>
+            </p:extLst>
+          </p:nvPr>
+        </p:nvGraphicFramePr>
+        <p:xfrm>
+          <a:off x="-1" y="1215030"/>
+          <a:ext cx="9144002" cy="5642969"/>
+        </p:xfrm>
+        <a:graphic>
+          <a:graphicData uri="http://schemas.openxmlformats.org/drawingml/2006/table">
+            <a:tbl>
+              <a:tblPr/>
+              <a:tblGrid>
+                <a:gridCol w="2000876"/>
+                <a:gridCol w="5142250"/>
+                <a:gridCol w="2000876"/>
+              </a:tblGrid>
+              <a:tr h="406611">
+                <a:tc>
+                  <a:txBody>
+                    <a:bodyPr/>
+                    <a:lstStyle/>
+                    <a:p>
+                      <a:pPr algn="r" rtl="0" fontAlgn="b"/>
+                      <a:r>
+                        <a:rPr lang="is-IS" sz="2000" b="0">
+                          <a:solidFill>
+                            <a:srgbClr val="000000"/>
+                          </a:solidFill>
+                          <a:effectLst/>
+                          <a:latin typeface="Calibri" charset="0"/>
+                        </a:rPr>
+                        <a:t>00:05</a:t>
+                      </a:r>
+                    </a:p>
+                  </a:txBody>
+                  <a:tcPr marL="19050" marR="19050" marT="12700" marB="12700" anchor="b">
+                    <a:lnL w="6350" cap="flat" cmpd="sng" algn="ctr">
+                      <a:solidFill>
+                        <a:srgbClr val="CCCCCC"/>
+                      </a:solidFill>
+                      <a:prstDash val="solid"/>
+                      <a:round/>
+                      <a:headEnd type="none" w="med" len="med"/>
+                      <a:tailEnd type="none" w="med" len="med"/>
+                    </a:lnL>
+                    <a:lnR w="6350" cap="flat" cmpd="sng" algn="ctr">
+                      <a:solidFill>
+                        <a:srgbClr val="CCCCCC"/>
+                      </a:solidFill>
+                      <a:prstDash val="solid"/>
+                      <a:round/>
+                      <a:headEnd type="none" w="med" len="med"/>
+                      <a:tailEnd type="none" w="med" len="med"/>
+                    </a:lnR>
+                    <a:lnT w="6350" cap="flat" cmpd="sng" algn="ctr">
+                      <a:solidFill>
+                        <a:srgbClr val="CCCCCC"/>
+                      </a:solidFill>
+                      <a:prstDash val="solid"/>
+                      <a:round/>
+                      <a:headEnd type="none" w="med" len="med"/>
+                      <a:tailEnd type="none" w="med" len="med"/>
+                    </a:lnT>
+                    <a:lnB w="6350" cap="flat" cmpd="sng" algn="ctr">
+                      <a:solidFill>
+                        <a:srgbClr val="CCCCCC"/>
+                      </a:solidFill>
+                      <a:prstDash val="solid"/>
+                      <a:round/>
+                      <a:headEnd type="none" w="med" len="med"/>
+                      <a:tailEnd type="none" w="med" len="med"/>
+                    </a:lnB>
+                    <a:solidFill>
+                      <a:srgbClr val="FFF2CC"/>
+                    </a:solidFill>
+                  </a:tcPr>
+                </a:tc>
+                <a:tc>
+                  <a:txBody>
+                    <a:bodyPr/>
+                    <a:lstStyle/>
+                    <a:p>
+                      <a:pPr rtl="0" fontAlgn="b"/>
+                      <a:r>
+                        <a:rPr lang="en-US" sz="2000" b="0">
+                          <a:solidFill>
+                            <a:srgbClr val="000000"/>
+                          </a:solidFill>
+                          <a:effectLst/>
+                          <a:latin typeface="Calibri" charset="0"/>
+                        </a:rPr>
+                        <a:t>Remember yesterday?</a:t>
+                      </a:r>
+                    </a:p>
+                  </a:txBody>
+                  <a:tcPr marL="19050" marR="19050" marT="12700" marB="12700" anchor="b">
+                    <a:lnL w="6350" cap="flat" cmpd="sng" algn="ctr">
+                      <a:solidFill>
+                        <a:srgbClr val="CCCCCC"/>
+                      </a:solidFill>
+                      <a:prstDash val="solid"/>
+                      <a:round/>
+                      <a:headEnd type="none" w="med" len="med"/>
+                      <a:tailEnd type="none" w="med" len="med"/>
+                    </a:lnL>
+                    <a:lnR w="6350" cap="flat" cmpd="sng" algn="ctr">
+                      <a:solidFill>
+                        <a:srgbClr val="CCCCCC"/>
+                      </a:solidFill>
+                      <a:prstDash val="solid"/>
+                      <a:round/>
+                      <a:headEnd type="none" w="med" len="med"/>
+                      <a:tailEnd type="none" w="med" len="med"/>
+                    </a:lnR>
+                    <a:lnT w="6350" cap="flat" cmpd="sng" algn="ctr">
+                      <a:solidFill>
+                        <a:srgbClr val="CCCCCC"/>
+                      </a:solidFill>
+                      <a:prstDash val="solid"/>
+                      <a:round/>
+                      <a:headEnd type="none" w="med" len="med"/>
+                      <a:tailEnd type="none" w="med" len="med"/>
+                    </a:lnT>
+                    <a:lnB w="6350" cap="flat" cmpd="sng" algn="ctr">
+                      <a:solidFill>
+                        <a:srgbClr val="CCCCCC"/>
+                      </a:solidFill>
+                      <a:prstDash val="solid"/>
+                      <a:round/>
+                      <a:headEnd type="none" w="med" len="med"/>
+                      <a:tailEnd type="none" w="med" len="med"/>
+                    </a:lnB>
+                    <a:solidFill>
+                      <a:srgbClr val="FFF2CC"/>
+                    </a:solidFill>
+                  </a:tcPr>
+                </a:tc>
+                <a:tc>
+                  <a:txBody>
+                    <a:bodyPr/>
+                    <a:lstStyle/>
+                    <a:p>
+                      <a:pPr rtl="0" fontAlgn="b"/>
+                      <a:r>
+                        <a:rPr lang="en-US" sz="2000" b="0">
+                          <a:solidFill>
+                            <a:srgbClr val="000000"/>
+                          </a:solidFill>
+                          <a:effectLst/>
+                          <a:latin typeface="Calibri" charset="0"/>
+                        </a:rPr>
+                        <a:t>presentation</a:t>
+                      </a:r>
+                    </a:p>
+                  </a:txBody>
+                  <a:tcPr marL="19050" marR="19050" marT="12700" marB="12700" anchor="b">
+                    <a:lnL w="6350" cap="flat" cmpd="sng" algn="ctr">
+                      <a:solidFill>
+                        <a:srgbClr val="CCCCCC"/>
+                      </a:solidFill>
+                      <a:prstDash val="solid"/>
+                      <a:round/>
+                      <a:headEnd type="none" w="med" len="med"/>
+                      <a:tailEnd type="none" w="med" len="med"/>
+                    </a:lnL>
+                    <a:lnR w="6350" cap="flat" cmpd="sng" algn="ctr">
+                      <a:solidFill>
+                        <a:srgbClr val="CCCCCC"/>
+                      </a:solidFill>
+                      <a:prstDash val="solid"/>
+                      <a:round/>
+                      <a:headEnd type="none" w="med" len="med"/>
+                      <a:tailEnd type="none" w="med" len="med"/>
+                    </a:lnR>
+                    <a:lnT w="6350" cap="flat" cmpd="sng" algn="ctr">
+                      <a:solidFill>
+                        <a:srgbClr val="CCCCCC"/>
+                      </a:solidFill>
+                      <a:prstDash val="solid"/>
+                      <a:round/>
+                      <a:headEnd type="none" w="med" len="med"/>
+                      <a:tailEnd type="none" w="med" len="med"/>
+                    </a:lnT>
+                    <a:lnB w="6350" cap="flat" cmpd="sng" algn="ctr">
+                      <a:solidFill>
+                        <a:srgbClr val="CCCCCC"/>
+                      </a:solidFill>
+                      <a:prstDash val="solid"/>
+                      <a:round/>
+                      <a:headEnd type="none" w="med" len="med"/>
+                      <a:tailEnd type="none" w="med" len="med"/>
+                    </a:lnB>
+                    <a:solidFill>
+                      <a:srgbClr val="FFF2CC"/>
+                    </a:solidFill>
+                  </a:tcPr>
+                </a:tc>
+              </a:tr>
+              <a:tr h="406611">
+                <a:tc>
+                  <a:txBody>
+                    <a:bodyPr/>
+                    <a:lstStyle/>
+                    <a:p>
+                      <a:pPr algn="r" rtl="0" fontAlgn="b"/>
+                      <a:r>
+                        <a:rPr lang="is-IS" sz="2000" b="0">
+                          <a:solidFill>
+                            <a:srgbClr val="000000"/>
+                          </a:solidFill>
+                          <a:effectLst/>
+                          <a:latin typeface="Calibri" charset="0"/>
+                        </a:rPr>
+                        <a:t>00:10</a:t>
+                      </a:r>
+                    </a:p>
+                  </a:txBody>
+                  <a:tcPr marL="19050" marR="19050" marT="12700" marB="12700" anchor="b">
+                    <a:lnL w="6350" cap="flat" cmpd="sng" algn="ctr">
+                      <a:solidFill>
+                        <a:srgbClr val="CCCCCC"/>
+                      </a:solidFill>
+                      <a:prstDash val="solid"/>
+                      <a:round/>
+                      <a:headEnd type="none" w="med" len="med"/>
+                      <a:tailEnd type="none" w="med" len="med"/>
+                    </a:lnL>
+                    <a:lnR w="6350" cap="flat" cmpd="sng" algn="ctr">
+                      <a:solidFill>
+                        <a:srgbClr val="CCCCCC"/>
+                      </a:solidFill>
+                      <a:prstDash val="solid"/>
+                      <a:round/>
+                      <a:headEnd type="none" w="med" len="med"/>
+                      <a:tailEnd type="none" w="med" len="med"/>
+                    </a:lnR>
+                    <a:lnT w="6350" cap="flat" cmpd="sng" algn="ctr">
+                      <a:solidFill>
+                        <a:srgbClr val="CCCCCC"/>
+                      </a:solidFill>
+                      <a:prstDash val="solid"/>
+                      <a:round/>
+                      <a:headEnd type="none" w="med" len="med"/>
+                      <a:tailEnd type="none" w="med" len="med"/>
+                    </a:lnT>
+                    <a:lnB w="6350" cap="flat" cmpd="sng" algn="ctr">
+                      <a:solidFill>
+                        <a:srgbClr val="CCCCCC"/>
+                      </a:solidFill>
+                      <a:prstDash val="solid"/>
+                      <a:round/>
+                      <a:headEnd type="none" w="med" len="med"/>
+                      <a:tailEnd type="none" w="med" len="med"/>
+                    </a:lnB>
+                    <a:solidFill>
+                      <a:srgbClr val="CFE2F3"/>
+                    </a:solidFill>
+                  </a:tcPr>
+                </a:tc>
+                <a:tc>
+                  <a:txBody>
+                    <a:bodyPr/>
+                    <a:lstStyle/>
+                    <a:p>
+                      <a:pPr rtl="0" fontAlgn="b"/>
+                      <a:r>
+                        <a:rPr lang="en-US" sz="2000" b="0">
+                          <a:solidFill>
+                            <a:srgbClr val="000000"/>
+                          </a:solidFill>
+                          <a:effectLst/>
+                          <a:latin typeface="Calibri" charset="0"/>
+                        </a:rPr>
+                        <a:t>Remember yesterday exercise</a:t>
+                      </a:r>
+                    </a:p>
+                  </a:txBody>
+                  <a:tcPr marL="19050" marR="19050" marT="12700" marB="12700" anchor="b">
+                    <a:lnL w="6350" cap="flat" cmpd="sng" algn="ctr">
+                      <a:solidFill>
+                        <a:srgbClr val="CCCCCC"/>
+                      </a:solidFill>
+                      <a:prstDash val="solid"/>
+                      <a:round/>
+                      <a:headEnd type="none" w="med" len="med"/>
+                      <a:tailEnd type="none" w="med" len="med"/>
+                    </a:lnL>
+                    <a:lnR w="6350" cap="flat" cmpd="sng" algn="ctr">
+                      <a:solidFill>
+                        <a:srgbClr val="CCCCCC"/>
+                      </a:solidFill>
+                      <a:prstDash val="solid"/>
+                      <a:round/>
+                      <a:headEnd type="none" w="med" len="med"/>
+                      <a:tailEnd type="none" w="med" len="med"/>
+                    </a:lnR>
+                    <a:lnT w="6350" cap="flat" cmpd="sng" algn="ctr">
+                      <a:solidFill>
+                        <a:srgbClr val="CCCCCC"/>
+                      </a:solidFill>
+                      <a:prstDash val="solid"/>
+                      <a:round/>
+                      <a:headEnd type="none" w="med" len="med"/>
+                      <a:tailEnd type="none" w="med" len="med"/>
+                    </a:lnT>
+                    <a:lnB w="6350" cap="flat" cmpd="sng" algn="ctr">
+                      <a:solidFill>
+                        <a:srgbClr val="CCCCCC"/>
+                      </a:solidFill>
+                      <a:prstDash val="solid"/>
+                      <a:round/>
+                      <a:headEnd type="none" w="med" len="med"/>
+                      <a:tailEnd type="none" w="med" len="med"/>
+                    </a:lnB>
+                    <a:solidFill>
+                      <a:srgbClr val="CFE2F3"/>
+                    </a:solidFill>
+                  </a:tcPr>
+                </a:tc>
+                <a:tc>
+                  <a:txBody>
+                    <a:bodyPr/>
+                    <a:lstStyle/>
+                    <a:p>
+                      <a:pPr rtl="0" fontAlgn="b"/>
+                      <a:r>
+                        <a:rPr lang="en-US" sz="2000" b="0">
+                          <a:solidFill>
+                            <a:srgbClr val="000000"/>
+                          </a:solidFill>
+                          <a:effectLst/>
+                          <a:latin typeface="Calibri" charset="0"/>
+                        </a:rPr>
+                        <a:t>exercise</a:t>
+                      </a:r>
+                    </a:p>
+                  </a:txBody>
+                  <a:tcPr marL="19050" marR="19050" marT="12700" marB="12700" anchor="b">
+                    <a:lnL w="6350" cap="flat" cmpd="sng" algn="ctr">
+                      <a:solidFill>
+                        <a:srgbClr val="CCCCCC"/>
+                      </a:solidFill>
+                      <a:prstDash val="solid"/>
+                      <a:round/>
+                      <a:headEnd type="none" w="med" len="med"/>
+                      <a:tailEnd type="none" w="med" len="med"/>
+                    </a:lnL>
+                    <a:lnR w="6350" cap="flat" cmpd="sng" algn="ctr">
+                      <a:solidFill>
+                        <a:srgbClr val="CCCCCC"/>
+                      </a:solidFill>
+                      <a:prstDash val="solid"/>
+                      <a:round/>
+                      <a:headEnd type="none" w="med" len="med"/>
+                      <a:tailEnd type="none" w="med" len="med"/>
+                    </a:lnR>
+                    <a:lnT w="6350" cap="flat" cmpd="sng" algn="ctr">
+                      <a:solidFill>
+                        <a:srgbClr val="CCCCCC"/>
+                      </a:solidFill>
+                      <a:prstDash val="solid"/>
+                      <a:round/>
+                      <a:headEnd type="none" w="med" len="med"/>
+                      <a:tailEnd type="none" w="med" len="med"/>
+                    </a:lnT>
+                    <a:lnB w="6350" cap="flat" cmpd="sng" algn="ctr">
+                      <a:solidFill>
+                        <a:srgbClr val="CCCCCC"/>
+                      </a:solidFill>
+                      <a:prstDash val="solid"/>
+                      <a:round/>
+                      <a:headEnd type="none" w="med" len="med"/>
+                      <a:tailEnd type="none" w="med" len="med"/>
+                    </a:lnB>
+                    <a:solidFill>
+                      <a:srgbClr val="CFE2F3"/>
+                    </a:solidFill>
+                  </a:tcPr>
+                </a:tc>
+              </a:tr>
+              <a:tr h="406611">
+                <a:tc>
+                  <a:txBody>
+                    <a:bodyPr/>
+                    <a:lstStyle/>
+                    <a:p>
+                      <a:pPr algn="r" rtl="0" fontAlgn="b"/>
+                      <a:r>
+                        <a:rPr lang="is-IS" sz="2000" b="0">
+                          <a:solidFill>
+                            <a:srgbClr val="000000"/>
+                          </a:solidFill>
+                          <a:effectLst/>
+                          <a:latin typeface="Calibri" charset="0"/>
+                        </a:rPr>
+                        <a:t>00:20</a:t>
+                      </a:r>
+                    </a:p>
+                  </a:txBody>
+                  <a:tcPr marL="19050" marR="19050" marT="12700" marB="12700" anchor="b">
+                    <a:lnL w="6350" cap="flat" cmpd="sng" algn="ctr">
+                      <a:solidFill>
+                        <a:srgbClr val="CCCCCC"/>
+                      </a:solidFill>
+                      <a:prstDash val="solid"/>
+                      <a:round/>
+                      <a:headEnd type="none" w="med" len="med"/>
+                      <a:tailEnd type="none" w="med" len="med"/>
+                    </a:lnL>
+                    <a:lnR w="6350" cap="flat" cmpd="sng" algn="ctr">
+                      <a:solidFill>
+                        <a:srgbClr val="CCCCCC"/>
+                      </a:solidFill>
+                      <a:prstDash val="solid"/>
+                      <a:round/>
+                      <a:headEnd type="none" w="med" len="med"/>
+                      <a:tailEnd type="none" w="med" len="med"/>
+                    </a:lnR>
+                    <a:lnT w="6350" cap="flat" cmpd="sng" algn="ctr">
+                      <a:solidFill>
+                        <a:srgbClr val="CCCCCC"/>
+                      </a:solidFill>
+                      <a:prstDash val="solid"/>
+                      <a:round/>
+                      <a:headEnd type="none" w="med" len="med"/>
+                      <a:tailEnd type="none" w="med" len="med"/>
+                    </a:lnT>
+                    <a:lnB w="6350" cap="flat" cmpd="sng" algn="ctr">
+                      <a:solidFill>
+                        <a:srgbClr val="CCCCCC"/>
+                      </a:solidFill>
+                      <a:prstDash val="solid"/>
+                      <a:round/>
+                      <a:headEnd type="none" w="med" len="med"/>
+                      <a:tailEnd type="none" w="med" len="med"/>
+                    </a:lnB>
+                    <a:solidFill>
+                      <a:srgbClr val="FFF2CC"/>
+                    </a:solidFill>
+                  </a:tcPr>
+                </a:tc>
+                <a:tc>
+                  <a:txBody>
+                    <a:bodyPr/>
+                    <a:lstStyle/>
+                    <a:p>
+                      <a:pPr rtl="0" fontAlgn="b"/>
+                      <a:r>
+                        <a:rPr lang="en-US" sz="2000" b="0">
+                          <a:solidFill>
+                            <a:srgbClr val="000000"/>
+                          </a:solidFill>
+                          <a:effectLst/>
+                          <a:latin typeface="Calibri" charset="0"/>
+                        </a:rPr>
+                        <a:t>Git talk</a:t>
+                      </a:r>
+                    </a:p>
+                  </a:txBody>
+                  <a:tcPr marL="19050" marR="19050" marT="12700" marB="12700" anchor="b">
+                    <a:lnL w="6350" cap="flat" cmpd="sng" algn="ctr">
+                      <a:solidFill>
+                        <a:srgbClr val="CCCCCC"/>
+                      </a:solidFill>
+                      <a:prstDash val="solid"/>
+                      <a:round/>
+                      <a:headEnd type="none" w="med" len="med"/>
+                      <a:tailEnd type="none" w="med" len="med"/>
+                    </a:lnL>
+                    <a:lnR w="6350" cap="flat" cmpd="sng" algn="ctr">
+                      <a:solidFill>
+                        <a:srgbClr val="CCCCCC"/>
+                      </a:solidFill>
+                      <a:prstDash val="solid"/>
+                      <a:round/>
+                      <a:headEnd type="none" w="med" len="med"/>
+                      <a:tailEnd type="none" w="med" len="med"/>
+                    </a:lnR>
+                    <a:lnT w="6350" cap="flat" cmpd="sng" algn="ctr">
+                      <a:solidFill>
+                        <a:srgbClr val="CCCCCC"/>
+                      </a:solidFill>
+                      <a:prstDash val="solid"/>
+                      <a:round/>
+                      <a:headEnd type="none" w="med" len="med"/>
+                      <a:tailEnd type="none" w="med" len="med"/>
+                    </a:lnT>
+                    <a:lnB w="6350" cap="flat" cmpd="sng" algn="ctr">
+                      <a:solidFill>
+                        <a:srgbClr val="CCCCCC"/>
+                      </a:solidFill>
+                      <a:prstDash val="solid"/>
+                      <a:round/>
+                      <a:headEnd type="none" w="med" len="med"/>
+                      <a:tailEnd type="none" w="med" len="med"/>
+                    </a:lnB>
+                    <a:solidFill>
+                      <a:srgbClr val="FFF2CC"/>
+                    </a:solidFill>
+                  </a:tcPr>
+                </a:tc>
+                <a:tc>
+                  <a:txBody>
+                    <a:bodyPr/>
+                    <a:lstStyle/>
+                    <a:p>
+                      <a:pPr rtl="0" fontAlgn="b"/>
+                      <a:r>
+                        <a:rPr lang="en-US" sz="2000" b="0">
+                          <a:solidFill>
+                            <a:srgbClr val="000000"/>
+                          </a:solidFill>
+                          <a:effectLst/>
+                          <a:latin typeface="Calibri" charset="0"/>
+                        </a:rPr>
+                        <a:t>presentation</a:t>
+                      </a:r>
+                    </a:p>
+                  </a:txBody>
+                  <a:tcPr marL="19050" marR="19050" marT="12700" marB="12700" anchor="b">
+                    <a:lnL w="6350" cap="flat" cmpd="sng" algn="ctr">
+                      <a:solidFill>
+                        <a:srgbClr val="CCCCCC"/>
+                      </a:solidFill>
+                      <a:prstDash val="solid"/>
+                      <a:round/>
+                      <a:headEnd type="none" w="med" len="med"/>
+                      <a:tailEnd type="none" w="med" len="med"/>
+                    </a:lnL>
+                    <a:lnR w="6350" cap="flat" cmpd="sng" algn="ctr">
+                      <a:solidFill>
+                        <a:srgbClr val="CCCCCC"/>
+                      </a:solidFill>
+                      <a:prstDash val="solid"/>
+                      <a:round/>
+                      <a:headEnd type="none" w="med" len="med"/>
+                      <a:tailEnd type="none" w="med" len="med"/>
+                    </a:lnR>
+                    <a:lnT w="6350" cap="flat" cmpd="sng" algn="ctr">
+                      <a:solidFill>
+                        <a:srgbClr val="CCCCCC"/>
+                      </a:solidFill>
+                      <a:prstDash val="solid"/>
+                      <a:round/>
+                      <a:headEnd type="none" w="med" len="med"/>
+                      <a:tailEnd type="none" w="med" len="med"/>
+                    </a:lnT>
+                    <a:lnB w="6350" cap="flat" cmpd="sng" algn="ctr">
+                      <a:solidFill>
+                        <a:srgbClr val="CCCCCC"/>
+                      </a:solidFill>
+                      <a:prstDash val="solid"/>
+                      <a:round/>
+                      <a:headEnd type="none" w="med" len="med"/>
+                      <a:tailEnd type="none" w="med" len="med"/>
+                    </a:lnB>
+                    <a:solidFill>
+                      <a:srgbClr val="FFF2CC"/>
+                    </a:solidFill>
+                  </a:tcPr>
+                </a:tc>
+              </a:tr>
+              <a:tr h="406611">
+                <a:tc>
+                  <a:txBody>
+                    <a:bodyPr/>
+                    <a:lstStyle/>
+                    <a:p>
+                      <a:pPr algn="r" rtl="0" fontAlgn="b"/>
+                      <a:r>
+                        <a:rPr lang="is-IS" sz="2000" b="0">
+                          <a:solidFill>
+                            <a:srgbClr val="000000"/>
+                          </a:solidFill>
+                          <a:effectLst/>
+                          <a:latin typeface="Calibri" charset="0"/>
+                        </a:rPr>
+                        <a:t>00:15</a:t>
+                      </a:r>
+                    </a:p>
+                  </a:txBody>
+                  <a:tcPr marL="19050" marR="19050" marT="12700" marB="12700" anchor="b">
+                    <a:lnL w="6350" cap="flat" cmpd="sng" algn="ctr">
+                      <a:solidFill>
+                        <a:srgbClr val="CCCCCC"/>
+                      </a:solidFill>
+                      <a:prstDash val="solid"/>
+                      <a:round/>
+                      <a:headEnd type="none" w="med" len="med"/>
+                      <a:tailEnd type="none" w="med" len="med"/>
+                    </a:lnL>
+                    <a:lnR w="6350" cap="flat" cmpd="sng" algn="ctr">
+                      <a:solidFill>
+                        <a:srgbClr val="CCCCCC"/>
+                      </a:solidFill>
+                      <a:prstDash val="solid"/>
+                      <a:round/>
+                      <a:headEnd type="none" w="med" len="med"/>
+                      <a:tailEnd type="none" w="med" len="med"/>
+                    </a:lnR>
+                    <a:lnT w="6350" cap="flat" cmpd="sng" algn="ctr">
+                      <a:solidFill>
+                        <a:srgbClr val="CCCCCC"/>
+                      </a:solidFill>
+                      <a:prstDash val="solid"/>
+                      <a:round/>
+                      <a:headEnd type="none" w="med" len="med"/>
+                      <a:tailEnd type="none" w="med" len="med"/>
+                    </a:lnT>
+                    <a:lnB w="6350" cap="flat" cmpd="sng" algn="ctr">
+                      <a:solidFill>
+                        <a:srgbClr val="CCCCCC"/>
+                      </a:solidFill>
+                      <a:prstDash val="solid"/>
+                      <a:round/>
+                      <a:headEnd type="none" w="med" len="med"/>
+                      <a:tailEnd type="none" w="med" len="med"/>
+                    </a:lnB>
+                    <a:solidFill>
+                      <a:srgbClr val="CFE2F3"/>
+                    </a:solidFill>
+                  </a:tcPr>
+                </a:tc>
+                <a:tc>
+                  <a:txBody>
+                    <a:bodyPr/>
+                    <a:lstStyle/>
+                    <a:p>
+                      <a:pPr rtl="0" fontAlgn="b"/>
+                      <a:r>
+                        <a:rPr lang="en-US" sz="2000" b="0">
+                          <a:solidFill>
+                            <a:srgbClr val="000000"/>
+                          </a:solidFill>
+                          <a:effectLst/>
+                          <a:latin typeface="Calibri" charset="0"/>
+                        </a:rPr>
+                        <a:t>Git exercise</a:t>
+                      </a:r>
+                    </a:p>
+                  </a:txBody>
+                  <a:tcPr marL="19050" marR="19050" marT="12700" marB="12700" anchor="b">
+                    <a:lnL w="6350" cap="flat" cmpd="sng" algn="ctr">
+                      <a:solidFill>
+                        <a:srgbClr val="CCCCCC"/>
+                      </a:solidFill>
+                      <a:prstDash val="solid"/>
+                      <a:round/>
+                      <a:headEnd type="none" w="med" len="med"/>
+                      <a:tailEnd type="none" w="med" len="med"/>
+                    </a:lnL>
+                    <a:lnR w="6350" cap="flat" cmpd="sng" algn="ctr">
+                      <a:solidFill>
+                        <a:srgbClr val="CCCCCC"/>
+                      </a:solidFill>
+                      <a:prstDash val="solid"/>
+                      <a:round/>
+                      <a:headEnd type="none" w="med" len="med"/>
+                      <a:tailEnd type="none" w="med" len="med"/>
+                    </a:lnR>
+                    <a:lnT w="6350" cap="flat" cmpd="sng" algn="ctr">
+                      <a:solidFill>
+                        <a:srgbClr val="CCCCCC"/>
+                      </a:solidFill>
+                      <a:prstDash val="solid"/>
+                      <a:round/>
+                      <a:headEnd type="none" w="med" len="med"/>
+                      <a:tailEnd type="none" w="med" len="med"/>
+                    </a:lnT>
+                    <a:lnB w="6350" cap="flat" cmpd="sng" algn="ctr">
+                      <a:solidFill>
+                        <a:srgbClr val="CCCCCC"/>
+                      </a:solidFill>
+                      <a:prstDash val="solid"/>
+                      <a:round/>
+                      <a:headEnd type="none" w="med" len="med"/>
+                      <a:tailEnd type="none" w="med" len="med"/>
+                    </a:lnB>
+                    <a:solidFill>
+                      <a:srgbClr val="CFE2F3"/>
+                    </a:solidFill>
+                  </a:tcPr>
+                </a:tc>
+                <a:tc>
+                  <a:txBody>
+                    <a:bodyPr/>
+                    <a:lstStyle/>
+                    <a:p>
+                      <a:pPr rtl="0" fontAlgn="b"/>
+                      <a:r>
+                        <a:rPr lang="en-US" sz="2000" b="0">
+                          <a:solidFill>
+                            <a:srgbClr val="000000"/>
+                          </a:solidFill>
+                          <a:effectLst/>
+                          <a:latin typeface="Calibri" charset="0"/>
+                        </a:rPr>
+                        <a:t>exercise</a:t>
+                      </a:r>
+                    </a:p>
+                  </a:txBody>
+                  <a:tcPr marL="19050" marR="19050" marT="12700" marB="12700" anchor="b">
+                    <a:lnL w="6350" cap="flat" cmpd="sng" algn="ctr">
+                      <a:solidFill>
+                        <a:srgbClr val="CCCCCC"/>
+                      </a:solidFill>
+                      <a:prstDash val="solid"/>
+                      <a:round/>
+                      <a:headEnd type="none" w="med" len="med"/>
+                      <a:tailEnd type="none" w="med" len="med"/>
+                    </a:lnL>
+                    <a:lnR w="6350" cap="flat" cmpd="sng" algn="ctr">
+                      <a:solidFill>
+                        <a:srgbClr val="CCCCCC"/>
+                      </a:solidFill>
+                      <a:prstDash val="solid"/>
+                      <a:round/>
+                      <a:headEnd type="none" w="med" len="med"/>
+                      <a:tailEnd type="none" w="med" len="med"/>
+                    </a:lnR>
+                    <a:lnT w="6350" cap="flat" cmpd="sng" algn="ctr">
+                      <a:solidFill>
+                        <a:srgbClr val="CCCCCC"/>
+                      </a:solidFill>
+                      <a:prstDash val="solid"/>
+                      <a:round/>
+                      <a:headEnd type="none" w="med" len="med"/>
+                      <a:tailEnd type="none" w="med" len="med"/>
+                    </a:lnT>
+                    <a:lnB w="6350" cap="flat" cmpd="sng" algn="ctr">
+                      <a:solidFill>
+                        <a:srgbClr val="CCCCCC"/>
+                      </a:solidFill>
+                      <a:prstDash val="solid"/>
+                      <a:round/>
+                      <a:headEnd type="none" w="med" len="med"/>
+                      <a:tailEnd type="none" w="med" len="med"/>
+                    </a:lnB>
+                    <a:solidFill>
+                      <a:srgbClr val="CFE2F3"/>
+                    </a:solidFill>
+                  </a:tcPr>
+                </a:tc>
+              </a:tr>
+              <a:tr h="406611">
+                <a:tc>
+                  <a:txBody>
+                    <a:bodyPr/>
+                    <a:lstStyle/>
+                    <a:p>
+                      <a:pPr algn="r" rtl="0" fontAlgn="b"/>
+                      <a:r>
+                        <a:rPr lang="is-IS" sz="2000" b="0">
+                          <a:solidFill>
+                            <a:srgbClr val="000000"/>
+                          </a:solidFill>
+                          <a:effectLst/>
+                          <a:latin typeface="Calibri" charset="0"/>
+                        </a:rPr>
+                        <a:t>00:20</a:t>
+                      </a:r>
+                    </a:p>
+                  </a:txBody>
+                  <a:tcPr marL="19050" marR="19050" marT="12700" marB="12700" anchor="b">
+                    <a:lnL w="6350" cap="flat" cmpd="sng" algn="ctr">
+                      <a:solidFill>
+                        <a:srgbClr val="CCCCCC"/>
+                      </a:solidFill>
+                      <a:prstDash val="solid"/>
+                      <a:round/>
+                      <a:headEnd type="none" w="med" len="med"/>
+                      <a:tailEnd type="none" w="med" len="med"/>
+                    </a:lnL>
+                    <a:lnR w="6350" cap="flat" cmpd="sng" algn="ctr">
+                      <a:solidFill>
+                        <a:srgbClr val="CCCCCC"/>
+                      </a:solidFill>
+                      <a:prstDash val="solid"/>
+                      <a:round/>
+                      <a:headEnd type="none" w="med" len="med"/>
+                      <a:tailEnd type="none" w="med" len="med"/>
+                    </a:lnR>
+                    <a:lnT w="6350" cap="flat" cmpd="sng" algn="ctr">
+                      <a:solidFill>
+                        <a:srgbClr val="CCCCCC"/>
+                      </a:solidFill>
+                      <a:prstDash val="solid"/>
+                      <a:round/>
+                      <a:headEnd type="none" w="med" len="med"/>
+                      <a:tailEnd type="none" w="med" len="med"/>
+                    </a:lnT>
+                    <a:lnB w="6350" cap="flat" cmpd="sng" algn="ctr">
+                      <a:solidFill>
+                        <a:srgbClr val="CCCCCC"/>
+                      </a:solidFill>
+                      <a:prstDash val="solid"/>
+                      <a:round/>
+                      <a:headEnd type="none" w="med" len="med"/>
+                      <a:tailEnd type="none" w="med" len="med"/>
+                    </a:lnB>
+                    <a:solidFill>
+                      <a:srgbClr val="FFF2CC"/>
+                    </a:solidFill>
+                  </a:tcPr>
+                </a:tc>
+                <a:tc>
+                  <a:txBody>
+                    <a:bodyPr/>
+                    <a:lstStyle/>
+                    <a:p>
+                      <a:pPr rtl="0" fontAlgn="b"/>
+                      <a:r>
+                        <a:rPr lang="en-US" sz="2000" b="0">
+                          <a:solidFill>
+                            <a:srgbClr val="000000"/>
+                          </a:solidFill>
+                          <a:effectLst/>
+                          <a:latin typeface="Calibri" charset="0"/>
+                        </a:rPr>
+                        <a:t>shell scripts</a:t>
+                      </a:r>
+                    </a:p>
+                  </a:txBody>
+                  <a:tcPr marL="19050" marR="19050" marT="12700" marB="12700" anchor="b">
+                    <a:lnL w="6350" cap="flat" cmpd="sng" algn="ctr">
+                      <a:solidFill>
+                        <a:srgbClr val="CCCCCC"/>
+                      </a:solidFill>
+                      <a:prstDash val="solid"/>
+                      <a:round/>
+                      <a:headEnd type="none" w="med" len="med"/>
+                      <a:tailEnd type="none" w="med" len="med"/>
+                    </a:lnL>
+                    <a:lnR w="6350" cap="flat" cmpd="sng" algn="ctr">
+                      <a:solidFill>
+                        <a:srgbClr val="CCCCCC"/>
+                      </a:solidFill>
+                      <a:prstDash val="solid"/>
+                      <a:round/>
+                      <a:headEnd type="none" w="med" len="med"/>
+                      <a:tailEnd type="none" w="med" len="med"/>
+                    </a:lnR>
+                    <a:lnT w="6350" cap="flat" cmpd="sng" algn="ctr">
+                      <a:solidFill>
+                        <a:srgbClr val="CCCCCC"/>
+                      </a:solidFill>
+                      <a:prstDash val="solid"/>
+                      <a:round/>
+                      <a:headEnd type="none" w="med" len="med"/>
+                      <a:tailEnd type="none" w="med" len="med"/>
+                    </a:lnT>
+                    <a:lnB w="6350" cap="flat" cmpd="sng" algn="ctr">
+                      <a:solidFill>
+                        <a:srgbClr val="CCCCCC"/>
+                      </a:solidFill>
+                      <a:prstDash val="solid"/>
+                      <a:round/>
+                      <a:headEnd type="none" w="med" len="med"/>
+                      <a:tailEnd type="none" w="med" len="med"/>
+                    </a:lnB>
+                    <a:solidFill>
+                      <a:srgbClr val="FFF2CC"/>
+                    </a:solidFill>
+                  </a:tcPr>
+                </a:tc>
+                <a:tc>
+                  <a:txBody>
+                    <a:bodyPr/>
+                    <a:lstStyle/>
+                    <a:p>
+                      <a:pPr rtl="0" fontAlgn="b"/>
+                      <a:r>
+                        <a:rPr lang="en-US" sz="2000" b="0">
+                          <a:solidFill>
+                            <a:srgbClr val="000000"/>
+                          </a:solidFill>
+                          <a:effectLst/>
+                          <a:latin typeface="Calibri" charset="0"/>
+                        </a:rPr>
+                        <a:t>presentation</a:t>
+                      </a:r>
+                    </a:p>
+                  </a:txBody>
+                  <a:tcPr marL="19050" marR="19050" marT="12700" marB="12700" anchor="b">
+                    <a:lnL w="6350" cap="flat" cmpd="sng" algn="ctr">
+                      <a:solidFill>
+                        <a:srgbClr val="CCCCCC"/>
+                      </a:solidFill>
+                      <a:prstDash val="solid"/>
+                      <a:round/>
+                      <a:headEnd type="none" w="med" len="med"/>
+                      <a:tailEnd type="none" w="med" len="med"/>
+                    </a:lnL>
+                    <a:lnR w="6350" cap="flat" cmpd="sng" algn="ctr">
+                      <a:solidFill>
+                        <a:srgbClr val="CCCCCC"/>
+                      </a:solidFill>
+                      <a:prstDash val="solid"/>
+                      <a:round/>
+                      <a:headEnd type="none" w="med" len="med"/>
+                      <a:tailEnd type="none" w="med" len="med"/>
+                    </a:lnR>
+                    <a:lnT w="6350" cap="flat" cmpd="sng" algn="ctr">
+                      <a:solidFill>
+                        <a:srgbClr val="CCCCCC"/>
+                      </a:solidFill>
+                      <a:prstDash val="solid"/>
+                      <a:round/>
+                      <a:headEnd type="none" w="med" len="med"/>
+                      <a:tailEnd type="none" w="med" len="med"/>
+                    </a:lnT>
+                    <a:lnB w="6350" cap="flat" cmpd="sng" algn="ctr">
+                      <a:solidFill>
+                        <a:srgbClr val="CCCCCC"/>
+                      </a:solidFill>
+                      <a:prstDash val="solid"/>
+                      <a:round/>
+                      <a:headEnd type="none" w="med" len="med"/>
+                      <a:tailEnd type="none" w="med" len="med"/>
+                    </a:lnB>
+                    <a:solidFill>
+                      <a:srgbClr val="FFF2CC"/>
+                    </a:solidFill>
+                  </a:tcPr>
+                </a:tc>
+              </a:tr>
+              <a:tr h="406611">
+                <a:tc>
+                  <a:txBody>
+                    <a:bodyPr/>
+                    <a:lstStyle/>
+                    <a:p>
+                      <a:pPr algn="r" rtl="0" fontAlgn="b"/>
+                      <a:r>
+                        <a:rPr lang="is-IS" sz="2000" b="0">
+                          <a:solidFill>
+                            <a:srgbClr val="000000"/>
+                          </a:solidFill>
+                          <a:effectLst/>
+                          <a:latin typeface="Calibri" charset="0"/>
+                        </a:rPr>
+                        <a:t>00:20</a:t>
+                      </a:r>
+                    </a:p>
+                  </a:txBody>
+                  <a:tcPr marL="19050" marR="19050" marT="12700" marB="12700" anchor="b">
+                    <a:lnL w="6350" cap="flat" cmpd="sng" algn="ctr">
+                      <a:solidFill>
+                        <a:srgbClr val="CCCCCC"/>
+                      </a:solidFill>
+                      <a:prstDash val="solid"/>
+                      <a:round/>
+                      <a:headEnd type="none" w="med" len="med"/>
+                      <a:tailEnd type="none" w="med" len="med"/>
+                    </a:lnL>
+                    <a:lnR w="6350" cap="flat" cmpd="sng" algn="ctr">
+                      <a:solidFill>
+                        <a:srgbClr val="CCCCCC"/>
+                      </a:solidFill>
+                      <a:prstDash val="solid"/>
+                      <a:round/>
+                      <a:headEnd type="none" w="med" len="med"/>
+                      <a:tailEnd type="none" w="med" len="med"/>
+                    </a:lnR>
+                    <a:lnT w="6350" cap="flat" cmpd="sng" algn="ctr">
+                      <a:solidFill>
+                        <a:srgbClr val="CCCCCC"/>
+                      </a:solidFill>
+                      <a:prstDash val="solid"/>
+                      <a:round/>
+                      <a:headEnd type="none" w="med" len="med"/>
+                      <a:tailEnd type="none" w="med" len="med"/>
+                    </a:lnT>
+                    <a:lnB w="6350" cap="flat" cmpd="sng" algn="ctr">
+                      <a:solidFill>
+                        <a:srgbClr val="CCCCCC"/>
+                      </a:solidFill>
+                      <a:prstDash val="solid"/>
+                      <a:round/>
+                      <a:headEnd type="none" w="med" len="med"/>
+                      <a:tailEnd type="none" w="med" len="med"/>
+                    </a:lnB>
+                    <a:solidFill>
+                      <a:srgbClr val="CFE2F3"/>
+                    </a:solidFill>
+                  </a:tcPr>
+                </a:tc>
+                <a:tc>
+                  <a:txBody>
+                    <a:bodyPr/>
+                    <a:lstStyle/>
+                    <a:p>
+                      <a:pPr rtl="0" fontAlgn="b"/>
+                      <a:r>
+                        <a:rPr lang="en-US" sz="2000" b="0">
+                          <a:solidFill>
+                            <a:srgbClr val="000000"/>
+                          </a:solidFill>
+                          <a:effectLst/>
+                          <a:latin typeface="Calibri" charset="0"/>
+                        </a:rPr>
+                        <a:t>shell script exercise</a:t>
+                      </a:r>
+                    </a:p>
+                  </a:txBody>
+                  <a:tcPr marL="19050" marR="19050" marT="12700" marB="12700" anchor="b">
+                    <a:lnL w="6350" cap="flat" cmpd="sng" algn="ctr">
+                      <a:solidFill>
+                        <a:srgbClr val="CCCCCC"/>
+                      </a:solidFill>
+                      <a:prstDash val="solid"/>
+                      <a:round/>
+                      <a:headEnd type="none" w="med" len="med"/>
+                      <a:tailEnd type="none" w="med" len="med"/>
+                    </a:lnL>
+                    <a:lnR w="6350" cap="flat" cmpd="sng" algn="ctr">
+                      <a:solidFill>
+                        <a:srgbClr val="CCCCCC"/>
+                      </a:solidFill>
+                      <a:prstDash val="solid"/>
+                      <a:round/>
+                      <a:headEnd type="none" w="med" len="med"/>
+                      <a:tailEnd type="none" w="med" len="med"/>
+                    </a:lnR>
+                    <a:lnT w="6350" cap="flat" cmpd="sng" algn="ctr">
+                      <a:solidFill>
+                        <a:srgbClr val="CCCCCC"/>
+                      </a:solidFill>
+                      <a:prstDash val="solid"/>
+                      <a:round/>
+                      <a:headEnd type="none" w="med" len="med"/>
+                      <a:tailEnd type="none" w="med" len="med"/>
+                    </a:lnT>
+                    <a:lnB w="6350" cap="flat" cmpd="sng" algn="ctr">
+                      <a:solidFill>
+                        <a:srgbClr val="CCCCCC"/>
+                      </a:solidFill>
+                      <a:prstDash val="solid"/>
+                      <a:round/>
+                      <a:headEnd type="none" w="med" len="med"/>
+                      <a:tailEnd type="none" w="med" len="med"/>
+                    </a:lnB>
+                    <a:solidFill>
+                      <a:srgbClr val="CFE2F3"/>
+                    </a:solidFill>
+                  </a:tcPr>
+                </a:tc>
+                <a:tc>
+                  <a:txBody>
+                    <a:bodyPr/>
+                    <a:lstStyle/>
+                    <a:p>
+                      <a:pPr rtl="0" fontAlgn="b"/>
+                      <a:r>
+                        <a:rPr lang="en-US" sz="2000" b="0">
+                          <a:solidFill>
+                            <a:srgbClr val="000000"/>
+                          </a:solidFill>
+                          <a:effectLst/>
+                          <a:latin typeface="Calibri" charset="0"/>
+                        </a:rPr>
+                        <a:t>exercise</a:t>
+                      </a:r>
+                    </a:p>
+                  </a:txBody>
+                  <a:tcPr marL="19050" marR="19050" marT="12700" marB="12700" anchor="b">
+                    <a:lnL w="6350" cap="flat" cmpd="sng" algn="ctr">
+                      <a:solidFill>
+                        <a:srgbClr val="CCCCCC"/>
+                      </a:solidFill>
+                      <a:prstDash val="solid"/>
+                      <a:round/>
+                      <a:headEnd type="none" w="med" len="med"/>
+                      <a:tailEnd type="none" w="med" len="med"/>
+                    </a:lnL>
+                    <a:lnR w="6350" cap="flat" cmpd="sng" algn="ctr">
+                      <a:solidFill>
+                        <a:srgbClr val="CCCCCC"/>
+                      </a:solidFill>
+                      <a:prstDash val="solid"/>
+                      <a:round/>
+                      <a:headEnd type="none" w="med" len="med"/>
+                      <a:tailEnd type="none" w="med" len="med"/>
+                    </a:lnR>
+                    <a:lnT w="6350" cap="flat" cmpd="sng" algn="ctr">
+                      <a:solidFill>
+                        <a:srgbClr val="CCCCCC"/>
+                      </a:solidFill>
+                      <a:prstDash val="solid"/>
+                      <a:round/>
+                      <a:headEnd type="none" w="med" len="med"/>
+                      <a:tailEnd type="none" w="med" len="med"/>
+                    </a:lnT>
+                    <a:lnB w="6350" cap="flat" cmpd="sng" algn="ctr">
+                      <a:solidFill>
+                        <a:srgbClr val="CCCCCC"/>
+                      </a:solidFill>
+                      <a:prstDash val="solid"/>
+                      <a:round/>
+                      <a:headEnd type="none" w="med" len="med"/>
+                      <a:tailEnd type="none" w="med" len="med"/>
+                    </a:lnB>
+                    <a:solidFill>
+                      <a:srgbClr val="CFE2F3"/>
+                    </a:solidFill>
+                  </a:tcPr>
+                </a:tc>
+              </a:tr>
+              <a:tr h="585124">
+                <a:tc>
+                  <a:txBody>
+                    <a:bodyPr/>
+                    <a:lstStyle/>
+                    <a:p>
+                      <a:pPr algn="r" rtl="0" fontAlgn="b"/>
+                      <a:r>
+                        <a:rPr lang="is-IS" sz="2000" b="0">
+                          <a:solidFill>
+                            <a:srgbClr val="000000"/>
+                          </a:solidFill>
+                          <a:effectLst/>
+                          <a:latin typeface="Calibri" charset="0"/>
+                        </a:rPr>
+                        <a:t>00:30</a:t>
+                      </a:r>
+                    </a:p>
+                  </a:txBody>
+                  <a:tcPr marL="19050" marR="19050" marT="12700" marB="12700" anchor="b">
+                    <a:lnL w="6350" cap="flat" cmpd="sng" algn="ctr">
+                      <a:solidFill>
+                        <a:srgbClr val="CCCCCC"/>
+                      </a:solidFill>
+                      <a:prstDash val="solid"/>
+                      <a:round/>
+                      <a:headEnd type="none" w="med" len="med"/>
+                      <a:tailEnd type="none" w="med" len="med"/>
+                    </a:lnL>
+                    <a:lnR w="6350" cap="flat" cmpd="sng" algn="ctr">
+                      <a:solidFill>
+                        <a:srgbClr val="CCCCCC"/>
+                      </a:solidFill>
+                      <a:prstDash val="solid"/>
+                      <a:round/>
+                      <a:headEnd type="none" w="med" len="med"/>
+                      <a:tailEnd type="none" w="med" len="med"/>
+                    </a:lnR>
+                    <a:lnT w="6350" cap="flat" cmpd="sng" algn="ctr">
+                      <a:solidFill>
+                        <a:srgbClr val="CCCCCC"/>
+                      </a:solidFill>
+                      <a:prstDash val="solid"/>
+                      <a:round/>
+                      <a:headEnd type="none" w="med" len="med"/>
+                      <a:tailEnd type="none" w="med" len="med"/>
+                    </a:lnT>
+                    <a:lnB w="6350" cap="flat" cmpd="sng" algn="ctr">
+                      <a:solidFill>
+                        <a:srgbClr val="CCCCCC"/>
+                      </a:solidFill>
+                      <a:prstDash val="solid"/>
+                      <a:round/>
+                      <a:headEnd type="none" w="med" len="med"/>
+                      <a:tailEnd type="none" w="med" len="med"/>
+                    </a:lnB>
+                    <a:solidFill>
+                      <a:srgbClr val="F4CCCC"/>
+                    </a:solidFill>
+                  </a:tcPr>
+                </a:tc>
+                <a:tc>
+                  <a:txBody>
+                    <a:bodyPr/>
+                    <a:lstStyle/>
+                    <a:p>
+                      <a:pPr rtl="0" fontAlgn="b"/>
+                      <a:r>
+                        <a:rPr lang="en-US" sz="2000" b="0">
+                          <a:solidFill>
+                            <a:srgbClr val="000000"/>
+                          </a:solidFill>
+                          <a:effectLst/>
+                          <a:latin typeface="Calibri" charset="0"/>
+                        </a:rPr>
+                        <a:t>COFFEE</a:t>
+                      </a:r>
+                    </a:p>
+                  </a:txBody>
+                  <a:tcPr marL="19050" marR="19050" marT="12700" marB="12700" anchor="b">
+                    <a:lnL w="6350" cap="flat" cmpd="sng" algn="ctr">
+                      <a:solidFill>
+                        <a:srgbClr val="CCCCCC"/>
+                      </a:solidFill>
+                      <a:prstDash val="solid"/>
+                      <a:round/>
+                      <a:headEnd type="none" w="med" len="med"/>
+                      <a:tailEnd type="none" w="med" len="med"/>
+                    </a:lnL>
+                    <a:lnR w="6350" cap="flat" cmpd="sng" algn="ctr">
+                      <a:solidFill>
+                        <a:srgbClr val="CCCCCC"/>
+                      </a:solidFill>
+                      <a:prstDash val="solid"/>
+                      <a:round/>
+                      <a:headEnd type="none" w="med" len="med"/>
+                      <a:tailEnd type="none" w="med" len="med"/>
+                    </a:lnR>
+                    <a:lnT w="6350" cap="flat" cmpd="sng" algn="ctr">
+                      <a:solidFill>
+                        <a:srgbClr val="CCCCCC"/>
+                      </a:solidFill>
+                      <a:prstDash val="solid"/>
+                      <a:round/>
+                      <a:headEnd type="none" w="med" len="med"/>
+                      <a:tailEnd type="none" w="med" len="med"/>
+                    </a:lnT>
+                    <a:lnB w="6350" cap="flat" cmpd="sng" algn="ctr">
+                      <a:solidFill>
+                        <a:srgbClr val="CCCCCC"/>
+                      </a:solidFill>
+                      <a:prstDash val="solid"/>
+                      <a:round/>
+                      <a:headEnd type="none" w="med" len="med"/>
+                      <a:tailEnd type="none" w="med" len="med"/>
+                    </a:lnB>
+                    <a:solidFill>
+                      <a:srgbClr val="F4CCCC"/>
+                    </a:solidFill>
+                  </a:tcPr>
+                </a:tc>
+                <a:tc>
+                  <a:txBody>
+                    <a:bodyPr/>
+                    <a:lstStyle/>
+                    <a:p>
+                      <a:pPr rtl="0" fontAlgn="b"/>
+                      <a:endParaRPr lang="en-US" sz="3200">
+                        <a:effectLst/>
+                      </a:endParaRPr>
+                    </a:p>
+                  </a:txBody>
+                  <a:tcPr marL="19050" marR="19050" marT="12700" marB="12700" anchor="b">
+                    <a:lnL w="6350" cap="flat" cmpd="sng" algn="ctr">
+                      <a:solidFill>
+                        <a:srgbClr val="CCCCCC"/>
+                      </a:solidFill>
+                      <a:prstDash val="solid"/>
+                      <a:round/>
+                      <a:headEnd type="none" w="med" len="med"/>
+                      <a:tailEnd type="none" w="med" len="med"/>
+                    </a:lnL>
+                    <a:lnR w="6350" cap="flat" cmpd="sng" algn="ctr">
+                      <a:solidFill>
+                        <a:srgbClr val="CCCCCC"/>
+                      </a:solidFill>
+                      <a:prstDash val="solid"/>
+                      <a:round/>
+                      <a:headEnd type="none" w="med" len="med"/>
+                      <a:tailEnd type="none" w="med" len="med"/>
+                    </a:lnR>
+                    <a:lnT w="6350" cap="flat" cmpd="sng" algn="ctr">
+                      <a:solidFill>
+                        <a:srgbClr val="CCCCCC"/>
+                      </a:solidFill>
+                      <a:prstDash val="solid"/>
+                      <a:round/>
+                      <a:headEnd type="none" w="med" len="med"/>
+                      <a:tailEnd type="none" w="med" len="med"/>
+                    </a:lnT>
+                    <a:lnB w="6350" cap="flat" cmpd="sng" algn="ctr">
+                      <a:solidFill>
+                        <a:srgbClr val="CCCCCC"/>
+                      </a:solidFill>
+                      <a:prstDash val="solid"/>
+                      <a:round/>
+                      <a:headEnd type="none" w="med" len="med"/>
+                      <a:tailEnd type="none" w="med" len="med"/>
+                    </a:lnB>
+                    <a:solidFill>
+                      <a:srgbClr val="F4CCCC"/>
+                    </a:solidFill>
+                  </a:tcPr>
+                </a:tc>
+              </a:tr>
+              <a:tr h="406611">
+                <a:tc>
+                  <a:txBody>
+                    <a:bodyPr/>
+                    <a:lstStyle/>
+                    <a:p>
+                      <a:pPr algn="r" rtl="0" fontAlgn="b"/>
+                      <a:r>
+                        <a:rPr lang="is-IS" sz="2000" b="0">
+                          <a:solidFill>
+                            <a:srgbClr val="000000"/>
+                          </a:solidFill>
+                          <a:effectLst/>
+                          <a:latin typeface="Calibri" charset="0"/>
+                        </a:rPr>
+                        <a:t>00:15</a:t>
+                      </a:r>
+                    </a:p>
+                  </a:txBody>
+                  <a:tcPr marL="19050" marR="19050" marT="12700" marB="12700" anchor="b">
+                    <a:lnL w="6350" cap="flat" cmpd="sng" algn="ctr">
+                      <a:solidFill>
+                        <a:srgbClr val="CCCCCC"/>
+                      </a:solidFill>
+                      <a:prstDash val="solid"/>
+                      <a:round/>
+                      <a:headEnd type="none" w="med" len="med"/>
+                      <a:tailEnd type="none" w="med" len="med"/>
+                    </a:lnL>
+                    <a:lnR w="6350" cap="flat" cmpd="sng" algn="ctr">
+                      <a:solidFill>
+                        <a:srgbClr val="CCCCCC"/>
+                      </a:solidFill>
+                      <a:prstDash val="solid"/>
+                      <a:round/>
+                      <a:headEnd type="none" w="med" len="med"/>
+                      <a:tailEnd type="none" w="med" len="med"/>
+                    </a:lnR>
+                    <a:lnT w="6350" cap="flat" cmpd="sng" algn="ctr">
+                      <a:solidFill>
+                        <a:srgbClr val="CCCCCC"/>
+                      </a:solidFill>
+                      <a:prstDash val="solid"/>
+                      <a:round/>
+                      <a:headEnd type="none" w="med" len="med"/>
+                      <a:tailEnd type="none" w="med" len="med"/>
+                    </a:lnT>
+                    <a:lnB w="6350" cap="flat" cmpd="sng" algn="ctr">
+                      <a:solidFill>
+                        <a:srgbClr val="CCCCCC"/>
+                      </a:solidFill>
+                      <a:prstDash val="solid"/>
+                      <a:round/>
+                      <a:headEnd type="none" w="med" len="med"/>
+                      <a:tailEnd type="none" w="med" len="med"/>
+                    </a:lnB>
+                    <a:solidFill>
+                      <a:srgbClr val="FFF2CC"/>
+                    </a:solidFill>
+                  </a:tcPr>
+                </a:tc>
+                <a:tc>
+                  <a:txBody>
+                    <a:bodyPr/>
+                    <a:lstStyle/>
+                    <a:p>
+                      <a:pPr rtl="0" fontAlgn="b"/>
+                      <a:r>
+                        <a:rPr lang="en-US" sz="2000" b="0">
+                          <a:solidFill>
+                            <a:srgbClr val="000000"/>
+                          </a:solidFill>
+                          <a:effectLst/>
+                          <a:latin typeface="Calibri" charset="0"/>
+                        </a:rPr>
+                        <a:t>Using ssh</a:t>
+                      </a:r>
+                    </a:p>
+                  </a:txBody>
+                  <a:tcPr marL="19050" marR="19050" marT="12700" marB="12700" anchor="b">
+                    <a:lnL w="6350" cap="flat" cmpd="sng" algn="ctr">
+                      <a:solidFill>
+                        <a:srgbClr val="CCCCCC"/>
+                      </a:solidFill>
+                      <a:prstDash val="solid"/>
+                      <a:round/>
+                      <a:headEnd type="none" w="med" len="med"/>
+                      <a:tailEnd type="none" w="med" len="med"/>
+                    </a:lnL>
+                    <a:lnR w="6350" cap="flat" cmpd="sng" algn="ctr">
+                      <a:solidFill>
+                        <a:srgbClr val="CCCCCC"/>
+                      </a:solidFill>
+                      <a:prstDash val="solid"/>
+                      <a:round/>
+                      <a:headEnd type="none" w="med" len="med"/>
+                      <a:tailEnd type="none" w="med" len="med"/>
+                    </a:lnR>
+                    <a:lnT w="6350" cap="flat" cmpd="sng" algn="ctr">
+                      <a:solidFill>
+                        <a:srgbClr val="CCCCCC"/>
+                      </a:solidFill>
+                      <a:prstDash val="solid"/>
+                      <a:round/>
+                      <a:headEnd type="none" w="med" len="med"/>
+                      <a:tailEnd type="none" w="med" len="med"/>
+                    </a:lnT>
+                    <a:lnB w="6350" cap="flat" cmpd="sng" algn="ctr">
+                      <a:solidFill>
+                        <a:srgbClr val="CCCCCC"/>
+                      </a:solidFill>
+                      <a:prstDash val="solid"/>
+                      <a:round/>
+                      <a:headEnd type="none" w="med" len="med"/>
+                      <a:tailEnd type="none" w="med" len="med"/>
+                    </a:lnB>
+                    <a:solidFill>
+                      <a:srgbClr val="FFF2CC"/>
+                    </a:solidFill>
+                  </a:tcPr>
+                </a:tc>
+                <a:tc>
+                  <a:txBody>
+                    <a:bodyPr/>
+                    <a:lstStyle/>
+                    <a:p>
+                      <a:pPr rtl="0" fontAlgn="b"/>
+                      <a:r>
+                        <a:rPr lang="en-US" sz="2000" b="0">
+                          <a:solidFill>
+                            <a:srgbClr val="000000"/>
+                          </a:solidFill>
+                          <a:effectLst/>
+                          <a:latin typeface="Calibri" charset="0"/>
+                        </a:rPr>
+                        <a:t>presentation</a:t>
+                      </a:r>
+                    </a:p>
+                  </a:txBody>
+                  <a:tcPr marL="19050" marR="19050" marT="12700" marB="12700" anchor="b">
+                    <a:lnL w="6350" cap="flat" cmpd="sng" algn="ctr">
+                      <a:solidFill>
+                        <a:srgbClr val="CCCCCC"/>
+                      </a:solidFill>
+                      <a:prstDash val="solid"/>
+                      <a:round/>
+                      <a:headEnd type="none" w="med" len="med"/>
+                      <a:tailEnd type="none" w="med" len="med"/>
+                    </a:lnL>
+                    <a:lnR w="6350" cap="flat" cmpd="sng" algn="ctr">
+                      <a:solidFill>
+                        <a:srgbClr val="CCCCCC"/>
+                      </a:solidFill>
+                      <a:prstDash val="solid"/>
+                      <a:round/>
+                      <a:headEnd type="none" w="med" len="med"/>
+                      <a:tailEnd type="none" w="med" len="med"/>
+                    </a:lnR>
+                    <a:lnT w="6350" cap="flat" cmpd="sng" algn="ctr">
+                      <a:solidFill>
+                        <a:srgbClr val="CCCCCC"/>
+                      </a:solidFill>
+                      <a:prstDash val="solid"/>
+                      <a:round/>
+                      <a:headEnd type="none" w="med" len="med"/>
+                      <a:tailEnd type="none" w="med" len="med"/>
+                    </a:lnT>
+                    <a:lnB w="6350" cap="flat" cmpd="sng" algn="ctr">
+                      <a:solidFill>
+                        <a:srgbClr val="CCCCCC"/>
+                      </a:solidFill>
+                      <a:prstDash val="solid"/>
+                      <a:round/>
+                      <a:headEnd type="none" w="med" len="med"/>
+                      <a:tailEnd type="none" w="med" len="med"/>
+                    </a:lnB>
+                    <a:solidFill>
+                      <a:srgbClr val="FFF2CC"/>
+                    </a:solidFill>
+                  </a:tcPr>
+                </a:tc>
+              </a:tr>
+              <a:tr h="406611">
+                <a:tc>
+                  <a:txBody>
+                    <a:bodyPr/>
+                    <a:lstStyle/>
+                    <a:p>
+                      <a:pPr algn="r" rtl="0" fontAlgn="b"/>
+                      <a:r>
+                        <a:rPr lang="is-IS" sz="2000" b="0">
+                          <a:solidFill>
+                            <a:srgbClr val="000000"/>
+                          </a:solidFill>
+                          <a:effectLst/>
+                          <a:latin typeface="Calibri" charset="0"/>
+                        </a:rPr>
+                        <a:t>00:35</a:t>
+                      </a:r>
+                    </a:p>
+                  </a:txBody>
+                  <a:tcPr marL="19050" marR="19050" marT="12700" marB="12700" anchor="b">
+                    <a:lnL w="6350" cap="flat" cmpd="sng" algn="ctr">
+                      <a:solidFill>
+                        <a:srgbClr val="CCCCCC"/>
+                      </a:solidFill>
+                      <a:prstDash val="solid"/>
+                      <a:round/>
+                      <a:headEnd type="none" w="med" len="med"/>
+                      <a:tailEnd type="none" w="med" len="med"/>
+                    </a:lnL>
+                    <a:lnR w="6350" cap="flat" cmpd="sng" algn="ctr">
+                      <a:solidFill>
+                        <a:srgbClr val="CCCCCC"/>
+                      </a:solidFill>
+                      <a:prstDash val="solid"/>
+                      <a:round/>
+                      <a:headEnd type="none" w="med" len="med"/>
+                      <a:tailEnd type="none" w="med" len="med"/>
+                    </a:lnR>
+                    <a:lnT w="6350" cap="flat" cmpd="sng" algn="ctr">
+                      <a:solidFill>
+                        <a:srgbClr val="CCCCCC"/>
+                      </a:solidFill>
+                      <a:prstDash val="solid"/>
+                      <a:round/>
+                      <a:headEnd type="none" w="med" len="med"/>
+                      <a:tailEnd type="none" w="med" len="med"/>
+                    </a:lnT>
+                    <a:lnB w="6350" cap="flat" cmpd="sng" algn="ctr">
+                      <a:solidFill>
+                        <a:srgbClr val="CCCCCC"/>
+                      </a:solidFill>
+                      <a:prstDash val="solid"/>
+                      <a:round/>
+                      <a:headEnd type="none" w="med" len="med"/>
+                      <a:tailEnd type="none" w="med" len="med"/>
+                    </a:lnB>
+                    <a:solidFill>
+                      <a:srgbClr val="CFE2F3"/>
+                    </a:solidFill>
+                  </a:tcPr>
+                </a:tc>
+                <a:tc>
+                  <a:txBody>
+                    <a:bodyPr/>
+                    <a:lstStyle/>
+                    <a:p>
+                      <a:pPr rtl="0" fontAlgn="b"/>
+                      <a:r>
+                        <a:rPr lang="en-US" sz="2000" b="0">
+                          <a:solidFill>
+                            <a:srgbClr val="000000"/>
+                          </a:solidFill>
+                          <a:effectLst/>
+                          <a:latin typeface="Calibri" charset="0"/>
+                        </a:rPr>
+                        <a:t>ssh exercise</a:t>
+                      </a:r>
+                    </a:p>
+                  </a:txBody>
+                  <a:tcPr marL="19050" marR="19050" marT="12700" marB="12700" anchor="b">
+                    <a:lnL w="6350" cap="flat" cmpd="sng" algn="ctr">
+                      <a:solidFill>
+                        <a:srgbClr val="CCCCCC"/>
+                      </a:solidFill>
+                      <a:prstDash val="solid"/>
+                      <a:round/>
+                      <a:headEnd type="none" w="med" len="med"/>
+                      <a:tailEnd type="none" w="med" len="med"/>
+                    </a:lnL>
+                    <a:lnR w="6350" cap="flat" cmpd="sng" algn="ctr">
+                      <a:solidFill>
+                        <a:srgbClr val="CCCCCC"/>
+                      </a:solidFill>
+                      <a:prstDash val="solid"/>
+                      <a:round/>
+                      <a:headEnd type="none" w="med" len="med"/>
+                      <a:tailEnd type="none" w="med" len="med"/>
+                    </a:lnR>
+                    <a:lnT w="6350" cap="flat" cmpd="sng" algn="ctr">
+                      <a:solidFill>
+                        <a:srgbClr val="CCCCCC"/>
+                      </a:solidFill>
+                      <a:prstDash val="solid"/>
+                      <a:round/>
+                      <a:headEnd type="none" w="med" len="med"/>
+                      <a:tailEnd type="none" w="med" len="med"/>
+                    </a:lnT>
+                    <a:lnB w="6350" cap="flat" cmpd="sng" algn="ctr">
+                      <a:solidFill>
+                        <a:srgbClr val="CCCCCC"/>
+                      </a:solidFill>
+                      <a:prstDash val="solid"/>
+                      <a:round/>
+                      <a:headEnd type="none" w="med" len="med"/>
+                      <a:tailEnd type="none" w="med" len="med"/>
+                    </a:lnB>
+                    <a:solidFill>
+                      <a:srgbClr val="CFE2F3"/>
+                    </a:solidFill>
+                  </a:tcPr>
+                </a:tc>
+                <a:tc>
+                  <a:txBody>
+                    <a:bodyPr/>
+                    <a:lstStyle/>
+                    <a:p>
+                      <a:pPr rtl="0" fontAlgn="b"/>
+                      <a:r>
+                        <a:rPr lang="en-US" sz="2000" b="0">
+                          <a:solidFill>
+                            <a:srgbClr val="000000"/>
+                          </a:solidFill>
+                          <a:effectLst/>
+                          <a:latin typeface="Calibri" charset="0"/>
+                        </a:rPr>
+                        <a:t>exercise</a:t>
+                      </a:r>
+                    </a:p>
+                  </a:txBody>
+                  <a:tcPr marL="19050" marR="19050" marT="12700" marB="12700" anchor="b">
+                    <a:lnL w="6350" cap="flat" cmpd="sng" algn="ctr">
+                      <a:solidFill>
+                        <a:srgbClr val="CCCCCC"/>
+                      </a:solidFill>
+                      <a:prstDash val="solid"/>
+                      <a:round/>
+                      <a:headEnd type="none" w="med" len="med"/>
+                      <a:tailEnd type="none" w="med" len="med"/>
+                    </a:lnL>
+                    <a:lnR w="6350" cap="flat" cmpd="sng" algn="ctr">
+                      <a:solidFill>
+                        <a:srgbClr val="CCCCCC"/>
+                      </a:solidFill>
+                      <a:prstDash val="solid"/>
+                      <a:round/>
+                      <a:headEnd type="none" w="med" len="med"/>
+                      <a:tailEnd type="none" w="med" len="med"/>
+                    </a:lnR>
+                    <a:lnT w="6350" cap="flat" cmpd="sng" algn="ctr">
+                      <a:solidFill>
+                        <a:srgbClr val="CCCCCC"/>
+                      </a:solidFill>
+                      <a:prstDash val="solid"/>
+                      <a:round/>
+                      <a:headEnd type="none" w="med" len="med"/>
+                      <a:tailEnd type="none" w="med" len="med"/>
+                    </a:lnT>
+                    <a:lnB w="6350" cap="flat" cmpd="sng" algn="ctr">
+                      <a:solidFill>
+                        <a:srgbClr val="CCCCCC"/>
+                      </a:solidFill>
+                      <a:prstDash val="solid"/>
+                      <a:round/>
+                      <a:headEnd type="none" w="med" len="med"/>
+                      <a:tailEnd type="none" w="med" len="med"/>
+                    </a:lnB>
+                    <a:solidFill>
+                      <a:srgbClr val="CFE2F3"/>
+                    </a:solidFill>
+                  </a:tcPr>
+                </a:tc>
+              </a:tr>
+              <a:tr h="406611">
+                <a:tc>
+                  <a:txBody>
+                    <a:bodyPr/>
+                    <a:lstStyle/>
+                    <a:p>
+                      <a:pPr algn="r" rtl="0" fontAlgn="b"/>
+                      <a:r>
+                        <a:rPr lang="is-IS" sz="2000" b="0">
+                          <a:solidFill>
+                            <a:srgbClr val="000000"/>
+                          </a:solidFill>
+                          <a:effectLst/>
+                          <a:latin typeface="Calibri" charset="0"/>
+                        </a:rPr>
+                        <a:t>00:30</a:t>
+                      </a:r>
+                    </a:p>
+                  </a:txBody>
+                  <a:tcPr marL="19050" marR="19050" marT="12700" marB="12700" anchor="b">
+                    <a:lnL w="6350" cap="flat" cmpd="sng" algn="ctr">
+                      <a:solidFill>
+                        <a:srgbClr val="CCCCCC"/>
+                      </a:solidFill>
+                      <a:prstDash val="solid"/>
+                      <a:round/>
+                      <a:headEnd type="none" w="med" len="med"/>
+                      <a:tailEnd type="none" w="med" len="med"/>
+                    </a:lnL>
+                    <a:lnR w="6350" cap="flat" cmpd="sng" algn="ctr">
+                      <a:solidFill>
+                        <a:srgbClr val="CCCCCC"/>
+                      </a:solidFill>
+                      <a:prstDash val="solid"/>
+                      <a:round/>
+                      <a:headEnd type="none" w="med" len="med"/>
+                      <a:tailEnd type="none" w="med" len="med"/>
+                    </a:lnR>
+                    <a:lnT w="6350" cap="flat" cmpd="sng" algn="ctr">
+                      <a:solidFill>
+                        <a:srgbClr val="CCCCCC"/>
+                      </a:solidFill>
+                      <a:prstDash val="solid"/>
+                      <a:round/>
+                      <a:headEnd type="none" w="med" len="med"/>
+                      <a:tailEnd type="none" w="med" len="med"/>
+                    </a:lnT>
+                    <a:lnB w="6350" cap="flat" cmpd="sng" algn="ctr">
+                      <a:solidFill>
+                        <a:srgbClr val="CCCCCC"/>
+                      </a:solidFill>
+                      <a:prstDash val="solid"/>
+                      <a:round/>
+                      <a:headEnd type="none" w="med" len="med"/>
+                      <a:tailEnd type="none" w="med" len="med"/>
+                    </a:lnB>
+                    <a:solidFill>
+                      <a:srgbClr val="FFF2CC"/>
+                    </a:solidFill>
+                  </a:tcPr>
+                </a:tc>
+                <a:tc>
+                  <a:txBody>
+                    <a:bodyPr/>
+                    <a:lstStyle/>
+                    <a:p>
+                      <a:pPr rtl="0" fontAlgn="b"/>
+                      <a:r>
+                        <a:rPr lang="en-US" sz="2000" b="0">
+                          <a:solidFill>
+                            <a:srgbClr val="000000"/>
+                          </a:solidFill>
+                          <a:effectLst/>
+                          <a:latin typeface="Calibri" charset="0"/>
+                        </a:rPr>
+                        <a:t>transferring files and other useful stuff</a:t>
+                      </a:r>
+                    </a:p>
+                  </a:txBody>
+                  <a:tcPr marL="19050" marR="19050" marT="12700" marB="12700" anchor="b">
+                    <a:lnL w="6350" cap="flat" cmpd="sng" algn="ctr">
+                      <a:solidFill>
+                        <a:srgbClr val="CCCCCC"/>
+                      </a:solidFill>
+                      <a:prstDash val="solid"/>
+                      <a:round/>
+                      <a:headEnd type="none" w="med" len="med"/>
+                      <a:tailEnd type="none" w="med" len="med"/>
+                    </a:lnL>
+                    <a:lnR w="6350" cap="flat" cmpd="sng" algn="ctr">
+                      <a:solidFill>
+                        <a:srgbClr val="CCCCCC"/>
+                      </a:solidFill>
+                      <a:prstDash val="solid"/>
+                      <a:round/>
+                      <a:headEnd type="none" w="med" len="med"/>
+                      <a:tailEnd type="none" w="med" len="med"/>
+                    </a:lnR>
+                    <a:lnT w="6350" cap="flat" cmpd="sng" algn="ctr">
+                      <a:solidFill>
+                        <a:srgbClr val="CCCCCC"/>
+                      </a:solidFill>
+                      <a:prstDash val="solid"/>
+                      <a:round/>
+                      <a:headEnd type="none" w="med" len="med"/>
+                      <a:tailEnd type="none" w="med" len="med"/>
+                    </a:lnT>
+                    <a:lnB w="6350" cap="flat" cmpd="sng" algn="ctr">
+                      <a:solidFill>
+                        <a:srgbClr val="CCCCCC"/>
+                      </a:solidFill>
+                      <a:prstDash val="solid"/>
+                      <a:round/>
+                      <a:headEnd type="none" w="med" len="med"/>
+                      <a:tailEnd type="none" w="med" len="med"/>
+                    </a:lnB>
+                    <a:solidFill>
+                      <a:srgbClr val="FFF2CC"/>
+                    </a:solidFill>
+                  </a:tcPr>
+                </a:tc>
+                <a:tc>
+                  <a:txBody>
+                    <a:bodyPr/>
+                    <a:lstStyle/>
+                    <a:p>
+                      <a:pPr rtl="0" fontAlgn="b"/>
+                      <a:r>
+                        <a:rPr lang="en-US" sz="2000" b="0">
+                          <a:solidFill>
+                            <a:srgbClr val="000000"/>
+                          </a:solidFill>
+                          <a:effectLst/>
+                          <a:latin typeface="Calibri" charset="0"/>
+                        </a:rPr>
+                        <a:t>presentation</a:t>
+                      </a:r>
+                    </a:p>
+                  </a:txBody>
+                  <a:tcPr marL="19050" marR="19050" marT="12700" marB="12700" anchor="b">
+                    <a:lnL w="6350" cap="flat" cmpd="sng" algn="ctr">
+                      <a:solidFill>
+                        <a:srgbClr val="CCCCCC"/>
+                      </a:solidFill>
+                      <a:prstDash val="solid"/>
+                      <a:round/>
+                      <a:headEnd type="none" w="med" len="med"/>
+                      <a:tailEnd type="none" w="med" len="med"/>
+                    </a:lnL>
+                    <a:lnR w="6350" cap="flat" cmpd="sng" algn="ctr">
+                      <a:solidFill>
+                        <a:srgbClr val="CCCCCC"/>
+                      </a:solidFill>
+                      <a:prstDash val="solid"/>
+                      <a:round/>
+                      <a:headEnd type="none" w="med" len="med"/>
+                      <a:tailEnd type="none" w="med" len="med"/>
+                    </a:lnR>
+                    <a:lnT w="6350" cap="flat" cmpd="sng" algn="ctr">
+                      <a:solidFill>
+                        <a:srgbClr val="CCCCCC"/>
+                      </a:solidFill>
+                      <a:prstDash val="solid"/>
+                      <a:round/>
+                      <a:headEnd type="none" w="med" len="med"/>
+                      <a:tailEnd type="none" w="med" len="med"/>
+                    </a:lnT>
+                    <a:lnB w="6350" cap="flat" cmpd="sng" algn="ctr">
+                      <a:solidFill>
+                        <a:srgbClr val="CCCCCC"/>
+                      </a:solidFill>
+                      <a:prstDash val="solid"/>
+                      <a:round/>
+                      <a:headEnd type="none" w="med" len="med"/>
+                      <a:tailEnd type="none" w="med" len="med"/>
+                    </a:lnB>
+                    <a:solidFill>
+                      <a:srgbClr val="FFF2CC"/>
+                    </a:solidFill>
+                  </a:tcPr>
+                </a:tc>
+              </a:tr>
+              <a:tr h="406611">
+                <a:tc>
+                  <a:txBody>
+                    <a:bodyPr/>
+                    <a:lstStyle/>
+                    <a:p>
+                      <a:pPr algn="r" rtl="0" fontAlgn="b"/>
+                      <a:r>
+                        <a:rPr lang="is-IS" sz="2000" b="0">
+                          <a:solidFill>
+                            <a:srgbClr val="000000"/>
+                          </a:solidFill>
+                          <a:effectLst/>
+                          <a:latin typeface="Calibri" charset="0"/>
+                        </a:rPr>
+                        <a:t>00:30</a:t>
+                      </a:r>
+                    </a:p>
+                  </a:txBody>
+                  <a:tcPr marL="19050" marR="19050" marT="12700" marB="12700" anchor="b">
+                    <a:lnL w="6350" cap="flat" cmpd="sng" algn="ctr">
+                      <a:solidFill>
+                        <a:srgbClr val="CCCCCC"/>
+                      </a:solidFill>
+                      <a:prstDash val="solid"/>
+                      <a:round/>
+                      <a:headEnd type="none" w="med" len="med"/>
+                      <a:tailEnd type="none" w="med" len="med"/>
+                    </a:lnL>
+                    <a:lnR w="6350" cap="flat" cmpd="sng" algn="ctr">
+                      <a:solidFill>
+                        <a:srgbClr val="CCCCCC"/>
+                      </a:solidFill>
+                      <a:prstDash val="solid"/>
+                      <a:round/>
+                      <a:headEnd type="none" w="med" len="med"/>
+                      <a:tailEnd type="none" w="med" len="med"/>
+                    </a:lnR>
+                    <a:lnT w="6350" cap="flat" cmpd="sng" algn="ctr">
+                      <a:solidFill>
+                        <a:srgbClr val="CCCCCC"/>
+                      </a:solidFill>
+                      <a:prstDash val="solid"/>
+                      <a:round/>
+                      <a:headEnd type="none" w="med" len="med"/>
+                      <a:tailEnd type="none" w="med" len="med"/>
+                    </a:lnT>
+                    <a:lnB w="6350" cap="flat" cmpd="sng" algn="ctr">
+                      <a:solidFill>
+                        <a:srgbClr val="CCCCCC"/>
+                      </a:solidFill>
+                      <a:prstDash val="solid"/>
+                      <a:round/>
+                      <a:headEnd type="none" w="med" len="med"/>
+                      <a:tailEnd type="none" w="med" len="med"/>
+                    </a:lnB>
+                    <a:solidFill>
+                      <a:srgbClr val="CFE2F3"/>
+                    </a:solidFill>
+                  </a:tcPr>
+                </a:tc>
+                <a:tc>
+                  <a:txBody>
+                    <a:bodyPr/>
+                    <a:lstStyle/>
+                    <a:p>
+                      <a:pPr rtl="0" fontAlgn="b"/>
+                      <a:r>
+                        <a:rPr lang="en-US" sz="2000" b="0">
+                          <a:solidFill>
+                            <a:srgbClr val="000000"/>
+                          </a:solidFill>
+                          <a:effectLst/>
+                          <a:latin typeface="Calibri" charset="0"/>
+                        </a:rPr>
+                        <a:t>transferring files</a:t>
+                      </a:r>
+                    </a:p>
+                  </a:txBody>
+                  <a:tcPr marL="19050" marR="19050" marT="12700" marB="12700" anchor="b">
+                    <a:lnL w="6350" cap="flat" cmpd="sng" algn="ctr">
+                      <a:solidFill>
+                        <a:srgbClr val="CCCCCC"/>
+                      </a:solidFill>
+                      <a:prstDash val="solid"/>
+                      <a:round/>
+                      <a:headEnd type="none" w="med" len="med"/>
+                      <a:tailEnd type="none" w="med" len="med"/>
+                    </a:lnL>
+                    <a:lnR w="6350" cap="flat" cmpd="sng" algn="ctr">
+                      <a:solidFill>
+                        <a:srgbClr val="CCCCCC"/>
+                      </a:solidFill>
+                      <a:prstDash val="solid"/>
+                      <a:round/>
+                      <a:headEnd type="none" w="med" len="med"/>
+                      <a:tailEnd type="none" w="med" len="med"/>
+                    </a:lnR>
+                    <a:lnT w="6350" cap="flat" cmpd="sng" algn="ctr">
+                      <a:solidFill>
+                        <a:srgbClr val="CCCCCC"/>
+                      </a:solidFill>
+                      <a:prstDash val="solid"/>
+                      <a:round/>
+                      <a:headEnd type="none" w="med" len="med"/>
+                      <a:tailEnd type="none" w="med" len="med"/>
+                    </a:lnT>
+                    <a:lnB w="6350" cap="flat" cmpd="sng" algn="ctr">
+                      <a:solidFill>
+                        <a:srgbClr val="CCCCCC"/>
+                      </a:solidFill>
+                      <a:prstDash val="solid"/>
+                      <a:round/>
+                      <a:headEnd type="none" w="med" len="med"/>
+                      <a:tailEnd type="none" w="med" len="med"/>
+                    </a:lnB>
+                    <a:solidFill>
+                      <a:srgbClr val="CFE2F3"/>
+                    </a:solidFill>
+                  </a:tcPr>
+                </a:tc>
+                <a:tc>
+                  <a:txBody>
+                    <a:bodyPr/>
+                    <a:lstStyle/>
+                    <a:p>
+                      <a:pPr rtl="0" fontAlgn="b"/>
+                      <a:r>
+                        <a:rPr lang="en-US" sz="2000" b="0">
+                          <a:solidFill>
+                            <a:srgbClr val="000000"/>
+                          </a:solidFill>
+                          <a:effectLst/>
+                          <a:latin typeface="Calibri" charset="0"/>
+                        </a:rPr>
+                        <a:t>exercise</a:t>
+                      </a:r>
+                    </a:p>
+                  </a:txBody>
+                  <a:tcPr marL="19050" marR="19050" marT="12700" marB="12700" anchor="b">
+                    <a:lnL w="6350" cap="flat" cmpd="sng" algn="ctr">
+                      <a:solidFill>
+                        <a:srgbClr val="CCCCCC"/>
+                      </a:solidFill>
+                      <a:prstDash val="solid"/>
+                      <a:round/>
+                      <a:headEnd type="none" w="med" len="med"/>
+                      <a:tailEnd type="none" w="med" len="med"/>
+                    </a:lnL>
+                    <a:lnR w="6350" cap="flat" cmpd="sng" algn="ctr">
+                      <a:solidFill>
+                        <a:srgbClr val="CCCCCC"/>
+                      </a:solidFill>
+                      <a:prstDash val="solid"/>
+                      <a:round/>
+                      <a:headEnd type="none" w="med" len="med"/>
+                      <a:tailEnd type="none" w="med" len="med"/>
+                    </a:lnR>
+                    <a:lnT w="6350" cap="flat" cmpd="sng" algn="ctr">
+                      <a:solidFill>
+                        <a:srgbClr val="CCCCCC"/>
+                      </a:solidFill>
+                      <a:prstDash val="solid"/>
+                      <a:round/>
+                      <a:headEnd type="none" w="med" len="med"/>
+                      <a:tailEnd type="none" w="med" len="med"/>
+                    </a:lnT>
+                    <a:lnB w="6350" cap="flat" cmpd="sng" algn="ctr">
+                      <a:solidFill>
+                        <a:srgbClr val="CCCCCC"/>
+                      </a:solidFill>
+                      <a:prstDash val="solid"/>
+                      <a:round/>
+                      <a:headEnd type="none" w="med" len="med"/>
+                      <a:tailEnd type="none" w="med" len="med"/>
+                    </a:lnB>
+                    <a:solidFill>
+                      <a:srgbClr val="CFE2F3"/>
+                    </a:solidFill>
+                  </a:tcPr>
+                </a:tc>
+              </a:tr>
+              <a:tr h="406611">
+                <a:tc>
+                  <a:txBody>
+                    <a:bodyPr/>
+                    <a:lstStyle/>
+                    <a:p>
+                      <a:pPr algn="r" rtl="0" fontAlgn="b"/>
+                      <a:r>
+                        <a:rPr lang="is-IS" sz="2000" b="0">
+                          <a:solidFill>
+                            <a:srgbClr val="000000"/>
+                          </a:solidFill>
+                          <a:effectLst/>
+                          <a:latin typeface="Calibri" charset="0"/>
+                        </a:rPr>
+                        <a:t>00:30</a:t>
+                      </a:r>
+                    </a:p>
+                  </a:txBody>
+                  <a:tcPr marL="19050" marR="19050" marT="12700" marB="12700" anchor="b">
+                    <a:lnL w="6350" cap="flat" cmpd="sng" algn="ctr">
+                      <a:solidFill>
+                        <a:srgbClr val="CCCCCC"/>
+                      </a:solidFill>
+                      <a:prstDash val="solid"/>
+                      <a:round/>
+                      <a:headEnd type="none" w="med" len="med"/>
+                      <a:tailEnd type="none" w="med" len="med"/>
+                    </a:lnL>
+                    <a:lnR w="6350" cap="flat" cmpd="sng" algn="ctr">
+                      <a:solidFill>
+                        <a:srgbClr val="CCCCCC"/>
+                      </a:solidFill>
+                      <a:prstDash val="solid"/>
+                      <a:round/>
+                      <a:headEnd type="none" w="med" len="med"/>
+                      <a:tailEnd type="none" w="med" len="med"/>
+                    </a:lnR>
+                    <a:lnT w="6350" cap="flat" cmpd="sng" algn="ctr">
+                      <a:solidFill>
+                        <a:srgbClr val="CCCCCC"/>
+                      </a:solidFill>
+                      <a:prstDash val="solid"/>
+                      <a:round/>
+                      <a:headEnd type="none" w="med" len="med"/>
+                      <a:tailEnd type="none" w="med" len="med"/>
+                    </a:lnT>
+                    <a:lnB w="6350" cap="flat" cmpd="sng" algn="ctr">
+                      <a:solidFill>
+                        <a:srgbClr val="CCCCCC"/>
+                      </a:solidFill>
+                      <a:prstDash val="solid"/>
+                      <a:round/>
+                      <a:headEnd type="none" w="med" len="med"/>
+                      <a:tailEnd type="none" w="med" len="med"/>
+                    </a:lnB>
+                    <a:solidFill>
+                      <a:srgbClr val="F4CCCC"/>
+                    </a:solidFill>
+                  </a:tcPr>
+                </a:tc>
+                <a:tc gridSpan="2">
+                  <a:txBody>
+                    <a:bodyPr/>
+                    <a:lstStyle/>
+                    <a:p>
+                      <a:pPr rtl="0" fontAlgn="b"/>
+                      <a:r>
+                        <a:rPr lang="en-US" sz="2000" b="0">
+                          <a:solidFill>
+                            <a:srgbClr val="000000"/>
+                          </a:solidFill>
+                          <a:effectLst/>
+                          <a:latin typeface="Calibri" charset="0"/>
+                        </a:rPr>
+                        <a:t>Everybody happy - what else do you want to know</a:t>
+                      </a:r>
+                    </a:p>
+                  </a:txBody>
+                  <a:tcPr marL="19050" marR="19050" marT="12700" marB="12700" anchor="b">
+                    <a:lnL w="6350" cap="flat" cmpd="sng" algn="ctr">
+                      <a:solidFill>
+                        <a:srgbClr val="CCCCCC"/>
+                      </a:solidFill>
+                      <a:prstDash val="solid"/>
+                      <a:round/>
+                      <a:headEnd type="none" w="med" len="med"/>
+                      <a:tailEnd type="none" w="med" len="med"/>
+                    </a:lnL>
+                    <a:lnR w="6350" cap="flat" cmpd="sng" algn="ctr">
+                      <a:solidFill>
+                        <a:srgbClr val="CCCCCC"/>
+                      </a:solidFill>
+                      <a:prstDash val="solid"/>
+                      <a:round/>
+                      <a:headEnd type="none" w="med" len="med"/>
+                      <a:tailEnd type="none" w="med" len="med"/>
+                    </a:lnR>
+                    <a:lnT w="6350" cap="flat" cmpd="sng" algn="ctr">
+                      <a:solidFill>
+                        <a:srgbClr val="CCCCCC"/>
+                      </a:solidFill>
+                      <a:prstDash val="solid"/>
+                      <a:round/>
+                      <a:headEnd type="none" w="med" len="med"/>
+                      <a:tailEnd type="none" w="med" len="med"/>
+                    </a:lnT>
+                    <a:lnB w="6350" cap="flat" cmpd="sng" algn="ctr">
+                      <a:solidFill>
+                        <a:srgbClr val="CCCCCC"/>
+                      </a:solidFill>
+                      <a:prstDash val="solid"/>
+                      <a:round/>
+                      <a:headEnd type="none" w="med" len="med"/>
+                      <a:tailEnd type="none" w="med" len="med"/>
+                    </a:lnB>
+                    <a:solidFill>
+                      <a:srgbClr val="F4CCCC"/>
+                    </a:solidFill>
+                  </a:tcPr>
+                </a:tc>
+                <a:tc hMerge="1">
+                  <a:txBody>
+                    <a:bodyPr/>
+                    <a:lstStyle/>
+                    <a:p>
+                      <a:endParaRPr lang="en-US"/>
+                    </a:p>
+                  </a:txBody>
+                  <a:tcPr/>
+                </a:tc>
+              </a:tr>
+              <a:tr h="585124">
+                <a:tc>
+                  <a:txBody>
+                    <a:bodyPr/>
+                    <a:lstStyle/>
+                    <a:p>
+                      <a:pPr algn="r" rtl="0" fontAlgn="b"/>
+                      <a:r>
+                        <a:rPr lang="is-IS" sz="2000" b="0">
+                          <a:solidFill>
+                            <a:srgbClr val="000000"/>
+                          </a:solidFill>
+                          <a:effectLst/>
+                          <a:latin typeface="Calibri" charset="0"/>
+                        </a:rPr>
+                        <a:t>01:00</a:t>
+                      </a:r>
+                    </a:p>
+                  </a:txBody>
+                  <a:tcPr marL="19050" marR="19050" marT="12700" marB="12700" anchor="b">
+                    <a:lnL w="6350" cap="flat" cmpd="sng" algn="ctr">
+                      <a:solidFill>
+                        <a:srgbClr val="CCCCCC"/>
+                      </a:solidFill>
+                      <a:prstDash val="solid"/>
+                      <a:round/>
+                      <a:headEnd type="none" w="med" len="med"/>
+                      <a:tailEnd type="none" w="med" len="med"/>
+                    </a:lnL>
+                    <a:lnR w="6350" cap="flat" cmpd="sng" algn="ctr">
+                      <a:solidFill>
+                        <a:srgbClr val="CCCCCC"/>
+                      </a:solidFill>
+                      <a:prstDash val="solid"/>
+                      <a:round/>
+                      <a:headEnd type="none" w="med" len="med"/>
+                      <a:tailEnd type="none" w="med" len="med"/>
+                    </a:lnR>
+                    <a:lnT w="6350" cap="flat" cmpd="sng" algn="ctr">
+                      <a:solidFill>
+                        <a:srgbClr val="CCCCCC"/>
+                      </a:solidFill>
+                      <a:prstDash val="solid"/>
+                      <a:round/>
+                      <a:headEnd type="none" w="med" len="med"/>
+                      <a:tailEnd type="none" w="med" len="med"/>
+                    </a:lnT>
+                    <a:lnB w="6350" cap="flat" cmpd="sng" algn="ctr">
+                      <a:solidFill>
+                        <a:srgbClr val="CCCCCC"/>
+                      </a:solidFill>
+                      <a:prstDash val="solid"/>
+                      <a:round/>
+                      <a:headEnd type="none" w="med" len="med"/>
+                      <a:tailEnd type="none" w="med" len="med"/>
+                    </a:lnB>
+                    <a:solidFill>
+                      <a:srgbClr val="F4CCCC"/>
+                    </a:solidFill>
+                  </a:tcPr>
+                </a:tc>
+                <a:tc>
+                  <a:txBody>
+                    <a:bodyPr/>
+                    <a:lstStyle/>
+                    <a:p>
+                      <a:pPr rtl="0" fontAlgn="b"/>
+                      <a:r>
+                        <a:rPr lang="en-US" sz="2000" b="0">
+                          <a:solidFill>
+                            <a:srgbClr val="000000"/>
+                          </a:solidFill>
+                          <a:effectLst/>
+                          <a:latin typeface="Calibri" charset="0"/>
+                        </a:rPr>
+                        <a:t>LUNCH</a:t>
+                      </a:r>
+                    </a:p>
+                  </a:txBody>
+                  <a:tcPr marL="19050" marR="19050" marT="12700" marB="12700" anchor="b">
+                    <a:lnL w="6350" cap="flat" cmpd="sng" algn="ctr">
+                      <a:solidFill>
+                        <a:srgbClr val="CCCCCC"/>
+                      </a:solidFill>
+                      <a:prstDash val="solid"/>
+                      <a:round/>
+                      <a:headEnd type="none" w="med" len="med"/>
+                      <a:tailEnd type="none" w="med" len="med"/>
+                    </a:lnL>
+                    <a:lnR w="6350" cap="flat" cmpd="sng" algn="ctr">
+                      <a:solidFill>
+                        <a:srgbClr val="CCCCCC"/>
+                      </a:solidFill>
+                      <a:prstDash val="solid"/>
+                      <a:round/>
+                      <a:headEnd type="none" w="med" len="med"/>
+                      <a:tailEnd type="none" w="med" len="med"/>
+                    </a:lnR>
+                    <a:lnT w="6350" cap="flat" cmpd="sng" algn="ctr">
+                      <a:solidFill>
+                        <a:srgbClr val="CCCCCC"/>
+                      </a:solidFill>
+                      <a:prstDash val="solid"/>
+                      <a:round/>
+                      <a:headEnd type="none" w="med" len="med"/>
+                      <a:tailEnd type="none" w="med" len="med"/>
+                    </a:lnT>
+                    <a:lnB w="6350" cap="flat" cmpd="sng" algn="ctr">
+                      <a:solidFill>
+                        <a:srgbClr val="CCCCCC"/>
+                      </a:solidFill>
+                      <a:prstDash val="solid"/>
+                      <a:round/>
+                      <a:headEnd type="none" w="med" len="med"/>
+                      <a:tailEnd type="none" w="med" len="med"/>
+                    </a:lnB>
+                    <a:solidFill>
+                      <a:srgbClr val="F4CCCC"/>
+                    </a:solidFill>
+                  </a:tcPr>
+                </a:tc>
+                <a:tc>
+                  <a:txBody>
+                    <a:bodyPr/>
+                    <a:lstStyle/>
+                    <a:p>
+                      <a:pPr rtl="0" fontAlgn="b"/>
+                      <a:endParaRPr lang="en-US" sz="3200" dirty="0">
+                        <a:effectLst/>
+                      </a:endParaRPr>
+                    </a:p>
+                  </a:txBody>
+                  <a:tcPr marL="19050" marR="19050" marT="12700" marB="12700" anchor="b">
+                    <a:lnL w="6350" cap="flat" cmpd="sng" algn="ctr">
+                      <a:solidFill>
+                        <a:srgbClr val="CCCCCC"/>
+                      </a:solidFill>
+                      <a:prstDash val="solid"/>
+                      <a:round/>
+                      <a:headEnd type="none" w="med" len="med"/>
+                      <a:tailEnd type="none" w="med" len="med"/>
+                    </a:lnL>
+                    <a:lnR w="6350" cap="flat" cmpd="sng" algn="ctr">
+                      <a:solidFill>
+                        <a:srgbClr val="CCCCCC"/>
+                      </a:solidFill>
+                      <a:prstDash val="solid"/>
+                      <a:round/>
+                      <a:headEnd type="none" w="med" len="med"/>
+                      <a:tailEnd type="none" w="med" len="med"/>
+                    </a:lnR>
+                    <a:lnT w="6350" cap="flat" cmpd="sng" algn="ctr">
+                      <a:solidFill>
+                        <a:srgbClr val="CCCCCC"/>
+                      </a:solidFill>
+                      <a:prstDash val="solid"/>
+                      <a:round/>
+                      <a:headEnd type="none" w="med" len="med"/>
+                      <a:tailEnd type="none" w="med" len="med"/>
+                    </a:lnT>
+                    <a:lnB w="6350" cap="flat" cmpd="sng" algn="ctr">
+                      <a:solidFill>
+                        <a:srgbClr val="CCCCCC"/>
+                      </a:solidFill>
+                      <a:prstDash val="solid"/>
+                      <a:round/>
+                      <a:headEnd type="none" w="med" len="med"/>
+                      <a:tailEnd type="none" w="med" len="med"/>
+                    </a:lnB>
+                    <a:solidFill>
+                      <a:srgbClr val="F4CCCC"/>
+                    </a:solidFill>
+                  </a:tcPr>
+                </a:tc>
+              </a:tr>
+            </a:tbl>
+          </a:graphicData>
+        </a:graphic>
+      </p:graphicFrame>
+    </p:spTree>
+    <p:extLst>
+      <p:ext uri="{BB962C8B-B14F-4D97-AF65-F5344CB8AC3E}">
+        <p14:creationId xmlns:p14="http://schemas.microsoft.com/office/powerpoint/2010/main" val="1540489925"/>
       </p:ext>
     </p:extLst>
   </p:cSld>

--- a/shell/presentations/0_editors.pptx
+++ b/shell/presentations/0_editors.pptx
@@ -311,7 +311,7 @@
           <a:p>
             <a:fld id="{D119BB77-888A-BF43-BE39-D421BFDFAD7D}" type="datetimeFigureOut">
               <a:rPr lang="en-US" smtClean="0"/>
-              <a:t>11/7/17</a:t>
+              <a:t>9/25/2018</a:t>
             </a:fld>
             <a:endParaRPr lang="en-US"/>
           </a:p>
@@ -481,7 +481,7 @@
           <a:p>
             <a:fld id="{D119BB77-888A-BF43-BE39-D421BFDFAD7D}" type="datetimeFigureOut">
               <a:rPr lang="en-US" smtClean="0"/>
-              <a:t>11/7/17</a:t>
+              <a:t>9/25/2018</a:t>
             </a:fld>
             <a:endParaRPr lang="en-US"/>
           </a:p>
@@ -661,7 +661,7 @@
           <a:p>
             <a:fld id="{D119BB77-888A-BF43-BE39-D421BFDFAD7D}" type="datetimeFigureOut">
               <a:rPr lang="en-US" smtClean="0"/>
-              <a:t>11/7/17</a:t>
+              <a:t>9/25/2018</a:t>
             </a:fld>
             <a:endParaRPr lang="en-US"/>
           </a:p>
@@ -831,7 +831,7 @@
           <a:p>
             <a:fld id="{D119BB77-888A-BF43-BE39-D421BFDFAD7D}" type="datetimeFigureOut">
               <a:rPr lang="en-US" smtClean="0"/>
-              <a:t>11/7/17</a:t>
+              <a:t>9/25/2018</a:t>
             </a:fld>
             <a:endParaRPr lang="en-US"/>
           </a:p>
@@ -1077,7 +1077,7 @@
           <a:p>
             <a:fld id="{D119BB77-888A-BF43-BE39-D421BFDFAD7D}" type="datetimeFigureOut">
               <a:rPr lang="en-US" smtClean="0"/>
-              <a:t>11/7/17</a:t>
+              <a:t>9/25/2018</a:t>
             </a:fld>
             <a:endParaRPr lang="en-US"/>
           </a:p>
@@ -1365,7 +1365,7 @@
           <a:p>
             <a:fld id="{D119BB77-888A-BF43-BE39-D421BFDFAD7D}" type="datetimeFigureOut">
               <a:rPr lang="en-US" smtClean="0"/>
-              <a:t>11/7/17</a:t>
+              <a:t>9/25/2018</a:t>
             </a:fld>
             <a:endParaRPr lang="en-US"/>
           </a:p>
@@ -1787,7 +1787,7 @@
           <a:p>
             <a:fld id="{D119BB77-888A-BF43-BE39-D421BFDFAD7D}" type="datetimeFigureOut">
               <a:rPr lang="en-US" smtClean="0"/>
-              <a:t>11/7/17</a:t>
+              <a:t>9/25/2018</a:t>
             </a:fld>
             <a:endParaRPr lang="en-US"/>
           </a:p>
@@ -1905,7 +1905,7 @@
           <a:p>
             <a:fld id="{D119BB77-888A-BF43-BE39-D421BFDFAD7D}" type="datetimeFigureOut">
               <a:rPr lang="en-US" smtClean="0"/>
-              <a:t>11/7/17</a:t>
+              <a:t>9/25/2018</a:t>
             </a:fld>
             <a:endParaRPr lang="en-US"/>
           </a:p>
@@ -2000,7 +2000,7 @@
           <a:p>
             <a:fld id="{D119BB77-888A-BF43-BE39-D421BFDFAD7D}" type="datetimeFigureOut">
               <a:rPr lang="en-US" smtClean="0"/>
-              <a:t>11/7/17</a:t>
+              <a:t>9/25/2018</a:t>
             </a:fld>
             <a:endParaRPr lang="en-US"/>
           </a:p>
@@ -2277,7 +2277,7 @@
           <a:p>
             <a:fld id="{D119BB77-888A-BF43-BE39-D421BFDFAD7D}" type="datetimeFigureOut">
               <a:rPr lang="en-US" smtClean="0"/>
-              <a:t>11/7/17</a:t>
+              <a:t>9/25/2018</a:t>
             </a:fld>
             <a:endParaRPr lang="en-US"/>
           </a:p>
@@ -2530,7 +2530,7 @@
           <a:p>
             <a:fld id="{D119BB77-888A-BF43-BE39-D421BFDFAD7D}" type="datetimeFigureOut">
               <a:rPr lang="en-US" smtClean="0"/>
-              <a:t>11/7/17</a:t>
+              <a:t>9/25/2018</a:t>
             </a:fld>
             <a:endParaRPr lang="en-US"/>
           </a:p>
@@ -2743,7 +2743,7 @@
           <a:p>
             <a:fld id="{D119BB77-888A-BF43-BE39-D421BFDFAD7D}" type="datetimeFigureOut">
               <a:rPr lang="en-US" smtClean="0"/>
-              <a:t>11/7/17</a:t>
+              <a:t>9/25/2018</a:t>
             </a:fld>
             <a:endParaRPr lang="en-US"/>
           </a:p>
@@ -3694,9 +3694,27 @@
             <a:tbl>
               <a:tblPr/>
               <a:tblGrid>
-                <a:gridCol w="2000876"/>
-                <a:gridCol w="5142250"/>
-                <a:gridCol w="2000876"/>
+                <a:gridCol w="2000876">
+                  <a:extLst>
+                    <a:ext uri="{9D8B030D-6E8A-4147-A177-3AD203B41FA5}">
+                      <a16:colId xmlns:a16="http://schemas.microsoft.com/office/drawing/2014/main" val="20000"/>
+                    </a:ext>
+                  </a:extLst>
+                </a:gridCol>
+                <a:gridCol w="5142250">
+                  <a:extLst>
+                    <a:ext uri="{9D8B030D-6E8A-4147-A177-3AD203B41FA5}">
+                      <a16:colId xmlns:a16="http://schemas.microsoft.com/office/drawing/2014/main" val="20001"/>
+                    </a:ext>
+                  </a:extLst>
+                </a:gridCol>
+                <a:gridCol w="2000876">
+                  <a:extLst>
+                    <a:ext uri="{9D8B030D-6E8A-4147-A177-3AD203B41FA5}">
+                      <a16:colId xmlns:a16="http://schemas.microsoft.com/office/drawing/2014/main" val="20002"/>
+                    </a:ext>
+                  </a:extLst>
+                </a:gridCol>
               </a:tblGrid>
               <a:tr h="363878">
                 <a:tc>
@@ -3879,6 +3897,11 @@
                     </a:solidFill>
                   </a:tcPr>
                 </a:tc>
+                <a:extLst>
+                  <a:ext uri="{0D108BD9-81ED-4DB2-BD59-A6C34878D82A}">
+                    <a16:rowId xmlns:a16="http://schemas.microsoft.com/office/drawing/2014/main" val="10000"/>
+                  </a:ext>
+                </a:extLst>
               </a:tr>
               <a:tr h="363878">
                 <a:tc>
@@ -4061,6 +4084,11 @@
                     </a:solidFill>
                   </a:tcPr>
                 </a:tc>
+                <a:extLst>
+                  <a:ext uri="{0D108BD9-81ED-4DB2-BD59-A6C34878D82A}">
+                    <a16:rowId xmlns:a16="http://schemas.microsoft.com/office/drawing/2014/main" val="10001"/>
+                  </a:ext>
+                </a:extLst>
               </a:tr>
               <a:tr h="363878">
                 <a:tc>
@@ -4243,6 +4271,11 @@
                     </a:solidFill>
                   </a:tcPr>
                 </a:tc>
+                <a:extLst>
+                  <a:ext uri="{0D108BD9-81ED-4DB2-BD59-A6C34878D82A}">
+                    <a16:rowId xmlns:a16="http://schemas.microsoft.com/office/drawing/2014/main" val="10002"/>
+                  </a:ext>
+                </a:extLst>
               </a:tr>
               <a:tr h="363878">
                 <a:tc>
@@ -4425,6 +4458,11 @@
                     </a:solidFill>
                   </a:tcPr>
                 </a:tc>
+                <a:extLst>
+                  <a:ext uri="{0D108BD9-81ED-4DB2-BD59-A6C34878D82A}">
+                    <a16:rowId xmlns:a16="http://schemas.microsoft.com/office/drawing/2014/main" val="10003"/>
+                  </a:ext>
+                </a:extLst>
               </a:tr>
               <a:tr h="363878">
                 <a:tc>
@@ -4607,6 +4645,11 @@
                     </a:solidFill>
                   </a:tcPr>
                 </a:tc>
+                <a:extLst>
+                  <a:ext uri="{0D108BD9-81ED-4DB2-BD59-A6C34878D82A}">
+                    <a16:rowId xmlns:a16="http://schemas.microsoft.com/office/drawing/2014/main" val="10004"/>
+                  </a:ext>
+                </a:extLst>
               </a:tr>
               <a:tr h="363878">
                 <a:tc>
@@ -4789,6 +4832,11 @@
                     </a:solidFill>
                   </a:tcPr>
                 </a:tc>
+                <a:extLst>
+                  <a:ext uri="{0D108BD9-81ED-4DB2-BD59-A6C34878D82A}">
+                    <a16:rowId xmlns:a16="http://schemas.microsoft.com/office/drawing/2014/main" val="10005"/>
+                  </a:ext>
+                </a:extLst>
               </a:tr>
               <a:tr h="363878">
                 <a:tc>
@@ -4971,6 +5019,11 @@
                     </a:solidFill>
                   </a:tcPr>
                 </a:tc>
+                <a:extLst>
+                  <a:ext uri="{0D108BD9-81ED-4DB2-BD59-A6C34878D82A}">
+                    <a16:rowId xmlns:a16="http://schemas.microsoft.com/office/drawing/2014/main" val="10006"/>
+                  </a:ext>
+                </a:extLst>
               </a:tr>
               <a:tr h="363878">
                 <a:tc>
@@ -5153,6 +5206,11 @@
                     </a:solidFill>
                   </a:tcPr>
                 </a:tc>
+                <a:extLst>
+                  <a:ext uri="{0D108BD9-81ED-4DB2-BD59-A6C34878D82A}">
+                    <a16:rowId xmlns:a16="http://schemas.microsoft.com/office/drawing/2014/main" val="10007"/>
+                  </a:ext>
+                </a:extLst>
               </a:tr>
               <a:tr h="363878">
                 <a:tc>
@@ -5335,6 +5393,11 @@
                     </a:solidFill>
                   </a:tcPr>
                 </a:tc>
+                <a:extLst>
+                  <a:ext uri="{0D108BD9-81ED-4DB2-BD59-A6C34878D82A}">
+                    <a16:rowId xmlns:a16="http://schemas.microsoft.com/office/drawing/2014/main" val="10008"/>
+                  </a:ext>
+                </a:extLst>
               </a:tr>
               <a:tr h="363878">
                 <a:tc>
@@ -5517,6 +5580,11 @@
                     </a:solidFill>
                   </a:tcPr>
                 </a:tc>
+                <a:extLst>
+                  <a:ext uri="{0D108BD9-81ED-4DB2-BD59-A6C34878D82A}">
+                    <a16:rowId xmlns:a16="http://schemas.microsoft.com/office/drawing/2014/main" val="10009"/>
+                  </a:ext>
+                </a:extLst>
               </a:tr>
               <a:tr h="523630">
                 <a:tc>
@@ -5692,6 +5760,11 @@
                     </a:solidFill>
                   </a:tcPr>
                 </a:tc>
+                <a:extLst>
+                  <a:ext uri="{0D108BD9-81ED-4DB2-BD59-A6C34878D82A}">
+                    <a16:rowId xmlns:a16="http://schemas.microsoft.com/office/drawing/2014/main" val="10010"/>
+                  </a:ext>
+                </a:extLst>
               </a:tr>
               <a:tr h="363878">
                 <a:tc>
@@ -5874,6 +5947,11 @@
                     </a:solidFill>
                   </a:tcPr>
                 </a:tc>
+                <a:extLst>
+                  <a:ext uri="{0D108BD9-81ED-4DB2-BD59-A6C34878D82A}">
+                    <a16:rowId xmlns:a16="http://schemas.microsoft.com/office/drawing/2014/main" val="10011"/>
+                  </a:ext>
+                </a:extLst>
               </a:tr>
               <a:tr h="363878">
                 <a:tc>
@@ -6056,6 +6134,11 @@
                     </a:solidFill>
                   </a:tcPr>
                 </a:tc>
+                <a:extLst>
+                  <a:ext uri="{0D108BD9-81ED-4DB2-BD59-A6C34878D82A}">
+                    <a16:rowId xmlns:a16="http://schemas.microsoft.com/office/drawing/2014/main" val="10012"/>
+                  </a:ext>
+                </a:extLst>
               </a:tr>
               <a:tr h="363878">
                 <a:tc>
@@ -6238,6 +6321,11 @@
                     </a:solidFill>
                   </a:tcPr>
                 </a:tc>
+                <a:extLst>
+                  <a:ext uri="{0D108BD9-81ED-4DB2-BD59-A6C34878D82A}">
+                    <a16:rowId xmlns:a16="http://schemas.microsoft.com/office/drawing/2014/main" val="10013"/>
+                  </a:ext>
+                </a:extLst>
               </a:tr>
               <a:tr h="363878">
                 <a:tc>
@@ -6420,6 +6508,11 @@
                     </a:solidFill>
                   </a:tcPr>
                 </a:tc>
+                <a:extLst>
+                  <a:ext uri="{0D108BD9-81ED-4DB2-BD59-A6C34878D82A}">
+                    <a16:rowId xmlns:a16="http://schemas.microsoft.com/office/drawing/2014/main" val="10014"/>
+                  </a:ext>
+                </a:extLst>
               </a:tr>
             </a:tbl>
           </a:graphicData>
@@ -6502,9 +6595,27 @@
             <a:tbl>
               <a:tblPr/>
               <a:tblGrid>
-                <a:gridCol w="2000876"/>
-                <a:gridCol w="5142250"/>
-                <a:gridCol w="2000876"/>
+                <a:gridCol w="2000876">
+                  <a:extLst>
+                    <a:ext uri="{9D8B030D-6E8A-4147-A177-3AD203B41FA5}">
+                      <a16:colId xmlns:a16="http://schemas.microsoft.com/office/drawing/2014/main" val="20000"/>
+                    </a:ext>
+                  </a:extLst>
+                </a:gridCol>
+                <a:gridCol w="5142250">
+                  <a:extLst>
+                    <a:ext uri="{9D8B030D-6E8A-4147-A177-3AD203B41FA5}">
+                      <a16:colId xmlns:a16="http://schemas.microsoft.com/office/drawing/2014/main" val="20001"/>
+                    </a:ext>
+                  </a:extLst>
+                </a:gridCol>
+                <a:gridCol w="2000876">
+                  <a:extLst>
+                    <a:ext uri="{9D8B030D-6E8A-4147-A177-3AD203B41FA5}">
+                      <a16:colId xmlns:a16="http://schemas.microsoft.com/office/drawing/2014/main" val="20002"/>
+                    </a:ext>
+                  </a:extLst>
+                </a:gridCol>
               </a:tblGrid>
               <a:tr h="406611">
                 <a:tc>
@@ -6687,6 +6798,11 @@
                     </a:solidFill>
                   </a:tcPr>
                 </a:tc>
+                <a:extLst>
+                  <a:ext uri="{0D108BD9-81ED-4DB2-BD59-A6C34878D82A}">
+                    <a16:rowId xmlns:a16="http://schemas.microsoft.com/office/drawing/2014/main" val="10000"/>
+                  </a:ext>
+                </a:extLst>
               </a:tr>
               <a:tr h="406611">
                 <a:tc>
@@ -6869,6 +6985,11 @@
                     </a:solidFill>
                   </a:tcPr>
                 </a:tc>
+                <a:extLst>
+                  <a:ext uri="{0D108BD9-81ED-4DB2-BD59-A6C34878D82A}">
+                    <a16:rowId xmlns:a16="http://schemas.microsoft.com/office/drawing/2014/main" val="10001"/>
+                  </a:ext>
+                </a:extLst>
               </a:tr>
               <a:tr h="406611">
                 <a:tc>
@@ -7051,6 +7172,11 @@
                     </a:solidFill>
                   </a:tcPr>
                 </a:tc>
+                <a:extLst>
+                  <a:ext uri="{0D108BD9-81ED-4DB2-BD59-A6C34878D82A}">
+                    <a16:rowId xmlns:a16="http://schemas.microsoft.com/office/drawing/2014/main" val="10002"/>
+                  </a:ext>
+                </a:extLst>
               </a:tr>
               <a:tr h="406611">
                 <a:tc>
@@ -7233,6 +7359,11 @@
                     </a:solidFill>
                   </a:tcPr>
                 </a:tc>
+                <a:extLst>
+                  <a:ext uri="{0D108BD9-81ED-4DB2-BD59-A6C34878D82A}">
+                    <a16:rowId xmlns:a16="http://schemas.microsoft.com/office/drawing/2014/main" val="10003"/>
+                  </a:ext>
+                </a:extLst>
               </a:tr>
               <a:tr h="406611">
                 <a:tc>
@@ -7415,6 +7546,11 @@
                     </a:solidFill>
                   </a:tcPr>
                 </a:tc>
+                <a:extLst>
+                  <a:ext uri="{0D108BD9-81ED-4DB2-BD59-A6C34878D82A}">
+                    <a16:rowId xmlns:a16="http://schemas.microsoft.com/office/drawing/2014/main" val="10004"/>
+                  </a:ext>
+                </a:extLst>
               </a:tr>
               <a:tr h="406611">
                 <a:tc>
@@ -7597,6 +7733,11 @@
                     </a:solidFill>
                   </a:tcPr>
                 </a:tc>
+                <a:extLst>
+                  <a:ext uri="{0D108BD9-81ED-4DB2-BD59-A6C34878D82A}">
+                    <a16:rowId xmlns:a16="http://schemas.microsoft.com/office/drawing/2014/main" val="10005"/>
+                  </a:ext>
+                </a:extLst>
               </a:tr>
               <a:tr h="585124">
                 <a:tc>
@@ -7772,6 +7913,11 @@
                     </a:solidFill>
                   </a:tcPr>
                 </a:tc>
+                <a:extLst>
+                  <a:ext uri="{0D108BD9-81ED-4DB2-BD59-A6C34878D82A}">
+                    <a16:rowId xmlns:a16="http://schemas.microsoft.com/office/drawing/2014/main" val="10006"/>
+                  </a:ext>
+                </a:extLst>
               </a:tr>
               <a:tr h="406611">
                 <a:tc>
@@ -7954,6 +8100,11 @@
                     </a:solidFill>
                   </a:tcPr>
                 </a:tc>
+                <a:extLst>
+                  <a:ext uri="{0D108BD9-81ED-4DB2-BD59-A6C34878D82A}">
+                    <a16:rowId xmlns:a16="http://schemas.microsoft.com/office/drawing/2014/main" val="10007"/>
+                  </a:ext>
+                </a:extLst>
               </a:tr>
               <a:tr h="406611">
                 <a:tc>
@@ -8136,6 +8287,11 @@
                     </a:solidFill>
                   </a:tcPr>
                 </a:tc>
+                <a:extLst>
+                  <a:ext uri="{0D108BD9-81ED-4DB2-BD59-A6C34878D82A}">
+                    <a16:rowId xmlns:a16="http://schemas.microsoft.com/office/drawing/2014/main" val="10008"/>
+                  </a:ext>
+                </a:extLst>
               </a:tr>
               <a:tr h="406611">
                 <a:tc>
@@ -8318,6 +8474,11 @@
                     </a:solidFill>
                   </a:tcPr>
                 </a:tc>
+                <a:extLst>
+                  <a:ext uri="{0D108BD9-81ED-4DB2-BD59-A6C34878D82A}">
+                    <a16:rowId xmlns:a16="http://schemas.microsoft.com/office/drawing/2014/main" val="10009"/>
+                  </a:ext>
+                </a:extLst>
               </a:tr>
               <a:tr h="406611">
                 <a:tc>
@@ -8500,6 +8661,11 @@
                     </a:solidFill>
                   </a:tcPr>
                 </a:tc>
+                <a:extLst>
+                  <a:ext uri="{0D108BD9-81ED-4DB2-BD59-A6C34878D82A}">
+                    <a16:rowId xmlns:a16="http://schemas.microsoft.com/office/drawing/2014/main" val="10010"/>
+                  </a:ext>
+                </a:extLst>
               </a:tr>
               <a:tr h="406611">
                 <a:tc>
@@ -8632,6 +8798,11 @@
                   </a:txBody>
                   <a:tcPr/>
                 </a:tc>
+                <a:extLst>
+                  <a:ext uri="{0D108BD9-81ED-4DB2-BD59-A6C34878D82A}">
+                    <a16:rowId xmlns:a16="http://schemas.microsoft.com/office/drawing/2014/main" val="10011"/>
+                  </a:ext>
+                </a:extLst>
               </a:tr>
               <a:tr h="585124">
                 <a:tc>
@@ -8807,6 +8978,11 @@
                     </a:solidFill>
                   </a:tcPr>
                 </a:tc>
+                <a:extLst>
+                  <a:ext uri="{0D108BD9-81ED-4DB2-BD59-A6C34878D82A}">
+                    <a16:rowId xmlns:a16="http://schemas.microsoft.com/office/drawing/2014/main" val="10012"/>
+                  </a:ext>
+                </a:extLst>
               </a:tr>
             </a:tbl>
           </a:graphicData>

--- a/shell/presentations/0_editors.pptx
+++ b/shell/presentations/0_editors.pptx
@@ -2,7 +2,7 @@
 <file path=ppt/presentation.xml><?xml version="1.0" encoding="utf-8"?>
 <p:presentation xmlns:a="http://schemas.openxmlformats.org/drawingml/2006/main" xmlns:r="http://schemas.openxmlformats.org/officeDocument/2006/relationships" xmlns:p="http://schemas.openxmlformats.org/presentationml/2006/main" saveSubsetFonts="1" autoCompressPictures="0">
   <p:sldMasterIdLst>
-    <p:sldMasterId id="2147483648" r:id="rId1"/>
+    <p:sldMasterId id="2147483675" r:id="rId1"/>
   </p:sldMasterIdLst>
   <p:sldIdLst>
     <p:sldId id="256" r:id="rId2"/>
@@ -132,7 +132,7 @@
 
 <file path=ppt/slideLayouts/slideLayout1.xml><?xml version="1.0" encoding="utf-8"?>
 <p:sldLayout xmlns:a="http://schemas.openxmlformats.org/drawingml/2006/main" xmlns:r="http://schemas.openxmlformats.org/officeDocument/2006/relationships" xmlns:p="http://schemas.openxmlformats.org/presentationml/2006/main" type="title" preserve="1">
-  <p:cSld name="Title Slide">
+  <p:cSld name="Title Slide - Text only">
     <p:spTree>
       <p:nvGrpSpPr>
         <p:cNvPr id="1" name=""/>
@@ -154,24 +154,34 @@
             <a:spLocks noGrp="1"/>
           </p:cNvSpPr>
           <p:nvPr>
-            <p:ph type="ctrTitle"/>
+            <p:ph type="ctrTitle" hasCustomPrompt="1"/>
           </p:nvPr>
         </p:nvSpPr>
         <p:spPr>
           <a:xfrm>
-            <a:off x="685800" y="2130425"/>
-            <a:ext cx="7772400" cy="1470025"/>
+            <a:off x="342355" y="3326682"/>
+            <a:ext cx="7772400" cy="863191"/>
           </a:xfrm>
+          <a:prstGeom prst="rect">
+            <a:avLst/>
+          </a:prstGeom>
         </p:spPr>
         <p:txBody>
-          <a:bodyPr/>
-          <a:lstStyle/>
+          <a:bodyPr anchor="b"/>
+          <a:lstStyle>
+            <a:lvl1pPr algn="l">
+              <a:defRPr sz="4000" baseline="0">
+                <a:solidFill>
+                  <a:schemeClr val="tx1"/>
+                </a:solidFill>
+              </a:defRPr>
+            </a:lvl1pPr>
+          </a:lstStyle>
           <a:p>
             <a:r>
-              <a:rPr lang="en-GB" smtClean="0"/>
-              <a:t>Click to edit Master title style</a:t>
-            </a:r>
-            <a:endParaRPr lang="en-US"/>
+              <a:rPr lang="en-US" dirty="0"/>
+              <a:t>Presentation title</a:t>
+            </a:r>
           </a:p>
         </p:txBody>
       </p:sp>
@@ -182,115 +192,69 @@
             <a:spLocks noGrp="1"/>
           </p:cNvSpPr>
           <p:nvPr>
-            <p:ph type="subTitle" idx="1"/>
+            <p:ph type="subTitle" idx="1" hasCustomPrompt="1"/>
           </p:nvPr>
         </p:nvSpPr>
         <p:spPr>
           <a:xfrm>
-            <a:off x="1371600" y="3886200"/>
-            <a:ext cx="6400800" cy="1752600"/>
+            <a:off x="342355" y="4202927"/>
+            <a:ext cx="6858000" cy="551951"/>
           </a:xfrm>
+          <a:prstGeom prst="rect">
+            <a:avLst/>
+          </a:prstGeom>
         </p:spPr>
         <p:txBody>
           <a:bodyPr/>
           <a:lstStyle>
-            <a:lvl1pPr marL="0" indent="0" algn="ctr">
+            <a:lvl1pPr marL="0" indent="0" algn="l">
               <a:buNone/>
-              <a:defRPr>
-                <a:solidFill>
-                  <a:schemeClr val="tx1">
-                    <a:tint val="75000"/>
-                  </a:schemeClr>
-                </a:solidFill>
+              <a:defRPr sz="2000">
+                <a:solidFill>
+                  <a:schemeClr val="tx1"/>
+                </a:solidFill>
+                <a:latin typeface="+mn-lt"/>
+                <a:cs typeface="Arial" panose="020B0604020202020204" pitchFamily="34" charset="0"/>
               </a:defRPr>
             </a:lvl1pPr>
             <a:lvl2pPr marL="457200" indent="0" algn="ctr">
               <a:buNone/>
-              <a:defRPr>
-                <a:solidFill>
-                  <a:schemeClr val="tx1">
-                    <a:tint val="75000"/>
-                  </a:schemeClr>
-                </a:solidFill>
-              </a:defRPr>
+              <a:defRPr sz="2000"/>
             </a:lvl2pPr>
             <a:lvl3pPr marL="914400" indent="0" algn="ctr">
               <a:buNone/>
-              <a:defRPr>
-                <a:solidFill>
-                  <a:schemeClr val="tx1">
-                    <a:tint val="75000"/>
-                  </a:schemeClr>
-                </a:solidFill>
-              </a:defRPr>
+              <a:defRPr sz="1800"/>
             </a:lvl3pPr>
             <a:lvl4pPr marL="1371600" indent="0" algn="ctr">
               <a:buNone/>
-              <a:defRPr>
-                <a:solidFill>
-                  <a:schemeClr val="tx1">
-                    <a:tint val="75000"/>
-                  </a:schemeClr>
-                </a:solidFill>
-              </a:defRPr>
+              <a:defRPr sz="1600"/>
             </a:lvl4pPr>
             <a:lvl5pPr marL="1828800" indent="0" algn="ctr">
               <a:buNone/>
-              <a:defRPr>
-                <a:solidFill>
-                  <a:schemeClr val="tx1">
-                    <a:tint val="75000"/>
-                  </a:schemeClr>
-                </a:solidFill>
-              </a:defRPr>
+              <a:defRPr sz="1600"/>
             </a:lvl5pPr>
             <a:lvl6pPr marL="2286000" indent="0" algn="ctr">
               <a:buNone/>
-              <a:defRPr>
-                <a:solidFill>
-                  <a:schemeClr val="tx1">
-                    <a:tint val="75000"/>
-                  </a:schemeClr>
-                </a:solidFill>
-              </a:defRPr>
+              <a:defRPr sz="1600"/>
             </a:lvl6pPr>
             <a:lvl7pPr marL="2743200" indent="0" algn="ctr">
               <a:buNone/>
-              <a:defRPr>
-                <a:solidFill>
-                  <a:schemeClr val="tx1">
-                    <a:tint val="75000"/>
-                  </a:schemeClr>
-                </a:solidFill>
-              </a:defRPr>
+              <a:defRPr sz="1600"/>
             </a:lvl7pPr>
             <a:lvl8pPr marL="3200400" indent="0" algn="ctr">
               <a:buNone/>
-              <a:defRPr>
-                <a:solidFill>
-                  <a:schemeClr val="tx1">
-                    <a:tint val="75000"/>
-                  </a:schemeClr>
-                </a:solidFill>
-              </a:defRPr>
+              <a:defRPr sz="1600"/>
             </a:lvl8pPr>
             <a:lvl9pPr marL="3657600" indent="0" algn="ctr">
               <a:buNone/>
-              <a:defRPr>
-                <a:solidFill>
-                  <a:schemeClr val="tx1">
-                    <a:tint val="75000"/>
-                  </a:schemeClr>
-                </a:solidFill>
-              </a:defRPr>
+              <a:defRPr sz="1600"/>
             </a:lvl9pPr>
           </a:lstStyle>
           <a:p>
             <a:r>
-              <a:rPr lang="en-GB" smtClean="0"/>
-              <a:t>Click to edit Master subtitle style</a:t>
-            </a:r>
-            <a:endParaRPr lang="en-US"/>
+              <a:rPr lang="en-US" dirty="0"/>
+              <a:t>Subheading</a:t>
+            </a:r>
           </a:p>
         </p:txBody>
       </p:sp>
@@ -304,10 +268,28 @@
             <p:ph type="dt" sz="half" idx="10"/>
           </p:nvPr>
         </p:nvSpPr>
-        <p:spPr/>
+        <p:spPr>
+          <a:xfrm>
+            <a:off x="342718" y="4797452"/>
+            <a:ext cx="2057400" cy="365125"/>
+          </a:xfrm>
+          <a:prstGeom prst="rect">
+            <a:avLst/>
+          </a:prstGeom>
+        </p:spPr>
         <p:txBody>
           <a:bodyPr/>
-          <a:lstStyle/>
+          <a:lstStyle>
+            <a:lvl1pPr>
+              <a:defRPr sz="1600">
+                <a:solidFill>
+                  <a:schemeClr val="tx1"/>
+                </a:solidFill>
+                <a:latin typeface="+mn-lt"/>
+                <a:cs typeface="Arial" panose="020B0604020202020204" pitchFamily="34" charset="0"/>
+              </a:defRPr>
+            </a:lvl1pPr>
+          </a:lstStyle>
           <a:p>
             <a:fld id="{D119BB77-888A-BF43-BE39-D421BFDFAD7D}" type="datetimeFigureOut">
               <a:rPr lang="en-US" smtClean="0"/>
@@ -317,52 +299,116 @@
           </a:p>
         </p:txBody>
       </p:sp>
-      <p:sp>
-        <p:nvSpPr>
-          <p:cNvPr id="5" name="Footer Placeholder 4"/>
-          <p:cNvSpPr>
-            <a:spLocks noGrp="1"/>
-          </p:cNvSpPr>
-          <p:nvPr>
-            <p:ph type="ftr" sz="quarter" idx="11"/>
-          </p:nvPr>
-        </p:nvSpPr>
-        <p:spPr/>
-        <p:txBody>
-          <a:bodyPr/>
-          <a:lstStyle/>
-          <a:p>
-            <a:endParaRPr lang="en-US"/>
-          </a:p>
-        </p:txBody>
-      </p:sp>
-      <p:sp>
-        <p:nvSpPr>
-          <p:cNvPr id="6" name="Slide Number Placeholder 5"/>
-          <p:cNvSpPr>
-            <a:spLocks noGrp="1"/>
-          </p:cNvSpPr>
-          <p:nvPr>
-            <p:ph type="sldNum" sz="quarter" idx="12"/>
-          </p:nvPr>
-        </p:nvSpPr>
-        <p:spPr/>
-        <p:txBody>
-          <a:bodyPr/>
-          <a:lstStyle/>
-          <a:p>
-            <a:fld id="{F4F2F945-68BA-274D-A0CE-1D9E1734202A}" type="slidenum">
-              <a:rPr lang="en-US" smtClean="0"/>
-              <a:t>‹#›</a:t>
-            </a:fld>
-            <a:endParaRPr lang="en-US"/>
-          </a:p>
-        </p:txBody>
-      </p:sp>
+      <p:pic>
+        <p:nvPicPr>
+          <p:cNvPr id="9" name="Picture 8">
+            <a:extLst>
+              <a:ext uri="{FF2B5EF4-FFF2-40B4-BE49-F238E27FC236}">
+                <a16:creationId xmlns:a16="http://schemas.microsoft.com/office/drawing/2014/main" id="{6551A18B-3ACE-F548-BD60-B1AF159313BC}"/>
+              </a:ext>
+            </a:extLst>
+          </p:cNvPr>
+          <p:cNvPicPr>
+            <a:picLocks noChangeAspect="1"/>
+          </p:cNvPicPr>
+          <p:nvPr/>
+        </p:nvPicPr>
+        <p:blipFill>
+          <a:blip r:embed="rId2">
+            <a:extLst>
+              <a:ext uri="{28A0092B-C50C-407E-A947-70E740481C1C}">
+                <a14:useLocalDpi xmlns:a14="http://schemas.microsoft.com/office/drawing/2010/main" val="0"/>
+              </a:ext>
+            </a:extLst>
+          </a:blip>
+          <a:stretch>
+            <a:fillRect/>
+          </a:stretch>
+        </p:blipFill>
+        <p:spPr>
+          <a:xfrm>
+            <a:off x="0" y="0"/>
+            <a:ext cx="3068790" cy="872231"/>
+          </a:xfrm>
+          <a:prstGeom prst="rect">
+            <a:avLst/>
+          </a:prstGeom>
+        </p:spPr>
+      </p:pic>
+      <p:pic>
+        <p:nvPicPr>
+          <p:cNvPr id="10" name="Picture 9">
+            <a:extLst>
+              <a:ext uri="{FF2B5EF4-FFF2-40B4-BE49-F238E27FC236}">
+                <a16:creationId xmlns:a16="http://schemas.microsoft.com/office/drawing/2014/main" id="{6A55C428-BF0C-B342-93E1-807E559CDC05}"/>
+              </a:ext>
+            </a:extLst>
+          </p:cNvPr>
+          <p:cNvPicPr>
+            <a:picLocks noChangeAspect="1"/>
+          </p:cNvPicPr>
+          <p:nvPr/>
+        </p:nvPicPr>
+        <p:blipFill rotWithShape="1">
+          <a:blip r:embed="rId3">
+            <a:extLst>
+              <a:ext uri="{28A0092B-C50C-407E-A947-70E740481C1C}">
+                <a14:useLocalDpi xmlns:a14="http://schemas.microsoft.com/office/drawing/2010/main" val="0"/>
+              </a:ext>
+            </a:extLst>
+          </a:blip>
+          <a:srcRect l="8166" r="54884"/>
+          <a:stretch/>
+        </p:blipFill>
+        <p:spPr>
+          <a:xfrm>
+            <a:off x="2998066" y="-33453"/>
+            <a:ext cx="1230489" cy="946502"/>
+          </a:xfrm>
+          <a:prstGeom prst="rect">
+            <a:avLst/>
+          </a:prstGeom>
+        </p:spPr>
+      </p:pic>
+      <p:pic>
+        <p:nvPicPr>
+          <p:cNvPr id="11" name="Picture 10">
+            <a:extLst>
+              <a:ext uri="{FF2B5EF4-FFF2-40B4-BE49-F238E27FC236}">
+                <a16:creationId xmlns:a16="http://schemas.microsoft.com/office/drawing/2014/main" id="{91A711F9-9139-AE45-A511-AD9F844B87D0}"/>
+              </a:ext>
+            </a:extLst>
+          </p:cNvPr>
+          <p:cNvPicPr>
+            <a:picLocks noChangeAspect="1"/>
+          </p:cNvPicPr>
+          <p:nvPr/>
+        </p:nvPicPr>
+        <p:blipFill rotWithShape="1">
+          <a:blip r:embed="rId2">
+            <a:extLst>
+              <a:ext uri="{28A0092B-C50C-407E-A947-70E740481C1C}">
+                <a14:useLocalDpi xmlns:a14="http://schemas.microsoft.com/office/drawing/2010/main" val="0"/>
+              </a:ext>
+            </a:extLst>
+          </a:blip>
+          <a:srcRect l="47145" r="47696"/>
+          <a:stretch/>
+        </p:blipFill>
+        <p:spPr>
+          <a:xfrm>
+            <a:off x="2853100" y="0"/>
+            <a:ext cx="158323" cy="872231"/>
+          </a:xfrm>
+          <a:prstGeom prst="rect">
+            <a:avLst/>
+          </a:prstGeom>
+        </p:spPr>
+      </p:pic>
     </p:spTree>
     <p:extLst>
       <p:ext uri="{BB962C8B-B14F-4D97-AF65-F5344CB8AC3E}">
-        <p14:creationId xmlns:p14="http://schemas.microsoft.com/office/powerpoint/2010/main" val="1715973323"/>
+        <p14:creationId xmlns:p14="http://schemas.microsoft.com/office/powerpoint/2010/main" val="4082839255"/>
       </p:ext>
     </p:extLst>
   </p:cSld>
@@ -372,9 +418,9 @@
 </p:sldLayout>
 </file>
 
-<file path=ppt/slideLayouts/slideLayout10.xml><?xml version="1.0" encoding="utf-8"?>
-<p:sldLayout xmlns:a="http://schemas.openxmlformats.org/drawingml/2006/main" xmlns:r="http://schemas.openxmlformats.org/officeDocument/2006/relationships" xmlns:p="http://schemas.openxmlformats.org/presentationml/2006/main" type="vertTx" preserve="1">
-  <p:cSld name="Title and Vertical Text">
+<file path=ppt/slideLayouts/slideLayout2.xml><?xml version="1.0" encoding="utf-8"?>
+<p:sldLayout xmlns:a="http://schemas.openxmlformats.org/drawingml/2006/main" xmlns:r="http://schemas.openxmlformats.org/officeDocument/2006/relationships" xmlns:p="http://schemas.openxmlformats.org/presentationml/2006/main" preserve="1">
+  <p:cSld name="Title Slide - Portrait image">
     <p:spTree>
       <p:nvGrpSpPr>
         <p:cNvPr id="1" name=""/>
@@ -391,82 +437,118 @@
       </p:grpSpPr>
       <p:sp>
         <p:nvSpPr>
-          <p:cNvPr id="2" name="Title 1"/>
+          <p:cNvPr id="7" name="Title 1"/>
           <p:cNvSpPr>
             <a:spLocks noGrp="1"/>
           </p:cNvSpPr>
           <p:nvPr>
-            <p:ph type="title"/>
+            <p:ph type="ctrTitle" hasCustomPrompt="1"/>
           </p:nvPr>
         </p:nvSpPr>
-        <p:spPr/>
+        <p:spPr>
+          <a:xfrm>
+            <a:off x="355055" y="3326682"/>
+            <a:ext cx="4256859" cy="863191"/>
+          </a:xfrm>
+          <a:prstGeom prst="rect">
+            <a:avLst/>
+          </a:prstGeom>
+        </p:spPr>
         <p:txBody>
-          <a:bodyPr/>
-          <a:lstStyle/>
+          <a:bodyPr anchor="b"/>
+          <a:lstStyle>
+            <a:lvl1pPr algn="l">
+              <a:defRPr sz="4000" baseline="0">
+                <a:solidFill>
+                  <a:srgbClr val="63666A"/>
+                </a:solidFill>
+              </a:defRPr>
+            </a:lvl1pPr>
+          </a:lstStyle>
           <a:p>
             <a:r>
-              <a:rPr lang="en-GB" smtClean="0"/>
-              <a:t>Click to edit Master title style</a:t>
-            </a:r>
-            <a:endParaRPr lang="en-US"/>
+              <a:rPr lang="en-US" dirty="0"/>
+              <a:t>Presentation title</a:t>
+            </a:r>
           </a:p>
         </p:txBody>
       </p:sp>
       <p:sp>
         <p:nvSpPr>
-          <p:cNvPr id="3" name="Vertical Text Placeholder 2"/>
+          <p:cNvPr id="8" name="Subtitle 2"/>
           <p:cNvSpPr>
             <a:spLocks noGrp="1"/>
           </p:cNvSpPr>
           <p:nvPr>
-            <p:ph type="body" orient="vert" idx="1"/>
+            <p:ph type="subTitle" idx="1" hasCustomPrompt="1"/>
           </p:nvPr>
         </p:nvSpPr>
-        <p:spPr/>
+        <p:spPr>
+          <a:xfrm>
+            <a:off x="355055" y="4202927"/>
+            <a:ext cx="4256859" cy="551951"/>
+          </a:xfrm>
+          <a:prstGeom prst="rect">
+            <a:avLst/>
+          </a:prstGeom>
+        </p:spPr>
         <p:txBody>
-          <a:bodyPr vert="eaVert"/>
-          <a:lstStyle/>
+          <a:bodyPr/>
+          <a:lstStyle>
+            <a:lvl1pPr marL="0" indent="0" algn="l">
+              <a:buNone/>
+              <a:defRPr sz="2000">
+                <a:solidFill>
+                  <a:srgbClr val="63666A"/>
+                </a:solidFill>
+                <a:latin typeface="Arial" panose="020B0604020202020204" pitchFamily="34" charset="0"/>
+                <a:cs typeface="Arial" panose="020B0604020202020204" pitchFamily="34" charset="0"/>
+              </a:defRPr>
+            </a:lvl1pPr>
+            <a:lvl2pPr marL="457200" indent="0" algn="ctr">
+              <a:buNone/>
+              <a:defRPr sz="2000"/>
+            </a:lvl2pPr>
+            <a:lvl3pPr marL="914400" indent="0" algn="ctr">
+              <a:buNone/>
+              <a:defRPr sz="1800"/>
+            </a:lvl3pPr>
+            <a:lvl4pPr marL="1371600" indent="0" algn="ctr">
+              <a:buNone/>
+              <a:defRPr sz="1600"/>
+            </a:lvl4pPr>
+            <a:lvl5pPr marL="1828800" indent="0" algn="ctr">
+              <a:buNone/>
+              <a:defRPr sz="1600"/>
+            </a:lvl5pPr>
+            <a:lvl6pPr marL="2286000" indent="0" algn="ctr">
+              <a:buNone/>
+              <a:defRPr sz="1600"/>
+            </a:lvl6pPr>
+            <a:lvl7pPr marL="2743200" indent="0" algn="ctr">
+              <a:buNone/>
+              <a:defRPr sz="1600"/>
+            </a:lvl7pPr>
+            <a:lvl8pPr marL="3200400" indent="0" algn="ctr">
+              <a:buNone/>
+              <a:defRPr sz="1600"/>
+            </a:lvl8pPr>
+            <a:lvl9pPr marL="3657600" indent="0" algn="ctr">
+              <a:buNone/>
+              <a:defRPr sz="1600"/>
+            </a:lvl9pPr>
+          </a:lstStyle>
           <a:p>
-            <a:pPr lvl="0"/>
-            <a:r>
-              <a:rPr lang="en-GB" smtClean="0"/>
-              <a:t>Click to edit Master text styles</a:t>
-            </a:r>
-          </a:p>
-          <a:p>
-            <a:pPr lvl="1"/>
-            <a:r>
-              <a:rPr lang="en-GB" smtClean="0"/>
-              <a:t>Second level</a:t>
-            </a:r>
-          </a:p>
-          <a:p>
-            <a:pPr lvl="2"/>
-            <a:r>
-              <a:rPr lang="en-GB" smtClean="0"/>
-              <a:t>Third level</a:t>
-            </a:r>
-          </a:p>
-          <a:p>
-            <a:pPr lvl="3"/>
-            <a:r>
-              <a:rPr lang="en-GB" smtClean="0"/>
-              <a:t>Fourth level</a:t>
-            </a:r>
-          </a:p>
-          <a:p>
-            <a:pPr lvl="4"/>
-            <a:r>
-              <a:rPr lang="en-GB" smtClean="0"/>
-              <a:t>Fifth level</a:t>
-            </a:r>
-            <a:endParaRPr lang="en-US"/>
+            <a:r>
+              <a:rPr lang="en-US" dirty="0"/>
+              <a:t>Subheading</a:t>
+            </a:r>
           </a:p>
         </p:txBody>
       </p:sp>
       <p:sp>
         <p:nvSpPr>
-          <p:cNvPr id="4" name="Date Placeholder 3"/>
+          <p:cNvPr id="9" name="Date Placeholder 3"/>
           <p:cNvSpPr>
             <a:spLocks noGrp="1"/>
           </p:cNvSpPr>
@@ -474,65 +556,86 @@
             <p:ph type="dt" sz="half" idx="10"/>
           </p:nvPr>
         </p:nvSpPr>
-        <p:spPr/>
+        <p:spPr>
+          <a:xfrm>
+            <a:off x="355418" y="4772052"/>
+            <a:ext cx="2057400" cy="365125"/>
+          </a:xfrm>
+          <a:prstGeom prst="rect">
+            <a:avLst/>
+          </a:prstGeom>
+        </p:spPr>
         <p:txBody>
           <a:bodyPr/>
-          <a:lstStyle/>
+          <a:lstStyle>
+            <a:lvl1pPr>
+              <a:defRPr sz="1600">
+                <a:solidFill>
+                  <a:srgbClr val="63666A"/>
+                </a:solidFill>
+                <a:latin typeface="Arial" panose="020B0604020202020204" pitchFamily="34" charset="0"/>
+                <a:cs typeface="Arial" panose="020B0604020202020204" pitchFamily="34" charset="0"/>
+              </a:defRPr>
+            </a:lvl1pPr>
+          </a:lstStyle>
           <a:p>
-            <a:fld id="{D119BB77-888A-BF43-BE39-D421BFDFAD7D}" type="datetimeFigureOut">
-              <a:rPr lang="en-US" smtClean="0"/>
-              <a:t>9/25/2018</a:t>
+            <a:fld id="{646265C4-D3EB-4033-9F2F-7AE1FCA20C43}" type="datetimeFigureOut">
+              <a:rPr lang="en-GB" smtClean="0"/>
+              <a:pPr/>
+              <a:t>25/09/2018</a:t>
             </a:fld>
-            <a:endParaRPr lang="en-US"/>
+            <a:endParaRPr lang="en-GB" dirty="0"/>
           </a:p>
         </p:txBody>
       </p:sp>
       <p:sp>
         <p:nvSpPr>
-          <p:cNvPr id="5" name="Footer Placeholder 4"/>
+          <p:cNvPr id="12" name="Picture Placeholder 11"/>
           <p:cNvSpPr>
             <a:spLocks noGrp="1"/>
           </p:cNvSpPr>
           <p:nvPr>
-            <p:ph type="ftr" sz="quarter" idx="11"/>
+            <p:ph type="pic" sz="quarter" idx="11"/>
           </p:nvPr>
         </p:nvSpPr>
-        <p:spPr/>
+        <p:spPr>
+          <a:xfrm>
+            <a:off x="5220000" y="396000"/>
+            <a:ext cx="3600000" cy="5760000"/>
+          </a:xfrm>
+          <a:prstGeom prst="rect">
+            <a:avLst/>
+          </a:prstGeom>
+          <a:solidFill>
+            <a:schemeClr val="bg1">
+              <a:lumMod val="85000"/>
+            </a:schemeClr>
+          </a:solidFill>
+        </p:spPr>
         <p:txBody>
           <a:bodyPr/>
-          <a:lstStyle/>
+          <a:lstStyle>
+            <a:lvl1pPr marL="0" indent="0">
+              <a:buNone/>
+              <a:defRPr baseline="0">
+                <a:latin typeface="Arial" panose="020B0604020202020204" pitchFamily="34" charset="0"/>
+                <a:cs typeface="Arial" panose="020B0604020202020204" pitchFamily="34" charset="0"/>
+              </a:defRPr>
+            </a:lvl1pPr>
+          </a:lstStyle>
           <a:p>
-            <a:endParaRPr lang="en-US"/>
-          </a:p>
-        </p:txBody>
-      </p:sp>
-      <p:sp>
-        <p:nvSpPr>
-          <p:cNvPr id="6" name="Slide Number Placeholder 5"/>
-          <p:cNvSpPr>
-            <a:spLocks noGrp="1"/>
-          </p:cNvSpPr>
-          <p:nvPr>
-            <p:ph type="sldNum" sz="quarter" idx="12"/>
-          </p:nvPr>
-        </p:nvSpPr>
-        <p:spPr/>
-        <p:txBody>
-          <a:bodyPr/>
-          <a:lstStyle/>
-          <a:p>
-            <a:fld id="{F4F2F945-68BA-274D-A0CE-1D9E1734202A}" type="slidenum">
+            <a:r>
               <a:rPr lang="en-US" smtClean="0"/>
-              <a:t>‹#›</a:t>
-            </a:fld>
-            <a:endParaRPr lang="en-US"/>
+              <a:t>Click icon to add picture</a:t>
+            </a:r>
+            <a:endParaRPr lang="en-GB" dirty="0"/>
           </a:p>
         </p:txBody>
       </p:sp>
     </p:spTree>
     <p:extLst>
       <p:ext uri="{BB962C8B-B14F-4D97-AF65-F5344CB8AC3E}">
-        <p14:creationId xmlns:p14="http://schemas.microsoft.com/office/powerpoint/2010/main" val="2856372835"/>
+        <p14:creationId xmlns:p14="http://schemas.microsoft.com/office/powerpoint/2010/main" val="619601923"/>
       </p:ext>
     </p:extLst>
   </p:cSld>
@@ -542,9 +645,9 @@
 </p:sldLayout>
 </file>
 
-<file path=ppt/slideLayouts/slideLayout11.xml><?xml version="1.0" encoding="utf-8"?>
-<p:sldLayout xmlns:a="http://schemas.openxmlformats.org/drawingml/2006/main" xmlns:r="http://schemas.openxmlformats.org/officeDocument/2006/relationships" xmlns:p="http://schemas.openxmlformats.org/presentationml/2006/main" type="vertTitleAndTx" preserve="1">
-  <p:cSld name="Vertical Title and Text">
+<file path=ppt/slideLayouts/slideLayout3.xml><?xml version="1.0" encoding="utf-8"?>
+<p:sldLayout xmlns:a="http://schemas.openxmlformats.org/drawingml/2006/main" xmlns:r="http://schemas.openxmlformats.org/officeDocument/2006/relationships" xmlns:p="http://schemas.openxmlformats.org/presentationml/2006/main" preserve="1">
+  <p:cSld name="Title Slide - Landscape image (half page)">
     <p:spTree>
       <p:nvGrpSpPr>
         <p:cNvPr id="1" name=""/>
@@ -561,92 +664,118 @@
       </p:grpSpPr>
       <p:sp>
         <p:nvSpPr>
-          <p:cNvPr id="2" name="Vertical Title 1"/>
+          <p:cNvPr id="9" name="Title 1"/>
           <p:cNvSpPr>
             <a:spLocks noGrp="1"/>
           </p:cNvSpPr>
           <p:nvPr>
-            <p:ph type="title" orient="vert"/>
+            <p:ph type="ctrTitle" hasCustomPrompt="1"/>
           </p:nvPr>
         </p:nvSpPr>
         <p:spPr>
           <a:xfrm>
-            <a:off x="6629400" y="274638"/>
-            <a:ext cx="2057400" cy="5851525"/>
+            <a:off x="329655" y="1693825"/>
+            <a:ext cx="4256859" cy="863191"/>
           </a:xfrm>
+          <a:prstGeom prst="rect">
+            <a:avLst/>
+          </a:prstGeom>
         </p:spPr>
         <p:txBody>
-          <a:bodyPr vert="eaVert"/>
-          <a:lstStyle/>
+          <a:bodyPr anchor="b"/>
+          <a:lstStyle>
+            <a:lvl1pPr algn="l">
+              <a:defRPr sz="4000" baseline="0">
+                <a:solidFill>
+                  <a:srgbClr val="63666A"/>
+                </a:solidFill>
+              </a:defRPr>
+            </a:lvl1pPr>
+          </a:lstStyle>
           <a:p>
             <a:r>
-              <a:rPr lang="en-GB" smtClean="0"/>
-              <a:t>Click to edit Master title style</a:t>
-            </a:r>
-            <a:endParaRPr lang="en-US"/>
+              <a:rPr lang="en-US" dirty="0"/>
+              <a:t>Presentation title</a:t>
+            </a:r>
           </a:p>
         </p:txBody>
       </p:sp>
       <p:sp>
         <p:nvSpPr>
-          <p:cNvPr id="3" name="Vertical Text Placeholder 2"/>
+          <p:cNvPr id="10" name="Subtitle 2"/>
           <p:cNvSpPr>
             <a:spLocks noGrp="1"/>
           </p:cNvSpPr>
           <p:nvPr>
-            <p:ph type="body" orient="vert" idx="1"/>
+            <p:ph type="subTitle" idx="1" hasCustomPrompt="1"/>
           </p:nvPr>
         </p:nvSpPr>
         <p:spPr>
           <a:xfrm>
-            <a:off x="457200" y="274638"/>
-            <a:ext cx="6019800" cy="5851525"/>
+            <a:off x="329655" y="2570070"/>
+            <a:ext cx="4256859" cy="551951"/>
           </a:xfrm>
+          <a:prstGeom prst="rect">
+            <a:avLst/>
+          </a:prstGeom>
         </p:spPr>
         <p:txBody>
-          <a:bodyPr vert="eaVert"/>
-          <a:lstStyle/>
+          <a:bodyPr/>
+          <a:lstStyle>
+            <a:lvl1pPr marL="0" indent="0" algn="l">
+              <a:buNone/>
+              <a:defRPr sz="2000">
+                <a:solidFill>
+                  <a:srgbClr val="63666A"/>
+                </a:solidFill>
+                <a:latin typeface="Arial" panose="020B0604020202020204" pitchFamily="34" charset="0"/>
+                <a:cs typeface="Arial" panose="020B0604020202020204" pitchFamily="34" charset="0"/>
+              </a:defRPr>
+            </a:lvl1pPr>
+            <a:lvl2pPr marL="457200" indent="0" algn="ctr">
+              <a:buNone/>
+              <a:defRPr sz="2000"/>
+            </a:lvl2pPr>
+            <a:lvl3pPr marL="914400" indent="0" algn="ctr">
+              <a:buNone/>
+              <a:defRPr sz="1800"/>
+            </a:lvl3pPr>
+            <a:lvl4pPr marL="1371600" indent="0" algn="ctr">
+              <a:buNone/>
+              <a:defRPr sz="1600"/>
+            </a:lvl4pPr>
+            <a:lvl5pPr marL="1828800" indent="0" algn="ctr">
+              <a:buNone/>
+              <a:defRPr sz="1600"/>
+            </a:lvl5pPr>
+            <a:lvl6pPr marL="2286000" indent="0" algn="ctr">
+              <a:buNone/>
+              <a:defRPr sz="1600"/>
+            </a:lvl6pPr>
+            <a:lvl7pPr marL="2743200" indent="0" algn="ctr">
+              <a:buNone/>
+              <a:defRPr sz="1600"/>
+            </a:lvl7pPr>
+            <a:lvl8pPr marL="3200400" indent="0" algn="ctr">
+              <a:buNone/>
+              <a:defRPr sz="1600"/>
+            </a:lvl8pPr>
+            <a:lvl9pPr marL="3657600" indent="0" algn="ctr">
+              <a:buNone/>
+              <a:defRPr sz="1600"/>
+            </a:lvl9pPr>
+          </a:lstStyle>
           <a:p>
-            <a:pPr lvl="0"/>
-            <a:r>
-              <a:rPr lang="en-GB" smtClean="0"/>
-              <a:t>Click to edit Master text styles</a:t>
-            </a:r>
-          </a:p>
-          <a:p>
-            <a:pPr lvl="1"/>
-            <a:r>
-              <a:rPr lang="en-GB" smtClean="0"/>
-              <a:t>Second level</a:t>
-            </a:r>
-          </a:p>
-          <a:p>
-            <a:pPr lvl="2"/>
-            <a:r>
-              <a:rPr lang="en-GB" smtClean="0"/>
-              <a:t>Third level</a:t>
-            </a:r>
-          </a:p>
-          <a:p>
-            <a:pPr lvl="3"/>
-            <a:r>
-              <a:rPr lang="en-GB" smtClean="0"/>
-              <a:t>Fourth level</a:t>
-            </a:r>
-          </a:p>
-          <a:p>
-            <a:pPr lvl="4"/>
-            <a:r>
-              <a:rPr lang="en-GB" smtClean="0"/>
-              <a:t>Fifth level</a:t>
-            </a:r>
-            <a:endParaRPr lang="en-US"/>
+            <a:r>
+              <a:rPr lang="en-US" dirty="0"/>
+              <a:t>Subheading</a:t>
+            </a:r>
           </a:p>
         </p:txBody>
       </p:sp>
       <p:sp>
         <p:nvSpPr>
-          <p:cNvPr id="4" name="Date Placeholder 3"/>
+          <p:cNvPr id="11" name="Date Placeholder 3"/>
           <p:cNvSpPr>
             <a:spLocks noGrp="1"/>
           </p:cNvSpPr>
@@ -654,65 +783,86 @@
             <p:ph type="dt" sz="half" idx="10"/>
           </p:nvPr>
         </p:nvSpPr>
-        <p:spPr/>
+        <p:spPr>
+          <a:xfrm>
+            <a:off x="330018" y="3139195"/>
+            <a:ext cx="2057400" cy="365125"/>
+          </a:xfrm>
+          <a:prstGeom prst="rect">
+            <a:avLst/>
+          </a:prstGeom>
+        </p:spPr>
         <p:txBody>
           <a:bodyPr/>
-          <a:lstStyle/>
+          <a:lstStyle>
+            <a:lvl1pPr>
+              <a:defRPr sz="1600">
+                <a:solidFill>
+                  <a:srgbClr val="63666A"/>
+                </a:solidFill>
+                <a:latin typeface="Arial" panose="020B0604020202020204" pitchFamily="34" charset="0"/>
+                <a:cs typeface="Arial" panose="020B0604020202020204" pitchFamily="34" charset="0"/>
+              </a:defRPr>
+            </a:lvl1pPr>
+          </a:lstStyle>
           <a:p>
-            <a:fld id="{D119BB77-888A-BF43-BE39-D421BFDFAD7D}" type="datetimeFigureOut">
-              <a:rPr lang="en-US" smtClean="0"/>
-              <a:t>9/25/2018</a:t>
+            <a:fld id="{646265C4-D3EB-4033-9F2F-7AE1FCA20C43}" type="datetimeFigureOut">
+              <a:rPr lang="en-GB" smtClean="0"/>
+              <a:pPr/>
+              <a:t>25/09/2018</a:t>
             </a:fld>
-            <a:endParaRPr lang="en-US"/>
+            <a:endParaRPr lang="en-GB" dirty="0"/>
           </a:p>
         </p:txBody>
       </p:sp>
       <p:sp>
         <p:nvSpPr>
-          <p:cNvPr id="5" name="Footer Placeholder 4"/>
+          <p:cNvPr id="12" name="Picture Placeholder 11"/>
           <p:cNvSpPr>
             <a:spLocks noGrp="1"/>
           </p:cNvSpPr>
           <p:nvPr>
-            <p:ph type="ftr" sz="quarter" idx="11"/>
+            <p:ph type="pic" sz="quarter" idx="11"/>
           </p:nvPr>
         </p:nvSpPr>
-        <p:spPr/>
+        <p:spPr>
+          <a:xfrm>
+            <a:off x="329655" y="3521494"/>
+            <a:ext cx="8426482" cy="2444408"/>
+          </a:xfrm>
+          <a:prstGeom prst="rect">
+            <a:avLst/>
+          </a:prstGeom>
+          <a:solidFill>
+            <a:schemeClr val="bg1">
+              <a:lumMod val="85000"/>
+            </a:schemeClr>
+          </a:solidFill>
+        </p:spPr>
         <p:txBody>
           <a:bodyPr/>
-          <a:lstStyle/>
+          <a:lstStyle>
+            <a:lvl1pPr marL="0" indent="0">
+              <a:buNone/>
+              <a:defRPr baseline="0">
+                <a:latin typeface="Arial" panose="020B0604020202020204" pitchFamily="34" charset="0"/>
+                <a:cs typeface="Arial" panose="020B0604020202020204" pitchFamily="34" charset="0"/>
+              </a:defRPr>
+            </a:lvl1pPr>
+          </a:lstStyle>
           <a:p>
-            <a:endParaRPr lang="en-US"/>
-          </a:p>
-        </p:txBody>
-      </p:sp>
-      <p:sp>
-        <p:nvSpPr>
-          <p:cNvPr id="6" name="Slide Number Placeholder 5"/>
-          <p:cNvSpPr>
-            <a:spLocks noGrp="1"/>
-          </p:cNvSpPr>
-          <p:nvPr>
-            <p:ph type="sldNum" sz="quarter" idx="12"/>
-          </p:nvPr>
-        </p:nvSpPr>
-        <p:spPr/>
-        <p:txBody>
-          <a:bodyPr/>
-          <a:lstStyle/>
-          <a:p>
-            <a:fld id="{F4F2F945-68BA-274D-A0CE-1D9E1734202A}" type="slidenum">
+            <a:r>
               <a:rPr lang="en-US" smtClean="0"/>
-              <a:t>‹#›</a:t>
-            </a:fld>
-            <a:endParaRPr lang="en-US"/>
+              <a:t>Click icon to add picture</a:t>
+            </a:r>
+            <a:endParaRPr lang="en-GB" dirty="0"/>
           </a:p>
         </p:txBody>
       </p:sp>
     </p:spTree>
     <p:extLst>
       <p:ext uri="{BB962C8B-B14F-4D97-AF65-F5344CB8AC3E}">
-        <p14:creationId xmlns:p14="http://schemas.microsoft.com/office/powerpoint/2010/main" val="3611289366"/>
+        <p14:creationId xmlns:p14="http://schemas.microsoft.com/office/powerpoint/2010/main" val="4072198106"/>
       </p:ext>
     </p:extLst>
   </p:cSld>
@@ -722,8 +872,3425 @@
 </p:sldLayout>
 </file>
 
-<file path=ppt/slideLayouts/slideLayout2.xml><?xml version="1.0" encoding="utf-8"?>
-<p:sldLayout xmlns:a="http://schemas.openxmlformats.org/drawingml/2006/main" xmlns:r="http://schemas.openxmlformats.org/officeDocument/2006/relationships" xmlns:p="http://schemas.openxmlformats.org/presentationml/2006/main" type="obj" preserve="1">
+<file path=ppt/slideLayouts/slideLayout4.xml><?xml version="1.0" encoding="utf-8"?>
+<p:sldLayout xmlns:a="http://schemas.openxmlformats.org/drawingml/2006/main" xmlns:r="http://schemas.openxmlformats.org/officeDocument/2006/relationships" xmlns:p="http://schemas.openxmlformats.org/presentationml/2006/main" preserve="1">
+  <p:cSld name="Content slide with image">
+    <p:spTree>
+      <p:nvGrpSpPr>
+        <p:cNvPr id="1" name=""/>
+        <p:cNvGrpSpPr/>
+        <p:nvPr/>
+      </p:nvGrpSpPr>
+      <p:grpSpPr>
+        <a:xfrm>
+          <a:off x="0" y="0"/>
+          <a:ext cx="0" cy="0"/>
+          <a:chOff x="0" y="0"/>
+          <a:chExt cx="0" cy="0"/>
+        </a:xfrm>
+      </p:grpSpPr>
+      <p:cxnSp>
+        <p:nvCxnSpPr>
+          <p:cNvPr id="18" name="Straight Connector 17"/>
+          <p:cNvCxnSpPr/>
+          <p:nvPr/>
+        </p:nvCxnSpPr>
+        <p:spPr>
+          <a:xfrm>
+            <a:off x="406400" y="1028700"/>
+            <a:ext cx="8424000" cy="0"/>
+          </a:xfrm>
+          <a:prstGeom prst="line">
+            <a:avLst/>
+          </a:prstGeom>
+          <a:ln>
+            <a:solidFill>
+              <a:schemeClr val="tx1"/>
+            </a:solidFill>
+          </a:ln>
+        </p:spPr>
+        <p:style>
+          <a:lnRef idx="1">
+            <a:schemeClr val="accent1"/>
+          </a:lnRef>
+          <a:fillRef idx="0">
+            <a:schemeClr val="accent1"/>
+          </a:fillRef>
+          <a:effectRef idx="0">
+            <a:schemeClr val="accent1"/>
+          </a:effectRef>
+          <a:fontRef idx="minor">
+            <a:schemeClr val="tx1"/>
+          </a:fontRef>
+        </p:style>
+      </p:cxnSp>
+      <p:sp>
+        <p:nvSpPr>
+          <p:cNvPr id="21" name="Title 1"/>
+          <p:cNvSpPr>
+            <a:spLocks noGrp="1"/>
+          </p:cNvSpPr>
+          <p:nvPr>
+            <p:ph type="ctrTitle" hasCustomPrompt="1"/>
+          </p:nvPr>
+        </p:nvSpPr>
+        <p:spPr>
+          <a:xfrm>
+            <a:off x="368300" y="262840"/>
+            <a:ext cx="4622800" cy="715085"/>
+          </a:xfrm>
+          <a:prstGeom prst="rect">
+            <a:avLst/>
+          </a:prstGeom>
+        </p:spPr>
+        <p:txBody>
+          <a:bodyPr anchor="t"/>
+          <a:lstStyle>
+            <a:lvl1pPr algn="l">
+              <a:defRPr sz="2400" baseline="0">
+                <a:solidFill>
+                  <a:srgbClr val="63666A"/>
+                </a:solidFill>
+              </a:defRPr>
+            </a:lvl1pPr>
+          </a:lstStyle>
+          <a:p>
+            <a:r>
+              <a:rPr lang="en-US" dirty="0"/>
+              <a:t>Content slide heading</a:t>
+            </a:r>
+          </a:p>
+        </p:txBody>
+      </p:sp>
+      <p:sp>
+        <p:nvSpPr>
+          <p:cNvPr id="23" name="Picture Placeholder 11"/>
+          <p:cNvSpPr>
+            <a:spLocks noGrp="1"/>
+          </p:cNvSpPr>
+          <p:nvPr>
+            <p:ph type="pic" sz="quarter" idx="11"/>
+          </p:nvPr>
+        </p:nvSpPr>
+        <p:spPr>
+          <a:xfrm>
+            <a:off x="5346699" y="1308100"/>
+            <a:ext cx="3435745" cy="4771700"/>
+          </a:xfrm>
+          <a:prstGeom prst="rect">
+            <a:avLst/>
+          </a:prstGeom>
+          <a:solidFill>
+            <a:schemeClr val="bg1">
+              <a:lumMod val="85000"/>
+            </a:schemeClr>
+          </a:solidFill>
+        </p:spPr>
+        <p:txBody>
+          <a:bodyPr/>
+          <a:lstStyle>
+            <a:lvl1pPr marL="0" indent="0">
+              <a:buNone/>
+              <a:defRPr baseline="0">
+                <a:latin typeface="Arial" panose="020B0604020202020204" pitchFamily="34" charset="0"/>
+                <a:cs typeface="Arial" panose="020B0604020202020204" pitchFamily="34" charset="0"/>
+              </a:defRPr>
+            </a:lvl1pPr>
+          </a:lstStyle>
+          <a:p>
+            <a:r>
+              <a:rPr lang="en-US" smtClean="0"/>
+              <a:t>Click icon to add picture</a:t>
+            </a:r>
+            <a:endParaRPr lang="en-GB" dirty="0"/>
+          </a:p>
+        </p:txBody>
+      </p:sp>
+      <p:sp>
+        <p:nvSpPr>
+          <p:cNvPr id="3" name="Text Placeholder 2"/>
+          <p:cNvSpPr>
+            <a:spLocks noGrp="1"/>
+          </p:cNvSpPr>
+          <p:nvPr>
+            <p:ph type="body" sz="quarter" idx="12" hasCustomPrompt="1"/>
+          </p:nvPr>
+        </p:nvSpPr>
+        <p:spPr>
+          <a:xfrm>
+            <a:off x="368300" y="1308100"/>
+            <a:ext cx="4622800" cy="4251320"/>
+          </a:xfrm>
+          <a:prstGeom prst="rect">
+            <a:avLst/>
+          </a:prstGeom>
+        </p:spPr>
+        <p:txBody>
+          <a:bodyPr/>
+          <a:lstStyle>
+            <a:lvl1pPr marL="0" marR="0" indent="0" algn="l" defTabSz="914400" rtl="0" eaLnBrk="1" fontAlgn="auto" latinLnBrk="0" hangingPunct="1">
+              <a:lnSpc>
+                <a:spcPct val="100000"/>
+              </a:lnSpc>
+              <a:spcBef>
+                <a:spcPts val="600"/>
+              </a:spcBef>
+              <a:spcAft>
+                <a:spcPts val="0"/>
+              </a:spcAft>
+              <a:buClrTx/>
+              <a:buSzTx/>
+              <a:buFont typeface="Arial" panose="020B0604020202020204" pitchFamily="34" charset="0"/>
+              <a:buNone/>
+              <a:tabLst/>
+              <a:defRPr sz="2800">
+                <a:solidFill>
+                  <a:srgbClr val="63666A"/>
+                </a:solidFill>
+                <a:latin typeface="Arial" panose="020B0604020202020204" pitchFamily="34" charset="0"/>
+                <a:cs typeface="Arial" panose="020B0604020202020204" pitchFamily="34" charset="0"/>
+              </a:defRPr>
+            </a:lvl1pPr>
+          </a:lstStyle>
+          <a:p>
+            <a:pPr marL="171450" indent="-171450">
+              <a:buFont typeface="Arial" panose="020B0604020202020204" pitchFamily="34" charset="0"/>
+              <a:buChar char="•"/>
+            </a:pPr>
+            <a:r>
+              <a:rPr lang="en-US" sz="1400" dirty="0"/>
+              <a:t>Content</a:t>
+            </a:r>
+            <a:r>
+              <a:rPr lang="en-US" sz="1400" baseline="0" dirty="0"/>
+              <a:t> text here</a:t>
+            </a:r>
+          </a:p>
+          <a:p>
+            <a:pPr marL="171450" indent="-171450">
+              <a:buFont typeface="Arial" panose="020B0604020202020204" pitchFamily="34" charset="0"/>
+              <a:buChar char="•"/>
+            </a:pPr>
+            <a:r>
+              <a:rPr lang="en-US" sz="1400" baseline="0" dirty="0"/>
+              <a:t>Second bullet here</a:t>
+            </a:r>
+          </a:p>
+          <a:p>
+            <a:pPr marL="171450" indent="-171450">
+              <a:buFont typeface="Arial" panose="020B0604020202020204" pitchFamily="34" charset="0"/>
+              <a:buChar char="•"/>
+            </a:pPr>
+            <a:r>
+              <a:rPr lang="en-US" sz="1400" baseline="0" dirty="0"/>
+              <a:t>Another bullet point here</a:t>
+            </a:r>
+          </a:p>
+          <a:p>
+            <a:pPr marL="0" indent="0">
+              <a:lnSpc>
+                <a:spcPct val="100000"/>
+              </a:lnSpc>
+              <a:spcBef>
+                <a:spcPts val="600"/>
+              </a:spcBef>
+              <a:buFont typeface="Arial" panose="020B0604020202020204" pitchFamily="34" charset="0"/>
+              <a:buNone/>
+            </a:pPr>
+            <a:r>
+              <a:rPr lang="en-US" sz="1400" baseline="0" dirty="0"/>
+              <a:t>Main Content text entered here. </a:t>
+            </a:r>
+          </a:p>
+          <a:p>
+            <a:pPr marL="0" marR="0" lvl="0" indent="0" algn="l" defTabSz="914400" rtl="0" eaLnBrk="1" fontAlgn="auto" latinLnBrk="0" hangingPunct="1">
+              <a:lnSpc>
+                <a:spcPct val="100000"/>
+              </a:lnSpc>
+              <a:spcBef>
+                <a:spcPts val="600"/>
+              </a:spcBef>
+              <a:spcAft>
+                <a:spcPts val="0"/>
+              </a:spcAft>
+              <a:buClrTx/>
+              <a:buSzTx/>
+              <a:buFont typeface="Arial" panose="020B0604020202020204" pitchFamily="34" charset="0"/>
+              <a:buNone/>
+              <a:tabLst/>
+              <a:defRPr/>
+            </a:pPr>
+            <a:r>
+              <a:rPr lang="en-GB" sz="1400" b="0" i="0" kern="1200" dirty="0">
+                <a:solidFill>
+                  <a:srgbClr val="63666A"/>
+                </a:solidFill>
+                <a:effectLst/>
+                <a:latin typeface="Arial" panose="020B0604020202020204" pitchFamily="34" charset="0"/>
+                <a:ea typeface="+mn-ea"/>
+                <a:cs typeface="Arial" panose="020B0604020202020204" pitchFamily="34" charset="0"/>
+              </a:rPr>
+              <a:t>Lorem ipsum </a:t>
+            </a:r>
+            <a:r>
+              <a:rPr lang="en-GB" sz="1400" b="0" i="0" kern="1200" dirty="0" err="1">
+                <a:solidFill>
+                  <a:srgbClr val="63666A"/>
+                </a:solidFill>
+                <a:effectLst/>
+                <a:latin typeface="Arial" panose="020B0604020202020204" pitchFamily="34" charset="0"/>
+                <a:ea typeface="+mn-ea"/>
+                <a:cs typeface="Arial" panose="020B0604020202020204" pitchFamily="34" charset="0"/>
+              </a:rPr>
+              <a:t>dolor</a:t>
+            </a:r>
+            <a:r>
+              <a:rPr lang="en-GB" sz="1400" b="0" i="0" kern="1200" dirty="0">
+                <a:solidFill>
+                  <a:srgbClr val="63666A"/>
+                </a:solidFill>
+                <a:effectLst/>
+                <a:latin typeface="Arial" panose="020B0604020202020204" pitchFamily="34" charset="0"/>
+                <a:ea typeface="+mn-ea"/>
+                <a:cs typeface="Arial" panose="020B0604020202020204" pitchFamily="34" charset="0"/>
+              </a:rPr>
+              <a:t> sit </a:t>
+            </a:r>
+            <a:r>
+              <a:rPr lang="en-GB" sz="1400" b="0" i="0" kern="1200" dirty="0" err="1">
+                <a:solidFill>
+                  <a:srgbClr val="63666A"/>
+                </a:solidFill>
+                <a:effectLst/>
+                <a:latin typeface="Arial" panose="020B0604020202020204" pitchFamily="34" charset="0"/>
+                <a:ea typeface="+mn-ea"/>
+                <a:cs typeface="Arial" panose="020B0604020202020204" pitchFamily="34" charset="0"/>
+              </a:rPr>
+              <a:t>amet</a:t>
+            </a:r>
+            <a:r>
+              <a:rPr lang="en-GB" sz="1400" b="0" i="0" kern="1200" dirty="0">
+                <a:solidFill>
+                  <a:srgbClr val="63666A"/>
+                </a:solidFill>
+                <a:effectLst/>
+                <a:latin typeface="Arial" panose="020B0604020202020204" pitchFamily="34" charset="0"/>
+                <a:ea typeface="+mn-ea"/>
+                <a:cs typeface="Arial" panose="020B0604020202020204" pitchFamily="34" charset="0"/>
+              </a:rPr>
+              <a:t>, </a:t>
+            </a:r>
+            <a:r>
+              <a:rPr lang="en-GB" sz="1400" b="0" i="0" kern="1200" dirty="0" err="1">
+                <a:solidFill>
+                  <a:srgbClr val="63666A"/>
+                </a:solidFill>
+                <a:effectLst/>
+                <a:latin typeface="Arial" panose="020B0604020202020204" pitchFamily="34" charset="0"/>
+                <a:ea typeface="+mn-ea"/>
+                <a:cs typeface="Arial" panose="020B0604020202020204" pitchFamily="34" charset="0"/>
+              </a:rPr>
+              <a:t>consectetur</a:t>
+            </a:r>
+            <a:r>
+              <a:rPr lang="en-GB" sz="1400" b="0" i="0" kern="1200" dirty="0">
+                <a:solidFill>
+                  <a:srgbClr val="63666A"/>
+                </a:solidFill>
+                <a:effectLst/>
+                <a:latin typeface="Arial" panose="020B0604020202020204" pitchFamily="34" charset="0"/>
+                <a:ea typeface="+mn-ea"/>
+                <a:cs typeface="Arial" panose="020B0604020202020204" pitchFamily="34" charset="0"/>
+              </a:rPr>
+              <a:t> </a:t>
+            </a:r>
+            <a:r>
+              <a:rPr lang="en-GB" sz="1400" b="0" i="0" kern="1200" dirty="0" err="1">
+                <a:solidFill>
+                  <a:srgbClr val="63666A"/>
+                </a:solidFill>
+                <a:effectLst/>
+                <a:latin typeface="Arial" panose="020B0604020202020204" pitchFamily="34" charset="0"/>
+                <a:ea typeface="+mn-ea"/>
+                <a:cs typeface="Arial" panose="020B0604020202020204" pitchFamily="34" charset="0"/>
+              </a:rPr>
+              <a:t>adipiscing</a:t>
+            </a:r>
+            <a:r>
+              <a:rPr lang="en-GB" sz="1400" b="0" i="0" kern="1200" dirty="0">
+                <a:solidFill>
+                  <a:srgbClr val="63666A"/>
+                </a:solidFill>
+                <a:effectLst/>
+                <a:latin typeface="Arial" panose="020B0604020202020204" pitchFamily="34" charset="0"/>
+                <a:ea typeface="+mn-ea"/>
+                <a:cs typeface="Arial" panose="020B0604020202020204" pitchFamily="34" charset="0"/>
+              </a:rPr>
+              <a:t> </a:t>
+            </a:r>
+            <a:r>
+              <a:rPr lang="en-GB" sz="1400" b="0" i="0" kern="1200" dirty="0" err="1">
+                <a:solidFill>
+                  <a:srgbClr val="63666A"/>
+                </a:solidFill>
+                <a:effectLst/>
+                <a:latin typeface="Arial" panose="020B0604020202020204" pitchFamily="34" charset="0"/>
+                <a:ea typeface="+mn-ea"/>
+                <a:cs typeface="Arial" panose="020B0604020202020204" pitchFamily="34" charset="0"/>
+              </a:rPr>
+              <a:t>elit</a:t>
+            </a:r>
+            <a:r>
+              <a:rPr lang="en-GB" sz="1400" b="0" i="0" kern="1200" dirty="0">
+                <a:solidFill>
+                  <a:srgbClr val="63666A"/>
+                </a:solidFill>
+                <a:effectLst/>
+                <a:latin typeface="Arial" panose="020B0604020202020204" pitchFamily="34" charset="0"/>
+                <a:ea typeface="+mn-ea"/>
+                <a:cs typeface="Arial" panose="020B0604020202020204" pitchFamily="34" charset="0"/>
+              </a:rPr>
+              <a:t>, </a:t>
+            </a:r>
+            <a:r>
+              <a:rPr lang="en-GB" sz="1400" b="0" i="0" kern="1200" dirty="0" err="1">
+                <a:solidFill>
+                  <a:srgbClr val="63666A"/>
+                </a:solidFill>
+                <a:effectLst/>
+                <a:latin typeface="Arial" panose="020B0604020202020204" pitchFamily="34" charset="0"/>
+                <a:ea typeface="+mn-ea"/>
+                <a:cs typeface="Arial" panose="020B0604020202020204" pitchFamily="34" charset="0"/>
+              </a:rPr>
+              <a:t>sed</a:t>
+            </a:r>
+            <a:r>
+              <a:rPr lang="en-GB" sz="1400" b="0" i="0" kern="1200" dirty="0">
+                <a:solidFill>
+                  <a:srgbClr val="63666A"/>
+                </a:solidFill>
+                <a:effectLst/>
+                <a:latin typeface="Arial" panose="020B0604020202020204" pitchFamily="34" charset="0"/>
+                <a:ea typeface="+mn-ea"/>
+                <a:cs typeface="Arial" panose="020B0604020202020204" pitchFamily="34" charset="0"/>
+              </a:rPr>
+              <a:t> do </a:t>
+            </a:r>
+            <a:r>
+              <a:rPr lang="en-GB" sz="1400" b="0" i="0" kern="1200" dirty="0" err="1">
+                <a:solidFill>
+                  <a:srgbClr val="63666A"/>
+                </a:solidFill>
+                <a:effectLst/>
+                <a:latin typeface="Arial" panose="020B0604020202020204" pitchFamily="34" charset="0"/>
+                <a:ea typeface="+mn-ea"/>
+                <a:cs typeface="Arial" panose="020B0604020202020204" pitchFamily="34" charset="0"/>
+              </a:rPr>
+              <a:t>eiusmod</a:t>
+            </a:r>
+            <a:r>
+              <a:rPr lang="en-GB" sz="1400" b="0" i="0" kern="1200" dirty="0">
+                <a:solidFill>
+                  <a:srgbClr val="63666A"/>
+                </a:solidFill>
+                <a:effectLst/>
+                <a:latin typeface="Arial" panose="020B0604020202020204" pitchFamily="34" charset="0"/>
+                <a:ea typeface="+mn-ea"/>
+                <a:cs typeface="Arial" panose="020B0604020202020204" pitchFamily="34" charset="0"/>
+              </a:rPr>
+              <a:t> </a:t>
+            </a:r>
+            <a:r>
+              <a:rPr lang="en-GB" sz="1400" b="0" i="0" kern="1200" dirty="0" err="1">
+                <a:solidFill>
+                  <a:srgbClr val="63666A"/>
+                </a:solidFill>
+                <a:effectLst/>
+                <a:latin typeface="Arial" panose="020B0604020202020204" pitchFamily="34" charset="0"/>
+                <a:ea typeface="+mn-ea"/>
+                <a:cs typeface="Arial" panose="020B0604020202020204" pitchFamily="34" charset="0"/>
+              </a:rPr>
+              <a:t>tempor</a:t>
+            </a:r>
+            <a:r>
+              <a:rPr lang="en-GB" sz="1400" b="0" i="0" kern="1200" dirty="0">
+                <a:solidFill>
+                  <a:srgbClr val="63666A"/>
+                </a:solidFill>
+                <a:effectLst/>
+                <a:latin typeface="Arial" panose="020B0604020202020204" pitchFamily="34" charset="0"/>
+                <a:ea typeface="+mn-ea"/>
+                <a:cs typeface="Arial" panose="020B0604020202020204" pitchFamily="34" charset="0"/>
+              </a:rPr>
+              <a:t> </a:t>
+            </a:r>
+            <a:r>
+              <a:rPr lang="en-GB" sz="1400" b="0" i="0" kern="1200" dirty="0" err="1">
+                <a:solidFill>
+                  <a:srgbClr val="63666A"/>
+                </a:solidFill>
+                <a:effectLst/>
+                <a:latin typeface="Arial" panose="020B0604020202020204" pitchFamily="34" charset="0"/>
+                <a:ea typeface="+mn-ea"/>
+                <a:cs typeface="Arial" panose="020B0604020202020204" pitchFamily="34" charset="0"/>
+              </a:rPr>
+              <a:t>incididunt</a:t>
+            </a:r>
+            <a:r>
+              <a:rPr lang="en-GB" sz="1400" b="0" i="0" kern="1200" dirty="0">
+                <a:solidFill>
+                  <a:srgbClr val="63666A"/>
+                </a:solidFill>
+                <a:effectLst/>
+                <a:latin typeface="Arial" panose="020B0604020202020204" pitchFamily="34" charset="0"/>
+                <a:ea typeface="+mn-ea"/>
+                <a:cs typeface="Arial" panose="020B0604020202020204" pitchFamily="34" charset="0"/>
+              </a:rPr>
+              <a:t> </a:t>
+            </a:r>
+            <a:r>
+              <a:rPr lang="en-GB" sz="1400" b="0" i="0" kern="1200" dirty="0" err="1">
+                <a:solidFill>
+                  <a:srgbClr val="63666A"/>
+                </a:solidFill>
+                <a:effectLst/>
+                <a:latin typeface="Arial" panose="020B0604020202020204" pitchFamily="34" charset="0"/>
+                <a:ea typeface="+mn-ea"/>
+                <a:cs typeface="Arial" panose="020B0604020202020204" pitchFamily="34" charset="0"/>
+              </a:rPr>
+              <a:t>ut</a:t>
+            </a:r>
+            <a:r>
+              <a:rPr lang="en-GB" sz="1400" b="0" i="0" kern="1200" dirty="0">
+                <a:solidFill>
+                  <a:srgbClr val="63666A"/>
+                </a:solidFill>
+                <a:effectLst/>
+                <a:latin typeface="Arial" panose="020B0604020202020204" pitchFamily="34" charset="0"/>
+                <a:ea typeface="+mn-ea"/>
+                <a:cs typeface="Arial" panose="020B0604020202020204" pitchFamily="34" charset="0"/>
+              </a:rPr>
+              <a:t> </a:t>
+            </a:r>
+            <a:r>
+              <a:rPr lang="en-GB" sz="1400" b="0" i="0" kern="1200" dirty="0" err="1">
+                <a:solidFill>
+                  <a:srgbClr val="63666A"/>
+                </a:solidFill>
+                <a:effectLst/>
+                <a:latin typeface="Arial" panose="020B0604020202020204" pitchFamily="34" charset="0"/>
+                <a:ea typeface="+mn-ea"/>
+                <a:cs typeface="Arial" panose="020B0604020202020204" pitchFamily="34" charset="0"/>
+              </a:rPr>
+              <a:t>labore</a:t>
+            </a:r>
+            <a:r>
+              <a:rPr lang="en-GB" sz="1400" b="0" i="0" kern="1200" dirty="0">
+                <a:solidFill>
+                  <a:srgbClr val="63666A"/>
+                </a:solidFill>
+                <a:effectLst/>
+                <a:latin typeface="Arial" panose="020B0604020202020204" pitchFamily="34" charset="0"/>
+                <a:ea typeface="+mn-ea"/>
+                <a:cs typeface="Arial" panose="020B0604020202020204" pitchFamily="34" charset="0"/>
+              </a:rPr>
+              <a:t> et </a:t>
+            </a:r>
+            <a:r>
+              <a:rPr lang="en-GB" sz="1400" b="0" i="0" kern="1200" dirty="0" err="1">
+                <a:solidFill>
+                  <a:srgbClr val="63666A"/>
+                </a:solidFill>
+                <a:effectLst/>
+                <a:latin typeface="Arial" panose="020B0604020202020204" pitchFamily="34" charset="0"/>
+                <a:ea typeface="+mn-ea"/>
+                <a:cs typeface="Arial" panose="020B0604020202020204" pitchFamily="34" charset="0"/>
+              </a:rPr>
+              <a:t>dolore</a:t>
+            </a:r>
+            <a:r>
+              <a:rPr lang="en-GB" sz="1400" b="0" i="0" kern="1200" dirty="0">
+                <a:solidFill>
+                  <a:srgbClr val="63666A"/>
+                </a:solidFill>
+                <a:effectLst/>
+                <a:latin typeface="Arial" panose="020B0604020202020204" pitchFamily="34" charset="0"/>
+                <a:ea typeface="+mn-ea"/>
+                <a:cs typeface="Arial" panose="020B0604020202020204" pitchFamily="34" charset="0"/>
+              </a:rPr>
+              <a:t> magna </a:t>
+            </a:r>
+            <a:r>
+              <a:rPr lang="en-GB" sz="1400" b="0" i="0" kern="1200" dirty="0" err="1">
+                <a:solidFill>
+                  <a:srgbClr val="63666A"/>
+                </a:solidFill>
+                <a:effectLst/>
+                <a:latin typeface="Arial" panose="020B0604020202020204" pitchFamily="34" charset="0"/>
+                <a:ea typeface="+mn-ea"/>
+                <a:cs typeface="Arial" panose="020B0604020202020204" pitchFamily="34" charset="0"/>
+              </a:rPr>
+              <a:t>aliqua</a:t>
+            </a:r>
+            <a:r>
+              <a:rPr lang="en-GB" sz="1400" b="0" i="0" kern="1200" dirty="0">
+                <a:solidFill>
+                  <a:srgbClr val="63666A"/>
+                </a:solidFill>
+                <a:effectLst/>
+                <a:latin typeface="Arial" panose="020B0604020202020204" pitchFamily="34" charset="0"/>
+                <a:ea typeface="+mn-ea"/>
+                <a:cs typeface="Arial" panose="020B0604020202020204" pitchFamily="34" charset="0"/>
+              </a:rPr>
+              <a:t>. </a:t>
+            </a:r>
+            <a:r>
+              <a:rPr lang="en-GB" sz="1400" b="0" i="0" kern="1200" dirty="0" err="1">
+                <a:solidFill>
+                  <a:srgbClr val="63666A"/>
+                </a:solidFill>
+                <a:effectLst/>
+                <a:latin typeface="Arial" panose="020B0604020202020204" pitchFamily="34" charset="0"/>
+                <a:ea typeface="+mn-ea"/>
+                <a:cs typeface="Arial" panose="020B0604020202020204" pitchFamily="34" charset="0"/>
+              </a:rPr>
+              <a:t>Ut</a:t>
+            </a:r>
+            <a:r>
+              <a:rPr lang="en-GB" sz="1400" b="0" i="0" kern="1200" dirty="0">
+                <a:solidFill>
+                  <a:srgbClr val="63666A"/>
+                </a:solidFill>
+                <a:effectLst/>
+                <a:latin typeface="Arial" panose="020B0604020202020204" pitchFamily="34" charset="0"/>
+                <a:ea typeface="+mn-ea"/>
+                <a:cs typeface="Arial" panose="020B0604020202020204" pitchFamily="34" charset="0"/>
+              </a:rPr>
+              <a:t> </a:t>
+            </a:r>
+            <a:r>
+              <a:rPr lang="en-GB" sz="1400" b="0" i="0" kern="1200" dirty="0" err="1">
+                <a:solidFill>
+                  <a:srgbClr val="63666A"/>
+                </a:solidFill>
+                <a:effectLst/>
+                <a:latin typeface="Arial" panose="020B0604020202020204" pitchFamily="34" charset="0"/>
+                <a:ea typeface="+mn-ea"/>
+                <a:cs typeface="Arial" panose="020B0604020202020204" pitchFamily="34" charset="0"/>
+              </a:rPr>
+              <a:t>enim</a:t>
+            </a:r>
+            <a:r>
+              <a:rPr lang="en-GB" sz="1400" b="0" i="0" kern="1200" dirty="0">
+                <a:solidFill>
+                  <a:srgbClr val="63666A"/>
+                </a:solidFill>
+                <a:effectLst/>
+                <a:latin typeface="Arial" panose="020B0604020202020204" pitchFamily="34" charset="0"/>
+                <a:ea typeface="+mn-ea"/>
+                <a:cs typeface="Arial" panose="020B0604020202020204" pitchFamily="34" charset="0"/>
+              </a:rPr>
+              <a:t> ad minim </a:t>
+            </a:r>
+            <a:r>
+              <a:rPr lang="en-GB" sz="1400" b="0" i="0" kern="1200" dirty="0" err="1">
+                <a:solidFill>
+                  <a:srgbClr val="63666A"/>
+                </a:solidFill>
+                <a:effectLst/>
+                <a:latin typeface="Arial" panose="020B0604020202020204" pitchFamily="34" charset="0"/>
+                <a:ea typeface="+mn-ea"/>
+                <a:cs typeface="Arial" panose="020B0604020202020204" pitchFamily="34" charset="0"/>
+              </a:rPr>
+              <a:t>veniam</a:t>
+            </a:r>
+            <a:r>
+              <a:rPr lang="en-GB" sz="1400" b="0" i="0" kern="1200" dirty="0">
+                <a:solidFill>
+                  <a:srgbClr val="63666A"/>
+                </a:solidFill>
+                <a:effectLst/>
+                <a:latin typeface="Arial" panose="020B0604020202020204" pitchFamily="34" charset="0"/>
+                <a:ea typeface="+mn-ea"/>
+                <a:cs typeface="Arial" panose="020B0604020202020204" pitchFamily="34" charset="0"/>
+              </a:rPr>
+              <a:t>, </a:t>
+            </a:r>
+            <a:r>
+              <a:rPr lang="en-GB" sz="1400" b="0" i="0" kern="1200" dirty="0" err="1">
+                <a:solidFill>
+                  <a:srgbClr val="63666A"/>
+                </a:solidFill>
+                <a:effectLst/>
+                <a:latin typeface="Arial" panose="020B0604020202020204" pitchFamily="34" charset="0"/>
+                <a:ea typeface="+mn-ea"/>
+                <a:cs typeface="Arial" panose="020B0604020202020204" pitchFamily="34" charset="0"/>
+              </a:rPr>
+              <a:t>quis</a:t>
+            </a:r>
+            <a:r>
+              <a:rPr lang="en-GB" sz="1400" b="0" i="0" kern="1200" dirty="0">
+                <a:solidFill>
+                  <a:srgbClr val="63666A"/>
+                </a:solidFill>
+                <a:effectLst/>
+                <a:latin typeface="Arial" panose="020B0604020202020204" pitchFamily="34" charset="0"/>
+                <a:ea typeface="+mn-ea"/>
+                <a:cs typeface="Arial" panose="020B0604020202020204" pitchFamily="34" charset="0"/>
+              </a:rPr>
+              <a:t> </a:t>
+            </a:r>
+            <a:r>
+              <a:rPr lang="en-GB" sz="1400" b="0" i="0" kern="1200" dirty="0" err="1">
+                <a:solidFill>
+                  <a:srgbClr val="63666A"/>
+                </a:solidFill>
+                <a:effectLst/>
+                <a:latin typeface="Arial" panose="020B0604020202020204" pitchFamily="34" charset="0"/>
+                <a:ea typeface="+mn-ea"/>
+                <a:cs typeface="Arial" panose="020B0604020202020204" pitchFamily="34" charset="0"/>
+              </a:rPr>
+              <a:t>nostrud</a:t>
+            </a:r>
+            <a:r>
+              <a:rPr lang="en-GB" sz="1400" b="0" i="0" kern="1200" dirty="0">
+                <a:solidFill>
+                  <a:srgbClr val="63666A"/>
+                </a:solidFill>
+                <a:effectLst/>
+                <a:latin typeface="Arial" panose="020B0604020202020204" pitchFamily="34" charset="0"/>
+                <a:ea typeface="+mn-ea"/>
+                <a:cs typeface="Arial" panose="020B0604020202020204" pitchFamily="34" charset="0"/>
+              </a:rPr>
+              <a:t> exercitation </a:t>
+            </a:r>
+            <a:r>
+              <a:rPr lang="en-GB" sz="1400" b="0" i="0" kern="1200" dirty="0" err="1">
+                <a:solidFill>
+                  <a:srgbClr val="63666A"/>
+                </a:solidFill>
+                <a:effectLst/>
+                <a:latin typeface="Arial" panose="020B0604020202020204" pitchFamily="34" charset="0"/>
+                <a:ea typeface="+mn-ea"/>
+                <a:cs typeface="Arial" panose="020B0604020202020204" pitchFamily="34" charset="0"/>
+              </a:rPr>
+              <a:t>ullamco</a:t>
+            </a:r>
+            <a:r>
+              <a:rPr lang="en-GB" sz="1400" b="0" i="0" kern="1200" dirty="0">
+                <a:solidFill>
+                  <a:srgbClr val="63666A"/>
+                </a:solidFill>
+                <a:effectLst/>
+                <a:latin typeface="Arial" panose="020B0604020202020204" pitchFamily="34" charset="0"/>
+                <a:ea typeface="+mn-ea"/>
+                <a:cs typeface="Arial" panose="020B0604020202020204" pitchFamily="34" charset="0"/>
+              </a:rPr>
+              <a:t>. Lorem ipsum </a:t>
+            </a:r>
+            <a:r>
+              <a:rPr lang="en-GB" sz="1400" b="0" i="0" kern="1200" dirty="0" err="1">
+                <a:solidFill>
+                  <a:srgbClr val="63666A"/>
+                </a:solidFill>
+                <a:effectLst/>
+                <a:latin typeface="Arial" panose="020B0604020202020204" pitchFamily="34" charset="0"/>
+                <a:ea typeface="+mn-ea"/>
+                <a:cs typeface="Arial" panose="020B0604020202020204" pitchFamily="34" charset="0"/>
+              </a:rPr>
+              <a:t>dolor</a:t>
+            </a:r>
+            <a:r>
+              <a:rPr lang="en-GB" sz="1400" b="0" i="0" kern="1200" dirty="0">
+                <a:solidFill>
+                  <a:srgbClr val="63666A"/>
+                </a:solidFill>
+                <a:effectLst/>
+                <a:latin typeface="Arial" panose="020B0604020202020204" pitchFamily="34" charset="0"/>
+                <a:ea typeface="+mn-ea"/>
+                <a:cs typeface="Arial" panose="020B0604020202020204" pitchFamily="34" charset="0"/>
+              </a:rPr>
+              <a:t> sit </a:t>
+            </a:r>
+            <a:r>
+              <a:rPr lang="en-GB" sz="1400" b="0" i="0" kern="1200" dirty="0" err="1">
+                <a:solidFill>
+                  <a:srgbClr val="63666A"/>
+                </a:solidFill>
+                <a:effectLst/>
+                <a:latin typeface="Arial" panose="020B0604020202020204" pitchFamily="34" charset="0"/>
+                <a:ea typeface="+mn-ea"/>
+                <a:cs typeface="Arial" panose="020B0604020202020204" pitchFamily="34" charset="0"/>
+              </a:rPr>
+              <a:t>amet</a:t>
+            </a:r>
+            <a:r>
+              <a:rPr lang="en-GB" sz="1400" b="0" i="0" kern="1200" dirty="0">
+                <a:solidFill>
+                  <a:srgbClr val="63666A"/>
+                </a:solidFill>
+                <a:effectLst/>
+                <a:latin typeface="Arial" panose="020B0604020202020204" pitchFamily="34" charset="0"/>
+                <a:ea typeface="+mn-ea"/>
+                <a:cs typeface="Arial" panose="020B0604020202020204" pitchFamily="34" charset="0"/>
+              </a:rPr>
+              <a:t>, </a:t>
+            </a:r>
+            <a:r>
+              <a:rPr lang="en-GB" sz="1400" b="0" i="0" kern="1200" dirty="0" err="1">
+                <a:solidFill>
+                  <a:srgbClr val="63666A"/>
+                </a:solidFill>
+                <a:effectLst/>
+                <a:latin typeface="Arial" panose="020B0604020202020204" pitchFamily="34" charset="0"/>
+                <a:ea typeface="+mn-ea"/>
+                <a:cs typeface="Arial" panose="020B0604020202020204" pitchFamily="34" charset="0"/>
+              </a:rPr>
+              <a:t>consectetur</a:t>
+            </a:r>
+            <a:r>
+              <a:rPr lang="en-GB" sz="1400" b="0" i="0" kern="1200" dirty="0">
+                <a:solidFill>
+                  <a:srgbClr val="63666A"/>
+                </a:solidFill>
+                <a:effectLst/>
+                <a:latin typeface="Arial" panose="020B0604020202020204" pitchFamily="34" charset="0"/>
+                <a:ea typeface="+mn-ea"/>
+                <a:cs typeface="Arial" panose="020B0604020202020204" pitchFamily="34" charset="0"/>
+              </a:rPr>
+              <a:t> </a:t>
+            </a:r>
+            <a:r>
+              <a:rPr lang="en-GB" sz="1400" b="0" i="0" kern="1200" dirty="0" err="1">
+                <a:solidFill>
+                  <a:srgbClr val="63666A"/>
+                </a:solidFill>
+                <a:effectLst/>
+                <a:latin typeface="Arial" panose="020B0604020202020204" pitchFamily="34" charset="0"/>
+                <a:ea typeface="+mn-ea"/>
+                <a:cs typeface="Arial" panose="020B0604020202020204" pitchFamily="34" charset="0"/>
+              </a:rPr>
+              <a:t>adipiscing</a:t>
+            </a:r>
+            <a:r>
+              <a:rPr lang="en-GB" sz="1400" b="0" i="0" kern="1200" dirty="0">
+                <a:solidFill>
+                  <a:srgbClr val="63666A"/>
+                </a:solidFill>
+                <a:effectLst/>
+                <a:latin typeface="Arial" panose="020B0604020202020204" pitchFamily="34" charset="0"/>
+                <a:ea typeface="+mn-ea"/>
+                <a:cs typeface="Arial" panose="020B0604020202020204" pitchFamily="34" charset="0"/>
+              </a:rPr>
+              <a:t> </a:t>
+            </a:r>
+            <a:r>
+              <a:rPr lang="en-GB" sz="1400" b="0" i="0" kern="1200" dirty="0" err="1">
+                <a:solidFill>
+                  <a:srgbClr val="63666A"/>
+                </a:solidFill>
+                <a:effectLst/>
+                <a:latin typeface="Arial" panose="020B0604020202020204" pitchFamily="34" charset="0"/>
+                <a:ea typeface="+mn-ea"/>
+                <a:cs typeface="Arial" panose="020B0604020202020204" pitchFamily="34" charset="0"/>
+              </a:rPr>
+              <a:t>elit</a:t>
+            </a:r>
+            <a:r>
+              <a:rPr lang="en-GB" sz="1400" b="0" i="0" kern="1200" dirty="0">
+                <a:solidFill>
+                  <a:srgbClr val="63666A"/>
+                </a:solidFill>
+                <a:effectLst/>
+                <a:latin typeface="Arial" panose="020B0604020202020204" pitchFamily="34" charset="0"/>
+                <a:ea typeface="+mn-ea"/>
+                <a:cs typeface="Arial" panose="020B0604020202020204" pitchFamily="34" charset="0"/>
+              </a:rPr>
+              <a:t>, </a:t>
+            </a:r>
+            <a:r>
+              <a:rPr lang="en-GB" sz="1400" b="0" i="0" kern="1200" dirty="0" err="1">
+                <a:solidFill>
+                  <a:srgbClr val="63666A"/>
+                </a:solidFill>
+                <a:effectLst/>
+                <a:latin typeface="Arial" panose="020B0604020202020204" pitchFamily="34" charset="0"/>
+                <a:ea typeface="+mn-ea"/>
+                <a:cs typeface="Arial" panose="020B0604020202020204" pitchFamily="34" charset="0"/>
+              </a:rPr>
+              <a:t>sed</a:t>
+            </a:r>
+            <a:r>
+              <a:rPr lang="en-GB" sz="1400" b="0" i="0" kern="1200" dirty="0">
+                <a:solidFill>
+                  <a:srgbClr val="63666A"/>
+                </a:solidFill>
+                <a:effectLst/>
+                <a:latin typeface="Arial" panose="020B0604020202020204" pitchFamily="34" charset="0"/>
+                <a:ea typeface="+mn-ea"/>
+                <a:cs typeface="Arial" panose="020B0604020202020204" pitchFamily="34" charset="0"/>
+              </a:rPr>
+              <a:t> do </a:t>
+            </a:r>
+            <a:r>
+              <a:rPr lang="en-GB" sz="1400" b="0" i="0" kern="1200" dirty="0" err="1">
+                <a:solidFill>
+                  <a:srgbClr val="63666A"/>
+                </a:solidFill>
+                <a:effectLst/>
+                <a:latin typeface="Arial" panose="020B0604020202020204" pitchFamily="34" charset="0"/>
+                <a:ea typeface="+mn-ea"/>
+                <a:cs typeface="Arial" panose="020B0604020202020204" pitchFamily="34" charset="0"/>
+              </a:rPr>
+              <a:t>eiusmod</a:t>
+            </a:r>
+            <a:r>
+              <a:rPr lang="en-GB" sz="1400" b="0" i="0" kern="1200" dirty="0">
+                <a:solidFill>
+                  <a:srgbClr val="63666A"/>
+                </a:solidFill>
+                <a:effectLst/>
+                <a:latin typeface="Arial" panose="020B0604020202020204" pitchFamily="34" charset="0"/>
+                <a:ea typeface="+mn-ea"/>
+                <a:cs typeface="Arial" panose="020B0604020202020204" pitchFamily="34" charset="0"/>
+              </a:rPr>
+              <a:t> </a:t>
+            </a:r>
+            <a:r>
+              <a:rPr lang="en-GB" sz="1400" b="0" i="0" kern="1200" dirty="0" err="1">
+                <a:solidFill>
+                  <a:srgbClr val="63666A"/>
+                </a:solidFill>
+                <a:effectLst/>
+                <a:latin typeface="Arial" panose="020B0604020202020204" pitchFamily="34" charset="0"/>
+                <a:ea typeface="+mn-ea"/>
+                <a:cs typeface="Arial" panose="020B0604020202020204" pitchFamily="34" charset="0"/>
+              </a:rPr>
+              <a:t>tempor</a:t>
+            </a:r>
+            <a:r>
+              <a:rPr lang="en-GB" sz="1400" b="0" i="0" kern="1200" dirty="0">
+                <a:solidFill>
+                  <a:srgbClr val="63666A"/>
+                </a:solidFill>
+                <a:effectLst/>
+                <a:latin typeface="Arial" panose="020B0604020202020204" pitchFamily="34" charset="0"/>
+                <a:ea typeface="+mn-ea"/>
+                <a:cs typeface="Arial" panose="020B0604020202020204" pitchFamily="34" charset="0"/>
+              </a:rPr>
+              <a:t> </a:t>
+            </a:r>
+            <a:r>
+              <a:rPr lang="en-GB" sz="1400" b="0" i="0" kern="1200" dirty="0" err="1">
+                <a:solidFill>
+                  <a:srgbClr val="63666A"/>
+                </a:solidFill>
+                <a:effectLst/>
+                <a:latin typeface="Arial" panose="020B0604020202020204" pitchFamily="34" charset="0"/>
+                <a:ea typeface="+mn-ea"/>
+                <a:cs typeface="Arial" panose="020B0604020202020204" pitchFamily="34" charset="0"/>
+              </a:rPr>
+              <a:t>incididunt</a:t>
+            </a:r>
+            <a:r>
+              <a:rPr lang="en-GB" sz="1400" b="0" i="0" kern="1200" dirty="0">
+                <a:solidFill>
+                  <a:srgbClr val="63666A"/>
+                </a:solidFill>
+                <a:effectLst/>
+                <a:latin typeface="Arial" panose="020B0604020202020204" pitchFamily="34" charset="0"/>
+                <a:ea typeface="+mn-ea"/>
+                <a:cs typeface="Arial" panose="020B0604020202020204" pitchFamily="34" charset="0"/>
+              </a:rPr>
+              <a:t> </a:t>
+            </a:r>
+            <a:r>
+              <a:rPr lang="en-GB" sz="1400" b="0" i="0" kern="1200" dirty="0" err="1">
+                <a:solidFill>
+                  <a:srgbClr val="63666A"/>
+                </a:solidFill>
+                <a:effectLst/>
+                <a:latin typeface="Arial" panose="020B0604020202020204" pitchFamily="34" charset="0"/>
+                <a:ea typeface="+mn-ea"/>
+                <a:cs typeface="Arial" panose="020B0604020202020204" pitchFamily="34" charset="0"/>
+              </a:rPr>
+              <a:t>ut</a:t>
+            </a:r>
+            <a:r>
+              <a:rPr lang="en-GB" sz="1400" b="0" i="0" kern="1200" dirty="0">
+                <a:solidFill>
+                  <a:srgbClr val="63666A"/>
+                </a:solidFill>
+                <a:effectLst/>
+                <a:latin typeface="Arial" panose="020B0604020202020204" pitchFamily="34" charset="0"/>
+                <a:ea typeface="+mn-ea"/>
+                <a:cs typeface="Arial" panose="020B0604020202020204" pitchFamily="34" charset="0"/>
+              </a:rPr>
+              <a:t> </a:t>
+            </a:r>
+            <a:r>
+              <a:rPr lang="en-GB" sz="1400" b="0" i="0" kern="1200" dirty="0" err="1">
+                <a:solidFill>
+                  <a:srgbClr val="63666A"/>
+                </a:solidFill>
+                <a:effectLst/>
+                <a:latin typeface="Arial" panose="020B0604020202020204" pitchFamily="34" charset="0"/>
+                <a:ea typeface="+mn-ea"/>
+                <a:cs typeface="Arial" panose="020B0604020202020204" pitchFamily="34" charset="0"/>
+              </a:rPr>
+              <a:t>labore</a:t>
+            </a:r>
+            <a:r>
+              <a:rPr lang="en-GB" sz="1400" b="0" i="0" kern="1200" dirty="0">
+                <a:solidFill>
+                  <a:srgbClr val="63666A"/>
+                </a:solidFill>
+                <a:effectLst/>
+                <a:latin typeface="Arial" panose="020B0604020202020204" pitchFamily="34" charset="0"/>
+                <a:ea typeface="+mn-ea"/>
+                <a:cs typeface="Arial" panose="020B0604020202020204" pitchFamily="34" charset="0"/>
+              </a:rPr>
+              <a:t> et </a:t>
+            </a:r>
+            <a:r>
+              <a:rPr lang="en-GB" sz="1400" b="0" i="0" kern="1200" dirty="0" err="1">
+                <a:solidFill>
+                  <a:srgbClr val="63666A"/>
+                </a:solidFill>
+                <a:effectLst/>
+                <a:latin typeface="Arial" panose="020B0604020202020204" pitchFamily="34" charset="0"/>
+                <a:ea typeface="+mn-ea"/>
+                <a:cs typeface="Arial" panose="020B0604020202020204" pitchFamily="34" charset="0"/>
+              </a:rPr>
+              <a:t>dolore</a:t>
+            </a:r>
+            <a:r>
+              <a:rPr lang="en-GB" sz="1400" b="0" i="0" kern="1200" dirty="0">
+                <a:solidFill>
+                  <a:srgbClr val="63666A"/>
+                </a:solidFill>
+                <a:effectLst/>
+                <a:latin typeface="Arial" panose="020B0604020202020204" pitchFamily="34" charset="0"/>
+                <a:ea typeface="+mn-ea"/>
+                <a:cs typeface="Arial" panose="020B0604020202020204" pitchFamily="34" charset="0"/>
+              </a:rPr>
+              <a:t> magna </a:t>
+            </a:r>
+            <a:r>
+              <a:rPr lang="en-GB" sz="1400" b="0" i="0" kern="1200" dirty="0" err="1">
+                <a:solidFill>
+                  <a:srgbClr val="63666A"/>
+                </a:solidFill>
+                <a:effectLst/>
+                <a:latin typeface="Arial" panose="020B0604020202020204" pitchFamily="34" charset="0"/>
+                <a:ea typeface="+mn-ea"/>
+                <a:cs typeface="Arial" panose="020B0604020202020204" pitchFamily="34" charset="0"/>
+              </a:rPr>
+              <a:t>aliqua</a:t>
+            </a:r>
+            <a:r>
+              <a:rPr lang="en-GB" sz="1400" b="0" i="0" kern="1200" dirty="0">
+                <a:solidFill>
+                  <a:srgbClr val="63666A"/>
+                </a:solidFill>
+                <a:effectLst/>
+                <a:latin typeface="Arial" panose="020B0604020202020204" pitchFamily="34" charset="0"/>
+                <a:ea typeface="+mn-ea"/>
+                <a:cs typeface="Arial" panose="020B0604020202020204" pitchFamily="34" charset="0"/>
+              </a:rPr>
+              <a:t>. </a:t>
+            </a:r>
+            <a:r>
+              <a:rPr lang="en-GB" sz="1400" b="0" i="0" kern="1200" dirty="0" err="1">
+                <a:solidFill>
+                  <a:srgbClr val="63666A"/>
+                </a:solidFill>
+                <a:effectLst/>
+                <a:latin typeface="Arial" panose="020B0604020202020204" pitchFamily="34" charset="0"/>
+                <a:ea typeface="+mn-ea"/>
+                <a:cs typeface="Arial" panose="020B0604020202020204" pitchFamily="34" charset="0"/>
+              </a:rPr>
+              <a:t>Ut</a:t>
+            </a:r>
+            <a:r>
+              <a:rPr lang="en-GB" sz="1400" b="0" i="0" kern="1200" dirty="0">
+                <a:solidFill>
+                  <a:srgbClr val="63666A"/>
+                </a:solidFill>
+                <a:effectLst/>
+                <a:latin typeface="Arial" panose="020B0604020202020204" pitchFamily="34" charset="0"/>
+                <a:ea typeface="+mn-ea"/>
+                <a:cs typeface="Arial" panose="020B0604020202020204" pitchFamily="34" charset="0"/>
+              </a:rPr>
+              <a:t> </a:t>
+            </a:r>
+            <a:r>
+              <a:rPr lang="en-GB" sz="1400" b="0" i="0" kern="1200" dirty="0" err="1">
+                <a:solidFill>
+                  <a:srgbClr val="63666A"/>
+                </a:solidFill>
+                <a:effectLst/>
+                <a:latin typeface="Arial" panose="020B0604020202020204" pitchFamily="34" charset="0"/>
+                <a:ea typeface="+mn-ea"/>
+                <a:cs typeface="Arial" panose="020B0604020202020204" pitchFamily="34" charset="0"/>
+              </a:rPr>
+              <a:t>enim</a:t>
+            </a:r>
+            <a:r>
+              <a:rPr lang="en-GB" sz="1400" b="0" i="0" kern="1200" dirty="0">
+                <a:solidFill>
+                  <a:srgbClr val="63666A"/>
+                </a:solidFill>
+                <a:effectLst/>
+                <a:latin typeface="Arial" panose="020B0604020202020204" pitchFamily="34" charset="0"/>
+                <a:ea typeface="+mn-ea"/>
+                <a:cs typeface="Arial" panose="020B0604020202020204" pitchFamily="34" charset="0"/>
+              </a:rPr>
+              <a:t> ad minim </a:t>
+            </a:r>
+            <a:r>
+              <a:rPr lang="en-GB" sz="1400" b="0" i="0" kern="1200" dirty="0" err="1">
+                <a:solidFill>
+                  <a:srgbClr val="63666A"/>
+                </a:solidFill>
+                <a:effectLst/>
+                <a:latin typeface="Arial" panose="020B0604020202020204" pitchFamily="34" charset="0"/>
+                <a:ea typeface="+mn-ea"/>
+                <a:cs typeface="Arial" panose="020B0604020202020204" pitchFamily="34" charset="0"/>
+              </a:rPr>
+              <a:t>veniam</a:t>
+            </a:r>
+            <a:r>
+              <a:rPr lang="en-GB" sz="1400" b="0" i="0" kern="1200" dirty="0">
+                <a:solidFill>
+                  <a:srgbClr val="63666A"/>
+                </a:solidFill>
+                <a:effectLst/>
+                <a:latin typeface="Arial" panose="020B0604020202020204" pitchFamily="34" charset="0"/>
+                <a:ea typeface="+mn-ea"/>
+                <a:cs typeface="Arial" panose="020B0604020202020204" pitchFamily="34" charset="0"/>
+              </a:rPr>
+              <a:t>, </a:t>
+            </a:r>
+            <a:r>
+              <a:rPr lang="en-GB" sz="1400" b="0" i="0" kern="1200" dirty="0" err="1">
+                <a:solidFill>
+                  <a:srgbClr val="63666A"/>
+                </a:solidFill>
+                <a:effectLst/>
+                <a:latin typeface="Arial" panose="020B0604020202020204" pitchFamily="34" charset="0"/>
+                <a:ea typeface="+mn-ea"/>
+                <a:cs typeface="Arial" panose="020B0604020202020204" pitchFamily="34" charset="0"/>
+              </a:rPr>
+              <a:t>quis</a:t>
+            </a:r>
+            <a:r>
+              <a:rPr lang="en-GB" sz="1400" b="0" i="0" kern="1200" dirty="0">
+                <a:solidFill>
+                  <a:srgbClr val="63666A"/>
+                </a:solidFill>
+                <a:effectLst/>
+                <a:latin typeface="Arial" panose="020B0604020202020204" pitchFamily="34" charset="0"/>
+                <a:ea typeface="+mn-ea"/>
+                <a:cs typeface="Arial" panose="020B0604020202020204" pitchFamily="34" charset="0"/>
+              </a:rPr>
+              <a:t> </a:t>
+            </a:r>
+            <a:r>
+              <a:rPr lang="en-GB" sz="1400" b="0" i="0" kern="1200" dirty="0" err="1">
+                <a:solidFill>
+                  <a:srgbClr val="63666A"/>
+                </a:solidFill>
+                <a:effectLst/>
+                <a:latin typeface="Arial" panose="020B0604020202020204" pitchFamily="34" charset="0"/>
+                <a:ea typeface="+mn-ea"/>
+                <a:cs typeface="Arial" panose="020B0604020202020204" pitchFamily="34" charset="0"/>
+              </a:rPr>
+              <a:t>nostrud</a:t>
+            </a:r>
+            <a:r>
+              <a:rPr lang="en-GB" sz="1400" b="0" i="0" kern="1200" dirty="0">
+                <a:solidFill>
+                  <a:srgbClr val="63666A"/>
+                </a:solidFill>
+                <a:effectLst/>
+                <a:latin typeface="Arial" panose="020B0604020202020204" pitchFamily="34" charset="0"/>
+                <a:ea typeface="+mn-ea"/>
+                <a:cs typeface="Arial" panose="020B0604020202020204" pitchFamily="34" charset="0"/>
+              </a:rPr>
+              <a:t> exercitation </a:t>
+            </a:r>
+            <a:r>
+              <a:rPr lang="en-GB" sz="1400" b="0" i="0" kern="1200" dirty="0" err="1">
+                <a:solidFill>
+                  <a:srgbClr val="63666A"/>
+                </a:solidFill>
+                <a:effectLst/>
+                <a:latin typeface="Arial" panose="020B0604020202020204" pitchFamily="34" charset="0"/>
+                <a:ea typeface="+mn-ea"/>
+                <a:cs typeface="Arial" panose="020B0604020202020204" pitchFamily="34" charset="0"/>
+              </a:rPr>
+              <a:t>ullamco</a:t>
+            </a:r>
+            <a:r>
+              <a:rPr lang="en-GB" sz="1400" b="0" i="0" kern="1200" dirty="0">
+                <a:solidFill>
+                  <a:srgbClr val="63666A"/>
+                </a:solidFill>
+                <a:effectLst/>
+                <a:latin typeface="Arial" panose="020B0604020202020204" pitchFamily="34" charset="0"/>
+                <a:ea typeface="+mn-ea"/>
+                <a:cs typeface="Arial" panose="020B0604020202020204" pitchFamily="34" charset="0"/>
+              </a:rPr>
+              <a:t>.</a:t>
+            </a:r>
+            <a:endParaRPr lang="en-US" sz="1400" dirty="0"/>
+          </a:p>
+          <a:p>
+            <a:pPr marL="0" marR="0" lvl="0" indent="0" algn="l" defTabSz="914400" rtl="0" eaLnBrk="1" fontAlgn="auto" latinLnBrk="0" hangingPunct="1">
+              <a:lnSpc>
+                <a:spcPct val="100000"/>
+              </a:lnSpc>
+              <a:spcBef>
+                <a:spcPts val="600"/>
+              </a:spcBef>
+              <a:spcAft>
+                <a:spcPts val="0"/>
+              </a:spcAft>
+              <a:buClrTx/>
+              <a:buSzTx/>
+              <a:buFont typeface="Arial" panose="020B0604020202020204" pitchFamily="34" charset="0"/>
+              <a:buNone/>
+              <a:tabLst/>
+              <a:defRPr/>
+            </a:pPr>
+            <a:r>
+              <a:rPr lang="en-GB" sz="1400" b="0" i="0" kern="1200" dirty="0">
+                <a:solidFill>
+                  <a:srgbClr val="63666A"/>
+                </a:solidFill>
+                <a:effectLst/>
+                <a:latin typeface="Arial" panose="020B0604020202020204" pitchFamily="34" charset="0"/>
+                <a:ea typeface="+mn-ea"/>
+                <a:cs typeface="Arial" panose="020B0604020202020204" pitchFamily="34" charset="0"/>
+              </a:rPr>
+              <a:t>Lorem ipsum </a:t>
+            </a:r>
+            <a:r>
+              <a:rPr lang="en-GB" sz="1400" b="0" i="0" kern="1200" dirty="0" err="1">
+                <a:solidFill>
+                  <a:srgbClr val="63666A"/>
+                </a:solidFill>
+                <a:effectLst/>
+                <a:latin typeface="Arial" panose="020B0604020202020204" pitchFamily="34" charset="0"/>
+                <a:ea typeface="+mn-ea"/>
+                <a:cs typeface="Arial" panose="020B0604020202020204" pitchFamily="34" charset="0"/>
+              </a:rPr>
+              <a:t>dolor</a:t>
+            </a:r>
+            <a:r>
+              <a:rPr lang="en-GB" sz="1400" b="0" i="0" kern="1200" dirty="0">
+                <a:solidFill>
+                  <a:srgbClr val="63666A"/>
+                </a:solidFill>
+                <a:effectLst/>
+                <a:latin typeface="Arial" panose="020B0604020202020204" pitchFamily="34" charset="0"/>
+                <a:ea typeface="+mn-ea"/>
+                <a:cs typeface="Arial" panose="020B0604020202020204" pitchFamily="34" charset="0"/>
+              </a:rPr>
+              <a:t> sit </a:t>
+            </a:r>
+            <a:r>
+              <a:rPr lang="en-GB" sz="1400" b="0" i="0" kern="1200" dirty="0" err="1">
+                <a:solidFill>
+                  <a:srgbClr val="63666A"/>
+                </a:solidFill>
+                <a:effectLst/>
+                <a:latin typeface="Arial" panose="020B0604020202020204" pitchFamily="34" charset="0"/>
+                <a:ea typeface="+mn-ea"/>
+                <a:cs typeface="Arial" panose="020B0604020202020204" pitchFamily="34" charset="0"/>
+              </a:rPr>
+              <a:t>amet</a:t>
+            </a:r>
+            <a:r>
+              <a:rPr lang="en-GB" sz="1400" b="0" i="0" kern="1200" dirty="0">
+                <a:solidFill>
+                  <a:srgbClr val="63666A"/>
+                </a:solidFill>
+                <a:effectLst/>
+                <a:latin typeface="Arial" panose="020B0604020202020204" pitchFamily="34" charset="0"/>
+                <a:ea typeface="+mn-ea"/>
+                <a:cs typeface="Arial" panose="020B0604020202020204" pitchFamily="34" charset="0"/>
+              </a:rPr>
+              <a:t>, </a:t>
+            </a:r>
+            <a:r>
+              <a:rPr lang="en-GB" sz="1400" b="0" i="0" kern="1200" dirty="0" err="1">
+                <a:solidFill>
+                  <a:srgbClr val="63666A"/>
+                </a:solidFill>
+                <a:effectLst/>
+                <a:latin typeface="Arial" panose="020B0604020202020204" pitchFamily="34" charset="0"/>
+                <a:ea typeface="+mn-ea"/>
+                <a:cs typeface="Arial" panose="020B0604020202020204" pitchFamily="34" charset="0"/>
+              </a:rPr>
+              <a:t>consectetur</a:t>
+            </a:r>
+            <a:r>
+              <a:rPr lang="en-GB" sz="1400" b="0" i="0" kern="1200" dirty="0">
+                <a:solidFill>
+                  <a:srgbClr val="63666A"/>
+                </a:solidFill>
+                <a:effectLst/>
+                <a:latin typeface="Arial" panose="020B0604020202020204" pitchFamily="34" charset="0"/>
+                <a:ea typeface="+mn-ea"/>
+                <a:cs typeface="Arial" panose="020B0604020202020204" pitchFamily="34" charset="0"/>
+              </a:rPr>
+              <a:t> </a:t>
+            </a:r>
+            <a:r>
+              <a:rPr lang="en-GB" sz="1400" b="0" i="0" kern="1200" dirty="0" err="1">
+                <a:solidFill>
+                  <a:srgbClr val="63666A"/>
+                </a:solidFill>
+                <a:effectLst/>
+                <a:latin typeface="Arial" panose="020B0604020202020204" pitchFamily="34" charset="0"/>
+                <a:ea typeface="+mn-ea"/>
+                <a:cs typeface="Arial" panose="020B0604020202020204" pitchFamily="34" charset="0"/>
+              </a:rPr>
+              <a:t>adipiscing</a:t>
+            </a:r>
+            <a:r>
+              <a:rPr lang="en-GB" sz="1400" b="0" i="0" kern="1200" dirty="0">
+                <a:solidFill>
+                  <a:srgbClr val="63666A"/>
+                </a:solidFill>
+                <a:effectLst/>
+                <a:latin typeface="Arial" panose="020B0604020202020204" pitchFamily="34" charset="0"/>
+                <a:ea typeface="+mn-ea"/>
+                <a:cs typeface="Arial" panose="020B0604020202020204" pitchFamily="34" charset="0"/>
+              </a:rPr>
+              <a:t> </a:t>
+            </a:r>
+            <a:r>
+              <a:rPr lang="en-GB" sz="1400" b="0" i="0" kern="1200" dirty="0" err="1">
+                <a:solidFill>
+                  <a:srgbClr val="63666A"/>
+                </a:solidFill>
+                <a:effectLst/>
+                <a:latin typeface="Arial" panose="020B0604020202020204" pitchFamily="34" charset="0"/>
+                <a:ea typeface="+mn-ea"/>
+                <a:cs typeface="Arial" panose="020B0604020202020204" pitchFamily="34" charset="0"/>
+              </a:rPr>
+              <a:t>elit</a:t>
+            </a:r>
+            <a:r>
+              <a:rPr lang="en-GB" sz="1400" b="0" i="0" kern="1200" dirty="0">
+                <a:solidFill>
+                  <a:srgbClr val="63666A"/>
+                </a:solidFill>
+                <a:effectLst/>
+                <a:latin typeface="Arial" panose="020B0604020202020204" pitchFamily="34" charset="0"/>
+                <a:ea typeface="+mn-ea"/>
+                <a:cs typeface="Arial" panose="020B0604020202020204" pitchFamily="34" charset="0"/>
+              </a:rPr>
+              <a:t>, </a:t>
+            </a:r>
+            <a:r>
+              <a:rPr lang="en-GB" sz="1400" b="0" i="0" kern="1200" dirty="0" err="1">
+                <a:solidFill>
+                  <a:srgbClr val="63666A"/>
+                </a:solidFill>
+                <a:effectLst/>
+                <a:latin typeface="Arial" panose="020B0604020202020204" pitchFamily="34" charset="0"/>
+                <a:ea typeface="+mn-ea"/>
+                <a:cs typeface="Arial" panose="020B0604020202020204" pitchFamily="34" charset="0"/>
+              </a:rPr>
+              <a:t>sed</a:t>
+            </a:r>
+            <a:r>
+              <a:rPr lang="en-GB" sz="1400" b="0" i="0" kern="1200" dirty="0">
+                <a:solidFill>
+                  <a:srgbClr val="63666A"/>
+                </a:solidFill>
+                <a:effectLst/>
+                <a:latin typeface="Arial" panose="020B0604020202020204" pitchFamily="34" charset="0"/>
+                <a:ea typeface="+mn-ea"/>
+                <a:cs typeface="Arial" panose="020B0604020202020204" pitchFamily="34" charset="0"/>
+              </a:rPr>
+              <a:t> do </a:t>
+            </a:r>
+            <a:r>
+              <a:rPr lang="en-GB" sz="1400" b="0" i="0" kern="1200" dirty="0" err="1">
+                <a:solidFill>
+                  <a:srgbClr val="63666A"/>
+                </a:solidFill>
+                <a:effectLst/>
+                <a:latin typeface="Arial" panose="020B0604020202020204" pitchFamily="34" charset="0"/>
+                <a:ea typeface="+mn-ea"/>
+                <a:cs typeface="Arial" panose="020B0604020202020204" pitchFamily="34" charset="0"/>
+              </a:rPr>
+              <a:t>eiusmod</a:t>
+            </a:r>
+            <a:r>
+              <a:rPr lang="en-GB" sz="1400" b="0" i="0" kern="1200" dirty="0">
+                <a:solidFill>
+                  <a:srgbClr val="63666A"/>
+                </a:solidFill>
+                <a:effectLst/>
+                <a:latin typeface="Arial" panose="020B0604020202020204" pitchFamily="34" charset="0"/>
+                <a:ea typeface="+mn-ea"/>
+                <a:cs typeface="Arial" panose="020B0604020202020204" pitchFamily="34" charset="0"/>
+              </a:rPr>
+              <a:t> </a:t>
+            </a:r>
+            <a:r>
+              <a:rPr lang="en-GB" sz="1400" b="0" i="0" kern="1200" dirty="0" err="1">
+                <a:solidFill>
+                  <a:srgbClr val="63666A"/>
+                </a:solidFill>
+                <a:effectLst/>
+                <a:latin typeface="Arial" panose="020B0604020202020204" pitchFamily="34" charset="0"/>
+                <a:ea typeface="+mn-ea"/>
+                <a:cs typeface="Arial" panose="020B0604020202020204" pitchFamily="34" charset="0"/>
+              </a:rPr>
+              <a:t>tempor</a:t>
+            </a:r>
+            <a:r>
+              <a:rPr lang="en-GB" sz="1400" b="0" i="0" kern="1200" dirty="0">
+                <a:solidFill>
+                  <a:srgbClr val="63666A"/>
+                </a:solidFill>
+                <a:effectLst/>
+                <a:latin typeface="Arial" panose="020B0604020202020204" pitchFamily="34" charset="0"/>
+                <a:ea typeface="+mn-ea"/>
+                <a:cs typeface="Arial" panose="020B0604020202020204" pitchFamily="34" charset="0"/>
+              </a:rPr>
+              <a:t> </a:t>
+            </a:r>
+            <a:r>
+              <a:rPr lang="en-GB" sz="1400" b="0" i="0" kern="1200" dirty="0" err="1">
+                <a:solidFill>
+                  <a:srgbClr val="63666A"/>
+                </a:solidFill>
+                <a:effectLst/>
+                <a:latin typeface="Arial" panose="020B0604020202020204" pitchFamily="34" charset="0"/>
+                <a:ea typeface="+mn-ea"/>
+                <a:cs typeface="Arial" panose="020B0604020202020204" pitchFamily="34" charset="0"/>
+              </a:rPr>
+              <a:t>incididunt</a:t>
+            </a:r>
+            <a:r>
+              <a:rPr lang="en-GB" sz="1400" b="0" i="0" kern="1200" dirty="0">
+                <a:solidFill>
+                  <a:srgbClr val="63666A"/>
+                </a:solidFill>
+                <a:effectLst/>
+                <a:latin typeface="Arial" panose="020B0604020202020204" pitchFamily="34" charset="0"/>
+                <a:ea typeface="+mn-ea"/>
+                <a:cs typeface="Arial" panose="020B0604020202020204" pitchFamily="34" charset="0"/>
+              </a:rPr>
+              <a:t> </a:t>
+            </a:r>
+            <a:r>
+              <a:rPr lang="en-GB" sz="1400" b="0" i="0" kern="1200" dirty="0" err="1">
+                <a:solidFill>
+                  <a:srgbClr val="63666A"/>
+                </a:solidFill>
+                <a:effectLst/>
+                <a:latin typeface="Arial" panose="020B0604020202020204" pitchFamily="34" charset="0"/>
+                <a:ea typeface="+mn-ea"/>
+                <a:cs typeface="Arial" panose="020B0604020202020204" pitchFamily="34" charset="0"/>
+              </a:rPr>
+              <a:t>ut</a:t>
+            </a:r>
+            <a:r>
+              <a:rPr lang="en-GB" sz="1400" b="0" i="0" kern="1200" dirty="0">
+                <a:solidFill>
+                  <a:srgbClr val="63666A"/>
+                </a:solidFill>
+                <a:effectLst/>
+                <a:latin typeface="Arial" panose="020B0604020202020204" pitchFamily="34" charset="0"/>
+                <a:ea typeface="+mn-ea"/>
+                <a:cs typeface="Arial" panose="020B0604020202020204" pitchFamily="34" charset="0"/>
+              </a:rPr>
+              <a:t> </a:t>
+            </a:r>
+            <a:r>
+              <a:rPr lang="en-GB" sz="1400" b="0" i="0" kern="1200" dirty="0" err="1">
+                <a:solidFill>
+                  <a:srgbClr val="63666A"/>
+                </a:solidFill>
+                <a:effectLst/>
+                <a:latin typeface="Arial" panose="020B0604020202020204" pitchFamily="34" charset="0"/>
+                <a:ea typeface="+mn-ea"/>
+                <a:cs typeface="Arial" panose="020B0604020202020204" pitchFamily="34" charset="0"/>
+              </a:rPr>
+              <a:t>labore</a:t>
+            </a:r>
+            <a:r>
+              <a:rPr lang="en-GB" sz="1400" b="0" i="0" kern="1200" dirty="0">
+                <a:solidFill>
+                  <a:srgbClr val="63666A"/>
+                </a:solidFill>
+                <a:effectLst/>
+                <a:latin typeface="Arial" panose="020B0604020202020204" pitchFamily="34" charset="0"/>
+                <a:ea typeface="+mn-ea"/>
+                <a:cs typeface="Arial" panose="020B0604020202020204" pitchFamily="34" charset="0"/>
+              </a:rPr>
+              <a:t> et </a:t>
+            </a:r>
+            <a:r>
+              <a:rPr lang="en-GB" sz="1400" b="0" i="0" kern="1200" dirty="0" err="1">
+                <a:solidFill>
+                  <a:srgbClr val="63666A"/>
+                </a:solidFill>
+                <a:effectLst/>
+                <a:latin typeface="Arial" panose="020B0604020202020204" pitchFamily="34" charset="0"/>
+                <a:ea typeface="+mn-ea"/>
+                <a:cs typeface="Arial" panose="020B0604020202020204" pitchFamily="34" charset="0"/>
+              </a:rPr>
+              <a:t>dolore</a:t>
+            </a:r>
+            <a:r>
+              <a:rPr lang="en-GB" sz="1400" b="0" i="0" kern="1200" dirty="0">
+                <a:solidFill>
+                  <a:srgbClr val="63666A"/>
+                </a:solidFill>
+                <a:effectLst/>
+                <a:latin typeface="Arial" panose="020B0604020202020204" pitchFamily="34" charset="0"/>
+                <a:ea typeface="+mn-ea"/>
+                <a:cs typeface="Arial" panose="020B0604020202020204" pitchFamily="34" charset="0"/>
+              </a:rPr>
+              <a:t> magna </a:t>
+            </a:r>
+            <a:r>
+              <a:rPr lang="en-GB" sz="1400" b="0" i="0" kern="1200" dirty="0" err="1">
+                <a:solidFill>
+                  <a:srgbClr val="63666A"/>
+                </a:solidFill>
+                <a:effectLst/>
+                <a:latin typeface="Arial" panose="020B0604020202020204" pitchFamily="34" charset="0"/>
+                <a:ea typeface="+mn-ea"/>
+                <a:cs typeface="Arial" panose="020B0604020202020204" pitchFamily="34" charset="0"/>
+              </a:rPr>
+              <a:t>aliqua</a:t>
+            </a:r>
+            <a:r>
+              <a:rPr lang="en-GB" sz="1400" b="0" i="0" kern="1200" dirty="0">
+                <a:solidFill>
+                  <a:srgbClr val="63666A"/>
+                </a:solidFill>
+                <a:effectLst/>
+                <a:latin typeface="Arial" panose="020B0604020202020204" pitchFamily="34" charset="0"/>
+                <a:ea typeface="+mn-ea"/>
+                <a:cs typeface="Arial" panose="020B0604020202020204" pitchFamily="34" charset="0"/>
+              </a:rPr>
+              <a:t>. </a:t>
+            </a:r>
+            <a:r>
+              <a:rPr lang="en-GB" sz="1400" b="0" i="0" kern="1200" dirty="0" err="1">
+                <a:solidFill>
+                  <a:srgbClr val="63666A"/>
+                </a:solidFill>
+                <a:effectLst/>
+                <a:latin typeface="Arial" panose="020B0604020202020204" pitchFamily="34" charset="0"/>
+                <a:ea typeface="+mn-ea"/>
+                <a:cs typeface="Arial" panose="020B0604020202020204" pitchFamily="34" charset="0"/>
+              </a:rPr>
+              <a:t>Ut</a:t>
+            </a:r>
+            <a:r>
+              <a:rPr lang="en-GB" sz="1400" b="0" i="0" kern="1200" dirty="0">
+                <a:solidFill>
+                  <a:srgbClr val="63666A"/>
+                </a:solidFill>
+                <a:effectLst/>
+                <a:latin typeface="Arial" panose="020B0604020202020204" pitchFamily="34" charset="0"/>
+                <a:ea typeface="+mn-ea"/>
+                <a:cs typeface="Arial" panose="020B0604020202020204" pitchFamily="34" charset="0"/>
+              </a:rPr>
+              <a:t> </a:t>
+            </a:r>
+            <a:r>
+              <a:rPr lang="en-GB" sz="1400" b="0" i="0" kern="1200" dirty="0" err="1">
+                <a:solidFill>
+                  <a:srgbClr val="63666A"/>
+                </a:solidFill>
+                <a:effectLst/>
+                <a:latin typeface="Arial" panose="020B0604020202020204" pitchFamily="34" charset="0"/>
+                <a:ea typeface="+mn-ea"/>
+                <a:cs typeface="Arial" panose="020B0604020202020204" pitchFamily="34" charset="0"/>
+              </a:rPr>
+              <a:t>enim</a:t>
+            </a:r>
+            <a:r>
+              <a:rPr lang="en-GB" sz="1400" b="0" i="0" kern="1200" dirty="0">
+                <a:solidFill>
+                  <a:srgbClr val="63666A"/>
+                </a:solidFill>
+                <a:effectLst/>
+                <a:latin typeface="Arial" panose="020B0604020202020204" pitchFamily="34" charset="0"/>
+                <a:ea typeface="+mn-ea"/>
+                <a:cs typeface="Arial" panose="020B0604020202020204" pitchFamily="34" charset="0"/>
+              </a:rPr>
+              <a:t> ad minim </a:t>
+            </a:r>
+            <a:r>
+              <a:rPr lang="en-GB" sz="1400" b="0" i="0" kern="1200" dirty="0" err="1">
+                <a:solidFill>
+                  <a:srgbClr val="63666A"/>
+                </a:solidFill>
+                <a:effectLst/>
+                <a:latin typeface="Arial" panose="020B0604020202020204" pitchFamily="34" charset="0"/>
+                <a:ea typeface="+mn-ea"/>
+                <a:cs typeface="Arial" panose="020B0604020202020204" pitchFamily="34" charset="0"/>
+              </a:rPr>
+              <a:t>veniam</a:t>
+            </a:r>
+            <a:r>
+              <a:rPr lang="en-GB" sz="1400" b="0" i="0" kern="1200" dirty="0">
+                <a:solidFill>
+                  <a:srgbClr val="63666A"/>
+                </a:solidFill>
+                <a:effectLst/>
+                <a:latin typeface="Arial" panose="020B0604020202020204" pitchFamily="34" charset="0"/>
+                <a:ea typeface="+mn-ea"/>
+                <a:cs typeface="Arial" panose="020B0604020202020204" pitchFamily="34" charset="0"/>
+              </a:rPr>
+              <a:t>, </a:t>
+            </a:r>
+            <a:r>
+              <a:rPr lang="en-GB" sz="1400" b="0" i="0" kern="1200" dirty="0" err="1">
+                <a:solidFill>
+                  <a:srgbClr val="63666A"/>
+                </a:solidFill>
+                <a:effectLst/>
+                <a:latin typeface="Arial" panose="020B0604020202020204" pitchFamily="34" charset="0"/>
+                <a:ea typeface="+mn-ea"/>
+                <a:cs typeface="Arial" panose="020B0604020202020204" pitchFamily="34" charset="0"/>
+              </a:rPr>
+              <a:t>quis</a:t>
+            </a:r>
+            <a:r>
+              <a:rPr lang="en-GB" sz="1400" b="0" i="0" kern="1200" dirty="0">
+                <a:solidFill>
+                  <a:srgbClr val="63666A"/>
+                </a:solidFill>
+                <a:effectLst/>
+                <a:latin typeface="Arial" panose="020B0604020202020204" pitchFamily="34" charset="0"/>
+                <a:ea typeface="+mn-ea"/>
+                <a:cs typeface="Arial" panose="020B0604020202020204" pitchFamily="34" charset="0"/>
+              </a:rPr>
+              <a:t> </a:t>
+            </a:r>
+            <a:r>
+              <a:rPr lang="en-GB" sz="1400" b="0" i="0" kern="1200" dirty="0" err="1">
+                <a:solidFill>
+                  <a:srgbClr val="63666A"/>
+                </a:solidFill>
+                <a:effectLst/>
+                <a:latin typeface="Arial" panose="020B0604020202020204" pitchFamily="34" charset="0"/>
+                <a:ea typeface="+mn-ea"/>
+                <a:cs typeface="Arial" panose="020B0604020202020204" pitchFamily="34" charset="0"/>
+              </a:rPr>
+              <a:t>nostrud</a:t>
+            </a:r>
+            <a:r>
+              <a:rPr lang="en-GB" sz="1400" b="0" i="0" kern="1200" dirty="0">
+                <a:solidFill>
+                  <a:srgbClr val="63666A"/>
+                </a:solidFill>
+                <a:effectLst/>
+                <a:latin typeface="Arial" panose="020B0604020202020204" pitchFamily="34" charset="0"/>
+                <a:ea typeface="+mn-ea"/>
+                <a:cs typeface="Arial" panose="020B0604020202020204" pitchFamily="34" charset="0"/>
+              </a:rPr>
+              <a:t>.</a:t>
+            </a:r>
+            <a:endParaRPr lang="en-US" sz="1400" dirty="0"/>
+          </a:p>
+        </p:txBody>
+      </p:sp>
+    </p:spTree>
+    <p:extLst>
+      <p:ext uri="{BB962C8B-B14F-4D97-AF65-F5344CB8AC3E}">
+        <p14:creationId xmlns:p14="http://schemas.microsoft.com/office/powerpoint/2010/main" val="1925975842"/>
+      </p:ext>
+    </p:extLst>
+  </p:cSld>
+  <p:clrMapOvr>
+    <a:masterClrMapping/>
+  </p:clrMapOvr>
+</p:sldLayout>
+</file>
+
+<file path=ppt/slideLayouts/slideLayout5.xml><?xml version="1.0" encoding="utf-8"?>
+<p:sldLayout xmlns:a="http://schemas.openxmlformats.org/drawingml/2006/main" xmlns:r="http://schemas.openxmlformats.org/officeDocument/2006/relationships" xmlns:p="http://schemas.openxmlformats.org/presentationml/2006/main" preserve="1">
+  <p:cSld name="Content slide text only">
+    <p:spTree>
+      <p:nvGrpSpPr>
+        <p:cNvPr id="1" name=""/>
+        <p:cNvGrpSpPr/>
+        <p:nvPr/>
+      </p:nvGrpSpPr>
+      <p:grpSpPr>
+        <a:xfrm>
+          <a:off x="0" y="0"/>
+          <a:ext cx="0" cy="0"/>
+          <a:chOff x="0" y="0"/>
+          <a:chExt cx="0" cy="0"/>
+        </a:xfrm>
+      </p:grpSpPr>
+      <p:cxnSp>
+        <p:nvCxnSpPr>
+          <p:cNvPr id="18" name="Straight Connector 17"/>
+          <p:cNvCxnSpPr/>
+          <p:nvPr/>
+        </p:nvCxnSpPr>
+        <p:spPr>
+          <a:xfrm>
+            <a:off x="406400" y="1028700"/>
+            <a:ext cx="8424000" cy="0"/>
+          </a:xfrm>
+          <a:prstGeom prst="line">
+            <a:avLst/>
+          </a:prstGeom>
+          <a:ln>
+            <a:solidFill>
+              <a:schemeClr val="tx1"/>
+            </a:solidFill>
+          </a:ln>
+        </p:spPr>
+        <p:style>
+          <a:lnRef idx="1">
+            <a:schemeClr val="accent1"/>
+          </a:lnRef>
+          <a:fillRef idx="0">
+            <a:schemeClr val="accent1"/>
+          </a:fillRef>
+          <a:effectRef idx="0">
+            <a:schemeClr val="accent1"/>
+          </a:effectRef>
+          <a:fontRef idx="minor">
+            <a:schemeClr val="tx1"/>
+          </a:fontRef>
+        </p:style>
+      </p:cxnSp>
+      <p:sp>
+        <p:nvSpPr>
+          <p:cNvPr id="21" name="Title 1"/>
+          <p:cNvSpPr>
+            <a:spLocks noGrp="1"/>
+          </p:cNvSpPr>
+          <p:nvPr>
+            <p:ph type="ctrTitle" hasCustomPrompt="1"/>
+          </p:nvPr>
+        </p:nvSpPr>
+        <p:spPr>
+          <a:xfrm>
+            <a:off x="406400" y="313615"/>
+            <a:ext cx="8462100" cy="715085"/>
+          </a:xfrm>
+          <a:prstGeom prst="rect">
+            <a:avLst/>
+          </a:prstGeom>
+        </p:spPr>
+        <p:txBody>
+          <a:bodyPr anchor="t"/>
+          <a:lstStyle>
+            <a:lvl1pPr algn="l">
+              <a:defRPr sz="2400" baseline="0">
+                <a:solidFill>
+                  <a:srgbClr val="63666A"/>
+                </a:solidFill>
+              </a:defRPr>
+            </a:lvl1pPr>
+          </a:lstStyle>
+          <a:p>
+            <a:r>
+              <a:rPr lang="en-US" dirty="0"/>
+              <a:t>Content slide heading</a:t>
+            </a:r>
+          </a:p>
+        </p:txBody>
+      </p:sp>
+      <p:sp>
+        <p:nvSpPr>
+          <p:cNvPr id="7" name="Text Placeholder 2"/>
+          <p:cNvSpPr>
+            <a:spLocks noGrp="1"/>
+          </p:cNvSpPr>
+          <p:nvPr>
+            <p:ph type="body" sz="quarter" idx="12" hasCustomPrompt="1"/>
+          </p:nvPr>
+        </p:nvSpPr>
+        <p:spPr>
+          <a:xfrm>
+            <a:off x="368300" y="1494263"/>
+            <a:ext cx="8462100" cy="4180119"/>
+          </a:xfrm>
+          <a:prstGeom prst="rect">
+            <a:avLst/>
+          </a:prstGeom>
+        </p:spPr>
+        <p:txBody>
+          <a:bodyPr/>
+          <a:lstStyle>
+            <a:lvl1pPr marL="0" marR="0" indent="0" algn="l" defTabSz="914400" rtl="0" eaLnBrk="1" fontAlgn="auto" latinLnBrk="0" hangingPunct="1">
+              <a:lnSpc>
+                <a:spcPct val="100000"/>
+              </a:lnSpc>
+              <a:spcBef>
+                <a:spcPts val="600"/>
+              </a:spcBef>
+              <a:spcAft>
+                <a:spcPts val="0"/>
+              </a:spcAft>
+              <a:buClrTx/>
+              <a:buSzTx/>
+              <a:buFont typeface="Arial" panose="020B0604020202020204" pitchFamily="34" charset="0"/>
+              <a:buNone/>
+              <a:tabLst/>
+              <a:defRPr sz="2800">
+                <a:solidFill>
+                  <a:srgbClr val="63666A"/>
+                </a:solidFill>
+                <a:latin typeface="Arial" panose="020B0604020202020204" pitchFamily="34" charset="0"/>
+                <a:cs typeface="Arial" panose="020B0604020202020204" pitchFamily="34" charset="0"/>
+              </a:defRPr>
+            </a:lvl1pPr>
+          </a:lstStyle>
+          <a:p>
+            <a:pPr marL="171450" indent="-171450">
+              <a:buFont typeface="Arial" panose="020B0604020202020204" pitchFamily="34" charset="0"/>
+              <a:buChar char="•"/>
+            </a:pPr>
+            <a:r>
+              <a:rPr lang="en-US" sz="1400" dirty="0"/>
+              <a:t>Content</a:t>
+            </a:r>
+            <a:r>
+              <a:rPr lang="en-US" sz="1400" baseline="0" dirty="0"/>
+              <a:t> text here</a:t>
+            </a:r>
+          </a:p>
+          <a:p>
+            <a:pPr marL="171450" indent="-171450">
+              <a:buFont typeface="Arial" panose="020B0604020202020204" pitchFamily="34" charset="0"/>
+              <a:buChar char="•"/>
+            </a:pPr>
+            <a:r>
+              <a:rPr lang="en-US" sz="1400" baseline="0" dirty="0"/>
+              <a:t>Second bullet here</a:t>
+            </a:r>
+          </a:p>
+          <a:p>
+            <a:pPr marL="171450" indent="-171450">
+              <a:buFont typeface="Arial" panose="020B0604020202020204" pitchFamily="34" charset="0"/>
+              <a:buChar char="•"/>
+            </a:pPr>
+            <a:r>
+              <a:rPr lang="en-US" sz="1400" baseline="0" dirty="0"/>
+              <a:t>Another bullet point here</a:t>
+            </a:r>
+          </a:p>
+          <a:p>
+            <a:pPr marL="0" indent="0">
+              <a:lnSpc>
+                <a:spcPct val="100000"/>
+              </a:lnSpc>
+              <a:spcBef>
+                <a:spcPts val="600"/>
+              </a:spcBef>
+              <a:buFont typeface="Arial" panose="020B0604020202020204" pitchFamily="34" charset="0"/>
+              <a:buNone/>
+            </a:pPr>
+            <a:r>
+              <a:rPr lang="en-US" sz="1400" baseline="0" dirty="0"/>
+              <a:t>Main Content text entered here. </a:t>
+            </a:r>
+          </a:p>
+          <a:p>
+            <a:pPr marL="0" marR="0" lvl="0" indent="0" algn="l" defTabSz="914400" rtl="0" eaLnBrk="1" fontAlgn="auto" latinLnBrk="0" hangingPunct="1">
+              <a:lnSpc>
+                <a:spcPct val="100000"/>
+              </a:lnSpc>
+              <a:spcBef>
+                <a:spcPts val="600"/>
+              </a:spcBef>
+              <a:spcAft>
+                <a:spcPts val="0"/>
+              </a:spcAft>
+              <a:buClrTx/>
+              <a:buSzTx/>
+              <a:buFont typeface="Arial" panose="020B0604020202020204" pitchFamily="34" charset="0"/>
+              <a:buNone/>
+              <a:tabLst/>
+              <a:defRPr/>
+            </a:pPr>
+            <a:r>
+              <a:rPr lang="en-GB" sz="1400" b="0" i="0" kern="1200" dirty="0">
+                <a:solidFill>
+                  <a:srgbClr val="63666A"/>
+                </a:solidFill>
+                <a:effectLst/>
+                <a:latin typeface="Arial" panose="020B0604020202020204" pitchFamily="34" charset="0"/>
+                <a:ea typeface="+mn-ea"/>
+                <a:cs typeface="Arial" panose="020B0604020202020204" pitchFamily="34" charset="0"/>
+              </a:rPr>
+              <a:t>Lorem ipsum </a:t>
+            </a:r>
+            <a:r>
+              <a:rPr lang="en-GB" sz="1400" b="0" i="0" kern="1200" dirty="0" err="1">
+                <a:solidFill>
+                  <a:srgbClr val="63666A"/>
+                </a:solidFill>
+                <a:effectLst/>
+                <a:latin typeface="Arial" panose="020B0604020202020204" pitchFamily="34" charset="0"/>
+                <a:ea typeface="+mn-ea"/>
+                <a:cs typeface="Arial" panose="020B0604020202020204" pitchFamily="34" charset="0"/>
+              </a:rPr>
+              <a:t>dolor</a:t>
+            </a:r>
+            <a:r>
+              <a:rPr lang="en-GB" sz="1400" b="0" i="0" kern="1200" dirty="0">
+                <a:solidFill>
+                  <a:srgbClr val="63666A"/>
+                </a:solidFill>
+                <a:effectLst/>
+                <a:latin typeface="Arial" panose="020B0604020202020204" pitchFamily="34" charset="0"/>
+                <a:ea typeface="+mn-ea"/>
+                <a:cs typeface="Arial" panose="020B0604020202020204" pitchFamily="34" charset="0"/>
+              </a:rPr>
+              <a:t> sit </a:t>
+            </a:r>
+            <a:r>
+              <a:rPr lang="en-GB" sz="1400" b="0" i="0" kern="1200" dirty="0" err="1">
+                <a:solidFill>
+                  <a:srgbClr val="63666A"/>
+                </a:solidFill>
+                <a:effectLst/>
+                <a:latin typeface="Arial" panose="020B0604020202020204" pitchFamily="34" charset="0"/>
+                <a:ea typeface="+mn-ea"/>
+                <a:cs typeface="Arial" panose="020B0604020202020204" pitchFamily="34" charset="0"/>
+              </a:rPr>
+              <a:t>amet</a:t>
+            </a:r>
+            <a:r>
+              <a:rPr lang="en-GB" sz="1400" b="0" i="0" kern="1200" dirty="0">
+                <a:solidFill>
+                  <a:srgbClr val="63666A"/>
+                </a:solidFill>
+                <a:effectLst/>
+                <a:latin typeface="Arial" panose="020B0604020202020204" pitchFamily="34" charset="0"/>
+                <a:ea typeface="+mn-ea"/>
+                <a:cs typeface="Arial" panose="020B0604020202020204" pitchFamily="34" charset="0"/>
+              </a:rPr>
+              <a:t>, </a:t>
+            </a:r>
+            <a:r>
+              <a:rPr lang="en-GB" sz="1400" b="0" i="0" kern="1200" dirty="0" err="1">
+                <a:solidFill>
+                  <a:srgbClr val="63666A"/>
+                </a:solidFill>
+                <a:effectLst/>
+                <a:latin typeface="Arial" panose="020B0604020202020204" pitchFamily="34" charset="0"/>
+                <a:ea typeface="+mn-ea"/>
+                <a:cs typeface="Arial" panose="020B0604020202020204" pitchFamily="34" charset="0"/>
+              </a:rPr>
+              <a:t>consectetur</a:t>
+            </a:r>
+            <a:r>
+              <a:rPr lang="en-GB" sz="1400" b="0" i="0" kern="1200" dirty="0">
+                <a:solidFill>
+                  <a:srgbClr val="63666A"/>
+                </a:solidFill>
+                <a:effectLst/>
+                <a:latin typeface="Arial" panose="020B0604020202020204" pitchFamily="34" charset="0"/>
+                <a:ea typeface="+mn-ea"/>
+                <a:cs typeface="Arial" panose="020B0604020202020204" pitchFamily="34" charset="0"/>
+              </a:rPr>
+              <a:t> </a:t>
+            </a:r>
+            <a:r>
+              <a:rPr lang="en-GB" sz="1400" b="0" i="0" kern="1200" dirty="0" err="1">
+                <a:solidFill>
+                  <a:srgbClr val="63666A"/>
+                </a:solidFill>
+                <a:effectLst/>
+                <a:latin typeface="Arial" panose="020B0604020202020204" pitchFamily="34" charset="0"/>
+                <a:ea typeface="+mn-ea"/>
+                <a:cs typeface="Arial" panose="020B0604020202020204" pitchFamily="34" charset="0"/>
+              </a:rPr>
+              <a:t>adipiscing</a:t>
+            </a:r>
+            <a:r>
+              <a:rPr lang="en-GB" sz="1400" b="0" i="0" kern="1200" dirty="0">
+                <a:solidFill>
+                  <a:srgbClr val="63666A"/>
+                </a:solidFill>
+                <a:effectLst/>
+                <a:latin typeface="Arial" panose="020B0604020202020204" pitchFamily="34" charset="0"/>
+                <a:ea typeface="+mn-ea"/>
+                <a:cs typeface="Arial" panose="020B0604020202020204" pitchFamily="34" charset="0"/>
+              </a:rPr>
+              <a:t> </a:t>
+            </a:r>
+            <a:r>
+              <a:rPr lang="en-GB" sz="1400" b="0" i="0" kern="1200" dirty="0" err="1">
+                <a:solidFill>
+                  <a:srgbClr val="63666A"/>
+                </a:solidFill>
+                <a:effectLst/>
+                <a:latin typeface="Arial" panose="020B0604020202020204" pitchFamily="34" charset="0"/>
+                <a:ea typeface="+mn-ea"/>
+                <a:cs typeface="Arial" panose="020B0604020202020204" pitchFamily="34" charset="0"/>
+              </a:rPr>
+              <a:t>elit</a:t>
+            </a:r>
+            <a:r>
+              <a:rPr lang="en-GB" sz="1400" b="0" i="0" kern="1200" dirty="0">
+                <a:solidFill>
+                  <a:srgbClr val="63666A"/>
+                </a:solidFill>
+                <a:effectLst/>
+                <a:latin typeface="Arial" panose="020B0604020202020204" pitchFamily="34" charset="0"/>
+                <a:ea typeface="+mn-ea"/>
+                <a:cs typeface="Arial" panose="020B0604020202020204" pitchFamily="34" charset="0"/>
+              </a:rPr>
+              <a:t>, </a:t>
+            </a:r>
+            <a:r>
+              <a:rPr lang="en-GB" sz="1400" b="0" i="0" kern="1200" dirty="0" err="1">
+                <a:solidFill>
+                  <a:srgbClr val="63666A"/>
+                </a:solidFill>
+                <a:effectLst/>
+                <a:latin typeface="Arial" panose="020B0604020202020204" pitchFamily="34" charset="0"/>
+                <a:ea typeface="+mn-ea"/>
+                <a:cs typeface="Arial" panose="020B0604020202020204" pitchFamily="34" charset="0"/>
+              </a:rPr>
+              <a:t>sed</a:t>
+            </a:r>
+            <a:r>
+              <a:rPr lang="en-GB" sz="1400" b="0" i="0" kern="1200" dirty="0">
+                <a:solidFill>
+                  <a:srgbClr val="63666A"/>
+                </a:solidFill>
+                <a:effectLst/>
+                <a:latin typeface="Arial" panose="020B0604020202020204" pitchFamily="34" charset="0"/>
+                <a:ea typeface="+mn-ea"/>
+                <a:cs typeface="Arial" panose="020B0604020202020204" pitchFamily="34" charset="0"/>
+              </a:rPr>
+              <a:t> do </a:t>
+            </a:r>
+            <a:r>
+              <a:rPr lang="en-GB" sz="1400" b="0" i="0" kern="1200" dirty="0" err="1">
+                <a:solidFill>
+                  <a:srgbClr val="63666A"/>
+                </a:solidFill>
+                <a:effectLst/>
+                <a:latin typeface="Arial" panose="020B0604020202020204" pitchFamily="34" charset="0"/>
+                <a:ea typeface="+mn-ea"/>
+                <a:cs typeface="Arial" panose="020B0604020202020204" pitchFamily="34" charset="0"/>
+              </a:rPr>
+              <a:t>eiusmod</a:t>
+            </a:r>
+            <a:r>
+              <a:rPr lang="en-GB" sz="1400" b="0" i="0" kern="1200" dirty="0">
+                <a:solidFill>
+                  <a:srgbClr val="63666A"/>
+                </a:solidFill>
+                <a:effectLst/>
+                <a:latin typeface="Arial" panose="020B0604020202020204" pitchFamily="34" charset="0"/>
+                <a:ea typeface="+mn-ea"/>
+                <a:cs typeface="Arial" panose="020B0604020202020204" pitchFamily="34" charset="0"/>
+              </a:rPr>
+              <a:t> </a:t>
+            </a:r>
+            <a:r>
+              <a:rPr lang="en-GB" sz="1400" b="0" i="0" kern="1200" dirty="0" err="1">
+                <a:solidFill>
+                  <a:srgbClr val="63666A"/>
+                </a:solidFill>
+                <a:effectLst/>
+                <a:latin typeface="Arial" panose="020B0604020202020204" pitchFamily="34" charset="0"/>
+                <a:ea typeface="+mn-ea"/>
+                <a:cs typeface="Arial" panose="020B0604020202020204" pitchFamily="34" charset="0"/>
+              </a:rPr>
+              <a:t>tempor</a:t>
+            </a:r>
+            <a:r>
+              <a:rPr lang="en-GB" sz="1400" b="0" i="0" kern="1200" dirty="0">
+                <a:solidFill>
+                  <a:srgbClr val="63666A"/>
+                </a:solidFill>
+                <a:effectLst/>
+                <a:latin typeface="Arial" panose="020B0604020202020204" pitchFamily="34" charset="0"/>
+                <a:ea typeface="+mn-ea"/>
+                <a:cs typeface="Arial" panose="020B0604020202020204" pitchFamily="34" charset="0"/>
+              </a:rPr>
+              <a:t> </a:t>
+            </a:r>
+            <a:r>
+              <a:rPr lang="en-GB" sz="1400" b="0" i="0" kern="1200" dirty="0" err="1">
+                <a:solidFill>
+                  <a:srgbClr val="63666A"/>
+                </a:solidFill>
+                <a:effectLst/>
+                <a:latin typeface="Arial" panose="020B0604020202020204" pitchFamily="34" charset="0"/>
+                <a:ea typeface="+mn-ea"/>
+                <a:cs typeface="Arial" panose="020B0604020202020204" pitchFamily="34" charset="0"/>
+              </a:rPr>
+              <a:t>incididunt</a:t>
+            </a:r>
+            <a:r>
+              <a:rPr lang="en-GB" sz="1400" b="0" i="0" kern="1200" dirty="0">
+                <a:solidFill>
+                  <a:srgbClr val="63666A"/>
+                </a:solidFill>
+                <a:effectLst/>
+                <a:latin typeface="Arial" panose="020B0604020202020204" pitchFamily="34" charset="0"/>
+                <a:ea typeface="+mn-ea"/>
+                <a:cs typeface="Arial" panose="020B0604020202020204" pitchFamily="34" charset="0"/>
+              </a:rPr>
+              <a:t> </a:t>
+            </a:r>
+            <a:r>
+              <a:rPr lang="en-GB" sz="1400" b="0" i="0" kern="1200" dirty="0" err="1">
+                <a:solidFill>
+                  <a:srgbClr val="63666A"/>
+                </a:solidFill>
+                <a:effectLst/>
+                <a:latin typeface="Arial" panose="020B0604020202020204" pitchFamily="34" charset="0"/>
+                <a:ea typeface="+mn-ea"/>
+                <a:cs typeface="Arial" panose="020B0604020202020204" pitchFamily="34" charset="0"/>
+              </a:rPr>
+              <a:t>ut</a:t>
+            </a:r>
+            <a:r>
+              <a:rPr lang="en-GB" sz="1400" b="0" i="0" kern="1200" dirty="0">
+                <a:solidFill>
+                  <a:srgbClr val="63666A"/>
+                </a:solidFill>
+                <a:effectLst/>
+                <a:latin typeface="Arial" panose="020B0604020202020204" pitchFamily="34" charset="0"/>
+                <a:ea typeface="+mn-ea"/>
+                <a:cs typeface="Arial" panose="020B0604020202020204" pitchFamily="34" charset="0"/>
+              </a:rPr>
+              <a:t> </a:t>
+            </a:r>
+            <a:r>
+              <a:rPr lang="en-GB" sz="1400" b="0" i="0" kern="1200" dirty="0" err="1">
+                <a:solidFill>
+                  <a:srgbClr val="63666A"/>
+                </a:solidFill>
+                <a:effectLst/>
+                <a:latin typeface="Arial" panose="020B0604020202020204" pitchFamily="34" charset="0"/>
+                <a:ea typeface="+mn-ea"/>
+                <a:cs typeface="Arial" panose="020B0604020202020204" pitchFamily="34" charset="0"/>
+              </a:rPr>
+              <a:t>labore</a:t>
+            </a:r>
+            <a:r>
+              <a:rPr lang="en-GB" sz="1400" b="0" i="0" kern="1200" dirty="0">
+                <a:solidFill>
+                  <a:srgbClr val="63666A"/>
+                </a:solidFill>
+                <a:effectLst/>
+                <a:latin typeface="Arial" panose="020B0604020202020204" pitchFamily="34" charset="0"/>
+                <a:ea typeface="+mn-ea"/>
+                <a:cs typeface="Arial" panose="020B0604020202020204" pitchFamily="34" charset="0"/>
+              </a:rPr>
+              <a:t> et </a:t>
+            </a:r>
+            <a:r>
+              <a:rPr lang="en-GB" sz="1400" b="0" i="0" kern="1200" dirty="0" err="1">
+                <a:solidFill>
+                  <a:srgbClr val="63666A"/>
+                </a:solidFill>
+                <a:effectLst/>
+                <a:latin typeface="Arial" panose="020B0604020202020204" pitchFamily="34" charset="0"/>
+                <a:ea typeface="+mn-ea"/>
+                <a:cs typeface="Arial" panose="020B0604020202020204" pitchFamily="34" charset="0"/>
+              </a:rPr>
+              <a:t>dolore</a:t>
+            </a:r>
+            <a:r>
+              <a:rPr lang="en-GB" sz="1400" b="0" i="0" kern="1200" dirty="0">
+                <a:solidFill>
+                  <a:srgbClr val="63666A"/>
+                </a:solidFill>
+                <a:effectLst/>
+                <a:latin typeface="Arial" panose="020B0604020202020204" pitchFamily="34" charset="0"/>
+                <a:ea typeface="+mn-ea"/>
+                <a:cs typeface="Arial" panose="020B0604020202020204" pitchFamily="34" charset="0"/>
+              </a:rPr>
+              <a:t> magna </a:t>
+            </a:r>
+            <a:r>
+              <a:rPr lang="en-GB" sz="1400" b="0" i="0" kern="1200" dirty="0" err="1">
+                <a:solidFill>
+                  <a:srgbClr val="63666A"/>
+                </a:solidFill>
+                <a:effectLst/>
+                <a:latin typeface="Arial" panose="020B0604020202020204" pitchFamily="34" charset="0"/>
+                <a:ea typeface="+mn-ea"/>
+                <a:cs typeface="Arial" panose="020B0604020202020204" pitchFamily="34" charset="0"/>
+              </a:rPr>
+              <a:t>aliqua</a:t>
+            </a:r>
+            <a:r>
+              <a:rPr lang="en-GB" sz="1400" b="0" i="0" kern="1200" dirty="0">
+                <a:solidFill>
+                  <a:srgbClr val="63666A"/>
+                </a:solidFill>
+                <a:effectLst/>
+                <a:latin typeface="Arial" panose="020B0604020202020204" pitchFamily="34" charset="0"/>
+                <a:ea typeface="+mn-ea"/>
+                <a:cs typeface="Arial" panose="020B0604020202020204" pitchFamily="34" charset="0"/>
+              </a:rPr>
+              <a:t>. </a:t>
+            </a:r>
+            <a:r>
+              <a:rPr lang="en-GB" sz="1400" b="0" i="0" kern="1200" dirty="0" err="1">
+                <a:solidFill>
+                  <a:srgbClr val="63666A"/>
+                </a:solidFill>
+                <a:effectLst/>
+                <a:latin typeface="Arial" panose="020B0604020202020204" pitchFamily="34" charset="0"/>
+                <a:ea typeface="+mn-ea"/>
+                <a:cs typeface="Arial" panose="020B0604020202020204" pitchFamily="34" charset="0"/>
+              </a:rPr>
+              <a:t>Ut</a:t>
+            </a:r>
+            <a:r>
+              <a:rPr lang="en-GB" sz="1400" b="0" i="0" kern="1200" dirty="0">
+                <a:solidFill>
+                  <a:srgbClr val="63666A"/>
+                </a:solidFill>
+                <a:effectLst/>
+                <a:latin typeface="Arial" panose="020B0604020202020204" pitchFamily="34" charset="0"/>
+                <a:ea typeface="+mn-ea"/>
+                <a:cs typeface="Arial" panose="020B0604020202020204" pitchFamily="34" charset="0"/>
+              </a:rPr>
+              <a:t> </a:t>
+            </a:r>
+            <a:r>
+              <a:rPr lang="en-GB" sz="1400" b="0" i="0" kern="1200" dirty="0" err="1">
+                <a:solidFill>
+                  <a:srgbClr val="63666A"/>
+                </a:solidFill>
+                <a:effectLst/>
+                <a:latin typeface="Arial" panose="020B0604020202020204" pitchFamily="34" charset="0"/>
+                <a:ea typeface="+mn-ea"/>
+                <a:cs typeface="Arial" panose="020B0604020202020204" pitchFamily="34" charset="0"/>
+              </a:rPr>
+              <a:t>enim</a:t>
+            </a:r>
+            <a:r>
+              <a:rPr lang="en-GB" sz="1400" b="0" i="0" kern="1200" dirty="0">
+                <a:solidFill>
+                  <a:srgbClr val="63666A"/>
+                </a:solidFill>
+                <a:effectLst/>
+                <a:latin typeface="Arial" panose="020B0604020202020204" pitchFamily="34" charset="0"/>
+                <a:ea typeface="+mn-ea"/>
+                <a:cs typeface="Arial" panose="020B0604020202020204" pitchFamily="34" charset="0"/>
+              </a:rPr>
+              <a:t> ad minim </a:t>
+            </a:r>
+            <a:r>
+              <a:rPr lang="en-GB" sz="1400" b="0" i="0" kern="1200" dirty="0" err="1">
+                <a:solidFill>
+                  <a:srgbClr val="63666A"/>
+                </a:solidFill>
+                <a:effectLst/>
+                <a:latin typeface="Arial" panose="020B0604020202020204" pitchFamily="34" charset="0"/>
+                <a:ea typeface="+mn-ea"/>
+                <a:cs typeface="Arial" panose="020B0604020202020204" pitchFamily="34" charset="0"/>
+              </a:rPr>
+              <a:t>veniam</a:t>
+            </a:r>
+            <a:r>
+              <a:rPr lang="en-GB" sz="1400" b="0" i="0" kern="1200" dirty="0">
+                <a:solidFill>
+                  <a:srgbClr val="63666A"/>
+                </a:solidFill>
+                <a:effectLst/>
+                <a:latin typeface="Arial" panose="020B0604020202020204" pitchFamily="34" charset="0"/>
+                <a:ea typeface="+mn-ea"/>
+                <a:cs typeface="Arial" panose="020B0604020202020204" pitchFamily="34" charset="0"/>
+              </a:rPr>
+              <a:t>, </a:t>
+            </a:r>
+            <a:r>
+              <a:rPr lang="en-GB" sz="1400" b="0" i="0" kern="1200" dirty="0" err="1">
+                <a:solidFill>
+                  <a:srgbClr val="63666A"/>
+                </a:solidFill>
+                <a:effectLst/>
+                <a:latin typeface="Arial" panose="020B0604020202020204" pitchFamily="34" charset="0"/>
+                <a:ea typeface="+mn-ea"/>
+                <a:cs typeface="Arial" panose="020B0604020202020204" pitchFamily="34" charset="0"/>
+              </a:rPr>
+              <a:t>quis</a:t>
+            </a:r>
+            <a:r>
+              <a:rPr lang="en-GB" sz="1400" b="0" i="0" kern="1200" dirty="0">
+                <a:solidFill>
+                  <a:srgbClr val="63666A"/>
+                </a:solidFill>
+                <a:effectLst/>
+                <a:latin typeface="Arial" panose="020B0604020202020204" pitchFamily="34" charset="0"/>
+                <a:ea typeface="+mn-ea"/>
+                <a:cs typeface="Arial" panose="020B0604020202020204" pitchFamily="34" charset="0"/>
+              </a:rPr>
+              <a:t> </a:t>
+            </a:r>
+            <a:r>
+              <a:rPr lang="en-GB" sz="1400" b="0" i="0" kern="1200" dirty="0" err="1">
+                <a:solidFill>
+                  <a:srgbClr val="63666A"/>
+                </a:solidFill>
+                <a:effectLst/>
+                <a:latin typeface="Arial" panose="020B0604020202020204" pitchFamily="34" charset="0"/>
+                <a:ea typeface="+mn-ea"/>
+                <a:cs typeface="Arial" panose="020B0604020202020204" pitchFamily="34" charset="0"/>
+              </a:rPr>
+              <a:t>nostrud</a:t>
+            </a:r>
+            <a:r>
+              <a:rPr lang="en-GB" sz="1400" b="0" i="0" kern="1200" dirty="0">
+                <a:solidFill>
+                  <a:srgbClr val="63666A"/>
+                </a:solidFill>
+                <a:effectLst/>
+                <a:latin typeface="Arial" panose="020B0604020202020204" pitchFamily="34" charset="0"/>
+                <a:ea typeface="+mn-ea"/>
+                <a:cs typeface="Arial" panose="020B0604020202020204" pitchFamily="34" charset="0"/>
+              </a:rPr>
+              <a:t> exercitation </a:t>
+            </a:r>
+            <a:r>
+              <a:rPr lang="en-GB" sz="1400" b="0" i="0" kern="1200" dirty="0" err="1">
+                <a:solidFill>
+                  <a:srgbClr val="63666A"/>
+                </a:solidFill>
+                <a:effectLst/>
+                <a:latin typeface="Arial" panose="020B0604020202020204" pitchFamily="34" charset="0"/>
+                <a:ea typeface="+mn-ea"/>
+                <a:cs typeface="Arial" panose="020B0604020202020204" pitchFamily="34" charset="0"/>
+              </a:rPr>
+              <a:t>ullamco</a:t>
+            </a:r>
+            <a:r>
+              <a:rPr lang="en-GB" sz="1400" b="0" i="0" kern="1200" dirty="0">
+                <a:solidFill>
+                  <a:srgbClr val="63666A"/>
+                </a:solidFill>
+                <a:effectLst/>
+                <a:latin typeface="Arial" panose="020B0604020202020204" pitchFamily="34" charset="0"/>
+                <a:ea typeface="+mn-ea"/>
+                <a:cs typeface="Arial" panose="020B0604020202020204" pitchFamily="34" charset="0"/>
+              </a:rPr>
+              <a:t>. Lorem ipsum </a:t>
+            </a:r>
+            <a:r>
+              <a:rPr lang="en-GB" sz="1400" b="0" i="0" kern="1200" dirty="0" err="1">
+                <a:solidFill>
+                  <a:srgbClr val="63666A"/>
+                </a:solidFill>
+                <a:effectLst/>
+                <a:latin typeface="Arial" panose="020B0604020202020204" pitchFamily="34" charset="0"/>
+                <a:ea typeface="+mn-ea"/>
+                <a:cs typeface="Arial" panose="020B0604020202020204" pitchFamily="34" charset="0"/>
+              </a:rPr>
+              <a:t>dolor</a:t>
+            </a:r>
+            <a:r>
+              <a:rPr lang="en-GB" sz="1400" b="0" i="0" kern="1200" dirty="0">
+                <a:solidFill>
+                  <a:srgbClr val="63666A"/>
+                </a:solidFill>
+                <a:effectLst/>
+                <a:latin typeface="Arial" panose="020B0604020202020204" pitchFamily="34" charset="0"/>
+                <a:ea typeface="+mn-ea"/>
+                <a:cs typeface="Arial" panose="020B0604020202020204" pitchFamily="34" charset="0"/>
+              </a:rPr>
+              <a:t> sit </a:t>
+            </a:r>
+            <a:r>
+              <a:rPr lang="en-GB" sz="1400" b="0" i="0" kern="1200" dirty="0" err="1">
+                <a:solidFill>
+                  <a:srgbClr val="63666A"/>
+                </a:solidFill>
+                <a:effectLst/>
+                <a:latin typeface="Arial" panose="020B0604020202020204" pitchFamily="34" charset="0"/>
+                <a:ea typeface="+mn-ea"/>
+                <a:cs typeface="Arial" panose="020B0604020202020204" pitchFamily="34" charset="0"/>
+              </a:rPr>
+              <a:t>amet</a:t>
+            </a:r>
+            <a:r>
+              <a:rPr lang="en-GB" sz="1400" b="0" i="0" kern="1200" dirty="0">
+                <a:solidFill>
+                  <a:srgbClr val="63666A"/>
+                </a:solidFill>
+                <a:effectLst/>
+                <a:latin typeface="Arial" panose="020B0604020202020204" pitchFamily="34" charset="0"/>
+                <a:ea typeface="+mn-ea"/>
+                <a:cs typeface="Arial" panose="020B0604020202020204" pitchFamily="34" charset="0"/>
+              </a:rPr>
+              <a:t>, </a:t>
+            </a:r>
+            <a:r>
+              <a:rPr lang="en-GB" sz="1400" b="0" i="0" kern="1200" dirty="0" err="1">
+                <a:solidFill>
+                  <a:srgbClr val="63666A"/>
+                </a:solidFill>
+                <a:effectLst/>
+                <a:latin typeface="Arial" panose="020B0604020202020204" pitchFamily="34" charset="0"/>
+                <a:ea typeface="+mn-ea"/>
+                <a:cs typeface="Arial" panose="020B0604020202020204" pitchFamily="34" charset="0"/>
+              </a:rPr>
+              <a:t>consectetur</a:t>
+            </a:r>
+            <a:r>
+              <a:rPr lang="en-GB" sz="1400" b="0" i="0" kern="1200" dirty="0">
+                <a:solidFill>
+                  <a:srgbClr val="63666A"/>
+                </a:solidFill>
+                <a:effectLst/>
+                <a:latin typeface="Arial" panose="020B0604020202020204" pitchFamily="34" charset="0"/>
+                <a:ea typeface="+mn-ea"/>
+                <a:cs typeface="Arial" panose="020B0604020202020204" pitchFamily="34" charset="0"/>
+              </a:rPr>
+              <a:t> </a:t>
+            </a:r>
+            <a:r>
+              <a:rPr lang="en-GB" sz="1400" b="0" i="0" kern="1200" dirty="0" err="1">
+                <a:solidFill>
+                  <a:srgbClr val="63666A"/>
+                </a:solidFill>
+                <a:effectLst/>
+                <a:latin typeface="Arial" panose="020B0604020202020204" pitchFamily="34" charset="0"/>
+                <a:ea typeface="+mn-ea"/>
+                <a:cs typeface="Arial" panose="020B0604020202020204" pitchFamily="34" charset="0"/>
+              </a:rPr>
+              <a:t>adipiscing</a:t>
+            </a:r>
+            <a:r>
+              <a:rPr lang="en-GB" sz="1400" b="0" i="0" kern="1200" dirty="0">
+                <a:solidFill>
+                  <a:srgbClr val="63666A"/>
+                </a:solidFill>
+                <a:effectLst/>
+                <a:latin typeface="Arial" panose="020B0604020202020204" pitchFamily="34" charset="0"/>
+                <a:ea typeface="+mn-ea"/>
+                <a:cs typeface="Arial" panose="020B0604020202020204" pitchFamily="34" charset="0"/>
+              </a:rPr>
+              <a:t> </a:t>
+            </a:r>
+            <a:r>
+              <a:rPr lang="en-GB" sz="1400" b="0" i="0" kern="1200" dirty="0" err="1">
+                <a:solidFill>
+                  <a:srgbClr val="63666A"/>
+                </a:solidFill>
+                <a:effectLst/>
+                <a:latin typeface="Arial" panose="020B0604020202020204" pitchFamily="34" charset="0"/>
+                <a:ea typeface="+mn-ea"/>
+                <a:cs typeface="Arial" panose="020B0604020202020204" pitchFamily="34" charset="0"/>
+              </a:rPr>
+              <a:t>elit</a:t>
+            </a:r>
+            <a:r>
+              <a:rPr lang="en-GB" sz="1400" b="0" i="0" kern="1200" dirty="0">
+                <a:solidFill>
+                  <a:srgbClr val="63666A"/>
+                </a:solidFill>
+                <a:effectLst/>
+                <a:latin typeface="Arial" panose="020B0604020202020204" pitchFamily="34" charset="0"/>
+                <a:ea typeface="+mn-ea"/>
+                <a:cs typeface="Arial" panose="020B0604020202020204" pitchFamily="34" charset="0"/>
+              </a:rPr>
+              <a:t>, </a:t>
+            </a:r>
+            <a:r>
+              <a:rPr lang="en-GB" sz="1400" b="0" i="0" kern="1200" dirty="0" err="1">
+                <a:solidFill>
+                  <a:srgbClr val="63666A"/>
+                </a:solidFill>
+                <a:effectLst/>
+                <a:latin typeface="Arial" panose="020B0604020202020204" pitchFamily="34" charset="0"/>
+                <a:ea typeface="+mn-ea"/>
+                <a:cs typeface="Arial" panose="020B0604020202020204" pitchFamily="34" charset="0"/>
+              </a:rPr>
+              <a:t>sed</a:t>
+            </a:r>
+            <a:r>
+              <a:rPr lang="en-GB" sz="1400" b="0" i="0" kern="1200" dirty="0">
+                <a:solidFill>
+                  <a:srgbClr val="63666A"/>
+                </a:solidFill>
+                <a:effectLst/>
+                <a:latin typeface="Arial" panose="020B0604020202020204" pitchFamily="34" charset="0"/>
+                <a:ea typeface="+mn-ea"/>
+                <a:cs typeface="Arial" panose="020B0604020202020204" pitchFamily="34" charset="0"/>
+              </a:rPr>
+              <a:t> do </a:t>
+            </a:r>
+            <a:r>
+              <a:rPr lang="en-GB" sz="1400" b="0" i="0" kern="1200" dirty="0" err="1">
+                <a:solidFill>
+                  <a:srgbClr val="63666A"/>
+                </a:solidFill>
+                <a:effectLst/>
+                <a:latin typeface="Arial" panose="020B0604020202020204" pitchFamily="34" charset="0"/>
+                <a:ea typeface="+mn-ea"/>
+                <a:cs typeface="Arial" panose="020B0604020202020204" pitchFamily="34" charset="0"/>
+              </a:rPr>
+              <a:t>eiusmod</a:t>
+            </a:r>
+            <a:r>
+              <a:rPr lang="en-GB" sz="1400" b="0" i="0" kern="1200" dirty="0">
+                <a:solidFill>
+                  <a:srgbClr val="63666A"/>
+                </a:solidFill>
+                <a:effectLst/>
+                <a:latin typeface="Arial" panose="020B0604020202020204" pitchFamily="34" charset="0"/>
+                <a:ea typeface="+mn-ea"/>
+                <a:cs typeface="Arial" panose="020B0604020202020204" pitchFamily="34" charset="0"/>
+              </a:rPr>
+              <a:t> </a:t>
+            </a:r>
+            <a:r>
+              <a:rPr lang="en-GB" sz="1400" b="0" i="0" kern="1200" dirty="0" err="1">
+                <a:solidFill>
+                  <a:srgbClr val="63666A"/>
+                </a:solidFill>
+                <a:effectLst/>
+                <a:latin typeface="Arial" panose="020B0604020202020204" pitchFamily="34" charset="0"/>
+                <a:ea typeface="+mn-ea"/>
+                <a:cs typeface="Arial" panose="020B0604020202020204" pitchFamily="34" charset="0"/>
+              </a:rPr>
+              <a:t>tempor</a:t>
+            </a:r>
+            <a:r>
+              <a:rPr lang="en-GB" sz="1400" b="0" i="0" kern="1200" dirty="0">
+                <a:solidFill>
+                  <a:srgbClr val="63666A"/>
+                </a:solidFill>
+                <a:effectLst/>
+                <a:latin typeface="Arial" panose="020B0604020202020204" pitchFamily="34" charset="0"/>
+                <a:ea typeface="+mn-ea"/>
+                <a:cs typeface="Arial" panose="020B0604020202020204" pitchFamily="34" charset="0"/>
+              </a:rPr>
+              <a:t> </a:t>
+            </a:r>
+            <a:r>
+              <a:rPr lang="en-GB" sz="1400" b="0" i="0" kern="1200" dirty="0" err="1">
+                <a:solidFill>
+                  <a:srgbClr val="63666A"/>
+                </a:solidFill>
+                <a:effectLst/>
+                <a:latin typeface="Arial" panose="020B0604020202020204" pitchFamily="34" charset="0"/>
+                <a:ea typeface="+mn-ea"/>
+                <a:cs typeface="Arial" panose="020B0604020202020204" pitchFamily="34" charset="0"/>
+              </a:rPr>
+              <a:t>incididunt</a:t>
+            </a:r>
+            <a:r>
+              <a:rPr lang="en-GB" sz="1400" b="0" i="0" kern="1200" dirty="0">
+                <a:solidFill>
+                  <a:srgbClr val="63666A"/>
+                </a:solidFill>
+                <a:effectLst/>
+                <a:latin typeface="Arial" panose="020B0604020202020204" pitchFamily="34" charset="0"/>
+                <a:ea typeface="+mn-ea"/>
+                <a:cs typeface="Arial" panose="020B0604020202020204" pitchFamily="34" charset="0"/>
+              </a:rPr>
+              <a:t> </a:t>
+            </a:r>
+            <a:r>
+              <a:rPr lang="en-GB" sz="1400" b="0" i="0" kern="1200" dirty="0" err="1">
+                <a:solidFill>
+                  <a:srgbClr val="63666A"/>
+                </a:solidFill>
+                <a:effectLst/>
+                <a:latin typeface="Arial" panose="020B0604020202020204" pitchFamily="34" charset="0"/>
+                <a:ea typeface="+mn-ea"/>
+                <a:cs typeface="Arial" panose="020B0604020202020204" pitchFamily="34" charset="0"/>
+              </a:rPr>
+              <a:t>ut</a:t>
+            </a:r>
+            <a:r>
+              <a:rPr lang="en-GB" sz="1400" b="0" i="0" kern="1200" dirty="0">
+                <a:solidFill>
+                  <a:srgbClr val="63666A"/>
+                </a:solidFill>
+                <a:effectLst/>
+                <a:latin typeface="Arial" panose="020B0604020202020204" pitchFamily="34" charset="0"/>
+                <a:ea typeface="+mn-ea"/>
+                <a:cs typeface="Arial" panose="020B0604020202020204" pitchFamily="34" charset="0"/>
+              </a:rPr>
+              <a:t> </a:t>
+            </a:r>
+            <a:r>
+              <a:rPr lang="en-GB" sz="1400" b="0" i="0" kern="1200" dirty="0" err="1">
+                <a:solidFill>
+                  <a:srgbClr val="63666A"/>
+                </a:solidFill>
+                <a:effectLst/>
+                <a:latin typeface="Arial" panose="020B0604020202020204" pitchFamily="34" charset="0"/>
+                <a:ea typeface="+mn-ea"/>
+                <a:cs typeface="Arial" panose="020B0604020202020204" pitchFamily="34" charset="0"/>
+              </a:rPr>
+              <a:t>labore</a:t>
+            </a:r>
+            <a:r>
+              <a:rPr lang="en-GB" sz="1400" b="0" i="0" kern="1200" dirty="0">
+                <a:solidFill>
+                  <a:srgbClr val="63666A"/>
+                </a:solidFill>
+                <a:effectLst/>
+                <a:latin typeface="Arial" panose="020B0604020202020204" pitchFamily="34" charset="0"/>
+                <a:ea typeface="+mn-ea"/>
+                <a:cs typeface="Arial" panose="020B0604020202020204" pitchFamily="34" charset="0"/>
+              </a:rPr>
+              <a:t> et </a:t>
+            </a:r>
+            <a:r>
+              <a:rPr lang="en-GB" sz="1400" b="0" i="0" kern="1200" dirty="0" err="1">
+                <a:solidFill>
+                  <a:srgbClr val="63666A"/>
+                </a:solidFill>
+                <a:effectLst/>
+                <a:latin typeface="Arial" panose="020B0604020202020204" pitchFamily="34" charset="0"/>
+                <a:ea typeface="+mn-ea"/>
+                <a:cs typeface="Arial" panose="020B0604020202020204" pitchFamily="34" charset="0"/>
+              </a:rPr>
+              <a:t>dolore</a:t>
+            </a:r>
+            <a:r>
+              <a:rPr lang="en-GB" sz="1400" b="0" i="0" kern="1200" dirty="0">
+                <a:solidFill>
+                  <a:srgbClr val="63666A"/>
+                </a:solidFill>
+                <a:effectLst/>
+                <a:latin typeface="Arial" panose="020B0604020202020204" pitchFamily="34" charset="0"/>
+                <a:ea typeface="+mn-ea"/>
+                <a:cs typeface="Arial" panose="020B0604020202020204" pitchFamily="34" charset="0"/>
+              </a:rPr>
+              <a:t> magna </a:t>
+            </a:r>
+            <a:r>
+              <a:rPr lang="en-GB" sz="1400" b="0" i="0" kern="1200" dirty="0" err="1">
+                <a:solidFill>
+                  <a:srgbClr val="63666A"/>
+                </a:solidFill>
+                <a:effectLst/>
+                <a:latin typeface="Arial" panose="020B0604020202020204" pitchFamily="34" charset="0"/>
+                <a:ea typeface="+mn-ea"/>
+                <a:cs typeface="Arial" panose="020B0604020202020204" pitchFamily="34" charset="0"/>
+              </a:rPr>
+              <a:t>aliqua</a:t>
+            </a:r>
+            <a:r>
+              <a:rPr lang="en-GB" sz="1400" b="0" i="0" kern="1200" dirty="0">
+                <a:solidFill>
+                  <a:srgbClr val="63666A"/>
+                </a:solidFill>
+                <a:effectLst/>
+                <a:latin typeface="Arial" panose="020B0604020202020204" pitchFamily="34" charset="0"/>
+                <a:ea typeface="+mn-ea"/>
+                <a:cs typeface="Arial" panose="020B0604020202020204" pitchFamily="34" charset="0"/>
+              </a:rPr>
+              <a:t>. </a:t>
+            </a:r>
+            <a:r>
+              <a:rPr lang="en-GB" sz="1400" b="0" i="0" kern="1200" dirty="0" err="1">
+                <a:solidFill>
+                  <a:srgbClr val="63666A"/>
+                </a:solidFill>
+                <a:effectLst/>
+                <a:latin typeface="Arial" panose="020B0604020202020204" pitchFamily="34" charset="0"/>
+                <a:ea typeface="+mn-ea"/>
+                <a:cs typeface="Arial" panose="020B0604020202020204" pitchFamily="34" charset="0"/>
+              </a:rPr>
+              <a:t>Ut</a:t>
+            </a:r>
+            <a:r>
+              <a:rPr lang="en-GB" sz="1400" b="0" i="0" kern="1200" dirty="0">
+                <a:solidFill>
+                  <a:srgbClr val="63666A"/>
+                </a:solidFill>
+                <a:effectLst/>
+                <a:latin typeface="Arial" panose="020B0604020202020204" pitchFamily="34" charset="0"/>
+                <a:ea typeface="+mn-ea"/>
+                <a:cs typeface="Arial" panose="020B0604020202020204" pitchFamily="34" charset="0"/>
+              </a:rPr>
+              <a:t> </a:t>
+            </a:r>
+            <a:r>
+              <a:rPr lang="en-GB" sz="1400" b="0" i="0" kern="1200" dirty="0" err="1">
+                <a:solidFill>
+                  <a:srgbClr val="63666A"/>
+                </a:solidFill>
+                <a:effectLst/>
+                <a:latin typeface="Arial" panose="020B0604020202020204" pitchFamily="34" charset="0"/>
+                <a:ea typeface="+mn-ea"/>
+                <a:cs typeface="Arial" panose="020B0604020202020204" pitchFamily="34" charset="0"/>
+              </a:rPr>
+              <a:t>enim</a:t>
+            </a:r>
+            <a:r>
+              <a:rPr lang="en-GB" sz="1400" b="0" i="0" kern="1200" dirty="0">
+                <a:solidFill>
+                  <a:srgbClr val="63666A"/>
+                </a:solidFill>
+                <a:effectLst/>
+                <a:latin typeface="Arial" panose="020B0604020202020204" pitchFamily="34" charset="0"/>
+                <a:ea typeface="+mn-ea"/>
+                <a:cs typeface="Arial" panose="020B0604020202020204" pitchFamily="34" charset="0"/>
+              </a:rPr>
+              <a:t> ad minim </a:t>
+            </a:r>
+            <a:r>
+              <a:rPr lang="en-GB" sz="1400" b="0" i="0" kern="1200" dirty="0" err="1">
+                <a:solidFill>
+                  <a:srgbClr val="63666A"/>
+                </a:solidFill>
+                <a:effectLst/>
+                <a:latin typeface="Arial" panose="020B0604020202020204" pitchFamily="34" charset="0"/>
+                <a:ea typeface="+mn-ea"/>
+                <a:cs typeface="Arial" panose="020B0604020202020204" pitchFamily="34" charset="0"/>
+              </a:rPr>
+              <a:t>veniam</a:t>
+            </a:r>
+            <a:r>
+              <a:rPr lang="en-GB" sz="1400" b="0" i="0" kern="1200" dirty="0">
+                <a:solidFill>
+                  <a:srgbClr val="63666A"/>
+                </a:solidFill>
+                <a:effectLst/>
+                <a:latin typeface="Arial" panose="020B0604020202020204" pitchFamily="34" charset="0"/>
+                <a:ea typeface="+mn-ea"/>
+                <a:cs typeface="Arial" panose="020B0604020202020204" pitchFamily="34" charset="0"/>
+              </a:rPr>
+              <a:t>, </a:t>
+            </a:r>
+            <a:r>
+              <a:rPr lang="en-GB" sz="1400" b="0" i="0" kern="1200" dirty="0" err="1">
+                <a:solidFill>
+                  <a:srgbClr val="63666A"/>
+                </a:solidFill>
+                <a:effectLst/>
+                <a:latin typeface="Arial" panose="020B0604020202020204" pitchFamily="34" charset="0"/>
+                <a:ea typeface="+mn-ea"/>
+                <a:cs typeface="Arial" panose="020B0604020202020204" pitchFamily="34" charset="0"/>
+              </a:rPr>
+              <a:t>quis</a:t>
+            </a:r>
+            <a:r>
+              <a:rPr lang="en-GB" sz="1400" b="0" i="0" kern="1200" dirty="0">
+                <a:solidFill>
+                  <a:srgbClr val="63666A"/>
+                </a:solidFill>
+                <a:effectLst/>
+                <a:latin typeface="Arial" panose="020B0604020202020204" pitchFamily="34" charset="0"/>
+                <a:ea typeface="+mn-ea"/>
+                <a:cs typeface="Arial" panose="020B0604020202020204" pitchFamily="34" charset="0"/>
+              </a:rPr>
+              <a:t> </a:t>
+            </a:r>
+            <a:r>
+              <a:rPr lang="en-GB" sz="1400" b="0" i="0" kern="1200" dirty="0" err="1">
+                <a:solidFill>
+                  <a:srgbClr val="63666A"/>
+                </a:solidFill>
+                <a:effectLst/>
+                <a:latin typeface="Arial" panose="020B0604020202020204" pitchFamily="34" charset="0"/>
+                <a:ea typeface="+mn-ea"/>
+                <a:cs typeface="Arial" panose="020B0604020202020204" pitchFamily="34" charset="0"/>
+              </a:rPr>
+              <a:t>nostrud</a:t>
+            </a:r>
+            <a:r>
+              <a:rPr lang="en-GB" sz="1400" b="0" i="0" kern="1200" dirty="0">
+                <a:solidFill>
+                  <a:srgbClr val="63666A"/>
+                </a:solidFill>
+                <a:effectLst/>
+                <a:latin typeface="Arial" panose="020B0604020202020204" pitchFamily="34" charset="0"/>
+                <a:ea typeface="+mn-ea"/>
+                <a:cs typeface="Arial" panose="020B0604020202020204" pitchFamily="34" charset="0"/>
+              </a:rPr>
+              <a:t> exercitation </a:t>
+            </a:r>
+            <a:r>
+              <a:rPr lang="en-GB" sz="1400" b="0" i="0" kern="1200" dirty="0" err="1">
+                <a:solidFill>
+                  <a:srgbClr val="63666A"/>
+                </a:solidFill>
+                <a:effectLst/>
+                <a:latin typeface="Arial" panose="020B0604020202020204" pitchFamily="34" charset="0"/>
+                <a:ea typeface="+mn-ea"/>
+                <a:cs typeface="Arial" panose="020B0604020202020204" pitchFamily="34" charset="0"/>
+              </a:rPr>
+              <a:t>ullamco</a:t>
+            </a:r>
+            <a:r>
+              <a:rPr lang="en-GB" sz="1400" b="0" i="0" kern="1200" dirty="0">
+                <a:solidFill>
+                  <a:srgbClr val="63666A"/>
+                </a:solidFill>
+                <a:effectLst/>
+                <a:latin typeface="Arial" panose="020B0604020202020204" pitchFamily="34" charset="0"/>
+                <a:ea typeface="+mn-ea"/>
+                <a:cs typeface="Arial" panose="020B0604020202020204" pitchFamily="34" charset="0"/>
+              </a:rPr>
+              <a:t>.</a:t>
+            </a:r>
+            <a:endParaRPr lang="en-US" sz="1400" dirty="0"/>
+          </a:p>
+          <a:p>
+            <a:pPr marL="0" marR="0" lvl="0" indent="0" algn="l" defTabSz="914400" rtl="0" eaLnBrk="1" fontAlgn="auto" latinLnBrk="0" hangingPunct="1">
+              <a:lnSpc>
+                <a:spcPct val="100000"/>
+              </a:lnSpc>
+              <a:spcBef>
+                <a:spcPts val="600"/>
+              </a:spcBef>
+              <a:spcAft>
+                <a:spcPts val="0"/>
+              </a:spcAft>
+              <a:buClrTx/>
+              <a:buSzTx/>
+              <a:buFont typeface="Arial" panose="020B0604020202020204" pitchFamily="34" charset="0"/>
+              <a:buNone/>
+              <a:tabLst/>
+              <a:defRPr/>
+            </a:pPr>
+            <a:r>
+              <a:rPr lang="en-GB" sz="1400" b="0" i="0" kern="1200" dirty="0">
+                <a:solidFill>
+                  <a:srgbClr val="63666A"/>
+                </a:solidFill>
+                <a:effectLst/>
+                <a:latin typeface="Arial" panose="020B0604020202020204" pitchFamily="34" charset="0"/>
+                <a:ea typeface="+mn-ea"/>
+                <a:cs typeface="Arial" panose="020B0604020202020204" pitchFamily="34" charset="0"/>
+              </a:rPr>
+              <a:t>Lorem ipsum </a:t>
+            </a:r>
+            <a:r>
+              <a:rPr lang="en-GB" sz="1400" b="0" i="0" kern="1200" dirty="0" err="1">
+                <a:solidFill>
+                  <a:srgbClr val="63666A"/>
+                </a:solidFill>
+                <a:effectLst/>
+                <a:latin typeface="Arial" panose="020B0604020202020204" pitchFamily="34" charset="0"/>
+                <a:ea typeface="+mn-ea"/>
+                <a:cs typeface="Arial" panose="020B0604020202020204" pitchFamily="34" charset="0"/>
+              </a:rPr>
+              <a:t>dolor</a:t>
+            </a:r>
+            <a:r>
+              <a:rPr lang="en-GB" sz="1400" b="0" i="0" kern="1200" dirty="0">
+                <a:solidFill>
+                  <a:srgbClr val="63666A"/>
+                </a:solidFill>
+                <a:effectLst/>
+                <a:latin typeface="Arial" panose="020B0604020202020204" pitchFamily="34" charset="0"/>
+                <a:ea typeface="+mn-ea"/>
+                <a:cs typeface="Arial" panose="020B0604020202020204" pitchFamily="34" charset="0"/>
+              </a:rPr>
+              <a:t> sit </a:t>
+            </a:r>
+            <a:r>
+              <a:rPr lang="en-GB" sz="1400" b="0" i="0" kern="1200" dirty="0" err="1">
+                <a:solidFill>
+                  <a:srgbClr val="63666A"/>
+                </a:solidFill>
+                <a:effectLst/>
+                <a:latin typeface="Arial" panose="020B0604020202020204" pitchFamily="34" charset="0"/>
+                <a:ea typeface="+mn-ea"/>
+                <a:cs typeface="Arial" panose="020B0604020202020204" pitchFamily="34" charset="0"/>
+              </a:rPr>
+              <a:t>amet</a:t>
+            </a:r>
+            <a:r>
+              <a:rPr lang="en-GB" sz="1400" b="0" i="0" kern="1200" dirty="0">
+                <a:solidFill>
+                  <a:srgbClr val="63666A"/>
+                </a:solidFill>
+                <a:effectLst/>
+                <a:latin typeface="Arial" panose="020B0604020202020204" pitchFamily="34" charset="0"/>
+                <a:ea typeface="+mn-ea"/>
+                <a:cs typeface="Arial" panose="020B0604020202020204" pitchFamily="34" charset="0"/>
+              </a:rPr>
+              <a:t>, </a:t>
+            </a:r>
+            <a:r>
+              <a:rPr lang="en-GB" sz="1400" b="0" i="0" kern="1200" dirty="0" err="1">
+                <a:solidFill>
+                  <a:srgbClr val="63666A"/>
+                </a:solidFill>
+                <a:effectLst/>
+                <a:latin typeface="Arial" panose="020B0604020202020204" pitchFamily="34" charset="0"/>
+                <a:ea typeface="+mn-ea"/>
+                <a:cs typeface="Arial" panose="020B0604020202020204" pitchFamily="34" charset="0"/>
+              </a:rPr>
+              <a:t>consectetur</a:t>
+            </a:r>
+            <a:r>
+              <a:rPr lang="en-GB" sz="1400" b="0" i="0" kern="1200" dirty="0">
+                <a:solidFill>
+                  <a:srgbClr val="63666A"/>
+                </a:solidFill>
+                <a:effectLst/>
+                <a:latin typeface="Arial" panose="020B0604020202020204" pitchFamily="34" charset="0"/>
+                <a:ea typeface="+mn-ea"/>
+                <a:cs typeface="Arial" panose="020B0604020202020204" pitchFamily="34" charset="0"/>
+              </a:rPr>
+              <a:t> </a:t>
+            </a:r>
+            <a:r>
+              <a:rPr lang="en-GB" sz="1400" b="0" i="0" kern="1200" dirty="0" err="1">
+                <a:solidFill>
+                  <a:srgbClr val="63666A"/>
+                </a:solidFill>
+                <a:effectLst/>
+                <a:latin typeface="Arial" panose="020B0604020202020204" pitchFamily="34" charset="0"/>
+                <a:ea typeface="+mn-ea"/>
+                <a:cs typeface="Arial" panose="020B0604020202020204" pitchFamily="34" charset="0"/>
+              </a:rPr>
+              <a:t>adipiscing</a:t>
+            </a:r>
+            <a:r>
+              <a:rPr lang="en-GB" sz="1400" b="0" i="0" kern="1200" dirty="0">
+                <a:solidFill>
+                  <a:srgbClr val="63666A"/>
+                </a:solidFill>
+                <a:effectLst/>
+                <a:latin typeface="Arial" panose="020B0604020202020204" pitchFamily="34" charset="0"/>
+                <a:ea typeface="+mn-ea"/>
+                <a:cs typeface="Arial" panose="020B0604020202020204" pitchFamily="34" charset="0"/>
+              </a:rPr>
+              <a:t> </a:t>
+            </a:r>
+            <a:r>
+              <a:rPr lang="en-GB" sz="1400" b="0" i="0" kern="1200" dirty="0" err="1">
+                <a:solidFill>
+                  <a:srgbClr val="63666A"/>
+                </a:solidFill>
+                <a:effectLst/>
+                <a:latin typeface="Arial" panose="020B0604020202020204" pitchFamily="34" charset="0"/>
+                <a:ea typeface="+mn-ea"/>
+                <a:cs typeface="Arial" panose="020B0604020202020204" pitchFamily="34" charset="0"/>
+              </a:rPr>
+              <a:t>elit</a:t>
+            </a:r>
+            <a:r>
+              <a:rPr lang="en-GB" sz="1400" b="0" i="0" kern="1200" dirty="0">
+                <a:solidFill>
+                  <a:srgbClr val="63666A"/>
+                </a:solidFill>
+                <a:effectLst/>
+                <a:latin typeface="Arial" panose="020B0604020202020204" pitchFamily="34" charset="0"/>
+                <a:ea typeface="+mn-ea"/>
+                <a:cs typeface="Arial" panose="020B0604020202020204" pitchFamily="34" charset="0"/>
+              </a:rPr>
+              <a:t>, </a:t>
+            </a:r>
+            <a:r>
+              <a:rPr lang="en-GB" sz="1400" b="0" i="0" kern="1200" dirty="0" err="1">
+                <a:solidFill>
+                  <a:srgbClr val="63666A"/>
+                </a:solidFill>
+                <a:effectLst/>
+                <a:latin typeface="Arial" panose="020B0604020202020204" pitchFamily="34" charset="0"/>
+                <a:ea typeface="+mn-ea"/>
+                <a:cs typeface="Arial" panose="020B0604020202020204" pitchFamily="34" charset="0"/>
+              </a:rPr>
+              <a:t>sed</a:t>
+            </a:r>
+            <a:r>
+              <a:rPr lang="en-GB" sz="1400" b="0" i="0" kern="1200" dirty="0">
+                <a:solidFill>
+                  <a:srgbClr val="63666A"/>
+                </a:solidFill>
+                <a:effectLst/>
+                <a:latin typeface="Arial" panose="020B0604020202020204" pitchFamily="34" charset="0"/>
+                <a:ea typeface="+mn-ea"/>
+                <a:cs typeface="Arial" panose="020B0604020202020204" pitchFamily="34" charset="0"/>
+              </a:rPr>
+              <a:t> do </a:t>
+            </a:r>
+            <a:r>
+              <a:rPr lang="en-GB" sz="1400" b="0" i="0" kern="1200" dirty="0" err="1">
+                <a:solidFill>
+                  <a:srgbClr val="63666A"/>
+                </a:solidFill>
+                <a:effectLst/>
+                <a:latin typeface="Arial" panose="020B0604020202020204" pitchFamily="34" charset="0"/>
+                <a:ea typeface="+mn-ea"/>
+                <a:cs typeface="Arial" panose="020B0604020202020204" pitchFamily="34" charset="0"/>
+              </a:rPr>
+              <a:t>eiusmod</a:t>
+            </a:r>
+            <a:r>
+              <a:rPr lang="en-GB" sz="1400" b="0" i="0" kern="1200" dirty="0">
+                <a:solidFill>
+                  <a:srgbClr val="63666A"/>
+                </a:solidFill>
+                <a:effectLst/>
+                <a:latin typeface="Arial" panose="020B0604020202020204" pitchFamily="34" charset="0"/>
+                <a:ea typeface="+mn-ea"/>
+                <a:cs typeface="Arial" panose="020B0604020202020204" pitchFamily="34" charset="0"/>
+              </a:rPr>
+              <a:t> </a:t>
+            </a:r>
+            <a:r>
+              <a:rPr lang="en-GB" sz="1400" b="0" i="0" kern="1200" dirty="0" err="1">
+                <a:solidFill>
+                  <a:srgbClr val="63666A"/>
+                </a:solidFill>
+                <a:effectLst/>
+                <a:latin typeface="Arial" panose="020B0604020202020204" pitchFamily="34" charset="0"/>
+                <a:ea typeface="+mn-ea"/>
+                <a:cs typeface="Arial" panose="020B0604020202020204" pitchFamily="34" charset="0"/>
+              </a:rPr>
+              <a:t>tempor</a:t>
+            </a:r>
+            <a:r>
+              <a:rPr lang="en-GB" sz="1400" b="0" i="0" kern="1200" dirty="0">
+                <a:solidFill>
+                  <a:srgbClr val="63666A"/>
+                </a:solidFill>
+                <a:effectLst/>
+                <a:latin typeface="Arial" panose="020B0604020202020204" pitchFamily="34" charset="0"/>
+                <a:ea typeface="+mn-ea"/>
+                <a:cs typeface="Arial" panose="020B0604020202020204" pitchFamily="34" charset="0"/>
+              </a:rPr>
+              <a:t> </a:t>
+            </a:r>
+            <a:r>
+              <a:rPr lang="en-GB" sz="1400" b="0" i="0" kern="1200" dirty="0" err="1">
+                <a:solidFill>
+                  <a:srgbClr val="63666A"/>
+                </a:solidFill>
+                <a:effectLst/>
+                <a:latin typeface="Arial" panose="020B0604020202020204" pitchFamily="34" charset="0"/>
+                <a:ea typeface="+mn-ea"/>
+                <a:cs typeface="Arial" panose="020B0604020202020204" pitchFamily="34" charset="0"/>
+              </a:rPr>
+              <a:t>incididunt</a:t>
+            </a:r>
+            <a:r>
+              <a:rPr lang="en-GB" sz="1400" b="0" i="0" kern="1200" dirty="0">
+                <a:solidFill>
+                  <a:srgbClr val="63666A"/>
+                </a:solidFill>
+                <a:effectLst/>
+                <a:latin typeface="Arial" panose="020B0604020202020204" pitchFamily="34" charset="0"/>
+                <a:ea typeface="+mn-ea"/>
+                <a:cs typeface="Arial" panose="020B0604020202020204" pitchFamily="34" charset="0"/>
+              </a:rPr>
+              <a:t> </a:t>
+            </a:r>
+            <a:r>
+              <a:rPr lang="en-GB" sz="1400" b="0" i="0" kern="1200" dirty="0" err="1">
+                <a:solidFill>
+                  <a:srgbClr val="63666A"/>
+                </a:solidFill>
+                <a:effectLst/>
+                <a:latin typeface="Arial" panose="020B0604020202020204" pitchFamily="34" charset="0"/>
+                <a:ea typeface="+mn-ea"/>
+                <a:cs typeface="Arial" panose="020B0604020202020204" pitchFamily="34" charset="0"/>
+              </a:rPr>
+              <a:t>ut</a:t>
+            </a:r>
+            <a:r>
+              <a:rPr lang="en-GB" sz="1400" b="0" i="0" kern="1200" dirty="0">
+                <a:solidFill>
+                  <a:srgbClr val="63666A"/>
+                </a:solidFill>
+                <a:effectLst/>
+                <a:latin typeface="Arial" panose="020B0604020202020204" pitchFamily="34" charset="0"/>
+                <a:ea typeface="+mn-ea"/>
+                <a:cs typeface="Arial" panose="020B0604020202020204" pitchFamily="34" charset="0"/>
+              </a:rPr>
+              <a:t> </a:t>
+            </a:r>
+            <a:r>
+              <a:rPr lang="en-GB" sz="1400" b="0" i="0" kern="1200" dirty="0" err="1">
+                <a:solidFill>
+                  <a:srgbClr val="63666A"/>
+                </a:solidFill>
+                <a:effectLst/>
+                <a:latin typeface="Arial" panose="020B0604020202020204" pitchFamily="34" charset="0"/>
+                <a:ea typeface="+mn-ea"/>
+                <a:cs typeface="Arial" panose="020B0604020202020204" pitchFamily="34" charset="0"/>
+              </a:rPr>
+              <a:t>labore</a:t>
+            </a:r>
+            <a:r>
+              <a:rPr lang="en-GB" sz="1400" b="0" i="0" kern="1200" dirty="0">
+                <a:solidFill>
+                  <a:srgbClr val="63666A"/>
+                </a:solidFill>
+                <a:effectLst/>
+                <a:latin typeface="Arial" panose="020B0604020202020204" pitchFamily="34" charset="0"/>
+                <a:ea typeface="+mn-ea"/>
+                <a:cs typeface="Arial" panose="020B0604020202020204" pitchFamily="34" charset="0"/>
+              </a:rPr>
+              <a:t> et </a:t>
+            </a:r>
+            <a:r>
+              <a:rPr lang="en-GB" sz="1400" b="0" i="0" kern="1200" dirty="0" err="1">
+                <a:solidFill>
+                  <a:srgbClr val="63666A"/>
+                </a:solidFill>
+                <a:effectLst/>
+                <a:latin typeface="Arial" panose="020B0604020202020204" pitchFamily="34" charset="0"/>
+                <a:ea typeface="+mn-ea"/>
+                <a:cs typeface="Arial" panose="020B0604020202020204" pitchFamily="34" charset="0"/>
+              </a:rPr>
+              <a:t>dolore</a:t>
+            </a:r>
+            <a:r>
+              <a:rPr lang="en-GB" sz="1400" b="0" i="0" kern="1200" dirty="0">
+                <a:solidFill>
+                  <a:srgbClr val="63666A"/>
+                </a:solidFill>
+                <a:effectLst/>
+                <a:latin typeface="Arial" panose="020B0604020202020204" pitchFamily="34" charset="0"/>
+                <a:ea typeface="+mn-ea"/>
+                <a:cs typeface="Arial" panose="020B0604020202020204" pitchFamily="34" charset="0"/>
+              </a:rPr>
+              <a:t> magna </a:t>
+            </a:r>
+            <a:r>
+              <a:rPr lang="en-GB" sz="1400" b="0" i="0" kern="1200" dirty="0" err="1">
+                <a:solidFill>
+                  <a:srgbClr val="63666A"/>
+                </a:solidFill>
+                <a:effectLst/>
+                <a:latin typeface="Arial" panose="020B0604020202020204" pitchFamily="34" charset="0"/>
+                <a:ea typeface="+mn-ea"/>
+                <a:cs typeface="Arial" panose="020B0604020202020204" pitchFamily="34" charset="0"/>
+              </a:rPr>
+              <a:t>aliqua</a:t>
+            </a:r>
+            <a:r>
+              <a:rPr lang="en-GB" sz="1400" b="0" i="0" kern="1200" dirty="0">
+                <a:solidFill>
+                  <a:srgbClr val="63666A"/>
+                </a:solidFill>
+                <a:effectLst/>
+                <a:latin typeface="Arial" panose="020B0604020202020204" pitchFamily="34" charset="0"/>
+                <a:ea typeface="+mn-ea"/>
+                <a:cs typeface="Arial" panose="020B0604020202020204" pitchFamily="34" charset="0"/>
+              </a:rPr>
+              <a:t>. </a:t>
+            </a:r>
+            <a:r>
+              <a:rPr lang="en-GB" sz="1400" b="0" i="0" kern="1200" dirty="0" err="1">
+                <a:solidFill>
+                  <a:srgbClr val="63666A"/>
+                </a:solidFill>
+                <a:effectLst/>
+                <a:latin typeface="Arial" panose="020B0604020202020204" pitchFamily="34" charset="0"/>
+                <a:ea typeface="+mn-ea"/>
+                <a:cs typeface="Arial" panose="020B0604020202020204" pitchFamily="34" charset="0"/>
+              </a:rPr>
+              <a:t>Ut</a:t>
+            </a:r>
+            <a:r>
+              <a:rPr lang="en-GB" sz="1400" b="0" i="0" kern="1200" dirty="0">
+                <a:solidFill>
+                  <a:srgbClr val="63666A"/>
+                </a:solidFill>
+                <a:effectLst/>
+                <a:latin typeface="Arial" panose="020B0604020202020204" pitchFamily="34" charset="0"/>
+                <a:ea typeface="+mn-ea"/>
+                <a:cs typeface="Arial" panose="020B0604020202020204" pitchFamily="34" charset="0"/>
+              </a:rPr>
+              <a:t> </a:t>
+            </a:r>
+            <a:r>
+              <a:rPr lang="en-GB" sz="1400" b="0" i="0" kern="1200" dirty="0" err="1">
+                <a:solidFill>
+                  <a:srgbClr val="63666A"/>
+                </a:solidFill>
+                <a:effectLst/>
+                <a:latin typeface="Arial" panose="020B0604020202020204" pitchFamily="34" charset="0"/>
+                <a:ea typeface="+mn-ea"/>
+                <a:cs typeface="Arial" panose="020B0604020202020204" pitchFamily="34" charset="0"/>
+              </a:rPr>
+              <a:t>enim</a:t>
+            </a:r>
+            <a:r>
+              <a:rPr lang="en-GB" sz="1400" b="0" i="0" kern="1200" dirty="0">
+                <a:solidFill>
+                  <a:srgbClr val="63666A"/>
+                </a:solidFill>
+                <a:effectLst/>
+                <a:latin typeface="Arial" panose="020B0604020202020204" pitchFamily="34" charset="0"/>
+                <a:ea typeface="+mn-ea"/>
+                <a:cs typeface="Arial" panose="020B0604020202020204" pitchFamily="34" charset="0"/>
+              </a:rPr>
+              <a:t> ad minim </a:t>
+            </a:r>
+            <a:r>
+              <a:rPr lang="en-GB" sz="1400" b="0" i="0" kern="1200" dirty="0" err="1">
+                <a:solidFill>
+                  <a:srgbClr val="63666A"/>
+                </a:solidFill>
+                <a:effectLst/>
+                <a:latin typeface="Arial" panose="020B0604020202020204" pitchFamily="34" charset="0"/>
+                <a:ea typeface="+mn-ea"/>
+                <a:cs typeface="Arial" panose="020B0604020202020204" pitchFamily="34" charset="0"/>
+              </a:rPr>
+              <a:t>veniam</a:t>
+            </a:r>
+            <a:r>
+              <a:rPr lang="en-GB" sz="1400" b="0" i="0" kern="1200" dirty="0">
+                <a:solidFill>
+                  <a:srgbClr val="63666A"/>
+                </a:solidFill>
+                <a:effectLst/>
+                <a:latin typeface="Arial" panose="020B0604020202020204" pitchFamily="34" charset="0"/>
+                <a:ea typeface="+mn-ea"/>
+                <a:cs typeface="Arial" panose="020B0604020202020204" pitchFamily="34" charset="0"/>
+              </a:rPr>
+              <a:t>, </a:t>
+            </a:r>
+            <a:r>
+              <a:rPr lang="en-GB" sz="1400" b="0" i="0" kern="1200" dirty="0" err="1">
+                <a:solidFill>
+                  <a:srgbClr val="63666A"/>
+                </a:solidFill>
+                <a:effectLst/>
+                <a:latin typeface="Arial" panose="020B0604020202020204" pitchFamily="34" charset="0"/>
+                <a:ea typeface="+mn-ea"/>
+                <a:cs typeface="Arial" panose="020B0604020202020204" pitchFamily="34" charset="0"/>
+              </a:rPr>
+              <a:t>quis</a:t>
+            </a:r>
+            <a:r>
+              <a:rPr lang="en-GB" sz="1400" b="0" i="0" kern="1200" dirty="0">
+                <a:solidFill>
+                  <a:srgbClr val="63666A"/>
+                </a:solidFill>
+                <a:effectLst/>
+                <a:latin typeface="Arial" panose="020B0604020202020204" pitchFamily="34" charset="0"/>
+                <a:ea typeface="+mn-ea"/>
+                <a:cs typeface="Arial" panose="020B0604020202020204" pitchFamily="34" charset="0"/>
+              </a:rPr>
+              <a:t> </a:t>
+            </a:r>
+            <a:r>
+              <a:rPr lang="en-GB" sz="1400" b="0" i="0" kern="1200" dirty="0" err="1">
+                <a:solidFill>
+                  <a:srgbClr val="63666A"/>
+                </a:solidFill>
+                <a:effectLst/>
+                <a:latin typeface="Arial" panose="020B0604020202020204" pitchFamily="34" charset="0"/>
+                <a:ea typeface="+mn-ea"/>
+                <a:cs typeface="Arial" panose="020B0604020202020204" pitchFamily="34" charset="0"/>
+              </a:rPr>
+              <a:t>nostrud</a:t>
+            </a:r>
+            <a:r>
+              <a:rPr lang="en-GB" sz="1400" b="0" i="0" kern="1200" dirty="0">
+                <a:solidFill>
+                  <a:srgbClr val="63666A"/>
+                </a:solidFill>
+                <a:effectLst/>
+                <a:latin typeface="Arial" panose="020B0604020202020204" pitchFamily="34" charset="0"/>
+                <a:ea typeface="+mn-ea"/>
+                <a:cs typeface="Arial" panose="020B0604020202020204" pitchFamily="34" charset="0"/>
+              </a:rPr>
+              <a:t>.</a:t>
+            </a:r>
+            <a:endParaRPr lang="en-US" sz="1400" dirty="0"/>
+          </a:p>
+        </p:txBody>
+      </p:sp>
+    </p:spTree>
+    <p:extLst>
+      <p:ext uri="{BB962C8B-B14F-4D97-AF65-F5344CB8AC3E}">
+        <p14:creationId xmlns:p14="http://schemas.microsoft.com/office/powerpoint/2010/main" val="3952543075"/>
+      </p:ext>
+    </p:extLst>
+  </p:cSld>
+  <p:clrMapOvr>
+    <a:masterClrMapping/>
+  </p:clrMapOvr>
+</p:sldLayout>
+</file>
+
+<file path=ppt/slideLayouts/slideLayout6.xml><?xml version="1.0" encoding="utf-8"?>
+<p:sldLayout xmlns:a="http://schemas.openxmlformats.org/drawingml/2006/main" xmlns:r="http://schemas.openxmlformats.org/officeDocument/2006/relationships" xmlns:p="http://schemas.openxmlformats.org/presentationml/2006/main" preserve="1">
+  <p:cSld name="Divider slide">
+    <p:bg>
+      <p:bgPr>
+        <a:blipFill dpi="0" rotWithShape="1">
+          <a:blip r:embed="rId2">
+            <a:lum/>
+          </a:blip>
+          <a:srcRect/>
+          <a:stretch>
+            <a:fillRect/>
+          </a:stretch>
+        </a:blipFill>
+        <a:effectLst/>
+      </p:bgPr>
+    </p:bg>
+    <p:spTree>
+      <p:nvGrpSpPr>
+        <p:cNvPr id="1" name=""/>
+        <p:cNvGrpSpPr/>
+        <p:nvPr/>
+      </p:nvGrpSpPr>
+      <p:grpSpPr>
+        <a:xfrm>
+          <a:off x="0" y="0"/>
+          <a:ext cx="0" cy="0"/>
+          <a:chOff x="0" y="0"/>
+          <a:chExt cx="0" cy="0"/>
+        </a:xfrm>
+      </p:grpSpPr>
+      <p:sp>
+        <p:nvSpPr>
+          <p:cNvPr id="5" name="Title 1"/>
+          <p:cNvSpPr>
+            <a:spLocks noGrp="1"/>
+          </p:cNvSpPr>
+          <p:nvPr>
+            <p:ph type="ctrTitle" hasCustomPrompt="1"/>
+          </p:nvPr>
+        </p:nvSpPr>
+        <p:spPr>
+          <a:xfrm>
+            <a:off x="278855" y="2057036"/>
+            <a:ext cx="4256859" cy="863191"/>
+          </a:xfrm>
+          <a:prstGeom prst="rect">
+            <a:avLst/>
+          </a:prstGeom>
+        </p:spPr>
+        <p:txBody>
+          <a:bodyPr anchor="b"/>
+          <a:lstStyle>
+            <a:lvl1pPr algn="l">
+              <a:defRPr sz="4000" baseline="0">
+                <a:solidFill>
+                  <a:srgbClr val="63666A"/>
+                </a:solidFill>
+              </a:defRPr>
+            </a:lvl1pPr>
+          </a:lstStyle>
+          <a:p>
+            <a:r>
+              <a:rPr lang="en-US" dirty="0"/>
+              <a:t>Divider slide title</a:t>
+            </a:r>
+          </a:p>
+        </p:txBody>
+      </p:sp>
+      <p:sp>
+        <p:nvSpPr>
+          <p:cNvPr id="6" name="Subtitle 2"/>
+          <p:cNvSpPr>
+            <a:spLocks noGrp="1"/>
+          </p:cNvSpPr>
+          <p:nvPr>
+            <p:ph type="subTitle" idx="1" hasCustomPrompt="1"/>
+          </p:nvPr>
+        </p:nvSpPr>
+        <p:spPr>
+          <a:xfrm>
+            <a:off x="278854" y="2963405"/>
+            <a:ext cx="4256859" cy="551951"/>
+          </a:xfrm>
+          <a:prstGeom prst="rect">
+            <a:avLst/>
+          </a:prstGeom>
+        </p:spPr>
+        <p:txBody>
+          <a:bodyPr/>
+          <a:lstStyle>
+            <a:lvl1pPr marL="0" indent="0" algn="l">
+              <a:buNone/>
+              <a:defRPr sz="2000" baseline="0">
+                <a:solidFill>
+                  <a:srgbClr val="63666A"/>
+                </a:solidFill>
+                <a:latin typeface="Arial" panose="020B0604020202020204" pitchFamily="34" charset="0"/>
+                <a:cs typeface="Arial" panose="020B0604020202020204" pitchFamily="34" charset="0"/>
+              </a:defRPr>
+            </a:lvl1pPr>
+            <a:lvl2pPr marL="457200" indent="0" algn="ctr">
+              <a:buNone/>
+              <a:defRPr sz="2000"/>
+            </a:lvl2pPr>
+            <a:lvl3pPr marL="914400" indent="0" algn="ctr">
+              <a:buNone/>
+              <a:defRPr sz="1800"/>
+            </a:lvl3pPr>
+            <a:lvl4pPr marL="1371600" indent="0" algn="ctr">
+              <a:buNone/>
+              <a:defRPr sz="1600"/>
+            </a:lvl4pPr>
+            <a:lvl5pPr marL="1828800" indent="0" algn="ctr">
+              <a:buNone/>
+              <a:defRPr sz="1600"/>
+            </a:lvl5pPr>
+            <a:lvl6pPr marL="2286000" indent="0" algn="ctr">
+              <a:buNone/>
+              <a:defRPr sz="1600"/>
+            </a:lvl6pPr>
+            <a:lvl7pPr marL="2743200" indent="0" algn="ctr">
+              <a:buNone/>
+              <a:defRPr sz="1600"/>
+            </a:lvl7pPr>
+            <a:lvl8pPr marL="3200400" indent="0" algn="ctr">
+              <a:buNone/>
+              <a:defRPr sz="1600"/>
+            </a:lvl8pPr>
+            <a:lvl9pPr marL="3657600" indent="0" algn="ctr">
+              <a:buNone/>
+              <a:defRPr sz="1600"/>
+            </a:lvl9pPr>
+          </a:lstStyle>
+          <a:p>
+            <a:r>
+              <a:rPr lang="en-US" dirty="0"/>
+              <a:t>Subheading</a:t>
+            </a:r>
+          </a:p>
+        </p:txBody>
+      </p:sp>
+    </p:spTree>
+    <p:extLst>
+      <p:ext uri="{BB962C8B-B14F-4D97-AF65-F5344CB8AC3E}">
+        <p14:creationId xmlns:p14="http://schemas.microsoft.com/office/powerpoint/2010/main" val="1183699941"/>
+      </p:ext>
+    </p:extLst>
+  </p:cSld>
+  <p:clrMapOvr>
+    <a:masterClrMapping/>
+  </p:clrMapOvr>
+</p:sldLayout>
+</file>
+
+<file path=ppt/slideLayouts/slideLayout7.xml><?xml version="1.0" encoding="utf-8"?>
+<p:sldLayout xmlns:a="http://schemas.openxmlformats.org/drawingml/2006/main" xmlns:r="http://schemas.openxmlformats.org/officeDocument/2006/relationships" xmlns:p="http://schemas.openxmlformats.org/presentationml/2006/main" type="obj">
   <p:cSld name="Title and Content">
     <p:spTree>
       <p:nvGrpSpPr>
@@ -755,10 +4322,10 @@
           <a:lstStyle/>
           <a:p>
             <a:r>
-              <a:rPr lang="en-GB" smtClean="0"/>
-              <a:t>Click to edit Master title style</a:t>
-            </a:r>
-            <a:endParaRPr lang="en-US"/>
+              <a:rPr lang="en-GB" dirty="0" smtClean="0"/>
+              <a:t>Click to edit </a:t>
+            </a:r>
+            <a:endParaRPr lang="en-US" dirty="0"/>
           </a:p>
         </p:txBody>
       </p:sp>
@@ -769,7 +4336,7 @@
             <a:spLocks noGrp="1"/>
           </p:cNvSpPr>
           <p:nvPr>
-            <p:ph idx="1"/>
+            <p:ph idx="1" hasCustomPrompt="1"/>
           </p:nvPr>
         </p:nvSpPr>
         <p:spPr/>
@@ -779,38 +4346,38 @@
           <a:p>
             <a:pPr lvl="0"/>
             <a:r>
-              <a:rPr lang="en-GB" smtClean="0"/>
-              <a:t>Click to edit Master text styles</a:t>
+              <a:rPr lang="en-GB" dirty="0" smtClean="0"/>
+              <a:t>Master text styles</a:t>
             </a:r>
           </a:p>
           <a:p>
             <a:pPr lvl="1"/>
             <a:r>
-              <a:rPr lang="en-GB" smtClean="0"/>
+              <a:rPr lang="en-GB" dirty="0" smtClean="0"/>
               <a:t>Second level</a:t>
             </a:r>
           </a:p>
           <a:p>
             <a:pPr lvl="2"/>
             <a:r>
-              <a:rPr lang="en-GB" smtClean="0"/>
+              <a:rPr lang="en-GB" dirty="0" smtClean="0"/>
               <a:t>Third level</a:t>
             </a:r>
           </a:p>
           <a:p>
             <a:pPr lvl="3"/>
             <a:r>
-              <a:rPr lang="en-GB" smtClean="0"/>
+              <a:rPr lang="en-GB" dirty="0" smtClean="0"/>
               <a:t>Fourth level</a:t>
             </a:r>
           </a:p>
           <a:p>
             <a:pPr lvl="4"/>
             <a:r>
-              <a:rPr lang="en-GB" smtClean="0"/>
+              <a:rPr lang="en-GB" dirty="0" smtClean="0"/>
               <a:t>Fifth level</a:t>
             </a:r>
-            <a:endParaRPr lang="en-US"/>
+            <a:endParaRPr lang="en-US" dirty="0"/>
           </a:p>
         </p:txBody>
       </p:sp>
@@ -829,11 +4396,7 @@
           <a:bodyPr/>
           <a:lstStyle/>
           <a:p>
-            <a:fld id="{D119BB77-888A-BF43-BE39-D421BFDFAD7D}" type="datetimeFigureOut">
-              <a:rPr lang="en-US" smtClean="0"/>
-              <a:t>9/25/2018</a:t>
-            </a:fld>
-            <a:endParaRPr lang="en-US"/>
+            <a:endParaRPr lang="en-US" dirty="0"/>
           </a:p>
         </p:txBody>
       </p:sp>
@@ -852,7 +4415,7 @@
           <a:bodyPr/>
           <a:lstStyle/>
           <a:p>
-            <a:endParaRPr lang="en-US"/>
+            <a:endParaRPr lang="en-US" dirty="0"/>
           </a:p>
         </p:txBody>
       </p:sp>
@@ -871,1717 +4434,14 @@
           <a:bodyPr/>
           <a:lstStyle/>
           <a:p>
-            <a:fld id="{F4F2F945-68BA-274D-A0CE-1D9E1734202A}" type="slidenum">
-              <a:rPr lang="en-US" smtClean="0"/>
-              <a:t>‹#›</a:t>
-            </a:fld>
-            <a:endParaRPr lang="en-US"/>
+            <a:endParaRPr lang="en-US" dirty="0"/>
           </a:p>
         </p:txBody>
       </p:sp>
     </p:spTree>
     <p:extLst>
       <p:ext uri="{BB962C8B-B14F-4D97-AF65-F5344CB8AC3E}">
-        <p14:creationId xmlns:p14="http://schemas.microsoft.com/office/powerpoint/2010/main" val="1700613838"/>
-      </p:ext>
-    </p:extLst>
-  </p:cSld>
-  <p:clrMapOvr>
-    <a:masterClrMapping/>
-  </p:clrMapOvr>
-</p:sldLayout>
-</file>
-
-<file path=ppt/slideLayouts/slideLayout3.xml><?xml version="1.0" encoding="utf-8"?>
-<p:sldLayout xmlns:a="http://schemas.openxmlformats.org/drawingml/2006/main" xmlns:r="http://schemas.openxmlformats.org/officeDocument/2006/relationships" xmlns:p="http://schemas.openxmlformats.org/presentationml/2006/main" type="secHead" preserve="1">
-  <p:cSld name="Section Header">
-    <p:spTree>
-      <p:nvGrpSpPr>
-        <p:cNvPr id="1" name=""/>
-        <p:cNvGrpSpPr/>
-        <p:nvPr/>
-      </p:nvGrpSpPr>
-      <p:grpSpPr>
-        <a:xfrm>
-          <a:off x="0" y="0"/>
-          <a:ext cx="0" cy="0"/>
-          <a:chOff x="0" y="0"/>
-          <a:chExt cx="0" cy="0"/>
-        </a:xfrm>
-      </p:grpSpPr>
-      <p:sp>
-        <p:nvSpPr>
-          <p:cNvPr id="2" name="Title 1"/>
-          <p:cNvSpPr>
-            <a:spLocks noGrp="1"/>
-          </p:cNvSpPr>
-          <p:nvPr>
-            <p:ph type="title"/>
-          </p:nvPr>
-        </p:nvSpPr>
-        <p:spPr>
-          <a:xfrm>
-            <a:off x="722313" y="4406900"/>
-            <a:ext cx="7772400" cy="1362075"/>
-          </a:xfrm>
-        </p:spPr>
-        <p:txBody>
-          <a:bodyPr anchor="t"/>
-          <a:lstStyle>
-            <a:lvl1pPr algn="l">
-              <a:defRPr sz="4000" b="1" cap="all"/>
-            </a:lvl1pPr>
-          </a:lstStyle>
-          <a:p>
-            <a:r>
-              <a:rPr lang="en-GB" smtClean="0"/>
-              <a:t>Click to edit Master title style</a:t>
-            </a:r>
-            <a:endParaRPr lang="en-US"/>
-          </a:p>
-        </p:txBody>
-      </p:sp>
-      <p:sp>
-        <p:nvSpPr>
-          <p:cNvPr id="3" name="Text Placeholder 2"/>
-          <p:cNvSpPr>
-            <a:spLocks noGrp="1"/>
-          </p:cNvSpPr>
-          <p:nvPr>
-            <p:ph type="body" idx="1"/>
-          </p:nvPr>
-        </p:nvSpPr>
-        <p:spPr>
-          <a:xfrm>
-            <a:off x="722313" y="2906713"/>
-            <a:ext cx="7772400" cy="1500187"/>
-          </a:xfrm>
-        </p:spPr>
-        <p:txBody>
-          <a:bodyPr anchor="b"/>
-          <a:lstStyle>
-            <a:lvl1pPr marL="0" indent="0">
-              <a:buNone/>
-              <a:defRPr sz="2000">
-                <a:solidFill>
-                  <a:schemeClr val="tx1">
-                    <a:tint val="75000"/>
-                  </a:schemeClr>
-                </a:solidFill>
-              </a:defRPr>
-            </a:lvl1pPr>
-            <a:lvl2pPr marL="457200" indent="0">
-              <a:buNone/>
-              <a:defRPr sz="1800">
-                <a:solidFill>
-                  <a:schemeClr val="tx1">
-                    <a:tint val="75000"/>
-                  </a:schemeClr>
-                </a:solidFill>
-              </a:defRPr>
-            </a:lvl2pPr>
-            <a:lvl3pPr marL="914400" indent="0">
-              <a:buNone/>
-              <a:defRPr sz="1600">
-                <a:solidFill>
-                  <a:schemeClr val="tx1">
-                    <a:tint val="75000"/>
-                  </a:schemeClr>
-                </a:solidFill>
-              </a:defRPr>
-            </a:lvl3pPr>
-            <a:lvl4pPr marL="1371600" indent="0">
-              <a:buNone/>
-              <a:defRPr sz="1400">
-                <a:solidFill>
-                  <a:schemeClr val="tx1">
-                    <a:tint val="75000"/>
-                  </a:schemeClr>
-                </a:solidFill>
-              </a:defRPr>
-            </a:lvl4pPr>
-            <a:lvl5pPr marL="1828800" indent="0">
-              <a:buNone/>
-              <a:defRPr sz="1400">
-                <a:solidFill>
-                  <a:schemeClr val="tx1">
-                    <a:tint val="75000"/>
-                  </a:schemeClr>
-                </a:solidFill>
-              </a:defRPr>
-            </a:lvl5pPr>
-            <a:lvl6pPr marL="2286000" indent="0">
-              <a:buNone/>
-              <a:defRPr sz="1400">
-                <a:solidFill>
-                  <a:schemeClr val="tx1">
-                    <a:tint val="75000"/>
-                  </a:schemeClr>
-                </a:solidFill>
-              </a:defRPr>
-            </a:lvl6pPr>
-            <a:lvl7pPr marL="2743200" indent="0">
-              <a:buNone/>
-              <a:defRPr sz="1400">
-                <a:solidFill>
-                  <a:schemeClr val="tx1">
-                    <a:tint val="75000"/>
-                  </a:schemeClr>
-                </a:solidFill>
-              </a:defRPr>
-            </a:lvl7pPr>
-            <a:lvl8pPr marL="3200400" indent="0">
-              <a:buNone/>
-              <a:defRPr sz="1400">
-                <a:solidFill>
-                  <a:schemeClr val="tx1">
-                    <a:tint val="75000"/>
-                  </a:schemeClr>
-                </a:solidFill>
-              </a:defRPr>
-            </a:lvl8pPr>
-            <a:lvl9pPr marL="3657600" indent="0">
-              <a:buNone/>
-              <a:defRPr sz="1400">
-                <a:solidFill>
-                  <a:schemeClr val="tx1">
-                    <a:tint val="75000"/>
-                  </a:schemeClr>
-                </a:solidFill>
-              </a:defRPr>
-            </a:lvl9pPr>
-          </a:lstStyle>
-          <a:p>
-            <a:pPr lvl="0"/>
-            <a:r>
-              <a:rPr lang="en-GB" smtClean="0"/>
-              <a:t>Click to edit Master text styles</a:t>
-            </a:r>
-          </a:p>
-        </p:txBody>
-      </p:sp>
-      <p:sp>
-        <p:nvSpPr>
-          <p:cNvPr id="4" name="Date Placeholder 3"/>
-          <p:cNvSpPr>
-            <a:spLocks noGrp="1"/>
-          </p:cNvSpPr>
-          <p:nvPr>
-            <p:ph type="dt" sz="half" idx="10"/>
-          </p:nvPr>
-        </p:nvSpPr>
-        <p:spPr/>
-        <p:txBody>
-          <a:bodyPr/>
-          <a:lstStyle/>
-          <a:p>
-            <a:fld id="{D119BB77-888A-BF43-BE39-D421BFDFAD7D}" type="datetimeFigureOut">
-              <a:rPr lang="en-US" smtClean="0"/>
-              <a:t>9/25/2018</a:t>
-            </a:fld>
-            <a:endParaRPr lang="en-US"/>
-          </a:p>
-        </p:txBody>
-      </p:sp>
-      <p:sp>
-        <p:nvSpPr>
-          <p:cNvPr id="5" name="Footer Placeholder 4"/>
-          <p:cNvSpPr>
-            <a:spLocks noGrp="1"/>
-          </p:cNvSpPr>
-          <p:nvPr>
-            <p:ph type="ftr" sz="quarter" idx="11"/>
-          </p:nvPr>
-        </p:nvSpPr>
-        <p:spPr/>
-        <p:txBody>
-          <a:bodyPr/>
-          <a:lstStyle/>
-          <a:p>
-            <a:endParaRPr lang="en-US"/>
-          </a:p>
-        </p:txBody>
-      </p:sp>
-      <p:sp>
-        <p:nvSpPr>
-          <p:cNvPr id="6" name="Slide Number Placeholder 5"/>
-          <p:cNvSpPr>
-            <a:spLocks noGrp="1"/>
-          </p:cNvSpPr>
-          <p:nvPr>
-            <p:ph type="sldNum" sz="quarter" idx="12"/>
-          </p:nvPr>
-        </p:nvSpPr>
-        <p:spPr/>
-        <p:txBody>
-          <a:bodyPr/>
-          <a:lstStyle/>
-          <a:p>
-            <a:fld id="{F4F2F945-68BA-274D-A0CE-1D9E1734202A}" type="slidenum">
-              <a:rPr lang="en-US" smtClean="0"/>
-              <a:t>‹#›</a:t>
-            </a:fld>
-            <a:endParaRPr lang="en-US"/>
-          </a:p>
-        </p:txBody>
-      </p:sp>
-    </p:spTree>
-    <p:extLst>
-      <p:ext uri="{BB962C8B-B14F-4D97-AF65-F5344CB8AC3E}">
-        <p14:creationId xmlns:p14="http://schemas.microsoft.com/office/powerpoint/2010/main" val="2170443920"/>
-      </p:ext>
-    </p:extLst>
-  </p:cSld>
-  <p:clrMapOvr>
-    <a:masterClrMapping/>
-  </p:clrMapOvr>
-</p:sldLayout>
-</file>
-
-<file path=ppt/slideLayouts/slideLayout4.xml><?xml version="1.0" encoding="utf-8"?>
-<p:sldLayout xmlns:a="http://schemas.openxmlformats.org/drawingml/2006/main" xmlns:r="http://schemas.openxmlformats.org/officeDocument/2006/relationships" xmlns:p="http://schemas.openxmlformats.org/presentationml/2006/main" type="twoObj" preserve="1">
-  <p:cSld name="Two Content">
-    <p:spTree>
-      <p:nvGrpSpPr>
-        <p:cNvPr id="1" name=""/>
-        <p:cNvGrpSpPr/>
-        <p:nvPr/>
-      </p:nvGrpSpPr>
-      <p:grpSpPr>
-        <a:xfrm>
-          <a:off x="0" y="0"/>
-          <a:ext cx="0" cy="0"/>
-          <a:chOff x="0" y="0"/>
-          <a:chExt cx="0" cy="0"/>
-        </a:xfrm>
-      </p:grpSpPr>
-      <p:sp>
-        <p:nvSpPr>
-          <p:cNvPr id="2" name="Title 1"/>
-          <p:cNvSpPr>
-            <a:spLocks noGrp="1"/>
-          </p:cNvSpPr>
-          <p:nvPr>
-            <p:ph type="title"/>
-          </p:nvPr>
-        </p:nvSpPr>
-        <p:spPr/>
-        <p:txBody>
-          <a:bodyPr/>
-          <a:lstStyle/>
-          <a:p>
-            <a:r>
-              <a:rPr lang="en-GB" smtClean="0"/>
-              <a:t>Click to edit Master title style</a:t>
-            </a:r>
-            <a:endParaRPr lang="en-US"/>
-          </a:p>
-        </p:txBody>
-      </p:sp>
-      <p:sp>
-        <p:nvSpPr>
-          <p:cNvPr id="3" name="Content Placeholder 2"/>
-          <p:cNvSpPr>
-            <a:spLocks noGrp="1"/>
-          </p:cNvSpPr>
-          <p:nvPr>
-            <p:ph sz="half" idx="1"/>
-          </p:nvPr>
-        </p:nvSpPr>
-        <p:spPr>
-          <a:xfrm>
-            <a:off x="457200" y="1600200"/>
-            <a:ext cx="4038600" cy="4525963"/>
-          </a:xfrm>
-        </p:spPr>
-        <p:txBody>
-          <a:bodyPr/>
-          <a:lstStyle>
-            <a:lvl1pPr>
-              <a:defRPr sz="2800"/>
-            </a:lvl1pPr>
-            <a:lvl2pPr>
-              <a:defRPr sz="2400"/>
-            </a:lvl2pPr>
-            <a:lvl3pPr>
-              <a:defRPr sz="2000"/>
-            </a:lvl3pPr>
-            <a:lvl4pPr>
-              <a:defRPr sz="1800"/>
-            </a:lvl4pPr>
-            <a:lvl5pPr>
-              <a:defRPr sz="1800"/>
-            </a:lvl5pPr>
-            <a:lvl6pPr>
-              <a:defRPr sz="1800"/>
-            </a:lvl6pPr>
-            <a:lvl7pPr>
-              <a:defRPr sz="1800"/>
-            </a:lvl7pPr>
-            <a:lvl8pPr>
-              <a:defRPr sz="1800"/>
-            </a:lvl8pPr>
-            <a:lvl9pPr>
-              <a:defRPr sz="1800"/>
-            </a:lvl9pPr>
-          </a:lstStyle>
-          <a:p>
-            <a:pPr lvl="0"/>
-            <a:r>
-              <a:rPr lang="en-GB" smtClean="0"/>
-              <a:t>Click to edit Master text styles</a:t>
-            </a:r>
-          </a:p>
-          <a:p>
-            <a:pPr lvl="1"/>
-            <a:r>
-              <a:rPr lang="en-GB" smtClean="0"/>
-              <a:t>Second level</a:t>
-            </a:r>
-          </a:p>
-          <a:p>
-            <a:pPr lvl="2"/>
-            <a:r>
-              <a:rPr lang="en-GB" smtClean="0"/>
-              <a:t>Third level</a:t>
-            </a:r>
-          </a:p>
-          <a:p>
-            <a:pPr lvl="3"/>
-            <a:r>
-              <a:rPr lang="en-GB" smtClean="0"/>
-              <a:t>Fourth level</a:t>
-            </a:r>
-          </a:p>
-          <a:p>
-            <a:pPr lvl="4"/>
-            <a:r>
-              <a:rPr lang="en-GB" smtClean="0"/>
-              <a:t>Fifth level</a:t>
-            </a:r>
-            <a:endParaRPr lang="en-US"/>
-          </a:p>
-        </p:txBody>
-      </p:sp>
-      <p:sp>
-        <p:nvSpPr>
-          <p:cNvPr id="4" name="Content Placeholder 3"/>
-          <p:cNvSpPr>
-            <a:spLocks noGrp="1"/>
-          </p:cNvSpPr>
-          <p:nvPr>
-            <p:ph sz="half" idx="2"/>
-          </p:nvPr>
-        </p:nvSpPr>
-        <p:spPr>
-          <a:xfrm>
-            <a:off x="4648200" y="1600200"/>
-            <a:ext cx="4038600" cy="4525963"/>
-          </a:xfrm>
-        </p:spPr>
-        <p:txBody>
-          <a:bodyPr/>
-          <a:lstStyle>
-            <a:lvl1pPr>
-              <a:defRPr sz="2800"/>
-            </a:lvl1pPr>
-            <a:lvl2pPr>
-              <a:defRPr sz="2400"/>
-            </a:lvl2pPr>
-            <a:lvl3pPr>
-              <a:defRPr sz="2000"/>
-            </a:lvl3pPr>
-            <a:lvl4pPr>
-              <a:defRPr sz="1800"/>
-            </a:lvl4pPr>
-            <a:lvl5pPr>
-              <a:defRPr sz="1800"/>
-            </a:lvl5pPr>
-            <a:lvl6pPr>
-              <a:defRPr sz="1800"/>
-            </a:lvl6pPr>
-            <a:lvl7pPr>
-              <a:defRPr sz="1800"/>
-            </a:lvl7pPr>
-            <a:lvl8pPr>
-              <a:defRPr sz="1800"/>
-            </a:lvl8pPr>
-            <a:lvl9pPr>
-              <a:defRPr sz="1800"/>
-            </a:lvl9pPr>
-          </a:lstStyle>
-          <a:p>
-            <a:pPr lvl="0"/>
-            <a:r>
-              <a:rPr lang="en-GB" smtClean="0"/>
-              <a:t>Click to edit Master text styles</a:t>
-            </a:r>
-          </a:p>
-          <a:p>
-            <a:pPr lvl="1"/>
-            <a:r>
-              <a:rPr lang="en-GB" smtClean="0"/>
-              <a:t>Second level</a:t>
-            </a:r>
-          </a:p>
-          <a:p>
-            <a:pPr lvl="2"/>
-            <a:r>
-              <a:rPr lang="en-GB" smtClean="0"/>
-              <a:t>Third level</a:t>
-            </a:r>
-          </a:p>
-          <a:p>
-            <a:pPr lvl="3"/>
-            <a:r>
-              <a:rPr lang="en-GB" smtClean="0"/>
-              <a:t>Fourth level</a:t>
-            </a:r>
-          </a:p>
-          <a:p>
-            <a:pPr lvl="4"/>
-            <a:r>
-              <a:rPr lang="en-GB" smtClean="0"/>
-              <a:t>Fifth level</a:t>
-            </a:r>
-            <a:endParaRPr lang="en-US"/>
-          </a:p>
-        </p:txBody>
-      </p:sp>
-      <p:sp>
-        <p:nvSpPr>
-          <p:cNvPr id="5" name="Date Placeholder 4"/>
-          <p:cNvSpPr>
-            <a:spLocks noGrp="1"/>
-          </p:cNvSpPr>
-          <p:nvPr>
-            <p:ph type="dt" sz="half" idx="10"/>
-          </p:nvPr>
-        </p:nvSpPr>
-        <p:spPr/>
-        <p:txBody>
-          <a:bodyPr/>
-          <a:lstStyle/>
-          <a:p>
-            <a:fld id="{D119BB77-888A-BF43-BE39-D421BFDFAD7D}" type="datetimeFigureOut">
-              <a:rPr lang="en-US" smtClean="0"/>
-              <a:t>9/25/2018</a:t>
-            </a:fld>
-            <a:endParaRPr lang="en-US"/>
-          </a:p>
-        </p:txBody>
-      </p:sp>
-      <p:sp>
-        <p:nvSpPr>
-          <p:cNvPr id="6" name="Footer Placeholder 5"/>
-          <p:cNvSpPr>
-            <a:spLocks noGrp="1"/>
-          </p:cNvSpPr>
-          <p:nvPr>
-            <p:ph type="ftr" sz="quarter" idx="11"/>
-          </p:nvPr>
-        </p:nvSpPr>
-        <p:spPr/>
-        <p:txBody>
-          <a:bodyPr/>
-          <a:lstStyle/>
-          <a:p>
-            <a:endParaRPr lang="en-US"/>
-          </a:p>
-        </p:txBody>
-      </p:sp>
-      <p:sp>
-        <p:nvSpPr>
-          <p:cNvPr id="7" name="Slide Number Placeholder 6"/>
-          <p:cNvSpPr>
-            <a:spLocks noGrp="1"/>
-          </p:cNvSpPr>
-          <p:nvPr>
-            <p:ph type="sldNum" sz="quarter" idx="12"/>
-          </p:nvPr>
-        </p:nvSpPr>
-        <p:spPr/>
-        <p:txBody>
-          <a:bodyPr/>
-          <a:lstStyle/>
-          <a:p>
-            <a:fld id="{F4F2F945-68BA-274D-A0CE-1D9E1734202A}" type="slidenum">
-              <a:rPr lang="en-US" smtClean="0"/>
-              <a:t>‹#›</a:t>
-            </a:fld>
-            <a:endParaRPr lang="en-US"/>
-          </a:p>
-        </p:txBody>
-      </p:sp>
-    </p:spTree>
-    <p:extLst>
-      <p:ext uri="{BB962C8B-B14F-4D97-AF65-F5344CB8AC3E}">
-        <p14:creationId xmlns:p14="http://schemas.microsoft.com/office/powerpoint/2010/main" val="1484094236"/>
-      </p:ext>
-    </p:extLst>
-  </p:cSld>
-  <p:clrMapOvr>
-    <a:masterClrMapping/>
-  </p:clrMapOvr>
-</p:sldLayout>
-</file>
-
-<file path=ppt/slideLayouts/slideLayout5.xml><?xml version="1.0" encoding="utf-8"?>
-<p:sldLayout xmlns:a="http://schemas.openxmlformats.org/drawingml/2006/main" xmlns:r="http://schemas.openxmlformats.org/officeDocument/2006/relationships" xmlns:p="http://schemas.openxmlformats.org/presentationml/2006/main" type="twoTxTwoObj" preserve="1">
-  <p:cSld name="Comparison">
-    <p:spTree>
-      <p:nvGrpSpPr>
-        <p:cNvPr id="1" name=""/>
-        <p:cNvGrpSpPr/>
-        <p:nvPr/>
-      </p:nvGrpSpPr>
-      <p:grpSpPr>
-        <a:xfrm>
-          <a:off x="0" y="0"/>
-          <a:ext cx="0" cy="0"/>
-          <a:chOff x="0" y="0"/>
-          <a:chExt cx="0" cy="0"/>
-        </a:xfrm>
-      </p:grpSpPr>
-      <p:sp>
-        <p:nvSpPr>
-          <p:cNvPr id="2" name="Title 1"/>
-          <p:cNvSpPr>
-            <a:spLocks noGrp="1"/>
-          </p:cNvSpPr>
-          <p:nvPr>
-            <p:ph type="title"/>
-          </p:nvPr>
-        </p:nvSpPr>
-        <p:spPr/>
-        <p:txBody>
-          <a:bodyPr/>
-          <a:lstStyle>
-            <a:lvl1pPr>
-              <a:defRPr/>
-            </a:lvl1pPr>
-          </a:lstStyle>
-          <a:p>
-            <a:r>
-              <a:rPr lang="en-GB" smtClean="0"/>
-              <a:t>Click to edit Master title style</a:t>
-            </a:r>
-            <a:endParaRPr lang="en-US"/>
-          </a:p>
-        </p:txBody>
-      </p:sp>
-      <p:sp>
-        <p:nvSpPr>
-          <p:cNvPr id="3" name="Text Placeholder 2"/>
-          <p:cNvSpPr>
-            <a:spLocks noGrp="1"/>
-          </p:cNvSpPr>
-          <p:nvPr>
-            <p:ph type="body" idx="1"/>
-          </p:nvPr>
-        </p:nvSpPr>
-        <p:spPr>
-          <a:xfrm>
-            <a:off x="457200" y="1535113"/>
-            <a:ext cx="4040188" cy="639762"/>
-          </a:xfrm>
-        </p:spPr>
-        <p:txBody>
-          <a:bodyPr anchor="b"/>
-          <a:lstStyle>
-            <a:lvl1pPr marL="0" indent="0">
-              <a:buNone/>
-              <a:defRPr sz="2400" b="1"/>
-            </a:lvl1pPr>
-            <a:lvl2pPr marL="457200" indent="0">
-              <a:buNone/>
-              <a:defRPr sz="2000" b="1"/>
-            </a:lvl2pPr>
-            <a:lvl3pPr marL="914400" indent="0">
-              <a:buNone/>
-              <a:defRPr sz="1800" b="1"/>
-            </a:lvl3pPr>
-            <a:lvl4pPr marL="1371600" indent="0">
-              <a:buNone/>
-              <a:defRPr sz="1600" b="1"/>
-            </a:lvl4pPr>
-            <a:lvl5pPr marL="1828800" indent="0">
-              <a:buNone/>
-              <a:defRPr sz="1600" b="1"/>
-            </a:lvl5pPr>
-            <a:lvl6pPr marL="2286000" indent="0">
-              <a:buNone/>
-              <a:defRPr sz="1600" b="1"/>
-            </a:lvl6pPr>
-            <a:lvl7pPr marL="2743200" indent="0">
-              <a:buNone/>
-              <a:defRPr sz="1600" b="1"/>
-            </a:lvl7pPr>
-            <a:lvl8pPr marL="3200400" indent="0">
-              <a:buNone/>
-              <a:defRPr sz="1600" b="1"/>
-            </a:lvl8pPr>
-            <a:lvl9pPr marL="3657600" indent="0">
-              <a:buNone/>
-              <a:defRPr sz="1600" b="1"/>
-            </a:lvl9pPr>
-          </a:lstStyle>
-          <a:p>
-            <a:pPr lvl="0"/>
-            <a:r>
-              <a:rPr lang="en-GB" smtClean="0"/>
-              <a:t>Click to edit Master text styles</a:t>
-            </a:r>
-          </a:p>
-        </p:txBody>
-      </p:sp>
-      <p:sp>
-        <p:nvSpPr>
-          <p:cNvPr id="4" name="Content Placeholder 3"/>
-          <p:cNvSpPr>
-            <a:spLocks noGrp="1"/>
-          </p:cNvSpPr>
-          <p:nvPr>
-            <p:ph sz="half" idx="2"/>
-          </p:nvPr>
-        </p:nvSpPr>
-        <p:spPr>
-          <a:xfrm>
-            <a:off x="457200" y="2174875"/>
-            <a:ext cx="4040188" cy="3951288"/>
-          </a:xfrm>
-        </p:spPr>
-        <p:txBody>
-          <a:bodyPr/>
-          <a:lstStyle>
-            <a:lvl1pPr>
-              <a:defRPr sz="2400"/>
-            </a:lvl1pPr>
-            <a:lvl2pPr>
-              <a:defRPr sz="2000"/>
-            </a:lvl2pPr>
-            <a:lvl3pPr>
-              <a:defRPr sz="1800"/>
-            </a:lvl3pPr>
-            <a:lvl4pPr>
-              <a:defRPr sz="1600"/>
-            </a:lvl4pPr>
-            <a:lvl5pPr>
-              <a:defRPr sz="1600"/>
-            </a:lvl5pPr>
-            <a:lvl6pPr>
-              <a:defRPr sz="1600"/>
-            </a:lvl6pPr>
-            <a:lvl7pPr>
-              <a:defRPr sz="1600"/>
-            </a:lvl7pPr>
-            <a:lvl8pPr>
-              <a:defRPr sz="1600"/>
-            </a:lvl8pPr>
-            <a:lvl9pPr>
-              <a:defRPr sz="1600"/>
-            </a:lvl9pPr>
-          </a:lstStyle>
-          <a:p>
-            <a:pPr lvl="0"/>
-            <a:r>
-              <a:rPr lang="en-GB" smtClean="0"/>
-              <a:t>Click to edit Master text styles</a:t>
-            </a:r>
-          </a:p>
-          <a:p>
-            <a:pPr lvl="1"/>
-            <a:r>
-              <a:rPr lang="en-GB" smtClean="0"/>
-              <a:t>Second level</a:t>
-            </a:r>
-          </a:p>
-          <a:p>
-            <a:pPr lvl="2"/>
-            <a:r>
-              <a:rPr lang="en-GB" smtClean="0"/>
-              <a:t>Third level</a:t>
-            </a:r>
-          </a:p>
-          <a:p>
-            <a:pPr lvl="3"/>
-            <a:r>
-              <a:rPr lang="en-GB" smtClean="0"/>
-              <a:t>Fourth level</a:t>
-            </a:r>
-          </a:p>
-          <a:p>
-            <a:pPr lvl="4"/>
-            <a:r>
-              <a:rPr lang="en-GB" smtClean="0"/>
-              <a:t>Fifth level</a:t>
-            </a:r>
-            <a:endParaRPr lang="en-US"/>
-          </a:p>
-        </p:txBody>
-      </p:sp>
-      <p:sp>
-        <p:nvSpPr>
-          <p:cNvPr id="5" name="Text Placeholder 4"/>
-          <p:cNvSpPr>
-            <a:spLocks noGrp="1"/>
-          </p:cNvSpPr>
-          <p:nvPr>
-            <p:ph type="body" sz="quarter" idx="3"/>
-          </p:nvPr>
-        </p:nvSpPr>
-        <p:spPr>
-          <a:xfrm>
-            <a:off x="4645025" y="1535113"/>
-            <a:ext cx="4041775" cy="639762"/>
-          </a:xfrm>
-        </p:spPr>
-        <p:txBody>
-          <a:bodyPr anchor="b"/>
-          <a:lstStyle>
-            <a:lvl1pPr marL="0" indent="0">
-              <a:buNone/>
-              <a:defRPr sz="2400" b="1"/>
-            </a:lvl1pPr>
-            <a:lvl2pPr marL="457200" indent="0">
-              <a:buNone/>
-              <a:defRPr sz="2000" b="1"/>
-            </a:lvl2pPr>
-            <a:lvl3pPr marL="914400" indent="0">
-              <a:buNone/>
-              <a:defRPr sz="1800" b="1"/>
-            </a:lvl3pPr>
-            <a:lvl4pPr marL="1371600" indent="0">
-              <a:buNone/>
-              <a:defRPr sz="1600" b="1"/>
-            </a:lvl4pPr>
-            <a:lvl5pPr marL="1828800" indent="0">
-              <a:buNone/>
-              <a:defRPr sz="1600" b="1"/>
-            </a:lvl5pPr>
-            <a:lvl6pPr marL="2286000" indent="0">
-              <a:buNone/>
-              <a:defRPr sz="1600" b="1"/>
-            </a:lvl6pPr>
-            <a:lvl7pPr marL="2743200" indent="0">
-              <a:buNone/>
-              <a:defRPr sz="1600" b="1"/>
-            </a:lvl7pPr>
-            <a:lvl8pPr marL="3200400" indent="0">
-              <a:buNone/>
-              <a:defRPr sz="1600" b="1"/>
-            </a:lvl8pPr>
-            <a:lvl9pPr marL="3657600" indent="0">
-              <a:buNone/>
-              <a:defRPr sz="1600" b="1"/>
-            </a:lvl9pPr>
-          </a:lstStyle>
-          <a:p>
-            <a:pPr lvl="0"/>
-            <a:r>
-              <a:rPr lang="en-GB" smtClean="0"/>
-              <a:t>Click to edit Master text styles</a:t>
-            </a:r>
-          </a:p>
-        </p:txBody>
-      </p:sp>
-      <p:sp>
-        <p:nvSpPr>
-          <p:cNvPr id="6" name="Content Placeholder 5"/>
-          <p:cNvSpPr>
-            <a:spLocks noGrp="1"/>
-          </p:cNvSpPr>
-          <p:nvPr>
-            <p:ph sz="quarter" idx="4"/>
-          </p:nvPr>
-        </p:nvSpPr>
-        <p:spPr>
-          <a:xfrm>
-            <a:off x="4645025" y="2174875"/>
-            <a:ext cx="4041775" cy="3951288"/>
-          </a:xfrm>
-        </p:spPr>
-        <p:txBody>
-          <a:bodyPr/>
-          <a:lstStyle>
-            <a:lvl1pPr>
-              <a:defRPr sz="2400"/>
-            </a:lvl1pPr>
-            <a:lvl2pPr>
-              <a:defRPr sz="2000"/>
-            </a:lvl2pPr>
-            <a:lvl3pPr>
-              <a:defRPr sz="1800"/>
-            </a:lvl3pPr>
-            <a:lvl4pPr>
-              <a:defRPr sz="1600"/>
-            </a:lvl4pPr>
-            <a:lvl5pPr>
-              <a:defRPr sz="1600"/>
-            </a:lvl5pPr>
-            <a:lvl6pPr>
-              <a:defRPr sz="1600"/>
-            </a:lvl6pPr>
-            <a:lvl7pPr>
-              <a:defRPr sz="1600"/>
-            </a:lvl7pPr>
-            <a:lvl8pPr>
-              <a:defRPr sz="1600"/>
-            </a:lvl8pPr>
-            <a:lvl9pPr>
-              <a:defRPr sz="1600"/>
-            </a:lvl9pPr>
-          </a:lstStyle>
-          <a:p>
-            <a:pPr lvl="0"/>
-            <a:r>
-              <a:rPr lang="en-GB" smtClean="0"/>
-              <a:t>Click to edit Master text styles</a:t>
-            </a:r>
-          </a:p>
-          <a:p>
-            <a:pPr lvl="1"/>
-            <a:r>
-              <a:rPr lang="en-GB" smtClean="0"/>
-              <a:t>Second level</a:t>
-            </a:r>
-          </a:p>
-          <a:p>
-            <a:pPr lvl="2"/>
-            <a:r>
-              <a:rPr lang="en-GB" smtClean="0"/>
-              <a:t>Third level</a:t>
-            </a:r>
-          </a:p>
-          <a:p>
-            <a:pPr lvl="3"/>
-            <a:r>
-              <a:rPr lang="en-GB" smtClean="0"/>
-              <a:t>Fourth level</a:t>
-            </a:r>
-          </a:p>
-          <a:p>
-            <a:pPr lvl="4"/>
-            <a:r>
-              <a:rPr lang="en-GB" smtClean="0"/>
-              <a:t>Fifth level</a:t>
-            </a:r>
-            <a:endParaRPr lang="en-US"/>
-          </a:p>
-        </p:txBody>
-      </p:sp>
-      <p:sp>
-        <p:nvSpPr>
-          <p:cNvPr id="7" name="Date Placeholder 6"/>
-          <p:cNvSpPr>
-            <a:spLocks noGrp="1"/>
-          </p:cNvSpPr>
-          <p:nvPr>
-            <p:ph type="dt" sz="half" idx="10"/>
-          </p:nvPr>
-        </p:nvSpPr>
-        <p:spPr/>
-        <p:txBody>
-          <a:bodyPr/>
-          <a:lstStyle/>
-          <a:p>
-            <a:fld id="{D119BB77-888A-BF43-BE39-D421BFDFAD7D}" type="datetimeFigureOut">
-              <a:rPr lang="en-US" smtClean="0"/>
-              <a:t>9/25/2018</a:t>
-            </a:fld>
-            <a:endParaRPr lang="en-US"/>
-          </a:p>
-        </p:txBody>
-      </p:sp>
-      <p:sp>
-        <p:nvSpPr>
-          <p:cNvPr id="8" name="Footer Placeholder 7"/>
-          <p:cNvSpPr>
-            <a:spLocks noGrp="1"/>
-          </p:cNvSpPr>
-          <p:nvPr>
-            <p:ph type="ftr" sz="quarter" idx="11"/>
-          </p:nvPr>
-        </p:nvSpPr>
-        <p:spPr/>
-        <p:txBody>
-          <a:bodyPr/>
-          <a:lstStyle/>
-          <a:p>
-            <a:endParaRPr lang="en-US"/>
-          </a:p>
-        </p:txBody>
-      </p:sp>
-      <p:sp>
-        <p:nvSpPr>
-          <p:cNvPr id="9" name="Slide Number Placeholder 8"/>
-          <p:cNvSpPr>
-            <a:spLocks noGrp="1"/>
-          </p:cNvSpPr>
-          <p:nvPr>
-            <p:ph type="sldNum" sz="quarter" idx="12"/>
-          </p:nvPr>
-        </p:nvSpPr>
-        <p:spPr/>
-        <p:txBody>
-          <a:bodyPr/>
-          <a:lstStyle/>
-          <a:p>
-            <a:fld id="{F4F2F945-68BA-274D-A0CE-1D9E1734202A}" type="slidenum">
-              <a:rPr lang="en-US" smtClean="0"/>
-              <a:t>‹#›</a:t>
-            </a:fld>
-            <a:endParaRPr lang="en-US"/>
-          </a:p>
-        </p:txBody>
-      </p:sp>
-    </p:spTree>
-    <p:extLst>
-      <p:ext uri="{BB962C8B-B14F-4D97-AF65-F5344CB8AC3E}">
-        <p14:creationId xmlns:p14="http://schemas.microsoft.com/office/powerpoint/2010/main" val="3923413173"/>
-      </p:ext>
-    </p:extLst>
-  </p:cSld>
-  <p:clrMapOvr>
-    <a:masterClrMapping/>
-  </p:clrMapOvr>
-</p:sldLayout>
-</file>
-
-<file path=ppt/slideLayouts/slideLayout6.xml><?xml version="1.0" encoding="utf-8"?>
-<p:sldLayout xmlns:a="http://schemas.openxmlformats.org/drawingml/2006/main" xmlns:r="http://schemas.openxmlformats.org/officeDocument/2006/relationships" xmlns:p="http://schemas.openxmlformats.org/presentationml/2006/main" type="titleOnly" preserve="1">
-  <p:cSld name="Title Only">
-    <p:spTree>
-      <p:nvGrpSpPr>
-        <p:cNvPr id="1" name=""/>
-        <p:cNvGrpSpPr/>
-        <p:nvPr/>
-      </p:nvGrpSpPr>
-      <p:grpSpPr>
-        <a:xfrm>
-          <a:off x="0" y="0"/>
-          <a:ext cx="0" cy="0"/>
-          <a:chOff x="0" y="0"/>
-          <a:chExt cx="0" cy="0"/>
-        </a:xfrm>
-      </p:grpSpPr>
-      <p:sp>
-        <p:nvSpPr>
-          <p:cNvPr id="2" name="Title 1"/>
-          <p:cNvSpPr>
-            <a:spLocks noGrp="1"/>
-          </p:cNvSpPr>
-          <p:nvPr>
-            <p:ph type="title"/>
-          </p:nvPr>
-        </p:nvSpPr>
-        <p:spPr/>
-        <p:txBody>
-          <a:bodyPr/>
-          <a:lstStyle/>
-          <a:p>
-            <a:r>
-              <a:rPr lang="en-GB" smtClean="0"/>
-              <a:t>Click to edit Master title style</a:t>
-            </a:r>
-            <a:endParaRPr lang="en-US"/>
-          </a:p>
-        </p:txBody>
-      </p:sp>
-      <p:sp>
-        <p:nvSpPr>
-          <p:cNvPr id="3" name="Date Placeholder 2"/>
-          <p:cNvSpPr>
-            <a:spLocks noGrp="1"/>
-          </p:cNvSpPr>
-          <p:nvPr>
-            <p:ph type="dt" sz="half" idx="10"/>
-          </p:nvPr>
-        </p:nvSpPr>
-        <p:spPr/>
-        <p:txBody>
-          <a:bodyPr/>
-          <a:lstStyle/>
-          <a:p>
-            <a:fld id="{D119BB77-888A-BF43-BE39-D421BFDFAD7D}" type="datetimeFigureOut">
-              <a:rPr lang="en-US" smtClean="0"/>
-              <a:t>9/25/2018</a:t>
-            </a:fld>
-            <a:endParaRPr lang="en-US"/>
-          </a:p>
-        </p:txBody>
-      </p:sp>
-      <p:sp>
-        <p:nvSpPr>
-          <p:cNvPr id="4" name="Footer Placeholder 3"/>
-          <p:cNvSpPr>
-            <a:spLocks noGrp="1"/>
-          </p:cNvSpPr>
-          <p:nvPr>
-            <p:ph type="ftr" sz="quarter" idx="11"/>
-          </p:nvPr>
-        </p:nvSpPr>
-        <p:spPr/>
-        <p:txBody>
-          <a:bodyPr/>
-          <a:lstStyle/>
-          <a:p>
-            <a:endParaRPr lang="en-US"/>
-          </a:p>
-        </p:txBody>
-      </p:sp>
-      <p:sp>
-        <p:nvSpPr>
-          <p:cNvPr id="5" name="Slide Number Placeholder 4"/>
-          <p:cNvSpPr>
-            <a:spLocks noGrp="1"/>
-          </p:cNvSpPr>
-          <p:nvPr>
-            <p:ph type="sldNum" sz="quarter" idx="12"/>
-          </p:nvPr>
-        </p:nvSpPr>
-        <p:spPr/>
-        <p:txBody>
-          <a:bodyPr/>
-          <a:lstStyle/>
-          <a:p>
-            <a:fld id="{F4F2F945-68BA-274D-A0CE-1D9E1734202A}" type="slidenum">
-              <a:rPr lang="en-US" smtClean="0"/>
-              <a:t>‹#›</a:t>
-            </a:fld>
-            <a:endParaRPr lang="en-US"/>
-          </a:p>
-        </p:txBody>
-      </p:sp>
-    </p:spTree>
-    <p:extLst>
-      <p:ext uri="{BB962C8B-B14F-4D97-AF65-F5344CB8AC3E}">
-        <p14:creationId xmlns:p14="http://schemas.microsoft.com/office/powerpoint/2010/main" val="3402682651"/>
-      </p:ext>
-    </p:extLst>
-  </p:cSld>
-  <p:clrMapOvr>
-    <a:masterClrMapping/>
-  </p:clrMapOvr>
-</p:sldLayout>
-</file>
-
-<file path=ppt/slideLayouts/slideLayout7.xml><?xml version="1.0" encoding="utf-8"?>
-<p:sldLayout xmlns:a="http://schemas.openxmlformats.org/drawingml/2006/main" xmlns:r="http://schemas.openxmlformats.org/officeDocument/2006/relationships" xmlns:p="http://schemas.openxmlformats.org/presentationml/2006/main" type="blank" preserve="1">
-  <p:cSld name="Blank">
-    <p:spTree>
-      <p:nvGrpSpPr>
-        <p:cNvPr id="1" name=""/>
-        <p:cNvGrpSpPr/>
-        <p:nvPr/>
-      </p:nvGrpSpPr>
-      <p:grpSpPr>
-        <a:xfrm>
-          <a:off x="0" y="0"/>
-          <a:ext cx="0" cy="0"/>
-          <a:chOff x="0" y="0"/>
-          <a:chExt cx="0" cy="0"/>
-        </a:xfrm>
-      </p:grpSpPr>
-      <p:sp>
-        <p:nvSpPr>
-          <p:cNvPr id="2" name="Date Placeholder 1"/>
-          <p:cNvSpPr>
-            <a:spLocks noGrp="1"/>
-          </p:cNvSpPr>
-          <p:nvPr>
-            <p:ph type="dt" sz="half" idx="10"/>
-          </p:nvPr>
-        </p:nvSpPr>
-        <p:spPr/>
-        <p:txBody>
-          <a:bodyPr/>
-          <a:lstStyle/>
-          <a:p>
-            <a:fld id="{D119BB77-888A-BF43-BE39-D421BFDFAD7D}" type="datetimeFigureOut">
-              <a:rPr lang="en-US" smtClean="0"/>
-              <a:t>9/25/2018</a:t>
-            </a:fld>
-            <a:endParaRPr lang="en-US"/>
-          </a:p>
-        </p:txBody>
-      </p:sp>
-      <p:sp>
-        <p:nvSpPr>
-          <p:cNvPr id="3" name="Footer Placeholder 2"/>
-          <p:cNvSpPr>
-            <a:spLocks noGrp="1"/>
-          </p:cNvSpPr>
-          <p:nvPr>
-            <p:ph type="ftr" sz="quarter" idx="11"/>
-          </p:nvPr>
-        </p:nvSpPr>
-        <p:spPr/>
-        <p:txBody>
-          <a:bodyPr/>
-          <a:lstStyle/>
-          <a:p>
-            <a:endParaRPr lang="en-US"/>
-          </a:p>
-        </p:txBody>
-      </p:sp>
-      <p:sp>
-        <p:nvSpPr>
-          <p:cNvPr id="4" name="Slide Number Placeholder 3"/>
-          <p:cNvSpPr>
-            <a:spLocks noGrp="1"/>
-          </p:cNvSpPr>
-          <p:nvPr>
-            <p:ph type="sldNum" sz="quarter" idx="12"/>
-          </p:nvPr>
-        </p:nvSpPr>
-        <p:spPr/>
-        <p:txBody>
-          <a:bodyPr/>
-          <a:lstStyle/>
-          <a:p>
-            <a:fld id="{F4F2F945-68BA-274D-A0CE-1D9E1734202A}" type="slidenum">
-              <a:rPr lang="en-US" smtClean="0"/>
-              <a:t>‹#›</a:t>
-            </a:fld>
-            <a:endParaRPr lang="en-US"/>
-          </a:p>
-        </p:txBody>
-      </p:sp>
-    </p:spTree>
-    <p:extLst>
-      <p:ext uri="{BB962C8B-B14F-4D97-AF65-F5344CB8AC3E}">
-        <p14:creationId xmlns:p14="http://schemas.microsoft.com/office/powerpoint/2010/main" val="994489339"/>
-      </p:ext>
-    </p:extLst>
-  </p:cSld>
-  <p:clrMapOvr>
-    <a:masterClrMapping/>
-  </p:clrMapOvr>
-</p:sldLayout>
-</file>
-
-<file path=ppt/slideLayouts/slideLayout8.xml><?xml version="1.0" encoding="utf-8"?>
-<p:sldLayout xmlns:a="http://schemas.openxmlformats.org/drawingml/2006/main" xmlns:r="http://schemas.openxmlformats.org/officeDocument/2006/relationships" xmlns:p="http://schemas.openxmlformats.org/presentationml/2006/main" type="objTx" preserve="1">
-  <p:cSld name="Content with Caption">
-    <p:spTree>
-      <p:nvGrpSpPr>
-        <p:cNvPr id="1" name=""/>
-        <p:cNvGrpSpPr/>
-        <p:nvPr/>
-      </p:nvGrpSpPr>
-      <p:grpSpPr>
-        <a:xfrm>
-          <a:off x="0" y="0"/>
-          <a:ext cx="0" cy="0"/>
-          <a:chOff x="0" y="0"/>
-          <a:chExt cx="0" cy="0"/>
-        </a:xfrm>
-      </p:grpSpPr>
-      <p:sp>
-        <p:nvSpPr>
-          <p:cNvPr id="2" name="Title 1"/>
-          <p:cNvSpPr>
-            <a:spLocks noGrp="1"/>
-          </p:cNvSpPr>
-          <p:nvPr>
-            <p:ph type="title"/>
-          </p:nvPr>
-        </p:nvSpPr>
-        <p:spPr>
-          <a:xfrm>
-            <a:off x="457200" y="273050"/>
-            <a:ext cx="3008313" cy="1162050"/>
-          </a:xfrm>
-        </p:spPr>
-        <p:txBody>
-          <a:bodyPr anchor="b"/>
-          <a:lstStyle>
-            <a:lvl1pPr algn="l">
-              <a:defRPr sz="2000" b="1"/>
-            </a:lvl1pPr>
-          </a:lstStyle>
-          <a:p>
-            <a:r>
-              <a:rPr lang="en-GB" smtClean="0"/>
-              <a:t>Click to edit Master title style</a:t>
-            </a:r>
-            <a:endParaRPr lang="en-US"/>
-          </a:p>
-        </p:txBody>
-      </p:sp>
-      <p:sp>
-        <p:nvSpPr>
-          <p:cNvPr id="3" name="Content Placeholder 2"/>
-          <p:cNvSpPr>
-            <a:spLocks noGrp="1"/>
-          </p:cNvSpPr>
-          <p:nvPr>
-            <p:ph idx="1"/>
-          </p:nvPr>
-        </p:nvSpPr>
-        <p:spPr>
-          <a:xfrm>
-            <a:off x="3575050" y="273050"/>
-            <a:ext cx="5111750" cy="5853113"/>
-          </a:xfrm>
-        </p:spPr>
-        <p:txBody>
-          <a:bodyPr/>
-          <a:lstStyle>
-            <a:lvl1pPr>
-              <a:defRPr sz="3200"/>
-            </a:lvl1pPr>
-            <a:lvl2pPr>
-              <a:defRPr sz="2800"/>
-            </a:lvl2pPr>
-            <a:lvl3pPr>
-              <a:defRPr sz="2400"/>
-            </a:lvl3pPr>
-            <a:lvl4pPr>
-              <a:defRPr sz="2000"/>
-            </a:lvl4pPr>
-            <a:lvl5pPr>
-              <a:defRPr sz="2000"/>
-            </a:lvl5pPr>
-            <a:lvl6pPr>
-              <a:defRPr sz="2000"/>
-            </a:lvl6pPr>
-            <a:lvl7pPr>
-              <a:defRPr sz="2000"/>
-            </a:lvl7pPr>
-            <a:lvl8pPr>
-              <a:defRPr sz="2000"/>
-            </a:lvl8pPr>
-            <a:lvl9pPr>
-              <a:defRPr sz="2000"/>
-            </a:lvl9pPr>
-          </a:lstStyle>
-          <a:p>
-            <a:pPr lvl="0"/>
-            <a:r>
-              <a:rPr lang="en-GB" smtClean="0"/>
-              <a:t>Click to edit Master text styles</a:t>
-            </a:r>
-          </a:p>
-          <a:p>
-            <a:pPr lvl="1"/>
-            <a:r>
-              <a:rPr lang="en-GB" smtClean="0"/>
-              <a:t>Second level</a:t>
-            </a:r>
-          </a:p>
-          <a:p>
-            <a:pPr lvl="2"/>
-            <a:r>
-              <a:rPr lang="en-GB" smtClean="0"/>
-              <a:t>Third level</a:t>
-            </a:r>
-          </a:p>
-          <a:p>
-            <a:pPr lvl="3"/>
-            <a:r>
-              <a:rPr lang="en-GB" smtClean="0"/>
-              <a:t>Fourth level</a:t>
-            </a:r>
-          </a:p>
-          <a:p>
-            <a:pPr lvl="4"/>
-            <a:r>
-              <a:rPr lang="en-GB" smtClean="0"/>
-              <a:t>Fifth level</a:t>
-            </a:r>
-            <a:endParaRPr lang="en-US"/>
-          </a:p>
-        </p:txBody>
-      </p:sp>
-      <p:sp>
-        <p:nvSpPr>
-          <p:cNvPr id="4" name="Text Placeholder 3"/>
-          <p:cNvSpPr>
-            <a:spLocks noGrp="1"/>
-          </p:cNvSpPr>
-          <p:nvPr>
-            <p:ph type="body" sz="half" idx="2"/>
-          </p:nvPr>
-        </p:nvSpPr>
-        <p:spPr>
-          <a:xfrm>
-            <a:off x="457200" y="1435100"/>
-            <a:ext cx="3008313" cy="4691063"/>
-          </a:xfrm>
-        </p:spPr>
-        <p:txBody>
-          <a:bodyPr/>
-          <a:lstStyle>
-            <a:lvl1pPr marL="0" indent="0">
-              <a:buNone/>
-              <a:defRPr sz="1400"/>
-            </a:lvl1pPr>
-            <a:lvl2pPr marL="457200" indent="0">
-              <a:buNone/>
-              <a:defRPr sz="1200"/>
-            </a:lvl2pPr>
-            <a:lvl3pPr marL="914400" indent="0">
-              <a:buNone/>
-              <a:defRPr sz="1000"/>
-            </a:lvl3pPr>
-            <a:lvl4pPr marL="1371600" indent="0">
-              <a:buNone/>
-              <a:defRPr sz="900"/>
-            </a:lvl4pPr>
-            <a:lvl5pPr marL="1828800" indent="0">
-              <a:buNone/>
-              <a:defRPr sz="900"/>
-            </a:lvl5pPr>
-            <a:lvl6pPr marL="2286000" indent="0">
-              <a:buNone/>
-              <a:defRPr sz="900"/>
-            </a:lvl6pPr>
-            <a:lvl7pPr marL="2743200" indent="0">
-              <a:buNone/>
-              <a:defRPr sz="900"/>
-            </a:lvl7pPr>
-            <a:lvl8pPr marL="3200400" indent="0">
-              <a:buNone/>
-              <a:defRPr sz="900"/>
-            </a:lvl8pPr>
-            <a:lvl9pPr marL="3657600" indent="0">
-              <a:buNone/>
-              <a:defRPr sz="900"/>
-            </a:lvl9pPr>
-          </a:lstStyle>
-          <a:p>
-            <a:pPr lvl="0"/>
-            <a:r>
-              <a:rPr lang="en-GB" smtClean="0"/>
-              <a:t>Click to edit Master text styles</a:t>
-            </a:r>
-          </a:p>
-        </p:txBody>
-      </p:sp>
-      <p:sp>
-        <p:nvSpPr>
-          <p:cNvPr id="5" name="Date Placeholder 4"/>
-          <p:cNvSpPr>
-            <a:spLocks noGrp="1"/>
-          </p:cNvSpPr>
-          <p:nvPr>
-            <p:ph type="dt" sz="half" idx="10"/>
-          </p:nvPr>
-        </p:nvSpPr>
-        <p:spPr/>
-        <p:txBody>
-          <a:bodyPr/>
-          <a:lstStyle/>
-          <a:p>
-            <a:fld id="{D119BB77-888A-BF43-BE39-D421BFDFAD7D}" type="datetimeFigureOut">
-              <a:rPr lang="en-US" smtClean="0"/>
-              <a:t>9/25/2018</a:t>
-            </a:fld>
-            <a:endParaRPr lang="en-US"/>
-          </a:p>
-        </p:txBody>
-      </p:sp>
-      <p:sp>
-        <p:nvSpPr>
-          <p:cNvPr id="6" name="Footer Placeholder 5"/>
-          <p:cNvSpPr>
-            <a:spLocks noGrp="1"/>
-          </p:cNvSpPr>
-          <p:nvPr>
-            <p:ph type="ftr" sz="quarter" idx="11"/>
-          </p:nvPr>
-        </p:nvSpPr>
-        <p:spPr/>
-        <p:txBody>
-          <a:bodyPr/>
-          <a:lstStyle/>
-          <a:p>
-            <a:endParaRPr lang="en-US"/>
-          </a:p>
-        </p:txBody>
-      </p:sp>
-      <p:sp>
-        <p:nvSpPr>
-          <p:cNvPr id="7" name="Slide Number Placeholder 6"/>
-          <p:cNvSpPr>
-            <a:spLocks noGrp="1"/>
-          </p:cNvSpPr>
-          <p:nvPr>
-            <p:ph type="sldNum" sz="quarter" idx="12"/>
-          </p:nvPr>
-        </p:nvSpPr>
-        <p:spPr/>
-        <p:txBody>
-          <a:bodyPr/>
-          <a:lstStyle/>
-          <a:p>
-            <a:fld id="{F4F2F945-68BA-274D-A0CE-1D9E1734202A}" type="slidenum">
-              <a:rPr lang="en-US" smtClean="0"/>
-              <a:t>‹#›</a:t>
-            </a:fld>
-            <a:endParaRPr lang="en-US"/>
-          </a:p>
-        </p:txBody>
-      </p:sp>
-    </p:spTree>
-    <p:extLst>
-      <p:ext uri="{BB962C8B-B14F-4D97-AF65-F5344CB8AC3E}">
-        <p14:creationId xmlns:p14="http://schemas.microsoft.com/office/powerpoint/2010/main" val="1111210239"/>
-      </p:ext>
-    </p:extLst>
-  </p:cSld>
-  <p:clrMapOvr>
-    <a:masterClrMapping/>
-  </p:clrMapOvr>
-</p:sldLayout>
-</file>
-
-<file path=ppt/slideLayouts/slideLayout9.xml><?xml version="1.0" encoding="utf-8"?>
-<p:sldLayout xmlns:a="http://schemas.openxmlformats.org/drawingml/2006/main" xmlns:r="http://schemas.openxmlformats.org/officeDocument/2006/relationships" xmlns:p="http://schemas.openxmlformats.org/presentationml/2006/main" type="picTx" preserve="1">
-  <p:cSld name="Picture with Caption">
-    <p:spTree>
-      <p:nvGrpSpPr>
-        <p:cNvPr id="1" name=""/>
-        <p:cNvGrpSpPr/>
-        <p:nvPr/>
-      </p:nvGrpSpPr>
-      <p:grpSpPr>
-        <a:xfrm>
-          <a:off x="0" y="0"/>
-          <a:ext cx="0" cy="0"/>
-          <a:chOff x="0" y="0"/>
-          <a:chExt cx="0" cy="0"/>
-        </a:xfrm>
-      </p:grpSpPr>
-      <p:sp>
-        <p:nvSpPr>
-          <p:cNvPr id="2" name="Title 1"/>
-          <p:cNvSpPr>
-            <a:spLocks noGrp="1"/>
-          </p:cNvSpPr>
-          <p:nvPr>
-            <p:ph type="title"/>
-          </p:nvPr>
-        </p:nvSpPr>
-        <p:spPr>
-          <a:xfrm>
-            <a:off x="1792288" y="4800600"/>
-            <a:ext cx="5486400" cy="566738"/>
-          </a:xfrm>
-        </p:spPr>
-        <p:txBody>
-          <a:bodyPr anchor="b"/>
-          <a:lstStyle>
-            <a:lvl1pPr algn="l">
-              <a:defRPr sz="2000" b="1"/>
-            </a:lvl1pPr>
-          </a:lstStyle>
-          <a:p>
-            <a:r>
-              <a:rPr lang="en-GB" smtClean="0"/>
-              <a:t>Click to edit Master title style</a:t>
-            </a:r>
-            <a:endParaRPr lang="en-US"/>
-          </a:p>
-        </p:txBody>
-      </p:sp>
-      <p:sp>
-        <p:nvSpPr>
-          <p:cNvPr id="3" name="Picture Placeholder 2"/>
-          <p:cNvSpPr>
-            <a:spLocks noGrp="1"/>
-          </p:cNvSpPr>
-          <p:nvPr>
-            <p:ph type="pic" idx="1"/>
-          </p:nvPr>
-        </p:nvSpPr>
-        <p:spPr>
-          <a:xfrm>
-            <a:off x="1792288" y="612775"/>
-            <a:ext cx="5486400" cy="4114800"/>
-          </a:xfrm>
-        </p:spPr>
-        <p:txBody>
-          <a:bodyPr/>
-          <a:lstStyle>
-            <a:lvl1pPr marL="0" indent="0">
-              <a:buNone/>
-              <a:defRPr sz="3200"/>
-            </a:lvl1pPr>
-            <a:lvl2pPr marL="457200" indent="0">
-              <a:buNone/>
-              <a:defRPr sz="2800"/>
-            </a:lvl2pPr>
-            <a:lvl3pPr marL="914400" indent="0">
-              <a:buNone/>
-              <a:defRPr sz="2400"/>
-            </a:lvl3pPr>
-            <a:lvl4pPr marL="1371600" indent="0">
-              <a:buNone/>
-              <a:defRPr sz="2000"/>
-            </a:lvl4pPr>
-            <a:lvl5pPr marL="1828800" indent="0">
-              <a:buNone/>
-              <a:defRPr sz="2000"/>
-            </a:lvl5pPr>
-            <a:lvl6pPr marL="2286000" indent="0">
-              <a:buNone/>
-              <a:defRPr sz="2000"/>
-            </a:lvl6pPr>
-            <a:lvl7pPr marL="2743200" indent="0">
-              <a:buNone/>
-              <a:defRPr sz="2000"/>
-            </a:lvl7pPr>
-            <a:lvl8pPr marL="3200400" indent="0">
-              <a:buNone/>
-              <a:defRPr sz="2000"/>
-            </a:lvl8pPr>
-            <a:lvl9pPr marL="3657600" indent="0">
-              <a:buNone/>
-              <a:defRPr sz="2000"/>
-            </a:lvl9pPr>
-          </a:lstStyle>
-          <a:p>
-            <a:endParaRPr lang="en-US"/>
-          </a:p>
-        </p:txBody>
-      </p:sp>
-      <p:sp>
-        <p:nvSpPr>
-          <p:cNvPr id="4" name="Text Placeholder 3"/>
-          <p:cNvSpPr>
-            <a:spLocks noGrp="1"/>
-          </p:cNvSpPr>
-          <p:nvPr>
-            <p:ph type="body" sz="half" idx="2"/>
-          </p:nvPr>
-        </p:nvSpPr>
-        <p:spPr>
-          <a:xfrm>
-            <a:off x="1792288" y="5367338"/>
-            <a:ext cx="5486400" cy="804862"/>
-          </a:xfrm>
-        </p:spPr>
-        <p:txBody>
-          <a:bodyPr/>
-          <a:lstStyle>
-            <a:lvl1pPr marL="0" indent="0">
-              <a:buNone/>
-              <a:defRPr sz="1400"/>
-            </a:lvl1pPr>
-            <a:lvl2pPr marL="457200" indent="0">
-              <a:buNone/>
-              <a:defRPr sz="1200"/>
-            </a:lvl2pPr>
-            <a:lvl3pPr marL="914400" indent="0">
-              <a:buNone/>
-              <a:defRPr sz="1000"/>
-            </a:lvl3pPr>
-            <a:lvl4pPr marL="1371600" indent="0">
-              <a:buNone/>
-              <a:defRPr sz="900"/>
-            </a:lvl4pPr>
-            <a:lvl5pPr marL="1828800" indent="0">
-              <a:buNone/>
-              <a:defRPr sz="900"/>
-            </a:lvl5pPr>
-            <a:lvl6pPr marL="2286000" indent="0">
-              <a:buNone/>
-              <a:defRPr sz="900"/>
-            </a:lvl6pPr>
-            <a:lvl7pPr marL="2743200" indent="0">
-              <a:buNone/>
-              <a:defRPr sz="900"/>
-            </a:lvl7pPr>
-            <a:lvl8pPr marL="3200400" indent="0">
-              <a:buNone/>
-              <a:defRPr sz="900"/>
-            </a:lvl8pPr>
-            <a:lvl9pPr marL="3657600" indent="0">
-              <a:buNone/>
-              <a:defRPr sz="900"/>
-            </a:lvl9pPr>
-          </a:lstStyle>
-          <a:p>
-            <a:pPr lvl="0"/>
-            <a:r>
-              <a:rPr lang="en-GB" smtClean="0"/>
-              <a:t>Click to edit Master text styles</a:t>
-            </a:r>
-          </a:p>
-        </p:txBody>
-      </p:sp>
-      <p:sp>
-        <p:nvSpPr>
-          <p:cNvPr id="5" name="Date Placeholder 4"/>
-          <p:cNvSpPr>
-            <a:spLocks noGrp="1"/>
-          </p:cNvSpPr>
-          <p:nvPr>
-            <p:ph type="dt" sz="half" idx="10"/>
-          </p:nvPr>
-        </p:nvSpPr>
-        <p:spPr/>
-        <p:txBody>
-          <a:bodyPr/>
-          <a:lstStyle/>
-          <a:p>
-            <a:fld id="{D119BB77-888A-BF43-BE39-D421BFDFAD7D}" type="datetimeFigureOut">
-              <a:rPr lang="en-US" smtClean="0"/>
-              <a:t>9/25/2018</a:t>
-            </a:fld>
-            <a:endParaRPr lang="en-US"/>
-          </a:p>
-        </p:txBody>
-      </p:sp>
-      <p:sp>
-        <p:nvSpPr>
-          <p:cNvPr id="6" name="Footer Placeholder 5"/>
-          <p:cNvSpPr>
-            <a:spLocks noGrp="1"/>
-          </p:cNvSpPr>
-          <p:nvPr>
-            <p:ph type="ftr" sz="quarter" idx="11"/>
-          </p:nvPr>
-        </p:nvSpPr>
-        <p:spPr/>
-        <p:txBody>
-          <a:bodyPr/>
-          <a:lstStyle/>
-          <a:p>
-            <a:endParaRPr lang="en-US"/>
-          </a:p>
-        </p:txBody>
-      </p:sp>
-      <p:sp>
-        <p:nvSpPr>
-          <p:cNvPr id="7" name="Slide Number Placeholder 6"/>
-          <p:cNvSpPr>
-            <a:spLocks noGrp="1"/>
-          </p:cNvSpPr>
-          <p:nvPr>
-            <p:ph type="sldNum" sz="quarter" idx="12"/>
-          </p:nvPr>
-        </p:nvSpPr>
-        <p:spPr/>
-        <p:txBody>
-          <a:bodyPr/>
-          <a:lstStyle/>
-          <a:p>
-            <a:fld id="{F4F2F945-68BA-274D-A0CE-1D9E1734202A}" type="slidenum">
-              <a:rPr lang="en-US" smtClean="0"/>
-              <a:t>‹#›</a:t>
-            </a:fld>
-            <a:endParaRPr lang="en-US"/>
-          </a:p>
-        </p:txBody>
-      </p:sp>
-    </p:spTree>
-    <p:extLst>
-      <p:ext uri="{BB962C8B-B14F-4D97-AF65-F5344CB8AC3E}">
-        <p14:creationId xmlns:p14="http://schemas.microsoft.com/office/powerpoint/2010/main" val="4216006441"/>
+        <p14:creationId xmlns:p14="http://schemas.microsoft.com/office/powerpoint/2010/main" val="744779880"/>
       </p:ext>
     </p:extLst>
   </p:cSld>
@@ -2595,9 +4455,18 @@
 <p:sldMaster xmlns:a="http://schemas.openxmlformats.org/drawingml/2006/main" xmlns:r="http://schemas.openxmlformats.org/officeDocument/2006/relationships" xmlns:p="http://schemas.openxmlformats.org/presentationml/2006/main">
   <p:cSld>
     <p:bg>
-      <p:bgRef idx="1001">
-        <a:schemeClr val="bg1"/>
-      </p:bgRef>
+      <p:bgPr>
+        <a:blipFill dpi="0" rotWithShape="1">
+          <a:blip r:embed="rId9">
+            <a:lum/>
+          </a:blip>
+          <a:srcRect/>
+          <a:stretch>
+            <a:fillRect/>
+          </a:stretch>
+        </a:blipFill>
+        <a:effectLst/>
+      </p:bgPr>
     </p:bg>
     <p:spTree>
       <p:nvGrpSpPr>
@@ -2613,42 +4482,123 @@
           <a:chExt cx="0" cy="0"/>
         </a:xfrm>
       </p:grpSpPr>
-      <p:sp>
-        <p:nvSpPr>
-          <p:cNvPr id="2" name="Title Placeholder 1"/>
-          <p:cNvSpPr>
-            <a:spLocks noGrp="1"/>
-          </p:cNvSpPr>
-          <p:nvPr>
-            <p:ph type="title"/>
-          </p:nvPr>
-        </p:nvSpPr>
+      <p:pic>
+        <p:nvPicPr>
+          <p:cNvPr id="2" name="Picture 1">
+            <a:extLst>
+              <a:ext uri="{FF2B5EF4-FFF2-40B4-BE49-F238E27FC236}">
+                <a16:creationId xmlns:a16="http://schemas.microsoft.com/office/drawing/2014/main" id="{94339D0A-8AB1-EE42-AC82-688E2EE077FE}"/>
+              </a:ext>
+            </a:extLst>
+          </p:cNvPr>
+          <p:cNvPicPr>
+            <a:picLocks noChangeAspect="1"/>
+          </p:cNvPicPr>
+          <p:nvPr/>
+        </p:nvPicPr>
+        <p:blipFill>
+          <a:blip r:embed="rId10" cstate="print">
+            <a:extLst>
+              <a:ext uri="{28A0092B-C50C-407E-A947-70E740481C1C}">
+                <a14:useLocalDpi xmlns:a14="http://schemas.microsoft.com/office/drawing/2010/main" val="0"/>
+              </a:ext>
+            </a:extLst>
+          </a:blip>
+          <a:stretch>
+            <a:fillRect/>
+          </a:stretch>
+        </p:blipFill>
         <p:spPr>
           <a:xfrm>
-            <a:off x="457200" y="274638"/>
-            <a:ext cx="8229600" cy="1143000"/>
+            <a:off x="31261" y="6060170"/>
+            <a:ext cx="1524000" cy="406978"/>
           </a:xfrm>
           <a:prstGeom prst="rect">
             <a:avLst/>
           </a:prstGeom>
         </p:spPr>
-        <p:txBody>
-          <a:bodyPr vert="horz" lIns="91440" tIns="45720" rIns="91440" bIns="45720" rtlCol="0" anchor="ctr">
-            <a:normAutofit/>
-          </a:bodyPr>
-          <a:lstStyle/>
-          <a:p>
-            <a:r>
-              <a:rPr lang="en-GB" smtClean="0"/>
-              <a:t>Click to edit Master title style</a:t>
-            </a:r>
-            <a:endParaRPr lang="en-US"/>
-          </a:p>
-        </p:txBody>
-      </p:sp>
+      </p:pic>
+      <p:pic>
+        <p:nvPicPr>
+          <p:cNvPr id="3" name="Picture 2">
+            <a:extLst>
+              <a:ext uri="{FF2B5EF4-FFF2-40B4-BE49-F238E27FC236}">
+                <a16:creationId xmlns:a16="http://schemas.microsoft.com/office/drawing/2014/main" id="{ECE97BB7-AE21-A342-80EA-18B079CE785F}"/>
+              </a:ext>
+            </a:extLst>
+          </p:cNvPr>
+          <p:cNvPicPr>
+            <a:picLocks noChangeAspect="1"/>
+          </p:cNvPicPr>
+          <p:nvPr/>
+        </p:nvPicPr>
+        <p:blipFill>
+          <a:blip r:embed="rId11" cstate="print">
+            <a:extLst>
+              <a:ext uri="{28A0092B-C50C-407E-A947-70E740481C1C}">
+                <a14:useLocalDpi xmlns:a14="http://schemas.microsoft.com/office/drawing/2010/main" val="0"/>
+              </a:ext>
+            </a:extLst>
+          </a:blip>
+          <a:stretch>
+            <a:fillRect/>
+          </a:stretch>
+        </p:blipFill>
+        <p:spPr>
+          <a:xfrm>
+            <a:off x="7731287" y="6129665"/>
+            <a:ext cx="1310231" cy="337483"/>
+          </a:xfrm>
+          <a:prstGeom prst="rect">
+            <a:avLst/>
+          </a:prstGeom>
+        </p:spPr>
+      </p:pic>
+      <p:pic>
+        <p:nvPicPr>
+          <p:cNvPr id="4" name="Picture 3">
+            <a:extLst>
+              <a:ext uri="{FF2B5EF4-FFF2-40B4-BE49-F238E27FC236}">
+                <a16:creationId xmlns:a16="http://schemas.microsoft.com/office/drawing/2014/main" id="{5F879F7C-9F4C-5641-89C9-995031571E5D}"/>
+              </a:ext>
+            </a:extLst>
+          </p:cNvPr>
+          <p:cNvPicPr>
+            <a:picLocks noChangeAspect="1"/>
+          </p:cNvPicPr>
+          <p:nvPr/>
+        </p:nvPicPr>
+        <p:blipFill>
+          <a:blip r:embed="rId12" cstate="print">
+            <a:extLst>
+              <a:ext uri="{28A0092B-C50C-407E-A947-70E740481C1C}">
+                <a14:useLocalDpi xmlns:a14="http://schemas.microsoft.com/office/drawing/2010/main" val="0"/>
+              </a:ext>
+            </a:extLst>
+          </a:blip>
+          <a:stretch>
+            <a:fillRect/>
+          </a:stretch>
+        </p:blipFill>
+        <p:spPr>
+          <a:xfrm>
+            <a:off x="6212264" y="6116687"/>
+            <a:ext cx="1476610" cy="350461"/>
+          </a:xfrm>
+          <a:prstGeom prst="rect">
+            <a:avLst/>
+          </a:prstGeom>
+        </p:spPr>
+      </p:pic>
       <p:sp>
         <p:nvSpPr>
-          <p:cNvPr id="3" name="Text Placeholder 2"/>
+          <p:cNvPr id="5" name="Text Placeholder 4">
+            <a:extLst>
+              <a:ext uri="{FF2B5EF4-FFF2-40B4-BE49-F238E27FC236}">
+                <a16:creationId xmlns:a16="http://schemas.microsoft.com/office/drawing/2014/main" id="{E0862F96-17BC-1D46-B6DF-8EEA1A6DE1BC}"/>
+              </a:ext>
+            </a:extLst>
+          </p:cNvPr>
           <p:cNvSpPr>
             <a:spLocks noGrp="1"/>
           </p:cNvSpPr>
@@ -2658,8 +4608,8 @@
         </p:nvSpPr>
         <p:spPr>
           <a:xfrm>
-            <a:off x="457200" y="1600200"/>
-            <a:ext cx="8229600" cy="4525963"/>
+            <a:off x="723420" y="1356702"/>
+            <a:ext cx="7886700" cy="4351338"/>
           </a:xfrm>
           <a:prstGeom prst="rect">
             <a:avLst/>
@@ -2673,206 +4623,153 @@
           <a:p>
             <a:pPr lvl="0"/>
             <a:r>
-              <a:rPr lang="en-GB" smtClean="0"/>
-              <a:t>Click to edit Master text styles</a:t>
+              <a:rPr lang="en-US" dirty="0"/>
+              <a:t>Edit Master text styles</a:t>
             </a:r>
           </a:p>
           <a:p>
             <a:pPr lvl="1"/>
             <a:r>
-              <a:rPr lang="en-GB" smtClean="0"/>
+              <a:rPr lang="en-US" dirty="0"/>
               <a:t>Second level</a:t>
             </a:r>
           </a:p>
           <a:p>
             <a:pPr lvl="2"/>
             <a:r>
-              <a:rPr lang="en-GB" smtClean="0"/>
+              <a:rPr lang="en-US" dirty="0"/>
               <a:t>Third level</a:t>
             </a:r>
           </a:p>
           <a:p>
             <a:pPr lvl="3"/>
             <a:r>
-              <a:rPr lang="en-GB" smtClean="0"/>
+              <a:rPr lang="en-US" dirty="0"/>
               <a:t>Fourth level</a:t>
             </a:r>
           </a:p>
           <a:p>
             <a:pPr lvl="4"/>
             <a:r>
-              <a:rPr lang="en-GB" smtClean="0"/>
+              <a:rPr lang="en-US" dirty="0"/>
               <a:t>Fifth level</a:t>
             </a:r>
-            <a:endParaRPr lang="en-US"/>
           </a:p>
         </p:txBody>
       </p:sp>
       <p:sp>
         <p:nvSpPr>
-          <p:cNvPr id="4" name="Date Placeholder 3"/>
+          <p:cNvPr id="7" name="TextBox 6">
+            <a:extLst>
+              <a:ext uri="{FF2B5EF4-FFF2-40B4-BE49-F238E27FC236}">
+                <a16:creationId xmlns:a16="http://schemas.microsoft.com/office/drawing/2014/main" id="{14D9D617-BB45-CC49-8DA4-51BF2DB69056}"/>
+              </a:ext>
+            </a:extLst>
+          </p:cNvPr>
+          <p:cNvSpPr txBox="1"/>
+          <p:nvPr/>
+        </p:nvSpPr>
+        <p:spPr>
+          <a:xfrm>
+            <a:off x="-156308" y="5869354"/>
+            <a:ext cx="184731" cy="369332"/>
+          </a:xfrm>
+          <a:prstGeom prst="rect">
+            <a:avLst/>
+          </a:prstGeom>
+          <a:noFill/>
+        </p:spPr>
+        <p:txBody>
+          <a:bodyPr wrap="none" rtlCol="0">
+            <a:spAutoFit/>
+          </a:bodyPr>
+          <a:lstStyle/>
+          <a:p>
+            <a:endParaRPr lang="en-US" dirty="0"/>
+          </a:p>
+        </p:txBody>
+      </p:sp>
+      <p:sp>
+        <p:nvSpPr>
+          <p:cNvPr id="6" name="Title Placeholder 5"/>
           <p:cNvSpPr>
             <a:spLocks noGrp="1"/>
           </p:cNvSpPr>
           <p:nvPr>
-            <p:ph type="dt" sz="half" idx="2"/>
+            <p:ph type="title"/>
           </p:nvPr>
         </p:nvSpPr>
         <p:spPr>
           <a:xfrm>
-            <a:off x="457200" y="6356350"/>
-            <a:ext cx="2133600" cy="365125"/>
+            <a:off x="723420" y="380325"/>
+            <a:ext cx="7886700" cy="880969"/>
           </a:xfrm>
           <a:prstGeom prst="rect">
             <a:avLst/>
           </a:prstGeom>
         </p:spPr>
         <p:txBody>
-          <a:bodyPr vert="horz" lIns="91440" tIns="45720" rIns="91440" bIns="45720" rtlCol="0" anchor="ctr"/>
-          <a:lstStyle>
-            <a:lvl1pPr algn="l">
-              <a:defRPr sz="1200">
-                <a:solidFill>
-                  <a:schemeClr val="tx1">
-                    <a:tint val="75000"/>
-                  </a:schemeClr>
-                </a:solidFill>
-              </a:defRPr>
-            </a:lvl1pPr>
-          </a:lstStyle>
+          <a:bodyPr vert="horz" lIns="91440" tIns="45720" rIns="91440" bIns="45720" rtlCol="0" anchor="ctr">
+            <a:normAutofit/>
+          </a:bodyPr>
+          <a:lstStyle/>
           <a:p>
-            <a:fld id="{D119BB77-888A-BF43-BE39-D421BFDFAD7D}" type="datetimeFigureOut">
+            <a:r>
               <a:rPr lang="en-US" smtClean="0"/>
-              <a:t>9/25/2018</a:t>
-            </a:fld>
-            <a:endParaRPr lang="en-US"/>
-          </a:p>
-        </p:txBody>
-      </p:sp>
-      <p:sp>
-        <p:nvSpPr>
-          <p:cNvPr id="5" name="Footer Placeholder 4"/>
-          <p:cNvSpPr>
-            <a:spLocks noGrp="1"/>
-          </p:cNvSpPr>
-          <p:nvPr>
-            <p:ph type="ftr" sz="quarter" idx="3"/>
-          </p:nvPr>
-        </p:nvSpPr>
-        <p:spPr>
-          <a:xfrm>
-            <a:off x="3124200" y="6356350"/>
-            <a:ext cx="2895600" cy="365125"/>
-          </a:xfrm>
-          <a:prstGeom prst="rect">
-            <a:avLst/>
-          </a:prstGeom>
-        </p:spPr>
-        <p:txBody>
-          <a:bodyPr vert="horz" lIns="91440" tIns="45720" rIns="91440" bIns="45720" rtlCol="0" anchor="ctr"/>
-          <a:lstStyle>
-            <a:lvl1pPr algn="ctr">
-              <a:defRPr sz="1200">
-                <a:solidFill>
-                  <a:schemeClr val="tx1">
-                    <a:tint val="75000"/>
-                  </a:schemeClr>
-                </a:solidFill>
-              </a:defRPr>
-            </a:lvl1pPr>
-          </a:lstStyle>
-          <a:p>
-            <a:endParaRPr lang="en-US"/>
-          </a:p>
-        </p:txBody>
-      </p:sp>
-      <p:sp>
-        <p:nvSpPr>
-          <p:cNvPr id="6" name="Slide Number Placeholder 5"/>
-          <p:cNvSpPr>
-            <a:spLocks noGrp="1"/>
-          </p:cNvSpPr>
-          <p:nvPr>
-            <p:ph type="sldNum" sz="quarter" idx="4"/>
-          </p:nvPr>
-        </p:nvSpPr>
-        <p:spPr>
-          <a:xfrm>
-            <a:off x="6553200" y="6356350"/>
-            <a:ext cx="2133600" cy="365125"/>
-          </a:xfrm>
-          <a:prstGeom prst="rect">
-            <a:avLst/>
-          </a:prstGeom>
-        </p:spPr>
-        <p:txBody>
-          <a:bodyPr vert="horz" lIns="91440" tIns="45720" rIns="91440" bIns="45720" rtlCol="0" anchor="ctr"/>
-          <a:lstStyle>
-            <a:lvl1pPr algn="r">
-              <a:defRPr sz="1200">
-                <a:solidFill>
-                  <a:schemeClr val="tx1">
-                    <a:tint val="75000"/>
-                  </a:schemeClr>
-                </a:solidFill>
-              </a:defRPr>
-            </a:lvl1pPr>
-          </a:lstStyle>
-          <a:p>
-            <a:fld id="{F4F2F945-68BA-274D-A0CE-1D9E1734202A}" type="slidenum">
-              <a:rPr lang="en-US" smtClean="0"/>
-              <a:t>‹#›</a:t>
-            </a:fld>
-            <a:endParaRPr lang="en-US"/>
+              <a:t>Click to edit Master title style</a:t>
+            </a:r>
+            <a:endParaRPr lang="en-GB" dirty="0"/>
           </a:p>
         </p:txBody>
       </p:sp>
     </p:spTree>
     <p:extLst>
       <p:ext uri="{BB962C8B-B14F-4D97-AF65-F5344CB8AC3E}">
-        <p14:creationId xmlns:p14="http://schemas.microsoft.com/office/powerpoint/2010/main" val="3565568188"/>
+        <p14:creationId xmlns:p14="http://schemas.microsoft.com/office/powerpoint/2010/main" val="1043256884"/>
       </p:ext>
     </p:extLst>
   </p:cSld>
   <p:clrMap bg1="lt1" tx1="dk1" bg2="lt2" tx2="dk2" accent1="accent1" accent2="accent2" accent3="accent3" accent4="accent4" accent5="accent5" accent6="accent6" hlink="hlink" folHlink="folHlink"/>
   <p:sldLayoutIdLst>
-    <p:sldLayoutId id="2147483649" r:id="rId1"/>
-    <p:sldLayoutId id="2147483650" r:id="rId2"/>
-    <p:sldLayoutId id="2147483651" r:id="rId3"/>
-    <p:sldLayoutId id="2147483652" r:id="rId4"/>
-    <p:sldLayoutId id="2147483653" r:id="rId5"/>
-    <p:sldLayoutId id="2147483654" r:id="rId6"/>
-    <p:sldLayoutId id="2147483655" r:id="rId7"/>
-    <p:sldLayoutId id="2147483656" r:id="rId8"/>
-    <p:sldLayoutId id="2147483657" r:id="rId9"/>
-    <p:sldLayoutId id="2147483658" r:id="rId10"/>
-    <p:sldLayoutId id="2147483659" r:id="rId11"/>
+    <p:sldLayoutId id="2147483676" r:id="rId1"/>
+    <p:sldLayoutId id="2147483677" r:id="rId2"/>
+    <p:sldLayoutId id="2147483678" r:id="rId3"/>
+    <p:sldLayoutId id="2147483679" r:id="rId4"/>
+    <p:sldLayoutId id="2147483680" r:id="rId5"/>
+    <p:sldLayoutId id="2147483681" r:id="rId6"/>
+    <p:sldLayoutId id="2147483682" r:id="rId7"/>
   </p:sldLayoutIdLst>
   <p:txStyles>
     <p:titleStyle>
-      <a:lvl1pPr algn="ctr" defTabSz="457200" rtl="0" eaLnBrk="1" latinLnBrk="0" hangingPunct="1">
+      <a:lvl1pPr algn="l" defTabSz="914400" rtl="0" eaLnBrk="1" latinLnBrk="0" hangingPunct="1">
+        <a:lnSpc>
+          <a:spcPct val="90000"/>
+        </a:lnSpc>
         <a:spcBef>
           <a:spcPct val="0"/>
         </a:spcBef>
         <a:buNone/>
-        <a:defRPr sz="4400" kern="1200">
+        <a:defRPr sz="3200" kern="1200" baseline="0">
           <a:solidFill>
             <a:schemeClr val="tx1"/>
           </a:solidFill>
-          <a:latin typeface="+mj-lt"/>
+          <a:latin typeface="+mn-lt"/>
           <a:ea typeface="+mj-ea"/>
-          <a:cs typeface="+mj-cs"/>
+          <a:cs typeface="Arial" panose="020B0604020202020204" pitchFamily="34" charset="0"/>
         </a:defRPr>
       </a:lvl1pPr>
     </p:titleStyle>
     <p:bodyStyle>
-      <a:lvl1pPr marL="342900" indent="-342900" algn="l" defTabSz="457200" rtl="0" eaLnBrk="1" latinLnBrk="0" hangingPunct="1">
+      <a:lvl1pPr marL="228600" indent="-228600" algn="l" defTabSz="914400" rtl="0" eaLnBrk="1" latinLnBrk="0" hangingPunct="1">
+        <a:lnSpc>
+          <a:spcPct val="90000"/>
+        </a:lnSpc>
         <a:spcBef>
-          <a:spcPct val="20000"/>
+          <a:spcPts val="1000"/>
         </a:spcBef>
-        <a:buFont typeface="Arial"/>
+        <a:buFont typeface="Arial" panose="020B0604020202020204" pitchFamily="34" charset="0"/>
         <a:buChar char="•"/>
-        <a:defRPr sz="3200" kern="1200">
+        <a:defRPr sz="2800" kern="1200">
           <a:solidFill>
             <a:schemeClr val="tx1"/>
           </a:solidFill>
@@ -2881,26 +4778,14 @@
           <a:cs typeface="+mn-cs"/>
         </a:defRPr>
       </a:lvl1pPr>
-      <a:lvl2pPr marL="742950" indent="-285750" algn="l" defTabSz="457200" rtl="0" eaLnBrk="1" latinLnBrk="0" hangingPunct="1">
+      <a:lvl2pPr marL="685800" indent="-228600" algn="l" defTabSz="914400" rtl="0" eaLnBrk="1" latinLnBrk="0" hangingPunct="1">
+        <a:lnSpc>
+          <a:spcPct val="90000"/>
+        </a:lnSpc>
         <a:spcBef>
-          <a:spcPct val="20000"/>
+          <a:spcPts val="500"/>
         </a:spcBef>
-        <a:buFont typeface="Arial"/>
-        <a:buChar char="–"/>
-        <a:defRPr sz="2800" kern="1200">
-          <a:solidFill>
-            <a:schemeClr val="tx1"/>
-          </a:solidFill>
-          <a:latin typeface="+mn-lt"/>
-          <a:ea typeface="+mn-ea"/>
-          <a:cs typeface="+mn-cs"/>
-        </a:defRPr>
-      </a:lvl2pPr>
-      <a:lvl3pPr marL="1143000" indent="-228600" algn="l" defTabSz="457200" rtl="0" eaLnBrk="1" latinLnBrk="0" hangingPunct="1">
-        <a:spcBef>
-          <a:spcPct val="20000"/>
-        </a:spcBef>
-        <a:buFont typeface="Arial"/>
+        <a:buFont typeface="Arial" panose="020B0604020202020204" pitchFamily="34" charset="0"/>
         <a:buChar char="•"/>
         <a:defRPr sz="2400" kern="1200">
           <a:solidFill>
@@ -2910,42 +4795,15 @@
           <a:ea typeface="+mn-ea"/>
           <a:cs typeface="+mn-cs"/>
         </a:defRPr>
-      </a:lvl3pPr>
-      <a:lvl4pPr marL="1600200" indent="-228600" algn="l" defTabSz="457200" rtl="0" eaLnBrk="1" latinLnBrk="0" hangingPunct="1">
+      </a:lvl2pPr>
+      <a:lvl3pPr marL="1143000" indent="-228600" algn="l" defTabSz="914400" rtl="0" eaLnBrk="1" latinLnBrk="0" hangingPunct="1">
+        <a:lnSpc>
+          <a:spcPct val="90000"/>
+        </a:lnSpc>
         <a:spcBef>
-          <a:spcPct val="20000"/>
+          <a:spcPts val="500"/>
         </a:spcBef>
-        <a:buFont typeface="Arial"/>
-        <a:buChar char="–"/>
-        <a:defRPr sz="2000" kern="1200">
-          <a:solidFill>
-            <a:schemeClr val="tx1"/>
-          </a:solidFill>
-          <a:latin typeface="+mn-lt"/>
-          <a:ea typeface="+mn-ea"/>
-          <a:cs typeface="+mn-cs"/>
-        </a:defRPr>
-      </a:lvl4pPr>
-      <a:lvl5pPr marL="2057400" indent="-228600" algn="l" defTabSz="457200" rtl="0" eaLnBrk="1" latinLnBrk="0" hangingPunct="1">
-        <a:spcBef>
-          <a:spcPct val="20000"/>
-        </a:spcBef>
-        <a:buFont typeface="Arial"/>
-        <a:buChar char="»"/>
-        <a:defRPr sz="2000" kern="1200">
-          <a:solidFill>
-            <a:schemeClr val="tx1"/>
-          </a:solidFill>
-          <a:latin typeface="+mn-lt"/>
-          <a:ea typeface="+mn-ea"/>
-          <a:cs typeface="+mn-cs"/>
-        </a:defRPr>
-      </a:lvl5pPr>
-      <a:lvl6pPr marL="2514600" indent="-228600" algn="l" defTabSz="457200" rtl="0" eaLnBrk="1" latinLnBrk="0" hangingPunct="1">
-        <a:spcBef>
-          <a:spcPct val="20000"/>
-        </a:spcBef>
-        <a:buFont typeface="Arial"/>
+        <a:buFont typeface="Arial" panose="020B0604020202020204" pitchFamily="34" charset="0"/>
         <a:buChar char="•"/>
         <a:defRPr sz="2000" kern="1200">
           <a:solidFill>
@@ -2955,14 +4813,71 @@
           <a:ea typeface="+mn-ea"/>
           <a:cs typeface="+mn-cs"/>
         </a:defRPr>
+      </a:lvl3pPr>
+      <a:lvl4pPr marL="1600200" indent="-228600" algn="l" defTabSz="914400" rtl="0" eaLnBrk="1" latinLnBrk="0" hangingPunct="1">
+        <a:lnSpc>
+          <a:spcPct val="90000"/>
+        </a:lnSpc>
+        <a:spcBef>
+          <a:spcPts val="500"/>
+        </a:spcBef>
+        <a:buFont typeface="Arial" panose="020B0604020202020204" pitchFamily="34" charset="0"/>
+        <a:buChar char="•"/>
+        <a:defRPr sz="1800" kern="1200">
+          <a:solidFill>
+            <a:schemeClr val="tx1"/>
+          </a:solidFill>
+          <a:latin typeface="+mn-lt"/>
+          <a:ea typeface="+mn-ea"/>
+          <a:cs typeface="+mn-cs"/>
+        </a:defRPr>
+      </a:lvl4pPr>
+      <a:lvl5pPr marL="2057400" indent="-228600" algn="l" defTabSz="914400" rtl="0" eaLnBrk="1" latinLnBrk="0" hangingPunct="1">
+        <a:lnSpc>
+          <a:spcPct val="90000"/>
+        </a:lnSpc>
+        <a:spcBef>
+          <a:spcPts val="500"/>
+        </a:spcBef>
+        <a:buFont typeface="Arial" panose="020B0604020202020204" pitchFamily="34" charset="0"/>
+        <a:buChar char="•"/>
+        <a:defRPr sz="1800" kern="1200">
+          <a:solidFill>
+            <a:schemeClr val="tx1"/>
+          </a:solidFill>
+          <a:latin typeface="+mn-lt"/>
+          <a:ea typeface="+mn-ea"/>
+          <a:cs typeface="+mn-cs"/>
+        </a:defRPr>
+      </a:lvl5pPr>
+      <a:lvl6pPr marL="2514600" indent="-228600" algn="l" defTabSz="914400" rtl="0" eaLnBrk="1" latinLnBrk="0" hangingPunct="1">
+        <a:lnSpc>
+          <a:spcPct val="90000"/>
+        </a:lnSpc>
+        <a:spcBef>
+          <a:spcPts val="500"/>
+        </a:spcBef>
+        <a:buFont typeface="Arial" panose="020B0604020202020204" pitchFamily="34" charset="0"/>
+        <a:buChar char="•"/>
+        <a:defRPr sz="1800" kern="1200">
+          <a:solidFill>
+            <a:schemeClr val="tx1"/>
+          </a:solidFill>
+          <a:latin typeface="+mn-lt"/>
+          <a:ea typeface="+mn-ea"/>
+          <a:cs typeface="+mn-cs"/>
+        </a:defRPr>
       </a:lvl6pPr>
-      <a:lvl7pPr marL="2971800" indent="-228600" algn="l" defTabSz="457200" rtl="0" eaLnBrk="1" latinLnBrk="0" hangingPunct="1">
+      <a:lvl7pPr marL="2971800" indent="-228600" algn="l" defTabSz="914400" rtl="0" eaLnBrk="1" latinLnBrk="0" hangingPunct="1">
+        <a:lnSpc>
+          <a:spcPct val="90000"/>
+        </a:lnSpc>
         <a:spcBef>
-          <a:spcPct val="20000"/>
+          <a:spcPts val="500"/>
         </a:spcBef>
-        <a:buFont typeface="Arial"/>
+        <a:buFont typeface="Arial" panose="020B0604020202020204" pitchFamily="34" charset="0"/>
         <a:buChar char="•"/>
-        <a:defRPr sz="2000" kern="1200">
+        <a:defRPr sz="1800" kern="1200">
           <a:solidFill>
             <a:schemeClr val="tx1"/>
           </a:solidFill>
@@ -2971,13 +4886,16 @@
           <a:cs typeface="+mn-cs"/>
         </a:defRPr>
       </a:lvl7pPr>
-      <a:lvl8pPr marL="3429000" indent="-228600" algn="l" defTabSz="457200" rtl="0" eaLnBrk="1" latinLnBrk="0" hangingPunct="1">
+      <a:lvl8pPr marL="3429000" indent="-228600" algn="l" defTabSz="914400" rtl="0" eaLnBrk="1" latinLnBrk="0" hangingPunct="1">
+        <a:lnSpc>
+          <a:spcPct val="90000"/>
+        </a:lnSpc>
         <a:spcBef>
-          <a:spcPct val="20000"/>
+          <a:spcPts val="500"/>
         </a:spcBef>
-        <a:buFont typeface="Arial"/>
+        <a:buFont typeface="Arial" panose="020B0604020202020204" pitchFamily="34" charset="0"/>
         <a:buChar char="•"/>
-        <a:defRPr sz="2000" kern="1200">
+        <a:defRPr sz="1800" kern="1200">
           <a:solidFill>
             <a:schemeClr val="tx1"/>
           </a:solidFill>
@@ -2986,13 +4904,16 @@
           <a:cs typeface="+mn-cs"/>
         </a:defRPr>
       </a:lvl8pPr>
-      <a:lvl9pPr marL="3886200" indent="-228600" algn="l" defTabSz="457200" rtl="0" eaLnBrk="1" latinLnBrk="0" hangingPunct="1">
+      <a:lvl9pPr marL="3886200" indent="-228600" algn="l" defTabSz="914400" rtl="0" eaLnBrk="1" latinLnBrk="0" hangingPunct="1">
+        <a:lnSpc>
+          <a:spcPct val="90000"/>
+        </a:lnSpc>
         <a:spcBef>
-          <a:spcPct val="20000"/>
+          <a:spcPts val="500"/>
         </a:spcBef>
-        <a:buFont typeface="Arial"/>
+        <a:buFont typeface="Arial" panose="020B0604020202020204" pitchFamily="34" charset="0"/>
         <a:buChar char="•"/>
-        <a:defRPr sz="2000" kern="1200">
+        <a:defRPr sz="1800" kern="1200">
           <a:solidFill>
             <a:schemeClr val="tx1"/>
           </a:solidFill>
@@ -3006,7 +4927,7 @@
       <a:defPPr>
         <a:defRPr lang="en-US"/>
       </a:defPPr>
-      <a:lvl1pPr marL="0" algn="l" defTabSz="457200" rtl="0" eaLnBrk="1" latinLnBrk="0" hangingPunct="1">
+      <a:lvl1pPr marL="0" algn="l" defTabSz="914400" rtl="0" eaLnBrk="1" latinLnBrk="0" hangingPunct="1">
         <a:defRPr sz="1800" kern="1200">
           <a:solidFill>
             <a:schemeClr val="tx1"/>
@@ -3016,7 +4937,7 @@
           <a:cs typeface="+mn-cs"/>
         </a:defRPr>
       </a:lvl1pPr>
-      <a:lvl2pPr marL="457200" algn="l" defTabSz="457200" rtl="0" eaLnBrk="1" latinLnBrk="0" hangingPunct="1">
+      <a:lvl2pPr marL="457200" algn="l" defTabSz="914400" rtl="0" eaLnBrk="1" latinLnBrk="0" hangingPunct="1">
         <a:defRPr sz="1800" kern="1200">
           <a:solidFill>
             <a:schemeClr val="tx1"/>
@@ -3026,7 +4947,7 @@
           <a:cs typeface="+mn-cs"/>
         </a:defRPr>
       </a:lvl2pPr>
-      <a:lvl3pPr marL="914400" algn="l" defTabSz="457200" rtl="0" eaLnBrk="1" latinLnBrk="0" hangingPunct="1">
+      <a:lvl3pPr marL="914400" algn="l" defTabSz="914400" rtl="0" eaLnBrk="1" latinLnBrk="0" hangingPunct="1">
         <a:defRPr sz="1800" kern="1200">
           <a:solidFill>
             <a:schemeClr val="tx1"/>
@@ -3036,7 +4957,7 @@
           <a:cs typeface="+mn-cs"/>
         </a:defRPr>
       </a:lvl3pPr>
-      <a:lvl4pPr marL="1371600" algn="l" defTabSz="457200" rtl="0" eaLnBrk="1" latinLnBrk="0" hangingPunct="1">
+      <a:lvl4pPr marL="1371600" algn="l" defTabSz="914400" rtl="0" eaLnBrk="1" latinLnBrk="0" hangingPunct="1">
         <a:defRPr sz="1800" kern="1200">
           <a:solidFill>
             <a:schemeClr val="tx1"/>
@@ -3046,7 +4967,7 @@
           <a:cs typeface="+mn-cs"/>
         </a:defRPr>
       </a:lvl4pPr>
-      <a:lvl5pPr marL="1828800" algn="l" defTabSz="457200" rtl="0" eaLnBrk="1" latinLnBrk="0" hangingPunct="1">
+      <a:lvl5pPr marL="1828800" algn="l" defTabSz="914400" rtl="0" eaLnBrk="1" latinLnBrk="0" hangingPunct="1">
         <a:defRPr sz="1800" kern="1200">
           <a:solidFill>
             <a:schemeClr val="tx1"/>
@@ -3056,7 +4977,7 @@
           <a:cs typeface="+mn-cs"/>
         </a:defRPr>
       </a:lvl5pPr>
-      <a:lvl6pPr marL="2286000" algn="l" defTabSz="457200" rtl="0" eaLnBrk="1" latinLnBrk="0" hangingPunct="1">
+      <a:lvl6pPr marL="2286000" algn="l" defTabSz="914400" rtl="0" eaLnBrk="1" latinLnBrk="0" hangingPunct="1">
         <a:defRPr sz="1800" kern="1200">
           <a:solidFill>
             <a:schemeClr val="tx1"/>
@@ -3066,7 +4987,7 @@
           <a:cs typeface="+mn-cs"/>
         </a:defRPr>
       </a:lvl6pPr>
-      <a:lvl7pPr marL="2743200" algn="l" defTabSz="457200" rtl="0" eaLnBrk="1" latinLnBrk="0" hangingPunct="1">
+      <a:lvl7pPr marL="2743200" algn="l" defTabSz="914400" rtl="0" eaLnBrk="1" latinLnBrk="0" hangingPunct="1">
         <a:defRPr sz="1800" kern="1200">
           <a:solidFill>
             <a:schemeClr val="tx1"/>
@@ -3076,7 +4997,7 @@
           <a:cs typeface="+mn-cs"/>
         </a:defRPr>
       </a:lvl7pPr>
-      <a:lvl8pPr marL="3200400" algn="l" defTabSz="457200" rtl="0" eaLnBrk="1" latinLnBrk="0" hangingPunct="1">
+      <a:lvl8pPr marL="3200400" algn="l" defTabSz="914400" rtl="0" eaLnBrk="1" latinLnBrk="0" hangingPunct="1">
         <a:defRPr sz="1800" kern="1200">
           <a:solidFill>
             <a:schemeClr val="tx1"/>
@@ -3086,7 +5007,7 @@
           <a:cs typeface="+mn-cs"/>
         </a:defRPr>
       </a:lvl8pPr>
-      <a:lvl9pPr marL="3657600" algn="l" defTabSz="457200" rtl="0" eaLnBrk="1" latinLnBrk="0" hangingPunct="1">
+      <a:lvl9pPr marL="3657600" algn="l" defTabSz="914400" rtl="0" eaLnBrk="1" latinLnBrk="0" hangingPunct="1">
         <a:defRPr sz="1800" kern="1200">
           <a:solidFill>
             <a:schemeClr val="tx1"/>
@@ -3192,29 +5113,6 @@
       </p:grpSpPr>
       <p:sp>
         <p:nvSpPr>
-          <p:cNvPr id="2" name="Title 1"/>
-          <p:cNvSpPr>
-            <a:spLocks noGrp="1"/>
-          </p:cNvSpPr>
-          <p:nvPr>
-            <p:ph type="title"/>
-          </p:nvPr>
-        </p:nvSpPr>
-        <p:spPr/>
-        <p:txBody>
-          <a:bodyPr/>
-          <a:lstStyle/>
-          <a:p>
-            <a:r>
-              <a:rPr lang="en-US" dirty="0" smtClean="0"/>
-              <a:t>What is an Editor</a:t>
-            </a:r>
-            <a:endParaRPr lang="en-US" dirty="0"/>
-          </a:p>
-        </p:txBody>
-      </p:sp>
-      <p:sp>
-        <p:nvSpPr>
           <p:cNvPr id="3" name="Content Placeholder 2"/>
           <p:cNvSpPr>
             <a:spLocks noGrp="1"/>
@@ -3263,6 +5161,29 @@
               <a:t>emacs</a:t>
             </a:r>
             <a:endParaRPr lang="en-US" dirty="0"/>
+          </a:p>
+        </p:txBody>
+      </p:sp>
+      <p:sp>
+        <p:nvSpPr>
+          <p:cNvPr id="5" name="Title 4"/>
+          <p:cNvSpPr>
+            <a:spLocks noGrp="1"/>
+          </p:cNvSpPr>
+          <p:nvPr>
+            <p:ph type="title"/>
+          </p:nvPr>
+        </p:nvSpPr>
+        <p:spPr/>
+        <p:txBody>
+          <a:bodyPr/>
+          <a:lstStyle/>
+          <a:p>
+            <a:r>
+              <a:rPr lang="en-US" dirty="0"/>
+              <a:t>What is an Editor</a:t>
+            </a:r>
+            <a:endParaRPr lang="en-GB" dirty="0"/>
           </a:p>
         </p:txBody>
       </p:sp>
@@ -3296,9 +5217,30 @@
           <a:chExt cx="0" cy="0"/>
         </a:xfrm>
       </p:grpSpPr>
+      <p:pic>
+        <p:nvPicPr>
+          <p:cNvPr id="4" name="Content Placeholder 3"/>
+          <p:cNvPicPr>
+            <a:picLocks noGrp="1" noChangeAspect="1"/>
+          </p:cNvPicPr>
+          <p:nvPr>
+            <p:ph idx="1"/>
+          </p:nvPr>
+        </p:nvPicPr>
+        <p:blipFill rotWithShape="1">
+          <a:blip r:embed="rId2"/>
+          <a:stretch/>
+        </p:blipFill>
+        <p:spPr>
+          <a:xfrm>
+            <a:off x="1574439" y="1597944"/>
+            <a:ext cx="6127872" cy="4351337"/>
+          </a:xfrm>
+        </p:spPr>
+      </p:pic>
       <p:sp>
         <p:nvSpPr>
-          <p:cNvPr id="2" name="Title 1"/>
+          <p:cNvPr id="7" name="Title 6"/>
           <p:cNvSpPr>
             <a:spLocks noGrp="1"/>
           </p:cNvSpPr>
@@ -3312,39 +5254,17 @@
           <a:lstStyle/>
           <a:p>
             <a:r>
-              <a:rPr lang="en-US" dirty="0" smtClean="0"/>
+              <a:rPr lang="en-US" dirty="0"/>
               <a:t>Today we will be using </a:t>
             </a:r>
             <a:r>
-              <a:rPr lang="en-US" dirty="0" err="1" smtClean="0"/>
+              <a:rPr lang="en-US" dirty="0" err="1"/>
               <a:t>gedit</a:t>
             </a:r>
-            <a:endParaRPr lang="en-US" dirty="0"/>
+            <a:endParaRPr lang="en-GB" dirty="0"/>
           </a:p>
         </p:txBody>
       </p:sp>
-      <p:pic>
-        <p:nvPicPr>
-          <p:cNvPr id="4" name="Content Placeholder 3"/>
-          <p:cNvPicPr>
-            <a:picLocks noGrp="1" noChangeAspect="1"/>
-          </p:cNvPicPr>
-          <p:nvPr>
-            <p:ph idx="1"/>
-          </p:nvPr>
-        </p:nvPicPr>
-        <p:blipFill rotWithShape="1">
-          <a:blip r:embed="rId2"/>
-          <a:srcRect l="-2413" t="-6743" r="-3893" b="-2787"/>
-          <a:stretch/>
-        </p:blipFill>
-        <p:spPr>
-          <a:xfrm>
-            <a:off x="634004" y="1068318"/>
-            <a:ext cx="8149459" cy="5673948"/>
-          </a:xfrm>
-        </p:spPr>
-      </p:pic>
     </p:spTree>
     <p:extLst>
       <p:ext uri="{BB962C8B-B14F-4D97-AF65-F5344CB8AC3E}">
@@ -3609,7 +5529,7 @@
         </p:blipFill>
         <p:spPr>
           <a:xfrm>
-            <a:off x="1816274" y="2588844"/>
+            <a:off x="1516474" y="2083567"/>
             <a:ext cx="6300592" cy="3719881"/>
           </a:xfrm>
           <a:prstGeom prst="rect">
@@ -9002,9 +10922,9 @@
 </file>
 
 <file path=ppt/theme/theme1.xml><?xml version="1.0" encoding="utf-8"?>
-<a:theme xmlns:a="http://schemas.openxmlformats.org/drawingml/2006/main" name="Office Theme">
+<a:theme xmlns:a="http://schemas.openxmlformats.org/drawingml/2006/main" name="UKRI-stfc-nerc-ceda-ncas-nceo-Presentation-Template">
   <a:themeElements>
-    <a:clrScheme name="Office">
+    <a:clrScheme name="Office Theme">
       <a:dk1>
         <a:sysClr val="windowText" lastClr="000000"/>
       </a:dk1>
@@ -9012,39 +10932,39 @@
         <a:sysClr val="window" lastClr="FFFFFF"/>
       </a:lt1>
       <a:dk2>
-        <a:srgbClr val="1F497D"/>
+        <a:srgbClr val="44546A"/>
       </a:dk2>
       <a:lt2>
-        <a:srgbClr val="EEECE1"/>
+        <a:srgbClr val="E7E6E6"/>
       </a:lt2>
       <a:accent1>
-        <a:srgbClr val="4F81BD"/>
+        <a:srgbClr val="5B9BD5"/>
       </a:accent1>
       <a:accent2>
-        <a:srgbClr val="C0504D"/>
+        <a:srgbClr val="ED7D31"/>
       </a:accent2>
       <a:accent3>
-        <a:srgbClr val="9BBB59"/>
+        <a:srgbClr val="A5A5A5"/>
       </a:accent3>
       <a:accent4>
-        <a:srgbClr val="8064A2"/>
+        <a:srgbClr val="FFC000"/>
       </a:accent4>
       <a:accent5>
-        <a:srgbClr val="4BACC6"/>
+        <a:srgbClr val="4472C4"/>
       </a:accent5>
       <a:accent6>
-        <a:srgbClr val="F79646"/>
+        <a:srgbClr val="70AD47"/>
       </a:accent6>
       <a:hlink>
-        <a:srgbClr val="0000FF"/>
+        <a:srgbClr val="0563C1"/>
       </a:hlink>
       <a:folHlink>
-        <a:srgbClr val="800080"/>
+        <a:srgbClr val="954F72"/>
       </a:folHlink>
     </a:clrScheme>
-    <a:fontScheme name="Office">
+    <a:fontScheme name="Office Theme">
       <a:majorFont>
-        <a:latin typeface="Calibri"/>
+        <a:latin typeface="Calibri Light" panose="020F0302020204030204"/>
         <a:ea typeface=""/>
         <a:cs typeface=""/>
         <a:font script="Jpan" typeface="ＭＳ Ｐゴシック"/>
@@ -9079,7 +10999,7 @@
         <a:font script="Geor" typeface="Sylfaen"/>
       </a:majorFont>
       <a:minorFont>
-        <a:latin typeface="Calibri"/>
+        <a:latin typeface="Calibri" panose="020F0502020204030204"/>
         <a:ea typeface=""/>
         <a:cs typeface=""/>
         <a:font script="Jpan" typeface="ＭＳ Ｐゴシック"/>
@@ -9114,7 +11034,7 @@
         <a:font script="Geor" typeface="Sylfaen"/>
       </a:minorFont>
     </a:fontScheme>
-    <a:fmtScheme name="Office">
+    <a:fmtScheme name="Office Theme">
       <a:fillStyleLst>
         <a:solidFill>
           <a:schemeClr val="phClr"/>
@@ -9123,200 +11043,141 @@
           <a:gsLst>
             <a:gs pos="0">
               <a:schemeClr val="phClr">
-                <a:tint val="50000"/>
-                <a:satMod val="300000"/>
+                <a:lumMod val="110000"/>
+                <a:satMod val="105000"/>
+                <a:tint val="67000"/>
               </a:schemeClr>
             </a:gs>
-            <a:gs pos="35000">
+            <a:gs pos="50000">
               <a:schemeClr val="phClr">
-                <a:tint val="37000"/>
-                <a:satMod val="300000"/>
+                <a:lumMod val="105000"/>
+                <a:satMod val="103000"/>
+                <a:tint val="73000"/>
               </a:schemeClr>
             </a:gs>
             <a:gs pos="100000">
               <a:schemeClr val="phClr">
-                <a:tint val="15000"/>
-                <a:satMod val="350000"/>
+                <a:lumMod val="105000"/>
+                <a:satMod val="109000"/>
+                <a:tint val="81000"/>
               </a:schemeClr>
             </a:gs>
           </a:gsLst>
-          <a:lin ang="16200000" scaled="1"/>
+          <a:lin ang="5400000" scaled="0"/>
         </a:gradFill>
         <a:gradFill rotWithShape="1">
           <a:gsLst>
             <a:gs pos="0">
               <a:schemeClr val="phClr">
-                <a:tint val="100000"/>
+                <a:satMod val="103000"/>
+                <a:lumMod val="102000"/>
+                <a:tint val="94000"/>
+              </a:schemeClr>
+            </a:gs>
+            <a:gs pos="50000">
+              <a:schemeClr val="phClr">
+                <a:satMod val="110000"/>
+                <a:lumMod val="100000"/>
                 <a:shade val="100000"/>
-                <a:satMod val="130000"/>
               </a:schemeClr>
             </a:gs>
             <a:gs pos="100000">
               <a:schemeClr val="phClr">
-                <a:tint val="50000"/>
-                <a:shade val="100000"/>
-                <a:satMod val="350000"/>
+                <a:lumMod val="99000"/>
+                <a:satMod val="120000"/>
+                <a:shade val="78000"/>
               </a:schemeClr>
             </a:gs>
           </a:gsLst>
-          <a:lin ang="16200000" scaled="0"/>
+          <a:lin ang="5400000" scaled="0"/>
         </a:gradFill>
       </a:fillStyleLst>
       <a:lnStyleLst>
-        <a:ln w="9525" cap="flat" cmpd="sng" algn="ctr">
-          <a:solidFill>
-            <a:schemeClr val="phClr">
-              <a:shade val="95000"/>
-              <a:satMod val="105000"/>
-            </a:schemeClr>
-          </a:solidFill>
-          <a:prstDash val="solid"/>
-        </a:ln>
-        <a:ln w="25400" cap="flat" cmpd="sng" algn="ctr">
+        <a:ln w="6350" cap="flat" cmpd="sng" algn="ctr">
           <a:solidFill>
             <a:schemeClr val="phClr"/>
           </a:solidFill>
           <a:prstDash val="solid"/>
+          <a:miter lim="800000"/>
         </a:ln>
-        <a:ln w="38100" cap="flat" cmpd="sng" algn="ctr">
+        <a:ln w="12700" cap="flat" cmpd="sng" algn="ctr">
           <a:solidFill>
             <a:schemeClr val="phClr"/>
           </a:solidFill>
           <a:prstDash val="solid"/>
+          <a:miter lim="800000"/>
+        </a:ln>
+        <a:ln w="19050" cap="flat" cmpd="sng" algn="ctr">
+          <a:solidFill>
+            <a:schemeClr val="phClr"/>
+          </a:solidFill>
+          <a:prstDash val="solid"/>
+          <a:miter lim="800000"/>
         </a:ln>
       </a:lnStyleLst>
       <a:effectStyleLst>
         <a:effectStyle>
+          <a:effectLst/>
+        </a:effectStyle>
+        <a:effectStyle>
+          <a:effectLst/>
+        </a:effectStyle>
+        <a:effectStyle>
           <a:effectLst>
-            <a:outerShdw blurRad="40000" dist="20000" dir="5400000" rotWithShape="0">
+            <a:outerShdw blurRad="57150" dist="19050" dir="5400000" algn="ctr" rotWithShape="0">
               <a:srgbClr val="000000">
-                <a:alpha val="38000"/>
+                <a:alpha val="63000"/>
               </a:srgbClr>
             </a:outerShdw>
           </a:effectLst>
-        </a:effectStyle>
-        <a:effectStyle>
-          <a:effectLst>
-            <a:outerShdw blurRad="40000" dist="23000" dir="5400000" rotWithShape="0">
-              <a:srgbClr val="000000">
-                <a:alpha val="35000"/>
-              </a:srgbClr>
-            </a:outerShdw>
-          </a:effectLst>
-        </a:effectStyle>
-        <a:effectStyle>
-          <a:effectLst>
-            <a:outerShdw blurRad="40000" dist="23000" dir="5400000" rotWithShape="0">
-              <a:srgbClr val="000000">
-                <a:alpha val="35000"/>
-              </a:srgbClr>
-            </a:outerShdw>
-          </a:effectLst>
-          <a:scene3d>
-            <a:camera prst="orthographicFront">
-              <a:rot lat="0" lon="0" rev="0"/>
-            </a:camera>
-            <a:lightRig rig="threePt" dir="t">
-              <a:rot lat="0" lon="0" rev="1200000"/>
-            </a:lightRig>
-          </a:scene3d>
-          <a:sp3d>
-            <a:bevelT w="63500" h="25400"/>
-          </a:sp3d>
         </a:effectStyle>
       </a:effectStyleLst>
       <a:bgFillStyleLst>
         <a:solidFill>
           <a:schemeClr val="phClr"/>
         </a:solidFill>
+        <a:solidFill>
+          <a:schemeClr val="phClr">
+            <a:tint val="95000"/>
+            <a:satMod val="170000"/>
+          </a:schemeClr>
+        </a:solidFill>
         <a:gradFill rotWithShape="1">
           <a:gsLst>
             <a:gs pos="0">
               <a:schemeClr val="phClr">
-                <a:tint val="40000"/>
-                <a:satMod val="350000"/>
+                <a:tint val="93000"/>
+                <a:satMod val="150000"/>
+                <a:shade val="98000"/>
+                <a:lumMod val="102000"/>
               </a:schemeClr>
             </a:gs>
-            <a:gs pos="40000">
+            <a:gs pos="50000">
               <a:schemeClr val="phClr">
-                <a:tint val="45000"/>
-                <a:shade val="99000"/>
-                <a:satMod val="350000"/>
+                <a:tint val="98000"/>
+                <a:satMod val="130000"/>
+                <a:shade val="90000"/>
+                <a:lumMod val="103000"/>
               </a:schemeClr>
             </a:gs>
             <a:gs pos="100000">
               <a:schemeClr val="phClr">
-                <a:shade val="20000"/>
-                <a:satMod val="255000"/>
+                <a:shade val="63000"/>
+                <a:satMod val="120000"/>
               </a:schemeClr>
             </a:gs>
           </a:gsLst>
-          <a:path path="circle">
-            <a:fillToRect l="50000" t="-80000" r="50000" b="180000"/>
-          </a:path>
-        </a:gradFill>
-        <a:gradFill rotWithShape="1">
-          <a:gsLst>
-            <a:gs pos="0">
-              <a:schemeClr val="phClr">
-                <a:tint val="80000"/>
-                <a:satMod val="300000"/>
-              </a:schemeClr>
-            </a:gs>
-            <a:gs pos="100000">
-              <a:schemeClr val="phClr">
-                <a:shade val="30000"/>
-                <a:satMod val="200000"/>
-              </a:schemeClr>
-            </a:gs>
-          </a:gsLst>
-          <a:path path="circle">
-            <a:fillToRect l="50000" t="50000" r="50000" b="50000"/>
-          </a:path>
+          <a:lin ang="5400000" scaled="0"/>
         </a:gradFill>
       </a:bgFillStyleLst>
     </a:fmtScheme>
   </a:themeElements>
-  <a:objectDefaults>
-    <a:spDef>
-      <a:spPr/>
-      <a:bodyPr/>
-      <a:lstStyle/>
-      <a:style>
-        <a:lnRef idx="1">
-          <a:schemeClr val="accent1"/>
-        </a:lnRef>
-        <a:fillRef idx="3">
-          <a:schemeClr val="accent1"/>
-        </a:fillRef>
-        <a:effectRef idx="2">
-          <a:schemeClr val="accent1"/>
-        </a:effectRef>
-        <a:fontRef idx="minor">
-          <a:schemeClr val="lt1"/>
-        </a:fontRef>
-      </a:style>
-    </a:spDef>
-    <a:lnDef>
-      <a:spPr/>
-      <a:bodyPr/>
-      <a:lstStyle/>
-      <a:style>
-        <a:lnRef idx="2">
-          <a:schemeClr val="accent1"/>
-        </a:lnRef>
-        <a:fillRef idx="0">
-          <a:schemeClr val="accent1"/>
-        </a:fillRef>
-        <a:effectRef idx="1">
-          <a:schemeClr val="accent1"/>
-        </a:effectRef>
-        <a:fontRef idx="minor">
-          <a:schemeClr val="tx1"/>
-        </a:fontRef>
-      </a:style>
-    </a:lnDef>
-  </a:objectDefaults>
+  <a:objectDefaults/>
   <a:extraClrSchemeLst/>
+  <a:extLst>
+    <a:ext uri="{05A4C25C-085E-4340-85A3-A5531E510DB2}">
+      <thm15:themeFamily xmlns:thm15="http://schemas.microsoft.com/office/thememl/2012/main" name="UKRI-stfc-nerc-ceda-ncas-nceo-Presentation-Template.pptx" id="{0FBDF782-A45F-4DBA-A38A-5309CF8154AD}" vid="{DBF383B2-4014-42C8-9F90-AC8E3679BB05}"/>
+    </a:ext>
+  </a:extLst>
 </a:theme>
 </file>
--- a/shell/presentations/0_editors.pptx
+++ b/shell/presentations/0_editors.pptx
@@ -2,7 +2,7 @@
 <file path=ppt/presentation.xml><?xml version="1.0" encoding="utf-8"?>
 <p:presentation xmlns:a="http://schemas.openxmlformats.org/drawingml/2006/main" xmlns:r="http://schemas.openxmlformats.org/officeDocument/2006/relationships" xmlns:p="http://schemas.openxmlformats.org/presentationml/2006/main" saveSubsetFonts="1" autoCompressPictures="0">
   <p:sldMasterIdLst>
-    <p:sldMasterId id="2147483675" r:id="rId1"/>
+    <p:sldMasterId id="2147483683" r:id="rId1"/>
   </p:sldMasterIdLst>
   <p:sldIdLst>
     <p:sldId id="256" r:id="rId2"/>
@@ -293,7 +293,7 @@
           <a:p>
             <a:fld id="{D119BB77-888A-BF43-BE39-D421BFDFAD7D}" type="datetimeFigureOut">
               <a:rPr lang="en-US" smtClean="0"/>
-              <a:t>9/25/2018</a:t>
+              <a:t>9/26/2018</a:t>
             </a:fld>
             <a:endParaRPr lang="en-US"/>
           </a:p>
@@ -408,7 +408,7 @@
     </p:spTree>
     <p:extLst>
       <p:ext uri="{BB962C8B-B14F-4D97-AF65-F5344CB8AC3E}">
-        <p14:creationId xmlns:p14="http://schemas.microsoft.com/office/powerpoint/2010/main" val="4082839255"/>
+        <p14:creationId xmlns:p14="http://schemas.microsoft.com/office/powerpoint/2010/main" val="144663251"/>
       </p:ext>
     </p:extLst>
   </p:cSld>
@@ -582,7 +582,7 @@
             <a:fld id="{646265C4-D3EB-4033-9F2F-7AE1FCA20C43}" type="datetimeFigureOut">
               <a:rPr lang="en-GB" smtClean="0"/>
               <a:pPr/>
-              <a:t>25/09/2018</a:t>
+              <a:t>26/09/2018</a:t>
             </a:fld>
             <a:endParaRPr lang="en-GB" dirty="0"/>
           </a:p>
@@ -635,7 +635,7 @@
     </p:spTree>
     <p:extLst>
       <p:ext uri="{BB962C8B-B14F-4D97-AF65-F5344CB8AC3E}">
-        <p14:creationId xmlns:p14="http://schemas.microsoft.com/office/powerpoint/2010/main" val="619601923"/>
+        <p14:creationId xmlns:p14="http://schemas.microsoft.com/office/powerpoint/2010/main" val="2844718727"/>
       </p:ext>
     </p:extLst>
   </p:cSld>
@@ -809,7 +809,7 @@
             <a:fld id="{646265C4-D3EB-4033-9F2F-7AE1FCA20C43}" type="datetimeFigureOut">
               <a:rPr lang="en-GB" smtClean="0"/>
               <a:pPr/>
-              <a:t>25/09/2018</a:t>
+              <a:t>26/09/2018</a:t>
             </a:fld>
             <a:endParaRPr lang="en-GB" dirty="0"/>
           </a:p>
@@ -862,7 +862,7 @@
     </p:spTree>
     <p:extLst>
       <p:ext uri="{BB962C8B-B14F-4D97-AF65-F5344CB8AC3E}">
-        <p14:creationId xmlns:p14="http://schemas.microsoft.com/office/powerpoint/2010/main" val="4072198106"/>
+        <p14:creationId xmlns:p14="http://schemas.microsoft.com/office/powerpoint/2010/main" val="1800367110"/>
       </p:ext>
     </p:extLst>
   </p:cSld>
@@ -2515,7 +2515,7 @@
     </p:spTree>
     <p:extLst>
       <p:ext uri="{BB962C8B-B14F-4D97-AF65-F5344CB8AC3E}">
-        <p14:creationId xmlns:p14="http://schemas.microsoft.com/office/powerpoint/2010/main" val="1925975842"/>
+        <p14:creationId xmlns:p14="http://schemas.microsoft.com/office/powerpoint/2010/main" val="1782891737"/>
       </p:ext>
     </p:extLst>
   </p:cSld>
@@ -4124,7 +4124,7 @@
     </p:spTree>
     <p:extLst>
       <p:ext uri="{BB962C8B-B14F-4D97-AF65-F5344CB8AC3E}">
-        <p14:creationId xmlns:p14="http://schemas.microsoft.com/office/powerpoint/2010/main" val="3952543075"/>
+        <p14:creationId xmlns:p14="http://schemas.microsoft.com/office/powerpoint/2010/main" val="1953159063"/>
       </p:ext>
     </p:extLst>
   </p:cSld>
@@ -4279,7 +4279,7 @@
     </p:spTree>
     <p:extLst>
       <p:ext uri="{BB962C8B-B14F-4D97-AF65-F5344CB8AC3E}">
-        <p14:creationId xmlns:p14="http://schemas.microsoft.com/office/powerpoint/2010/main" val="1183699941"/>
+        <p14:creationId xmlns:p14="http://schemas.microsoft.com/office/powerpoint/2010/main" val="3720229550"/>
       </p:ext>
     </p:extLst>
   </p:cSld>
@@ -4441,7 +4441,7 @@
     </p:spTree>
     <p:extLst>
       <p:ext uri="{BB962C8B-B14F-4D97-AF65-F5344CB8AC3E}">
-        <p14:creationId xmlns:p14="http://schemas.microsoft.com/office/powerpoint/2010/main" val="744779880"/>
+        <p14:creationId xmlns:p14="http://schemas.microsoft.com/office/powerpoint/2010/main" val="2336835711"/>
       </p:ext>
     </p:extLst>
   </p:cSld>
@@ -4608,8 +4608,8 @@
         </p:nvSpPr>
         <p:spPr>
           <a:xfrm>
-            <a:off x="723420" y="1356702"/>
-            <a:ext cx="7886700" cy="4351338"/>
+            <a:off x="376516" y="1374631"/>
+            <a:ext cx="8417860" cy="4351338"/>
           </a:xfrm>
           <a:prstGeom prst="rect">
             <a:avLst/>
@@ -4701,8 +4701,8 @@
         </p:nvSpPr>
         <p:spPr>
           <a:xfrm>
-            <a:off x="723420" y="380325"/>
-            <a:ext cx="7886700" cy="880969"/>
+            <a:off x="376518" y="380325"/>
+            <a:ext cx="8417858" cy="880969"/>
           </a:xfrm>
           <a:prstGeom prst="rect">
             <a:avLst/>
@@ -4725,23 +4725,23 @@
     </p:spTree>
     <p:extLst>
       <p:ext uri="{BB962C8B-B14F-4D97-AF65-F5344CB8AC3E}">
-        <p14:creationId xmlns:p14="http://schemas.microsoft.com/office/powerpoint/2010/main" val="1043256884"/>
+        <p14:creationId xmlns:p14="http://schemas.microsoft.com/office/powerpoint/2010/main" val="3210534554"/>
       </p:ext>
     </p:extLst>
   </p:cSld>
   <p:clrMap bg1="lt1" tx1="dk1" bg2="lt2" tx2="dk2" accent1="accent1" accent2="accent2" accent3="accent3" accent4="accent4" accent5="accent5" accent6="accent6" hlink="hlink" folHlink="folHlink"/>
   <p:sldLayoutIdLst>
-    <p:sldLayoutId id="2147483676" r:id="rId1"/>
-    <p:sldLayoutId id="2147483677" r:id="rId2"/>
-    <p:sldLayoutId id="2147483678" r:id="rId3"/>
-    <p:sldLayoutId id="2147483679" r:id="rId4"/>
-    <p:sldLayoutId id="2147483680" r:id="rId5"/>
-    <p:sldLayoutId id="2147483681" r:id="rId6"/>
-    <p:sldLayoutId id="2147483682" r:id="rId7"/>
+    <p:sldLayoutId id="2147483684" r:id="rId1"/>
+    <p:sldLayoutId id="2147483685" r:id="rId2"/>
+    <p:sldLayoutId id="2147483686" r:id="rId3"/>
+    <p:sldLayoutId id="2147483687" r:id="rId4"/>
+    <p:sldLayoutId id="2147483688" r:id="rId5"/>
+    <p:sldLayoutId id="2147483689" r:id="rId6"/>
+    <p:sldLayoutId id="2147483690" r:id="rId7"/>
   </p:sldLayoutIdLst>
   <p:txStyles>
     <p:titleStyle>
-      <a:lvl1pPr algn="l" defTabSz="914400" rtl="0" eaLnBrk="1" latinLnBrk="0" hangingPunct="1">
+      <a:lvl1pPr algn="ctr" defTabSz="914400" rtl="0" eaLnBrk="1" latinLnBrk="0" hangingPunct="1">
         <a:lnSpc>
           <a:spcPct val="90000"/>
         </a:lnSpc>
@@ -5113,6 +5113,29 @@
       </p:grpSpPr>
       <p:sp>
         <p:nvSpPr>
+          <p:cNvPr id="5" name="Title 4"/>
+          <p:cNvSpPr>
+            <a:spLocks noGrp="1"/>
+          </p:cNvSpPr>
+          <p:nvPr>
+            <p:ph type="title"/>
+          </p:nvPr>
+        </p:nvSpPr>
+        <p:spPr/>
+        <p:txBody>
+          <a:bodyPr/>
+          <a:lstStyle/>
+          <a:p>
+            <a:r>
+              <a:rPr lang="en-US" dirty="0"/>
+              <a:t>What is an Editor</a:t>
+            </a:r>
+            <a:endParaRPr lang="en-GB" dirty="0"/>
+          </a:p>
+        </p:txBody>
+      </p:sp>
+      <p:sp>
+        <p:nvSpPr>
           <p:cNvPr id="3" name="Content Placeholder 2"/>
           <p:cNvSpPr>
             <a:spLocks noGrp="1"/>
@@ -5161,29 +5184,6 @@
               <a:t>emacs</a:t>
             </a:r>
             <a:endParaRPr lang="en-US" dirty="0"/>
-          </a:p>
-        </p:txBody>
-      </p:sp>
-      <p:sp>
-        <p:nvSpPr>
-          <p:cNvPr id="5" name="Title 4"/>
-          <p:cNvSpPr>
-            <a:spLocks noGrp="1"/>
-          </p:cNvSpPr>
-          <p:nvPr>
-            <p:ph type="title"/>
-          </p:nvPr>
-        </p:nvSpPr>
-        <p:spPr/>
-        <p:txBody>
-          <a:bodyPr/>
-          <a:lstStyle/>
-          <a:p>
-            <a:r>
-              <a:rPr lang="en-US" dirty="0"/>
-              <a:t>What is an Editor</a:t>
-            </a:r>
-            <a:endParaRPr lang="en-GB" dirty="0"/>
           </a:p>
         </p:txBody>
       </p:sp>
@@ -5217,6 +5217,33 @@
           <a:chExt cx="0" cy="0"/>
         </a:xfrm>
       </p:grpSpPr>
+      <p:sp>
+        <p:nvSpPr>
+          <p:cNvPr id="7" name="Title 6"/>
+          <p:cNvSpPr>
+            <a:spLocks noGrp="1"/>
+          </p:cNvSpPr>
+          <p:nvPr>
+            <p:ph type="title"/>
+          </p:nvPr>
+        </p:nvSpPr>
+        <p:spPr/>
+        <p:txBody>
+          <a:bodyPr/>
+          <a:lstStyle/>
+          <a:p>
+            <a:r>
+              <a:rPr lang="en-US" dirty="0"/>
+              <a:t>Today we will be using </a:t>
+            </a:r>
+            <a:r>
+              <a:rPr lang="en-US" dirty="0" err="1"/>
+              <a:t>gedit</a:t>
+            </a:r>
+            <a:endParaRPr lang="en-GB" dirty="0"/>
+          </a:p>
+        </p:txBody>
+      </p:sp>
       <p:pic>
         <p:nvPicPr>
           <p:cNvPr id="4" name="Content Placeholder 3"/>
@@ -5238,33 +5265,6 @@
           </a:xfrm>
         </p:spPr>
       </p:pic>
-      <p:sp>
-        <p:nvSpPr>
-          <p:cNvPr id="7" name="Title 6"/>
-          <p:cNvSpPr>
-            <a:spLocks noGrp="1"/>
-          </p:cNvSpPr>
-          <p:nvPr>
-            <p:ph type="title"/>
-          </p:nvPr>
-        </p:nvSpPr>
-        <p:spPr/>
-        <p:txBody>
-          <a:bodyPr/>
-          <a:lstStyle/>
-          <a:p>
-            <a:r>
-              <a:rPr lang="en-US" dirty="0"/>
-              <a:t>Today we will be using </a:t>
-            </a:r>
-            <a:r>
-              <a:rPr lang="en-US" dirty="0" err="1"/>
-              <a:t>gedit</a:t>
-            </a:r>
-            <a:endParaRPr lang="en-GB" dirty="0"/>
-          </a:p>
-        </p:txBody>
-      </p:sp>
     </p:spTree>
     <p:extLst>
       <p:ext uri="{BB962C8B-B14F-4D97-AF65-F5344CB8AC3E}">
@@ -11176,7 +11176,7 @@
   <a:extraClrSchemeLst/>
   <a:extLst>
     <a:ext uri="{05A4C25C-085E-4340-85A3-A5531E510DB2}">
-      <thm15:themeFamily xmlns:thm15="http://schemas.microsoft.com/office/thememl/2012/main" name="UKRI-stfc-nerc-ceda-ncas-nceo-Presentation-Template.pptx" id="{0FBDF782-A45F-4DBA-A38A-5309CF8154AD}" vid="{DBF383B2-4014-42C8-9F90-AC8E3679BB05}"/>
+      <thm15:themeFamily xmlns:thm15="http://schemas.microsoft.com/office/thememl/2012/main" name="UKRI-stfc-nerc-ceda-ncas-nceo-Presentation-Template.pptx" id="{16196DC8-0494-474D-9935-E7D06E7DAD21}" vid="{73A0A59C-1B13-40E9-B94A-99F65E47A944}"/>
     </a:ext>
   </a:extLst>
 </a:theme>

--- a/shell/presentations/0_editors.pptx
+++ b/shell/presentations/0_editors.pptx
@@ -2,7 +2,7 @@
 <file path=ppt/presentation.xml><?xml version="1.0" encoding="utf-8"?>
 <p:presentation xmlns:a="http://schemas.openxmlformats.org/drawingml/2006/main" xmlns:r="http://schemas.openxmlformats.org/officeDocument/2006/relationships" xmlns:p="http://schemas.openxmlformats.org/presentationml/2006/main" saveSubsetFonts="1" autoCompressPictures="0">
   <p:sldMasterIdLst>
-    <p:sldMasterId id="2147483683" r:id="rId1"/>
+    <p:sldMasterId id="2147483691" r:id="rId1"/>
   </p:sldMasterIdLst>
   <p:sldIdLst>
     <p:sldId id="256" r:id="rId2"/>
@@ -167,10 +167,12 @@
           </a:prstGeom>
         </p:spPr>
         <p:txBody>
-          <a:bodyPr anchor="b"/>
+          <a:bodyPr anchor="b">
+            <a:noAutofit/>
+          </a:bodyPr>
           <a:lstStyle>
             <a:lvl1pPr algn="l">
-              <a:defRPr sz="4000" baseline="0">
+              <a:defRPr sz="6000" baseline="0">
                 <a:solidFill>
                   <a:schemeClr val="tx1"/>
                 </a:solidFill>
@@ -205,11 +207,13 @@
           </a:prstGeom>
         </p:spPr>
         <p:txBody>
-          <a:bodyPr/>
+          <a:bodyPr>
+            <a:normAutofit/>
+          </a:bodyPr>
           <a:lstStyle>
             <a:lvl1pPr marL="0" indent="0" algn="l">
               <a:buNone/>
-              <a:defRPr sz="2000">
+              <a:defRPr sz="2400">
                 <a:solidFill>
                   <a:schemeClr val="tx1"/>
                 </a:solidFill>
@@ -255,47 +259,6 @@
               <a:rPr lang="en-US" dirty="0"/>
               <a:t>Subheading</a:t>
             </a:r>
-          </a:p>
-        </p:txBody>
-      </p:sp>
-      <p:sp>
-        <p:nvSpPr>
-          <p:cNvPr id="4" name="Date Placeholder 3"/>
-          <p:cNvSpPr>
-            <a:spLocks noGrp="1"/>
-          </p:cNvSpPr>
-          <p:nvPr>
-            <p:ph type="dt" sz="half" idx="10"/>
-          </p:nvPr>
-        </p:nvSpPr>
-        <p:spPr>
-          <a:xfrm>
-            <a:off x="342718" y="4797452"/>
-            <a:ext cx="2057400" cy="365125"/>
-          </a:xfrm>
-          <a:prstGeom prst="rect">
-            <a:avLst/>
-          </a:prstGeom>
-        </p:spPr>
-        <p:txBody>
-          <a:bodyPr/>
-          <a:lstStyle>
-            <a:lvl1pPr>
-              <a:defRPr sz="1600">
-                <a:solidFill>
-                  <a:schemeClr val="tx1"/>
-                </a:solidFill>
-                <a:latin typeface="+mn-lt"/>
-                <a:cs typeface="Arial" panose="020B0604020202020204" pitchFamily="34" charset="0"/>
-              </a:defRPr>
-            </a:lvl1pPr>
-          </a:lstStyle>
-          <a:p>
-            <a:fld id="{D119BB77-888A-BF43-BE39-D421BFDFAD7D}" type="datetimeFigureOut">
-              <a:rPr lang="en-US" smtClean="0"/>
-              <a:t>9/26/2018</a:t>
-            </a:fld>
-            <a:endParaRPr lang="en-US"/>
           </a:p>
         </p:txBody>
       </p:sp>
@@ -408,7 +371,7 @@
     </p:spTree>
     <p:extLst>
       <p:ext uri="{BB962C8B-B14F-4D97-AF65-F5344CB8AC3E}">
-        <p14:creationId xmlns:p14="http://schemas.microsoft.com/office/powerpoint/2010/main" val="144663251"/>
+        <p14:creationId xmlns:p14="http://schemas.microsoft.com/office/powerpoint/2010/main" val="4217615343"/>
       </p:ext>
     </p:extLst>
   </p:cSld>
@@ -582,7 +545,7 @@
             <a:fld id="{646265C4-D3EB-4033-9F2F-7AE1FCA20C43}" type="datetimeFigureOut">
               <a:rPr lang="en-GB" smtClean="0"/>
               <a:pPr/>
-              <a:t>26/09/2018</a:t>
+              <a:t>27/09/2018</a:t>
             </a:fld>
             <a:endParaRPr lang="en-GB" dirty="0"/>
           </a:p>
@@ -635,7 +598,7 @@
     </p:spTree>
     <p:extLst>
       <p:ext uri="{BB962C8B-B14F-4D97-AF65-F5344CB8AC3E}">
-        <p14:creationId xmlns:p14="http://schemas.microsoft.com/office/powerpoint/2010/main" val="2844718727"/>
+        <p14:creationId xmlns:p14="http://schemas.microsoft.com/office/powerpoint/2010/main" val="2351629511"/>
       </p:ext>
     </p:extLst>
   </p:cSld>
@@ -809,7 +772,7 @@
             <a:fld id="{646265C4-D3EB-4033-9F2F-7AE1FCA20C43}" type="datetimeFigureOut">
               <a:rPr lang="en-GB" smtClean="0"/>
               <a:pPr/>
-              <a:t>26/09/2018</a:t>
+              <a:t>27/09/2018</a:t>
             </a:fld>
             <a:endParaRPr lang="en-GB" dirty="0"/>
           </a:p>
@@ -862,7 +825,7 @@
     </p:spTree>
     <p:extLst>
       <p:ext uri="{BB962C8B-B14F-4D97-AF65-F5344CB8AC3E}">
-        <p14:creationId xmlns:p14="http://schemas.microsoft.com/office/powerpoint/2010/main" val="1800367110"/>
+        <p14:creationId xmlns:p14="http://schemas.microsoft.com/office/powerpoint/2010/main" val="3755466063"/>
       </p:ext>
     </p:extLst>
   </p:cSld>
@@ -2515,7 +2478,7 @@
     </p:spTree>
     <p:extLst>
       <p:ext uri="{BB962C8B-B14F-4D97-AF65-F5344CB8AC3E}">
-        <p14:creationId xmlns:p14="http://schemas.microsoft.com/office/powerpoint/2010/main" val="1782891737"/>
+        <p14:creationId xmlns:p14="http://schemas.microsoft.com/office/powerpoint/2010/main" val="2127593625"/>
       </p:ext>
     </p:extLst>
   </p:cSld>
@@ -4124,7 +4087,7 @@
     </p:spTree>
     <p:extLst>
       <p:ext uri="{BB962C8B-B14F-4D97-AF65-F5344CB8AC3E}">
-        <p14:creationId xmlns:p14="http://schemas.microsoft.com/office/powerpoint/2010/main" val="1953159063"/>
+        <p14:creationId xmlns:p14="http://schemas.microsoft.com/office/powerpoint/2010/main" val="2759626645"/>
       </p:ext>
     </p:extLst>
   </p:cSld>
@@ -4279,7 +4242,7 @@
     </p:spTree>
     <p:extLst>
       <p:ext uri="{BB962C8B-B14F-4D97-AF65-F5344CB8AC3E}">
-        <p14:creationId xmlns:p14="http://schemas.microsoft.com/office/powerpoint/2010/main" val="3720229550"/>
+        <p14:creationId xmlns:p14="http://schemas.microsoft.com/office/powerpoint/2010/main" val="629543285"/>
       </p:ext>
     </p:extLst>
   </p:cSld>
@@ -4441,7 +4404,7 @@
     </p:spTree>
     <p:extLst>
       <p:ext uri="{BB962C8B-B14F-4D97-AF65-F5344CB8AC3E}">
-        <p14:creationId xmlns:p14="http://schemas.microsoft.com/office/powerpoint/2010/main" val="2336835711"/>
+        <p14:creationId xmlns:p14="http://schemas.microsoft.com/office/powerpoint/2010/main" val="2403735925"/>
       </p:ext>
     </p:extLst>
   </p:cSld>
@@ -4725,19 +4688,19 @@
     </p:spTree>
     <p:extLst>
       <p:ext uri="{BB962C8B-B14F-4D97-AF65-F5344CB8AC3E}">
-        <p14:creationId xmlns:p14="http://schemas.microsoft.com/office/powerpoint/2010/main" val="3210534554"/>
+        <p14:creationId xmlns:p14="http://schemas.microsoft.com/office/powerpoint/2010/main" val="1703620582"/>
       </p:ext>
     </p:extLst>
   </p:cSld>
   <p:clrMap bg1="lt1" tx1="dk1" bg2="lt2" tx2="dk2" accent1="accent1" accent2="accent2" accent3="accent3" accent4="accent4" accent5="accent5" accent6="accent6" hlink="hlink" folHlink="folHlink"/>
   <p:sldLayoutIdLst>
-    <p:sldLayoutId id="2147483684" r:id="rId1"/>
-    <p:sldLayoutId id="2147483685" r:id="rId2"/>
-    <p:sldLayoutId id="2147483686" r:id="rId3"/>
-    <p:sldLayoutId id="2147483687" r:id="rId4"/>
-    <p:sldLayoutId id="2147483688" r:id="rId5"/>
-    <p:sldLayoutId id="2147483689" r:id="rId6"/>
-    <p:sldLayoutId id="2147483690" r:id="rId7"/>
+    <p:sldLayoutId id="2147483692" r:id="rId1"/>
+    <p:sldLayoutId id="2147483693" r:id="rId2"/>
+    <p:sldLayoutId id="2147483694" r:id="rId3"/>
+    <p:sldLayoutId id="2147483695" r:id="rId4"/>
+    <p:sldLayoutId id="2147483696" r:id="rId5"/>
+    <p:sldLayoutId id="2147483697" r:id="rId6"/>
+    <p:sldLayoutId id="2147483698" r:id="rId7"/>
   </p:sldLayoutIdLst>
   <p:txStyles>
     <p:titleStyle>
@@ -5260,8 +5223,8 @@
         </p:blipFill>
         <p:spPr>
           <a:xfrm>
-            <a:off x="1574439" y="1597944"/>
-            <a:ext cx="6127872" cy="4351337"/>
+            <a:off x="1521557" y="1374775"/>
+            <a:ext cx="6127873" cy="4351338"/>
           </a:xfrm>
         </p:spPr>
       </p:pic>
@@ -11176,7 +11139,7 @@
   <a:extraClrSchemeLst/>
   <a:extLst>
     <a:ext uri="{05A4C25C-085E-4340-85A3-A5531E510DB2}">
-      <thm15:themeFamily xmlns:thm15="http://schemas.microsoft.com/office/thememl/2012/main" name="UKRI-stfc-nerc-ceda-ncas-nceo-Presentation-Template.pptx" id="{16196DC8-0494-474D-9935-E7D06E7DAD21}" vid="{73A0A59C-1B13-40E9-B94A-99F65E47A944}"/>
+      <thm15:themeFamily xmlns:thm15="http://schemas.microsoft.com/office/thememl/2012/main" name="UKRI-stfc-nerc-ceda-ncas-nceo-Presentation-Template.pptx" id="{3736A5D0-76B6-4662-A043-28C0DDEBD04C}" vid="{B185B2AC-9719-4A75-B66D-4B9C98123E3E}"/>
     </a:ext>
   </a:extLst>
 </a:theme>

--- a/shell/presentations/0_editors.pptx
+++ b/shell/presentations/0_editors.pptx
@@ -545,7 +545,7 @@
             <a:fld id="{646265C4-D3EB-4033-9F2F-7AE1FCA20C43}" type="datetimeFigureOut">
               <a:rPr lang="en-GB" smtClean="0"/>
               <a:pPr/>
-              <a:t>27/09/2018</a:t>
+              <a:t>03/10/2018</a:t>
             </a:fld>
             <a:endParaRPr lang="en-GB" dirty="0"/>
           </a:p>
@@ -772,7 +772,7 @@
             <a:fld id="{646265C4-D3EB-4033-9F2F-7AE1FCA20C43}" type="datetimeFigureOut">
               <a:rPr lang="en-GB" smtClean="0"/>
               <a:pPr/>
-              <a:t>27/09/2018</a:t>
+              <a:t>03/10/2018</a:t>
             </a:fld>
             <a:endParaRPr lang="en-GB" dirty="0"/>
           </a:p>
@@ -5019,7 +5019,11 @@
           <a:p>
             <a:r>
               <a:rPr lang="en-US" dirty="0" smtClean="0"/>
-              <a:t>Text Editors and Terminals</a:t>
+              <a:t>The </a:t>
+            </a:r>
+            <a:r>
+              <a:rPr lang="en-US" smtClean="0"/>
+              <a:t>Unix Shell</a:t>
             </a:r>
             <a:endParaRPr lang="en-US" dirty="0"/>
           </a:p>
@@ -5040,6 +5044,10 @@
           <a:bodyPr/>
           <a:lstStyle/>
           <a:p>
+            <a:r>
+              <a:rPr lang="en-US" dirty="0"/>
+              <a:t>Text Editors and Terminals</a:t>
+            </a:r>
             <a:endParaRPr lang="en-US" dirty="0"/>
           </a:p>
         </p:txBody>
